--- a/2_Wprowadzenie_do_bezpieczenstwa_IT.pptx
+++ b/2_Wprowadzenie_do_bezpieczenstwa_IT.pptx
@@ -287,7 +287,7 @@
           <a:p>
             <a:fld id="{5030ED2E-3D69-483A-A1D3-737DA805A09E}" type="datetimeFigureOut">
               <a:rPr lang="en-US" smtClean="0"/>
-              <a:t>11/1/2020</a:t>
+              <a:t>4/17/2022</a:t>
             </a:fld>
             <a:endParaRPr lang="en-US"/>
           </a:p>
@@ -874,7 +874,7 @@
           <a:p>
             <a:fld id="{ECC34D63-B9C8-4C03-BEE1-E5EE606B8F38}" type="datetimeFigureOut">
               <a:rPr lang="en-US" smtClean="0"/>
-              <a:t>11/1/2020</a:t>
+              <a:t>4/17/2022</a:t>
             </a:fld>
             <a:endParaRPr lang="en-US"/>
           </a:p>
@@ -1072,7 +1072,7 @@
           <a:p>
             <a:fld id="{ECC34D63-B9C8-4C03-BEE1-E5EE606B8F38}" type="datetimeFigureOut">
               <a:rPr lang="en-US" smtClean="0"/>
-              <a:t>11/1/2020</a:t>
+              <a:t>4/17/2022</a:t>
             </a:fld>
             <a:endParaRPr lang="en-US"/>
           </a:p>
@@ -1280,7 +1280,7 @@
           <a:p>
             <a:fld id="{ECC34D63-B9C8-4C03-BEE1-E5EE606B8F38}" type="datetimeFigureOut">
               <a:rPr lang="en-US" smtClean="0"/>
-              <a:t>11/1/2020</a:t>
+              <a:t>4/17/2022</a:t>
             </a:fld>
             <a:endParaRPr lang="en-US"/>
           </a:p>
@@ -1478,7 +1478,7 @@
           <a:p>
             <a:fld id="{ECC34D63-B9C8-4C03-BEE1-E5EE606B8F38}" type="datetimeFigureOut">
               <a:rPr lang="en-US" smtClean="0"/>
-              <a:t>11/1/2020</a:t>
+              <a:t>4/17/2022</a:t>
             </a:fld>
             <a:endParaRPr lang="en-US"/>
           </a:p>
@@ -1753,7 +1753,7 @@
           <a:p>
             <a:fld id="{ECC34D63-B9C8-4C03-BEE1-E5EE606B8F38}" type="datetimeFigureOut">
               <a:rPr lang="en-US" smtClean="0"/>
-              <a:t>11/1/2020</a:t>
+              <a:t>4/17/2022</a:t>
             </a:fld>
             <a:endParaRPr lang="en-US"/>
           </a:p>
@@ -2018,7 +2018,7 @@
           <a:p>
             <a:fld id="{ECC34D63-B9C8-4C03-BEE1-E5EE606B8F38}" type="datetimeFigureOut">
               <a:rPr lang="en-US" smtClean="0"/>
-              <a:t>11/1/2020</a:t>
+              <a:t>4/17/2022</a:t>
             </a:fld>
             <a:endParaRPr lang="en-US"/>
           </a:p>
@@ -2430,7 +2430,7 @@
           <a:p>
             <a:fld id="{ECC34D63-B9C8-4C03-BEE1-E5EE606B8F38}" type="datetimeFigureOut">
               <a:rPr lang="en-US" smtClean="0"/>
-              <a:t>11/1/2020</a:t>
+              <a:t>4/17/2022</a:t>
             </a:fld>
             <a:endParaRPr lang="en-US"/>
           </a:p>
@@ -2571,7 +2571,7 @@
           <a:p>
             <a:fld id="{ECC34D63-B9C8-4C03-BEE1-E5EE606B8F38}" type="datetimeFigureOut">
               <a:rPr lang="en-US" smtClean="0"/>
-              <a:t>11/1/2020</a:t>
+              <a:t>4/17/2022</a:t>
             </a:fld>
             <a:endParaRPr lang="en-US"/>
           </a:p>
@@ -2684,7 +2684,7 @@
           <a:p>
             <a:fld id="{ECC34D63-B9C8-4C03-BEE1-E5EE606B8F38}" type="datetimeFigureOut">
               <a:rPr lang="en-US" smtClean="0"/>
-              <a:t>11/1/2020</a:t>
+              <a:t>4/17/2022</a:t>
             </a:fld>
             <a:endParaRPr lang="en-US"/>
           </a:p>
@@ -2995,7 +2995,7 @@
           <a:p>
             <a:fld id="{ECC34D63-B9C8-4C03-BEE1-E5EE606B8F38}" type="datetimeFigureOut">
               <a:rPr lang="en-US" smtClean="0"/>
-              <a:t>11/1/2020</a:t>
+              <a:t>4/17/2022</a:t>
             </a:fld>
             <a:endParaRPr lang="en-US"/>
           </a:p>
@@ -3283,7 +3283,7 @@
           <a:p>
             <a:fld id="{ECC34D63-B9C8-4C03-BEE1-E5EE606B8F38}" type="datetimeFigureOut">
               <a:rPr lang="en-US" smtClean="0"/>
-              <a:t>11/1/2020</a:t>
+              <a:t>4/17/2022</a:t>
             </a:fld>
             <a:endParaRPr lang="en-US"/>
           </a:p>
@@ -3524,7 +3524,7 @@
           <a:p>
             <a:fld id="{ECC34D63-B9C8-4C03-BEE1-E5EE606B8F38}" type="datetimeFigureOut">
               <a:rPr lang="en-US" smtClean="0"/>
-              <a:t>11/1/2020</a:t>
+              <a:t>4/17/2022</a:t>
             </a:fld>
             <a:endParaRPr lang="en-US"/>
           </a:p>
@@ -3983,7 +3983,9 @@
           </a:solidFill>
         </p:spPr>
         <p:txBody>
-          <a:bodyPr/>
+          <a:bodyPr>
+            <a:normAutofit fontScale="90000"/>
+          </a:bodyPr>
           <a:lstStyle/>
           <a:p>
             <a:pPr marL="21613" indent="-11527" algn="ctr">
@@ -4312,7 +4314,9 @@
           </a:xfrm>
         </p:spPr>
         <p:txBody>
-          <a:bodyPr/>
+          <a:bodyPr>
+            <a:normAutofit fontScale="90000"/>
+          </a:bodyPr>
           <a:lstStyle/>
           <a:p>
             <a:pPr>
@@ -4434,7 +4438,9 @@
           </a:xfrm>
         </p:spPr>
         <p:txBody>
-          <a:bodyPr/>
+          <a:bodyPr>
+            <a:normAutofit fontScale="90000"/>
+          </a:bodyPr>
           <a:lstStyle/>
           <a:p>
             <a:pPr algn="ctr">
@@ -8692,7 +8698,9 @@
           </a:xfrm>
         </p:spPr>
         <p:txBody>
-          <a:bodyPr/>
+          <a:bodyPr>
+            <a:normAutofit fontScale="90000"/>
+          </a:bodyPr>
           <a:lstStyle/>
           <a:p>
             <a:pPr>
@@ -9491,7 +9499,9 @@
           </a:xfrm>
         </p:spPr>
         <p:txBody>
-          <a:bodyPr/>
+          <a:bodyPr>
+            <a:normAutofit fontScale="90000"/>
+          </a:bodyPr>
           <a:lstStyle/>
           <a:p>
             <a:pPr>
@@ -10076,7 +10086,9 @@
           </a:xfrm>
         </p:spPr>
         <p:txBody>
-          <a:bodyPr/>
+          <a:bodyPr>
+            <a:normAutofit fontScale="90000"/>
+          </a:bodyPr>
           <a:lstStyle/>
           <a:p>
             <a:pPr>
@@ -10801,7 +10813,9 @@
           </a:xfrm>
         </p:spPr>
         <p:txBody>
-          <a:bodyPr/>
+          <a:bodyPr>
+            <a:normAutofit fontScale="90000"/>
+          </a:bodyPr>
           <a:lstStyle/>
           <a:p>
             <a:pPr>
@@ -11584,7 +11598,9 @@
           </a:xfrm>
         </p:spPr>
         <p:txBody>
-          <a:bodyPr/>
+          <a:bodyPr>
+            <a:normAutofit fontScale="90000"/>
+          </a:bodyPr>
           <a:lstStyle/>
           <a:p>
             <a:pPr>
@@ -11912,7 +11928,9 @@
           </a:xfrm>
         </p:spPr>
         <p:txBody>
-          <a:bodyPr/>
+          <a:bodyPr>
+            <a:normAutofit fontScale="90000"/>
+          </a:bodyPr>
           <a:lstStyle/>
           <a:p>
             <a:pPr>
@@ -12269,7 +12287,9 @@
           </a:xfrm>
         </p:spPr>
         <p:txBody>
-          <a:bodyPr/>
+          <a:bodyPr>
+            <a:normAutofit fontScale="90000"/>
+          </a:bodyPr>
           <a:lstStyle/>
           <a:p>
             <a:pPr>
@@ -12515,7 +12535,7 @@
         </p:spPr>
         <p:txBody>
           <a:bodyPr vert="horz" lIns="91440" tIns="190407" rIns="91440" bIns="45720" rtlCol="0" anchor="ctr">
-            <a:normAutofit/>
+            <a:normAutofit fontScale="90000"/>
           </a:bodyPr>
           <a:lstStyle/>
           <a:p>
@@ -12605,7 +12625,9 @@
           </a:xfrm>
         </p:spPr>
         <p:txBody>
-          <a:bodyPr/>
+          <a:bodyPr>
+            <a:normAutofit fontScale="90000"/>
+          </a:bodyPr>
           <a:lstStyle/>
           <a:p>
             <a:pPr>
@@ -12644,7 +12666,9 @@
           </a:xfrm>
         </p:spPr>
         <p:txBody>
-          <a:bodyPr/>
+          <a:bodyPr>
+            <a:normAutofit fontScale="47500" lnSpcReduction="20000"/>
+          </a:bodyPr>
           <a:lstStyle/>
           <a:p>
             <a:pPr marL="0" indent="0">
@@ -12755,7 +12779,9 @@
           </a:xfrm>
         </p:spPr>
         <p:txBody>
-          <a:bodyPr/>
+          <a:bodyPr>
+            <a:normAutofit fontScale="90000"/>
+          </a:bodyPr>
           <a:lstStyle/>
           <a:p>
             <a:pPr>
@@ -12794,7 +12820,9 @@
           </a:xfrm>
         </p:spPr>
         <p:txBody>
-          <a:bodyPr/>
+          <a:bodyPr>
+            <a:normAutofit lnSpcReduction="10000"/>
+          </a:bodyPr>
           <a:lstStyle/>
           <a:p>
             <a:pPr marL="0" indent="0">
@@ -12898,7 +12926,9 @@
           </a:xfrm>
         </p:spPr>
         <p:txBody>
-          <a:bodyPr/>
+          <a:bodyPr>
+            <a:normAutofit fontScale="90000"/>
+          </a:bodyPr>
           <a:lstStyle/>
           <a:p>
             <a:pPr>
@@ -12937,7 +12967,9 @@
           </a:xfrm>
         </p:spPr>
         <p:txBody>
-          <a:bodyPr/>
+          <a:bodyPr>
+            <a:normAutofit lnSpcReduction="10000"/>
+          </a:bodyPr>
           <a:lstStyle/>
           <a:p>
             <a:pPr marL="0" indent="0">
@@ -13041,7 +13073,9 @@
           </a:xfrm>
         </p:spPr>
         <p:txBody>
-          <a:bodyPr/>
+          <a:bodyPr>
+            <a:normAutofit fontScale="90000"/>
+          </a:bodyPr>
           <a:lstStyle/>
           <a:p>
             <a:pPr>
@@ -13080,7 +13114,9 @@
           </a:xfrm>
         </p:spPr>
         <p:txBody>
-          <a:bodyPr/>
+          <a:bodyPr>
+            <a:normAutofit lnSpcReduction="10000"/>
+          </a:bodyPr>
           <a:lstStyle/>
           <a:p>
             <a:pPr marL="0" indent="0">
@@ -13184,7 +13220,9 @@
           </a:xfrm>
         </p:spPr>
         <p:txBody>
-          <a:bodyPr/>
+          <a:bodyPr>
+            <a:normAutofit fontScale="90000"/>
+          </a:bodyPr>
           <a:lstStyle/>
           <a:p>
             <a:pPr>
@@ -13223,7 +13261,9 @@
           </a:xfrm>
         </p:spPr>
         <p:txBody>
-          <a:bodyPr/>
+          <a:bodyPr>
+            <a:normAutofit lnSpcReduction="10000"/>
+          </a:bodyPr>
           <a:lstStyle/>
           <a:p>
             <a:pPr marL="0" indent="0">
@@ -13327,7 +13367,9 @@
           </a:xfrm>
         </p:spPr>
         <p:txBody>
-          <a:bodyPr/>
+          <a:bodyPr>
+            <a:normAutofit fontScale="90000"/>
+          </a:bodyPr>
           <a:lstStyle/>
           <a:p>
             <a:pPr>
@@ -13366,7 +13408,9 @@
           </a:xfrm>
         </p:spPr>
         <p:txBody>
-          <a:bodyPr/>
+          <a:bodyPr>
+            <a:normAutofit lnSpcReduction="10000"/>
+          </a:bodyPr>
           <a:lstStyle/>
           <a:p>
             <a:pPr marL="0" indent="0">
@@ -13717,7 +13761,9 @@
           </a:xfrm>
         </p:spPr>
         <p:txBody>
-          <a:bodyPr/>
+          <a:bodyPr>
+            <a:normAutofit fontScale="90000"/>
+          </a:bodyPr>
           <a:lstStyle/>
           <a:p>
             <a:pPr>
@@ -13756,7 +13802,9 @@
           </a:xfrm>
         </p:spPr>
         <p:txBody>
-          <a:bodyPr/>
+          <a:bodyPr>
+            <a:normAutofit lnSpcReduction="10000"/>
+          </a:bodyPr>
           <a:lstStyle/>
           <a:p>
             <a:pPr marL="0" indent="0">
@@ -14144,7 +14192,9 @@
           </a:xfrm>
         </p:spPr>
         <p:txBody>
-          <a:bodyPr/>
+          <a:bodyPr>
+            <a:normAutofit fontScale="90000"/>
+          </a:bodyPr>
           <a:lstStyle/>
           <a:p>
             <a:pPr>
@@ -14385,7 +14435,9 @@
           </a:xfrm>
         </p:spPr>
         <p:txBody>
-          <a:bodyPr/>
+          <a:bodyPr>
+            <a:normAutofit fontScale="90000"/>
+          </a:bodyPr>
           <a:lstStyle/>
           <a:p>
             <a:pPr>
@@ -14425,7 +14477,7 @@
         </p:spPr>
         <p:txBody>
           <a:bodyPr>
-            <a:normAutofit/>
+            <a:normAutofit lnSpcReduction="10000"/>
           </a:bodyPr>
           <a:lstStyle/>
           <a:p>
@@ -14728,7 +14780,9 @@
           </a:xfrm>
         </p:spPr>
         <p:txBody>
-          <a:bodyPr/>
+          <a:bodyPr>
+            <a:normAutofit fontScale="90000"/>
+          </a:bodyPr>
           <a:lstStyle/>
           <a:p>
             <a:pPr>
@@ -15310,7 +15364,9 @@
           </a:xfrm>
         </p:spPr>
         <p:txBody>
-          <a:bodyPr/>
+          <a:bodyPr>
+            <a:normAutofit fontScale="90000"/>
+          </a:bodyPr>
           <a:lstStyle/>
           <a:p>
             <a:pPr>
@@ -15350,7 +15406,7 @@
         </p:spPr>
         <p:txBody>
           <a:bodyPr>
-            <a:normAutofit/>
+            <a:normAutofit lnSpcReduction="10000"/>
           </a:bodyPr>
           <a:lstStyle/>
           <a:p>
@@ -15471,7 +15527,9 @@
           </a:xfrm>
         </p:spPr>
         <p:txBody>
-          <a:bodyPr/>
+          <a:bodyPr>
+            <a:normAutofit fontScale="90000"/>
+          </a:bodyPr>
           <a:lstStyle/>
           <a:p>
             <a:pPr>
@@ -15602,7 +15660,9 @@
           </a:xfrm>
         </p:spPr>
         <p:txBody>
-          <a:bodyPr/>
+          <a:bodyPr>
+            <a:normAutofit fontScale="90000"/>
+          </a:bodyPr>
           <a:lstStyle/>
           <a:p>
             <a:pPr>
@@ -15755,7 +15815,9 @@
           </a:xfrm>
         </p:spPr>
         <p:txBody>
-          <a:bodyPr/>
+          <a:bodyPr>
+            <a:normAutofit fontScale="90000"/>
+          </a:bodyPr>
           <a:lstStyle/>
           <a:p>
             <a:pPr>
@@ -16010,7 +16072,9 @@
           </a:xfrm>
         </p:spPr>
         <p:txBody>
-          <a:bodyPr/>
+          <a:bodyPr>
+            <a:normAutofit fontScale="90000"/>
+          </a:bodyPr>
           <a:lstStyle/>
           <a:p>
             <a:pPr>
@@ -16188,7 +16252,9 @@
           </a:xfrm>
         </p:spPr>
         <p:txBody>
-          <a:bodyPr/>
+          <a:bodyPr>
+            <a:normAutofit fontScale="90000"/>
+          </a:bodyPr>
           <a:lstStyle/>
           <a:p>
             <a:pPr>
@@ -16577,7 +16643,9 @@
           </a:xfrm>
         </p:spPr>
         <p:txBody>
-          <a:bodyPr/>
+          <a:bodyPr>
+            <a:normAutofit fontScale="90000"/>
+          </a:bodyPr>
           <a:lstStyle/>
           <a:p>
             <a:pPr>
@@ -17472,7 +17540,9 @@
           </a:xfrm>
         </p:spPr>
         <p:txBody>
-          <a:bodyPr/>
+          <a:bodyPr>
+            <a:normAutofit fontScale="90000"/>
+          </a:bodyPr>
           <a:lstStyle/>
           <a:p>
             <a:pPr algn="ctr">
@@ -17619,7 +17689,9 @@
           </a:xfrm>
         </p:spPr>
         <p:txBody>
-          <a:bodyPr/>
+          <a:bodyPr>
+            <a:normAutofit fontScale="90000"/>
+          </a:bodyPr>
           <a:lstStyle/>
           <a:p>
             <a:pPr algn="ctr">
@@ -17766,7 +17838,9 @@
           </a:xfrm>
         </p:spPr>
         <p:txBody>
-          <a:bodyPr/>
+          <a:bodyPr>
+            <a:normAutofit fontScale="90000"/>
+          </a:bodyPr>
           <a:lstStyle/>
           <a:p>
             <a:pPr algn="ctr">
@@ -17962,7 +18036,9 @@
           </a:xfrm>
         </p:spPr>
         <p:txBody>
-          <a:bodyPr/>
+          <a:bodyPr>
+            <a:normAutofit fontScale="90000"/>
+          </a:bodyPr>
           <a:lstStyle/>
           <a:p>
             <a:pPr algn="ctr">
@@ -18109,7 +18185,9 @@
           </a:xfrm>
         </p:spPr>
         <p:txBody>
-          <a:bodyPr/>
+          <a:bodyPr>
+            <a:normAutofit fontScale="90000"/>
+          </a:bodyPr>
           <a:lstStyle/>
           <a:p>
             <a:pPr algn="ctr">
@@ -18265,7 +18343,7 @@
         </p:spPr>
         <p:txBody>
           <a:bodyPr vert="horz" lIns="91440" tIns="190407" rIns="91440" bIns="45720" rtlCol="0" anchor="ctr">
-            <a:normAutofit/>
+            <a:normAutofit fontScale="90000"/>
           </a:bodyPr>
           <a:lstStyle/>
           <a:p>
@@ -18769,7 +18847,9 @@
           </a:xfrm>
         </p:spPr>
         <p:txBody>
-          <a:bodyPr/>
+          <a:bodyPr>
+            <a:normAutofit fontScale="90000"/>
+          </a:bodyPr>
           <a:lstStyle/>
           <a:p>
             <a:pPr algn="ctr">
@@ -19219,7 +19299,9 @@
           </a:xfrm>
         </p:spPr>
         <p:txBody>
-          <a:bodyPr/>
+          <a:bodyPr>
+            <a:normAutofit lnSpcReduction="10000"/>
+          </a:bodyPr>
           <a:lstStyle/>
           <a:p>
             <a:pPr marL="0" indent="0">
@@ -19443,7 +19525,9 @@
           </a:xfrm>
         </p:spPr>
         <p:txBody>
-          <a:bodyPr/>
+          <a:bodyPr>
+            <a:normAutofit fontScale="90000"/>
+          </a:bodyPr>
           <a:lstStyle/>
           <a:p>
             <a:pPr algn="ctr">
@@ -19512,7 +19596,9 @@
           </a:xfrm>
         </p:spPr>
         <p:txBody>
-          <a:bodyPr/>
+          <a:bodyPr>
+            <a:normAutofit fontScale="90000"/>
+          </a:bodyPr>
           <a:lstStyle/>
           <a:p>
             <a:pPr algn="ctr">
@@ -19749,7 +19835,9 @@
           </a:xfrm>
         </p:spPr>
         <p:txBody>
-          <a:bodyPr/>
+          <a:bodyPr>
+            <a:normAutofit lnSpcReduction="10000"/>
+          </a:bodyPr>
           <a:lstStyle/>
           <a:p>
             <a:pPr marL="0" indent="0">
@@ -19907,12 +19995,51 @@
               <a:defRPr/>
             </a:pPr>
             <a:r>
-              <a:rPr lang="en-US" sz="4356" b="1" u="sng">
+              <a:rPr lang="en-US" sz="4356" b="1" u="sng" dirty="0">
                 <a:latin typeface="Consolas" panose="020B0609020204030204" pitchFamily="49" charset="0"/>
                 <a:cs typeface="Arial" panose="020B0604020202020204" pitchFamily="34" charset="0"/>
               </a:rPr>
-              <a:t>25 najgroźniejszych podatności w 2020</a:t>
-            </a:r>
+              <a:t>25 </a:t>
+            </a:r>
+            <a:r>
+              <a:rPr lang="en-US" sz="4356" b="1" u="sng" dirty="0" err="1">
+                <a:latin typeface="Consolas" panose="020B0609020204030204" pitchFamily="49" charset="0"/>
+                <a:cs typeface="Arial" panose="020B0604020202020204" pitchFamily="34" charset="0"/>
+              </a:rPr>
+              <a:t>najgroźniejszych</a:t>
+            </a:r>
+            <a:r>
+              <a:rPr lang="en-US" sz="4356" b="1" u="sng" dirty="0">
+                <a:latin typeface="Consolas" panose="020B0609020204030204" pitchFamily="49" charset="0"/>
+                <a:cs typeface="Arial" panose="020B0604020202020204" pitchFamily="34" charset="0"/>
+              </a:rPr>
+              <a:t> </a:t>
+            </a:r>
+            <a:r>
+              <a:rPr lang="en-US" sz="4356" b="1" u="sng" dirty="0" err="1">
+                <a:latin typeface="Consolas" panose="020B0609020204030204" pitchFamily="49" charset="0"/>
+                <a:cs typeface="Arial" panose="020B0604020202020204" pitchFamily="34" charset="0"/>
+              </a:rPr>
+              <a:t>podatności</a:t>
+            </a:r>
+            <a:r>
+              <a:rPr lang="en-US" sz="4356" b="1" u="sng" dirty="0">
+                <a:latin typeface="Consolas" panose="020B0609020204030204" pitchFamily="49" charset="0"/>
+                <a:cs typeface="Arial" panose="020B0604020202020204" pitchFamily="34" charset="0"/>
+              </a:rPr>
+              <a:t> w 202</a:t>
+            </a:r>
+            <a:r>
+              <a:rPr lang="pl-PL" sz="4356" b="1" u="sng" dirty="0">
+                <a:latin typeface="Consolas" panose="020B0609020204030204" pitchFamily="49" charset="0"/>
+                <a:cs typeface="Arial" panose="020B0604020202020204" pitchFamily="34" charset="0"/>
+              </a:rPr>
+              <a:t>1</a:t>
+            </a:r>
+            <a:endParaRPr lang="en-US" sz="4356" b="1" u="sng" dirty="0">
+              <a:latin typeface="Consolas" panose="020B0609020204030204" pitchFamily="49" charset="0"/>
+              <a:cs typeface="Arial" panose="020B0604020202020204" pitchFamily="34" charset="0"/>
+            </a:endParaRPr>
           </a:p>
         </p:txBody>
       </p:sp>
@@ -19930,8 +20057,8 @@
         </p:nvSpPr>
         <p:spPr>
           <a:xfrm>
-            <a:off x="75028" y="930154"/>
-            <a:ext cx="9794240" cy="369332"/>
+            <a:off x="389064" y="989291"/>
+            <a:ext cx="8662572" cy="369332"/>
           </a:xfrm>
           <a:prstGeom prst="rect">
             <a:avLst/>
@@ -19945,34 +20072,37 @@
           <a:lstStyle/>
           <a:p>
             <a:r>
-              <a:rPr lang="en-US"/>
-              <a:t>Źródło: </a:t>
-            </a:r>
-            <a:r>
-              <a:rPr lang="en-US">
-                <a:solidFill>
-                  <a:srgbClr val="0563C1"/>
-                </a:solidFill>
-                <a:hlinkClick r:id="rId2">
-                  <a:extLst>
-                    <a:ext uri="{A12FA001-AC4F-418D-AE19-62706E023703}">
-                      <ahyp:hlinkClr xmlns:ahyp="http://schemas.microsoft.com/office/drawing/2018/hyperlinkcolor" val="tx"/>
-                    </a:ext>
-                  </a:extLst>
-                </a:hlinkClick>
-              </a:rPr>
-              <a:t>https://cwe.mitre.org/top25/archive/2020/2020_cwe_top25.html</a:t>
-            </a:r>
-            <a:endParaRPr lang="en-US"/>
+              <a:rPr lang="en-US" dirty="0" err="1"/>
+              <a:t>Źródło</a:t>
+            </a:r>
+            <a:r>
+              <a:rPr lang="en-US" dirty="0"/>
+              <a:t>:</a:t>
+            </a:r>
+            <a:r>
+              <a:rPr lang="pl-PL" dirty="0"/>
+              <a:t> </a:t>
+            </a:r>
+            <a:r>
+              <a:rPr lang="pl-PL" dirty="0">
+                <a:hlinkClick r:id="rId2"/>
+              </a:rPr>
+              <a:t>https://cwe.mitre.org/top25/archive/2021/2021_cwe_top25.html</a:t>
+            </a:r>
+            <a:r>
+              <a:rPr lang="pl-PL" dirty="0"/>
+              <a:t> </a:t>
+            </a:r>
+            <a:endParaRPr lang="en-US" dirty="0"/>
           </a:p>
         </p:txBody>
       </p:sp>
       <p:pic>
         <p:nvPicPr>
-          <p:cNvPr id="6" name="Picture 5">
-            <a:extLst>
-              <a:ext uri="{FF2B5EF4-FFF2-40B4-BE49-F238E27FC236}">
-                <a16:creationId xmlns:a16="http://schemas.microsoft.com/office/drawing/2014/main" id="{F9DAB193-FD58-481A-A222-882764CE5A48}"/>
+          <p:cNvPr id="4" name="Picture 3">
+            <a:extLst>
+              <a:ext uri="{FF2B5EF4-FFF2-40B4-BE49-F238E27FC236}">
+                <a16:creationId xmlns:a16="http://schemas.microsoft.com/office/drawing/2014/main" id="{004536D1-4974-4E08-87C6-CED7931F3AFA}"/>
               </a:ext>
             </a:extLst>
           </p:cNvPr>
@@ -19989,8 +20119,8 @@
         </p:blipFill>
         <p:spPr>
           <a:xfrm>
-            <a:off x="2095500" y="1358623"/>
-            <a:ext cx="8222662" cy="5499377"/>
+            <a:off x="1955612" y="1335052"/>
+            <a:ext cx="8280775" cy="5522948"/>
           </a:xfrm>
           <a:prstGeom prst="rect">
             <a:avLst/>
@@ -20324,7 +20454,7 @@
         </p:spPr>
         <p:txBody>
           <a:bodyPr vert="horz" lIns="91440" tIns="190407" rIns="91440" bIns="45720" rtlCol="0" anchor="ctr">
-            <a:normAutofit/>
+            <a:normAutofit fontScale="90000"/>
           </a:bodyPr>
           <a:lstStyle/>
           <a:p>
@@ -20452,7 +20582,9 @@
           </a:xfrm>
         </p:spPr>
         <p:txBody>
-          <a:bodyPr/>
+          <a:bodyPr>
+            <a:normAutofit fontScale="90000"/>
+          </a:bodyPr>
           <a:lstStyle/>
           <a:p>
             <a:pPr>
@@ -20698,7 +20830,9 @@
           </a:xfrm>
         </p:spPr>
         <p:txBody>
-          <a:bodyPr/>
+          <a:bodyPr>
+            <a:normAutofit fontScale="90000"/>
+          </a:bodyPr>
           <a:lstStyle/>
           <a:p>
             <a:pPr>
@@ -20941,7 +21075,9 @@
           </a:xfrm>
         </p:spPr>
         <p:txBody>
-          <a:bodyPr/>
+          <a:bodyPr>
+            <a:normAutofit fontScale="90000"/>
+          </a:bodyPr>
           <a:lstStyle/>
           <a:p>
             <a:pPr>
@@ -21258,7 +21394,9 @@
           </a:xfrm>
         </p:spPr>
         <p:txBody>
-          <a:bodyPr/>
+          <a:bodyPr>
+            <a:normAutofit fontScale="90000"/>
+          </a:bodyPr>
           <a:lstStyle/>
           <a:p>
             <a:pPr>
@@ -21481,58 +21619,945 @@
           <a:lstStyle/>
           <a:p>
             <a:r>
-              <a:rPr lang="en-US" altLang="en-US" sz="2400">
-                <a:latin typeface="DejaVu Sans" pitchFamily="34" charset="0"/>
-                <a:cs typeface="DejaVu Sans" pitchFamily="34" charset="0"/>
-              </a:rPr>
-              <a:t>Termin 0day używany jest w odniesieniu do:</a:t>
+              <a:rPr lang="en-US" altLang="en-US" sz="2400" dirty="0" err="1">
+                <a:latin typeface="DejaVu Sans" pitchFamily="34" charset="0"/>
+                <a:cs typeface="DejaVu Sans" pitchFamily="34" charset="0"/>
+              </a:rPr>
+              <a:t>Termin</a:t>
+            </a:r>
+            <a:r>
+              <a:rPr lang="en-US" altLang="en-US" sz="2400" dirty="0">
+                <a:latin typeface="DejaVu Sans" pitchFamily="34" charset="0"/>
+                <a:cs typeface="DejaVu Sans" pitchFamily="34" charset="0"/>
+              </a:rPr>
+              <a:t> 0day </a:t>
+            </a:r>
+            <a:r>
+              <a:rPr lang="en-US" altLang="en-US" sz="2400" dirty="0" err="1">
+                <a:latin typeface="DejaVu Sans" pitchFamily="34" charset="0"/>
+                <a:cs typeface="DejaVu Sans" pitchFamily="34" charset="0"/>
+              </a:rPr>
+              <a:t>używany</a:t>
+            </a:r>
+            <a:r>
+              <a:rPr lang="en-US" altLang="en-US" sz="2400" dirty="0">
+                <a:latin typeface="DejaVu Sans" pitchFamily="34" charset="0"/>
+                <a:cs typeface="DejaVu Sans" pitchFamily="34" charset="0"/>
+              </a:rPr>
+              <a:t> jest w </a:t>
+            </a:r>
+            <a:r>
+              <a:rPr lang="en-US" altLang="en-US" sz="2400" dirty="0" err="1">
+                <a:latin typeface="DejaVu Sans" pitchFamily="34" charset="0"/>
+                <a:cs typeface="DejaVu Sans" pitchFamily="34" charset="0"/>
+              </a:rPr>
+              <a:t>odniesieniu</a:t>
+            </a:r>
+            <a:r>
+              <a:rPr lang="en-US" altLang="en-US" sz="2400" dirty="0">
+                <a:latin typeface="DejaVu Sans" pitchFamily="34" charset="0"/>
+                <a:cs typeface="DejaVu Sans" pitchFamily="34" charset="0"/>
+              </a:rPr>
+              <a:t> do:</a:t>
             </a:r>
           </a:p>
           <a:p>
             <a:pPr lvl="1"/>
             <a:r>
-              <a:rPr lang="en-US" altLang="en-US">
-                <a:latin typeface="DejaVu Sans" pitchFamily="34" charset="0"/>
-                <a:cs typeface="DejaVu Sans" pitchFamily="34" charset="0"/>
-              </a:rPr>
-              <a:t>nowej podatności, która nie została jeszcze naprawiona przez producenta (nie ma łaty - ang. "patch" ani innej mitygacji)</a:t>
+              <a:rPr lang="en-US" altLang="en-US" dirty="0" err="1">
+                <a:latin typeface="DejaVu Sans" pitchFamily="34" charset="0"/>
+                <a:cs typeface="DejaVu Sans" pitchFamily="34" charset="0"/>
+              </a:rPr>
+              <a:t>nowej</a:t>
+            </a:r>
+            <a:r>
+              <a:rPr lang="en-US" altLang="en-US" dirty="0">
+                <a:latin typeface="DejaVu Sans" pitchFamily="34" charset="0"/>
+                <a:cs typeface="DejaVu Sans" pitchFamily="34" charset="0"/>
+              </a:rPr>
+              <a:t> </a:t>
+            </a:r>
+            <a:r>
+              <a:rPr lang="en-US" altLang="en-US" dirty="0" err="1">
+                <a:latin typeface="DejaVu Sans" pitchFamily="34" charset="0"/>
+                <a:cs typeface="DejaVu Sans" pitchFamily="34" charset="0"/>
+              </a:rPr>
+              <a:t>podatności</a:t>
+            </a:r>
+            <a:r>
+              <a:rPr lang="en-US" altLang="en-US" dirty="0">
+                <a:latin typeface="DejaVu Sans" pitchFamily="34" charset="0"/>
+                <a:cs typeface="DejaVu Sans" pitchFamily="34" charset="0"/>
+              </a:rPr>
+              <a:t>, </a:t>
+            </a:r>
+            <a:r>
+              <a:rPr lang="en-US" altLang="en-US" dirty="0" err="1">
+                <a:latin typeface="DejaVu Sans" pitchFamily="34" charset="0"/>
+                <a:cs typeface="DejaVu Sans" pitchFamily="34" charset="0"/>
+              </a:rPr>
+              <a:t>która</a:t>
+            </a:r>
+            <a:r>
+              <a:rPr lang="en-US" altLang="en-US" dirty="0">
+                <a:latin typeface="DejaVu Sans" pitchFamily="34" charset="0"/>
+                <a:cs typeface="DejaVu Sans" pitchFamily="34" charset="0"/>
+              </a:rPr>
+              <a:t> </a:t>
+            </a:r>
+            <a:r>
+              <a:rPr lang="en-US" altLang="en-US" dirty="0" err="1">
+                <a:latin typeface="DejaVu Sans" pitchFamily="34" charset="0"/>
+                <a:cs typeface="DejaVu Sans" pitchFamily="34" charset="0"/>
+              </a:rPr>
+              <a:t>nie</a:t>
+            </a:r>
+            <a:r>
+              <a:rPr lang="en-US" altLang="en-US" dirty="0">
+                <a:latin typeface="DejaVu Sans" pitchFamily="34" charset="0"/>
+                <a:cs typeface="DejaVu Sans" pitchFamily="34" charset="0"/>
+              </a:rPr>
+              <a:t> </a:t>
+            </a:r>
+            <a:r>
+              <a:rPr lang="en-US" altLang="en-US" dirty="0" err="1">
+                <a:latin typeface="DejaVu Sans" pitchFamily="34" charset="0"/>
+                <a:cs typeface="DejaVu Sans" pitchFamily="34" charset="0"/>
+              </a:rPr>
+              <a:t>została</a:t>
+            </a:r>
+            <a:r>
+              <a:rPr lang="en-US" altLang="en-US" dirty="0">
+                <a:latin typeface="DejaVu Sans" pitchFamily="34" charset="0"/>
+                <a:cs typeface="DejaVu Sans" pitchFamily="34" charset="0"/>
+              </a:rPr>
+              <a:t> </a:t>
+            </a:r>
+            <a:r>
+              <a:rPr lang="en-US" altLang="en-US" dirty="0" err="1">
+                <a:latin typeface="DejaVu Sans" pitchFamily="34" charset="0"/>
+                <a:cs typeface="DejaVu Sans" pitchFamily="34" charset="0"/>
+              </a:rPr>
+              <a:t>jeszcze</a:t>
+            </a:r>
+            <a:r>
+              <a:rPr lang="en-US" altLang="en-US" dirty="0">
+                <a:latin typeface="DejaVu Sans" pitchFamily="34" charset="0"/>
+                <a:cs typeface="DejaVu Sans" pitchFamily="34" charset="0"/>
+              </a:rPr>
+              <a:t> </a:t>
+            </a:r>
+            <a:r>
+              <a:rPr lang="en-US" altLang="en-US" dirty="0" err="1">
+                <a:latin typeface="DejaVu Sans" pitchFamily="34" charset="0"/>
+                <a:cs typeface="DejaVu Sans" pitchFamily="34" charset="0"/>
+              </a:rPr>
+              <a:t>naprawiona</a:t>
+            </a:r>
+            <a:r>
+              <a:rPr lang="en-US" altLang="en-US" dirty="0">
+                <a:latin typeface="DejaVu Sans" pitchFamily="34" charset="0"/>
+                <a:cs typeface="DejaVu Sans" pitchFamily="34" charset="0"/>
+              </a:rPr>
+              <a:t> </a:t>
+            </a:r>
+            <a:r>
+              <a:rPr lang="en-US" altLang="en-US" dirty="0" err="1">
+                <a:latin typeface="DejaVu Sans" pitchFamily="34" charset="0"/>
+                <a:cs typeface="DejaVu Sans" pitchFamily="34" charset="0"/>
+              </a:rPr>
+              <a:t>przez</a:t>
+            </a:r>
+            <a:r>
+              <a:rPr lang="en-US" altLang="en-US" dirty="0">
+                <a:latin typeface="DejaVu Sans" pitchFamily="34" charset="0"/>
+                <a:cs typeface="DejaVu Sans" pitchFamily="34" charset="0"/>
+              </a:rPr>
+              <a:t> </a:t>
+            </a:r>
+            <a:r>
+              <a:rPr lang="en-US" altLang="en-US" dirty="0" err="1">
+                <a:latin typeface="DejaVu Sans" pitchFamily="34" charset="0"/>
+                <a:cs typeface="DejaVu Sans" pitchFamily="34" charset="0"/>
+              </a:rPr>
+              <a:t>producenta</a:t>
+            </a:r>
+            <a:r>
+              <a:rPr lang="en-US" altLang="en-US" dirty="0">
+                <a:latin typeface="DejaVu Sans" pitchFamily="34" charset="0"/>
+                <a:cs typeface="DejaVu Sans" pitchFamily="34" charset="0"/>
+              </a:rPr>
+              <a:t> (</a:t>
+            </a:r>
+            <a:r>
+              <a:rPr lang="en-US" altLang="en-US" dirty="0" err="1">
+                <a:latin typeface="DejaVu Sans" pitchFamily="34" charset="0"/>
+                <a:cs typeface="DejaVu Sans" pitchFamily="34" charset="0"/>
+              </a:rPr>
+              <a:t>nie</a:t>
+            </a:r>
+            <a:r>
+              <a:rPr lang="en-US" altLang="en-US" dirty="0">
+                <a:latin typeface="DejaVu Sans" pitchFamily="34" charset="0"/>
+                <a:cs typeface="DejaVu Sans" pitchFamily="34" charset="0"/>
+              </a:rPr>
+              <a:t> ma </a:t>
+            </a:r>
+            <a:r>
+              <a:rPr lang="en-US" altLang="en-US" dirty="0" err="1">
+                <a:latin typeface="DejaVu Sans" pitchFamily="34" charset="0"/>
+                <a:cs typeface="DejaVu Sans" pitchFamily="34" charset="0"/>
+              </a:rPr>
+              <a:t>łaty</a:t>
+            </a:r>
+            <a:r>
+              <a:rPr lang="en-US" altLang="en-US" dirty="0">
+                <a:latin typeface="DejaVu Sans" pitchFamily="34" charset="0"/>
+                <a:cs typeface="DejaVu Sans" pitchFamily="34" charset="0"/>
+              </a:rPr>
+              <a:t> - ang. "patch" ani </a:t>
+            </a:r>
+            <a:r>
+              <a:rPr lang="en-US" altLang="en-US" dirty="0" err="1">
+                <a:latin typeface="DejaVu Sans" pitchFamily="34" charset="0"/>
+                <a:cs typeface="DejaVu Sans" pitchFamily="34" charset="0"/>
+              </a:rPr>
+              <a:t>innej</a:t>
+            </a:r>
+            <a:r>
+              <a:rPr lang="en-US" altLang="en-US" dirty="0">
+                <a:latin typeface="DejaVu Sans" pitchFamily="34" charset="0"/>
+                <a:cs typeface="DejaVu Sans" pitchFamily="34" charset="0"/>
+              </a:rPr>
+              <a:t> </a:t>
+            </a:r>
+            <a:r>
+              <a:rPr lang="en-US" altLang="en-US" dirty="0" err="1">
+                <a:latin typeface="DejaVu Sans" pitchFamily="34" charset="0"/>
+                <a:cs typeface="DejaVu Sans" pitchFamily="34" charset="0"/>
+              </a:rPr>
+              <a:t>mitygacji</a:t>
+            </a:r>
+            <a:r>
+              <a:rPr lang="en-US" altLang="en-US" dirty="0">
+                <a:latin typeface="DejaVu Sans" pitchFamily="34" charset="0"/>
+                <a:cs typeface="DejaVu Sans" pitchFamily="34" charset="0"/>
+              </a:rPr>
+              <a:t>)</a:t>
             </a:r>
           </a:p>
           <a:p>
             <a:pPr lvl="1"/>
             <a:r>
-              <a:rPr lang="en-US" altLang="en-US">
-                <a:latin typeface="DejaVu Sans" pitchFamily="34" charset="0"/>
-                <a:cs typeface="DejaVu Sans" pitchFamily="34" charset="0"/>
-              </a:rPr>
-              <a:t>exploita wykorzystujący taką podatność</a:t>
-            </a:r>
-          </a:p>
-          <a:p>
-            <a:r>
-              <a:rPr lang="en-US" altLang="en-US" sz="2400">
-                <a:latin typeface="DejaVu Sans" pitchFamily="34" charset="0"/>
-                <a:cs typeface="DejaVu Sans" pitchFamily="34" charset="0"/>
-              </a:rPr>
-              <a:t>Obydwa znaczenia funkcjonują równolegle</a:t>
-            </a:r>
-          </a:p>
-          <a:p>
-            <a:r>
-              <a:rPr lang="en-US" altLang="en-US" sz="2400">
-                <a:latin typeface="DejaVu Sans" pitchFamily="34" charset="0"/>
-                <a:cs typeface="DejaVu Sans" pitchFamily="34" charset="0"/>
-              </a:rPr>
-              <a:t>Należy jednak pamiętać, jaka jest różnica między exploitem a podatnością</a:t>
-            </a:r>
-          </a:p>
-          <a:p>
-            <a:r>
-              <a:rPr lang="en-US" altLang="en-US" sz="2400">
-                <a:latin typeface="DejaVu Sans" pitchFamily="34" charset="0"/>
-                <a:cs typeface="DejaVu Sans" pitchFamily="34" charset="0"/>
-              </a:rPr>
-              <a:t>Często nawet przy pełnej wiedzy technicznej na temat szczegółów podatności, wymagany jest gigantyczny nakład pracy i ekspertyzy, by stworzyć działającego eksploita wykorzystującego tę podatność (dobrym przykładem są ostatnie podatności na moduły jądra Windowsa, takie jak BlueKeep czy SMBGhost)</a:t>
+              <a:rPr lang="en-US" altLang="en-US" dirty="0" err="1">
+                <a:latin typeface="DejaVu Sans" pitchFamily="34" charset="0"/>
+                <a:cs typeface="DejaVu Sans" pitchFamily="34" charset="0"/>
+              </a:rPr>
+              <a:t>exploita</a:t>
+            </a:r>
+            <a:r>
+              <a:rPr lang="en-US" altLang="en-US" dirty="0">
+                <a:latin typeface="DejaVu Sans" pitchFamily="34" charset="0"/>
+                <a:cs typeface="DejaVu Sans" pitchFamily="34" charset="0"/>
+              </a:rPr>
+              <a:t> </a:t>
+            </a:r>
+            <a:r>
+              <a:rPr lang="en-US" altLang="en-US" dirty="0" err="1">
+                <a:latin typeface="DejaVu Sans" pitchFamily="34" charset="0"/>
+                <a:cs typeface="DejaVu Sans" pitchFamily="34" charset="0"/>
+              </a:rPr>
+              <a:t>wykorzystujący</a:t>
+            </a:r>
+            <a:r>
+              <a:rPr lang="en-US" altLang="en-US" dirty="0">
+                <a:latin typeface="DejaVu Sans" pitchFamily="34" charset="0"/>
+                <a:cs typeface="DejaVu Sans" pitchFamily="34" charset="0"/>
+              </a:rPr>
+              <a:t> </a:t>
+            </a:r>
+            <a:r>
+              <a:rPr lang="en-US" altLang="en-US" dirty="0" err="1">
+                <a:latin typeface="DejaVu Sans" pitchFamily="34" charset="0"/>
+                <a:cs typeface="DejaVu Sans" pitchFamily="34" charset="0"/>
+              </a:rPr>
+              <a:t>taką</a:t>
+            </a:r>
+            <a:r>
+              <a:rPr lang="en-US" altLang="en-US" dirty="0">
+                <a:latin typeface="DejaVu Sans" pitchFamily="34" charset="0"/>
+                <a:cs typeface="DejaVu Sans" pitchFamily="34" charset="0"/>
+              </a:rPr>
+              <a:t> </a:t>
+            </a:r>
+            <a:r>
+              <a:rPr lang="en-US" altLang="en-US" dirty="0" err="1">
+                <a:latin typeface="DejaVu Sans" pitchFamily="34" charset="0"/>
+                <a:cs typeface="DejaVu Sans" pitchFamily="34" charset="0"/>
+              </a:rPr>
+              <a:t>podatność</a:t>
+            </a:r>
+            <a:endParaRPr lang="en-US" altLang="en-US" dirty="0">
+              <a:latin typeface="DejaVu Sans" pitchFamily="34" charset="0"/>
+              <a:cs typeface="DejaVu Sans" pitchFamily="34" charset="0"/>
+            </a:endParaRPr>
+          </a:p>
+          <a:p>
+            <a:r>
+              <a:rPr lang="en-US" altLang="en-US" sz="2400" dirty="0" err="1">
+                <a:latin typeface="DejaVu Sans" pitchFamily="34" charset="0"/>
+                <a:cs typeface="DejaVu Sans" pitchFamily="34" charset="0"/>
+              </a:rPr>
+              <a:t>Obydwa</a:t>
+            </a:r>
+            <a:r>
+              <a:rPr lang="en-US" altLang="en-US" sz="2400" dirty="0">
+                <a:latin typeface="DejaVu Sans" pitchFamily="34" charset="0"/>
+                <a:cs typeface="DejaVu Sans" pitchFamily="34" charset="0"/>
+              </a:rPr>
+              <a:t> </a:t>
+            </a:r>
+            <a:r>
+              <a:rPr lang="en-US" altLang="en-US" sz="2400" dirty="0" err="1">
+                <a:latin typeface="DejaVu Sans" pitchFamily="34" charset="0"/>
+                <a:cs typeface="DejaVu Sans" pitchFamily="34" charset="0"/>
+              </a:rPr>
+              <a:t>znaczenia</a:t>
+            </a:r>
+            <a:r>
+              <a:rPr lang="en-US" altLang="en-US" sz="2400" dirty="0">
+                <a:latin typeface="DejaVu Sans" pitchFamily="34" charset="0"/>
+                <a:cs typeface="DejaVu Sans" pitchFamily="34" charset="0"/>
+              </a:rPr>
+              <a:t> </a:t>
+            </a:r>
+            <a:r>
+              <a:rPr lang="en-US" altLang="en-US" sz="2400" dirty="0" err="1">
+                <a:latin typeface="DejaVu Sans" pitchFamily="34" charset="0"/>
+                <a:cs typeface="DejaVu Sans" pitchFamily="34" charset="0"/>
+              </a:rPr>
+              <a:t>funkcjonują</a:t>
+            </a:r>
+            <a:r>
+              <a:rPr lang="en-US" altLang="en-US" sz="2400" dirty="0">
+                <a:latin typeface="DejaVu Sans" pitchFamily="34" charset="0"/>
+                <a:cs typeface="DejaVu Sans" pitchFamily="34" charset="0"/>
+              </a:rPr>
+              <a:t> </a:t>
+            </a:r>
+            <a:r>
+              <a:rPr lang="en-US" altLang="en-US" sz="2400" dirty="0" err="1">
+                <a:latin typeface="DejaVu Sans" pitchFamily="34" charset="0"/>
+                <a:cs typeface="DejaVu Sans" pitchFamily="34" charset="0"/>
+              </a:rPr>
+              <a:t>równolegle</a:t>
+            </a:r>
+            <a:endParaRPr lang="en-US" altLang="en-US" sz="2400" dirty="0">
+              <a:latin typeface="DejaVu Sans" pitchFamily="34" charset="0"/>
+              <a:cs typeface="DejaVu Sans" pitchFamily="34" charset="0"/>
+            </a:endParaRPr>
+          </a:p>
+          <a:p>
+            <a:r>
+              <a:rPr lang="en-US" altLang="en-US" sz="2400" dirty="0" err="1">
+                <a:latin typeface="DejaVu Sans" pitchFamily="34" charset="0"/>
+                <a:cs typeface="DejaVu Sans" pitchFamily="34" charset="0"/>
+              </a:rPr>
+              <a:t>Należy</a:t>
+            </a:r>
+            <a:r>
+              <a:rPr lang="en-US" altLang="en-US" sz="2400" dirty="0">
+                <a:latin typeface="DejaVu Sans" pitchFamily="34" charset="0"/>
+                <a:cs typeface="DejaVu Sans" pitchFamily="34" charset="0"/>
+              </a:rPr>
+              <a:t> </a:t>
+            </a:r>
+            <a:r>
+              <a:rPr lang="en-US" altLang="en-US" sz="2400" dirty="0" err="1">
+                <a:latin typeface="DejaVu Sans" pitchFamily="34" charset="0"/>
+                <a:cs typeface="DejaVu Sans" pitchFamily="34" charset="0"/>
+              </a:rPr>
+              <a:t>jednak</a:t>
+            </a:r>
+            <a:r>
+              <a:rPr lang="en-US" altLang="en-US" sz="2400" dirty="0">
+                <a:latin typeface="DejaVu Sans" pitchFamily="34" charset="0"/>
+                <a:cs typeface="DejaVu Sans" pitchFamily="34" charset="0"/>
+              </a:rPr>
+              <a:t> </a:t>
+            </a:r>
+            <a:r>
+              <a:rPr lang="en-US" altLang="en-US" sz="2400" dirty="0" err="1">
+                <a:latin typeface="DejaVu Sans" pitchFamily="34" charset="0"/>
+                <a:cs typeface="DejaVu Sans" pitchFamily="34" charset="0"/>
+              </a:rPr>
+              <a:t>pamiętać</a:t>
+            </a:r>
+            <a:r>
+              <a:rPr lang="en-US" altLang="en-US" sz="2400" dirty="0">
+                <a:latin typeface="DejaVu Sans" pitchFamily="34" charset="0"/>
+                <a:cs typeface="DejaVu Sans" pitchFamily="34" charset="0"/>
+              </a:rPr>
+              <a:t>, </a:t>
+            </a:r>
+            <a:r>
+              <a:rPr lang="en-US" altLang="en-US" sz="2400" dirty="0" err="1">
+                <a:latin typeface="DejaVu Sans" pitchFamily="34" charset="0"/>
+                <a:cs typeface="DejaVu Sans" pitchFamily="34" charset="0"/>
+              </a:rPr>
+              <a:t>jaka</a:t>
+            </a:r>
+            <a:r>
+              <a:rPr lang="en-US" altLang="en-US" sz="2400" dirty="0">
+                <a:latin typeface="DejaVu Sans" pitchFamily="34" charset="0"/>
+                <a:cs typeface="DejaVu Sans" pitchFamily="34" charset="0"/>
+              </a:rPr>
+              <a:t> jest </a:t>
+            </a:r>
+            <a:r>
+              <a:rPr lang="en-US" altLang="en-US" sz="2400" dirty="0" err="1">
+                <a:latin typeface="DejaVu Sans" pitchFamily="34" charset="0"/>
+                <a:cs typeface="DejaVu Sans" pitchFamily="34" charset="0"/>
+              </a:rPr>
+              <a:t>różnica</a:t>
+            </a:r>
+            <a:r>
+              <a:rPr lang="en-US" altLang="en-US" sz="2400" dirty="0">
+                <a:latin typeface="DejaVu Sans" pitchFamily="34" charset="0"/>
+                <a:cs typeface="DejaVu Sans" pitchFamily="34" charset="0"/>
+              </a:rPr>
+              <a:t> </a:t>
+            </a:r>
+            <a:r>
+              <a:rPr lang="en-US" altLang="en-US" sz="2400" dirty="0" err="1">
+                <a:latin typeface="DejaVu Sans" pitchFamily="34" charset="0"/>
+                <a:cs typeface="DejaVu Sans" pitchFamily="34" charset="0"/>
+              </a:rPr>
+              <a:t>między</a:t>
+            </a:r>
+            <a:r>
+              <a:rPr lang="en-US" altLang="en-US" sz="2400" dirty="0">
+                <a:latin typeface="DejaVu Sans" pitchFamily="34" charset="0"/>
+                <a:cs typeface="DejaVu Sans" pitchFamily="34" charset="0"/>
+              </a:rPr>
+              <a:t> </a:t>
+            </a:r>
+            <a:r>
+              <a:rPr lang="en-US" altLang="en-US" sz="2400" dirty="0" err="1">
+                <a:latin typeface="DejaVu Sans" pitchFamily="34" charset="0"/>
+                <a:cs typeface="DejaVu Sans" pitchFamily="34" charset="0"/>
+              </a:rPr>
+              <a:t>exploitem</a:t>
+            </a:r>
+            <a:r>
+              <a:rPr lang="en-US" altLang="en-US" sz="2400" dirty="0">
+                <a:latin typeface="DejaVu Sans" pitchFamily="34" charset="0"/>
+                <a:cs typeface="DejaVu Sans" pitchFamily="34" charset="0"/>
+              </a:rPr>
+              <a:t> a </a:t>
+            </a:r>
+            <a:r>
+              <a:rPr lang="en-US" altLang="en-US" sz="2400" dirty="0" err="1">
+                <a:latin typeface="DejaVu Sans" pitchFamily="34" charset="0"/>
+                <a:cs typeface="DejaVu Sans" pitchFamily="34" charset="0"/>
+              </a:rPr>
+              <a:t>podatnością</a:t>
+            </a:r>
+            <a:endParaRPr lang="en-US" altLang="en-US" sz="2400" dirty="0">
+              <a:latin typeface="DejaVu Sans" pitchFamily="34" charset="0"/>
+              <a:cs typeface="DejaVu Sans" pitchFamily="34" charset="0"/>
+            </a:endParaRPr>
+          </a:p>
+          <a:p>
+            <a:r>
+              <a:rPr lang="en-US" altLang="en-US" sz="2400" dirty="0" err="1">
+                <a:latin typeface="DejaVu Sans" pitchFamily="34" charset="0"/>
+                <a:cs typeface="DejaVu Sans" pitchFamily="34" charset="0"/>
+              </a:rPr>
+              <a:t>Często</a:t>
+            </a:r>
+            <a:r>
+              <a:rPr lang="en-US" altLang="en-US" sz="2400" dirty="0">
+                <a:latin typeface="DejaVu Sans" pitchFamily="34" charset="0"/>
+                <a:cs typeface="DejaVu Sans" pitchFamily="34" charset="0"/>
+              </a:rPr>
+              <a:t> </a:t>
+            </a:r>
+            <a:r>
+              <a:rPr lang="en-US" altLang="en-US" sz="2400" dirty="0" err="1">
+                <a:latin typeface="DejaVu Sans" pitchFamily="34" charset="0"/>
+                <a:cs typeface="DejaVu Sans" pitchFamily="34" charset="0"/>
+              </a:rPr>
+              <a:t>nawet</a:t>
+            </a:r>
+            <a:r>
+              <a:rPr lang="en-US" altLang="en-US" sz="2400" dirty="0">
+                <a:latin typeface="DejaVu Sans" pitchFamily="34" charset="0"/>
+                <a:cs typeface="DejaVu Sans" pitchFamily="34" charset="0"/>
+              </a:rPr>
+              <a:t> </a:t>
+            </a:r>
+            <a:r>
+              <a:rPr lang="en-US" altLang="en-US" sz="2400" dirty="0" err="1">
+                <a:latin typeface="DejaVu Sans" pitchFamily="34" charset="0"/>
+                <a:cs typeface="DejaVu Sans" pitchFamily="34" charset="0"/>
+              </a:rPr>
+              <a:t>przy</a:t>
+            </a:r>
+            <a:r>
+              <a:rPr lang="en-US" altLang="en-US" sz="2400" dirty="0">
+                <a:latin typeface="DejaVu Sans" pitchFamily="34" charset="0"/>
+                <a:cs typeface="DejaVu Sans" pitchFamily="34" charset="0"/>
+              </a:rPr>
+              <a:t> </a:t>
+            </a:r>
+            <a:r>
+              <a:rPr lang="en-US" altLang="en-US" sz="2400" dirty="0" err="1">
+                <a:latin typeface="DejaVu Sans" pitchFamily="34" charset="0"/>
+                <a:cs typeface="DejaVu Sans" pitchFamily="34" charset="0"/>
+              </a:rPr>
+              <a:t>pełnej</a:t>
+            </a:r>
+            <a:r>
+              <a:rPr lang="en-US" altLang="en-US" sz="2400" dirty="0">
+                <a:latin typeface="DejaVu Sans" pitchFamily="34" charset="0"/>
+                <a:cs typeface="DejaVu Sans" pitchFamily="34" charset="0"/>
+              </a:rPr>
+              <a:t> </a:t>
+            </a:r>
+            <a:r>
+              <a:rPr lang="en-US" altLang="en-US" sz="2400" dirty="0" err="1">
+                <a:latin typeface="DejaVu Sans" pitchFamily="34" charset="0"/>
+                <a:cs typeface="DejaVu Sans" pitchFamily="34" charset="0"/>
+              </a:rPr>
+              <a:t>wiedzy</a:t>
+            </a:r>
+            <a:r>
+              <a:rPr lang="en-US" altLang="en-US" sz="2400" dirty="0">
+                <a:latin typeface="DejaVu Sans" pitchFamily="34" charset="0"/>
+                <a:cs typeface="DejaVu Sans" pitchFamily="34" charset="0"/>
+              </a:rPr>
+              <a:t> </a:t>
+            </a:r>
+            <a:r>
+              <a:rPr lang="en-US" altLang="en-US" sz="2400" dirty="0" err="1">
+                <a:latin typeface="DejaVu Sans" pitchFamily="34" charset="0"/>
+                <a:cs typeface="DejaVu Sans" pitchFamily="34" charset="0"/>
+              </a:rPr>
+              <a:t>technicznej</a:t>
+            </a:r>
+            <a:r>
+              <a:rPr lang="en-US" altLang="en-US" sz="2400" dirty="0">
+                <a:latin typeface="DejaVu Sans" pitchFamily="34" charset="0"/>
+                <a:cs typeface="DejaVu Sans" pitchFamily="34" charset="0"/>
+              </a:rPr>
+              <a:t> </a:t>
+            </a:r>
+            <a:r>
+              <a:rPr lang="en-US" altLang="en-US" sz="2400" dirty="0" err="1">
+                <a:latin typeface="DejaVu Sans" pitchFamily="34" charset="0"/>
+                <a:cs typeface="DejaVu Sans" pitchFamily="34" charset="0"/>
+              </a:rPr>
+              <a:t>na</a:t>
+            </a:r>
+            <a:r>
+              <a:rPr lang="en-US" altLang="en-US" sz="2400" dirty="0">
+                <a:latin typeface="DejaVu Sans" pitchFamily="34" charset="0"/>
+                <a:cs typeface="DejaVu Sans" pitchFamily="34" charset="0"/>
+              </a:rPr>
+              <a:t> </a:t>
+            </a:r>
+            <a:r>
+              <a:rPr lang="en-US" altLang="en-US" sz="2400" dirty="0" err="1">
+                <a:latin typeface="DejaVu Sans" pitchFamily="34" charset="0"/>
+                <a:cs typeface="DejaVu Sans" pitchFamily="34" charset="0"/>
+              </a:rPr>
+              <a:t>temat</a:t>
+            </a:r>
+            <a:r>
+              <a:rPr lang="en-US" altLang="en-US" sz="2400" dirty="0">
+                <a:latin typeface="DejaVu Sans" pitchFamily="34" charset="0"/>
+                <a:cs typeface="DejaVu Sans" pitchFamily="34" charset="0"/>
+              </a:rPr>
+              <a:t> </a:t>
+            </a:r>
+            <a:r>
+              <a:rPr lang="en-US" altLang="en-US" sz="2400" dirty="0" err="1">
+                <a:latin typeface="DejaVu Sans" pitchFamily="34" charset="0"/>
+                <a:cs typeface="DejaVu Sans" pitchFamily="34" charset="0"/>
+              </a:rPr>
+              <a:t>szczegółów</a:t>
+            </a:r>
+            <a:r>
+              <a:rPr lang="en-US" altLang="en-US" sz="2400" dirty="0">
+                <a:latin typeface="DejaVu Sans" pitchFamily="34" charset="0"/>
+                <a:cs typeface="DejaVu Sans" pitchFamily="34" charset="0"/>
+              </a:rPr>
+              <a:t> </a:t>
+            </a:r>
+            <a:r>
+              <a:rPr lang="en-US" altLang="en-US" sz="2400" dirty="0" err="1">
+                <a:latin typeface="DejaVu Sans" pitchFamily="34" charset="0"/>
+                <a:cs typeface="DejaVu Sans" pitchFamily="34" charset="0"/>
+              </a:rPr>
+              <a:t>podatności</a:t>
+            </a:r>
+            <a:r>
+              <a:rPr lang="en-US" altLang="en-US" sz="2400" dirty="0">
+                <a:latin typeface="DejaVu Sans" pitchFamily="34" charset="0"/>
+                <a:cs typeface="DejaVu Sans" pitchFamily="34" charset="0"/>
+              </a:rPr>
+              <a:t>, </a:t>
+            </a:r>
+            <a:r>
+              <a:rPr lang="en-US" altLang="en-US" sz="2400" dirty="0" err="1">
+                <a:latin typeface="DejaVu Sans" pitchFamily="34" charset="0"/>
+                <a:cs typeface="DejaVu Sans" pitchFamily="34" charset="0"/>
+              </a:rPr>
+              <a:t>wymagany</a:t>
+            </a:r>
+            <a:r>
+              <a:rPr lang="en-US" altLang="en-US" sz="2400" dirty="0">
+                <a:latin typeface="DejaVu Sans" pitchFamily="34" charset="0"/>
+                <a:cs typeface="DejaVu Sans" pitchFamily="34" charset="0"/>
+              </a:rPr>
+              <a:t> jest </a:t>
+            </a:r>
+            <a:r>
+              <a:rPr lang="en-US" altLang="en-US" sz="2400" dirty="0" err="1">
+                <a:latin typeface="DejaVu Sans" pitchFamily="34" charset="0"/>
+                <a:cs typeface="DejaVu Sans" pitchFamily="34" charset="0"/>
+              </a:rPr>
+              <a:t>gigantyczny</a:t>
+            </a:r>
+            <a:r>
+              <a:rPr lang="en-US" altLang="en-US" sz="2400" dirty="0">
+                <a:latin typeface="DejaVu Sans" pitchFamily="34" charset="0"/>
+                <a:cs typeface="DejaVu Sans" pitchFamily="34" charset="0"/>
+              </a:rPr>
+              <a:t> </a:t>
+            </a:r>
+            <a:r>
+              <a:rPr lang="en-US" altLang="en-US" sz="2400" dirty="0" err="1">
+                <a:latin typeface="DejaVu Sans" pitchFamily="34" charset="0"/>
+                <a:cs typeface="DejaVu Sans" pitchFamily="34" charset="0"/>
+              </a:rPr>
+              <a:t>nakład</a:t>
+            </a:r>
+            <a:r>
+              <a:rPr lang="en-US" altLang="en-US" sz="2400" dirty="0">
+                <a:latin typeface="DejaVu Sans" pitchFamily="34" charset="0"/>
+                <a:cs typeface="DejaVu Sans" pitchFamily="34" charset="0"/>
+              </a:rPr>
+              <a:t> </a:t>
+            </a:r>
+            <a:r>
+              <a:rPr lang="en-US" altLang="en-US" sz="2400" dirty="0" err="1">
+                <a:latin typeface="DejaVu Sans" pitchFamily="34" charset="0"/>
+                <a:cs typeface="DejaVu Sans" pitchFamily="34" charset="0"/>
+              </a:rPr>
+              <a:t>pracy</a:t>
+            </a:r>
+            <a:r>
+              <a:rPr lang="en-US" altLang="en-US" sz="2400" dirty="0">
+                <a:latin typeface="DejaVu Sans" pitchFamily="34" charset="0"/>
+                <a:cs typeface="DejaVu Sans" pitchFamily="34" charset="0"/>
+              </a:rPr>
+              <a:t> </a:t>
+            </a:r>
+            <a:r>
+              <a:rPr lang="en-US" altLang="en-US" sz="2400" dirty="0" err="1">
+                <a:latin typeface="DejaVu Sans" pitchFamily="34" charset="0"/>
+                <a:cs typeface="DejaVu Sans" pitchFamily="34" charset="0"/>
+              </a:rPr>
+              <a:t>i</a:t>
+            </a:r>
+            <a:r>
+              <a:rPr lang="en-US" altLang="en-US" sz="2400" dirty="0">
+                <a:latin typeface="DejaVu Sans" pitchFamily="34" charset="0"/>
+                <a:cs typeface="DejaVu Sans" pitchFamily="34" charset="0"/>
+              </a:rPr>
+              <a:t> </a:t>
+            </a:r>
+            <a:r>
+              <a:rPr lang="en-US" altLang="en-US" sz="2400" dirty="0" err="1">
+                <a:latin typeface="DejaVu Sans" pitchFamily="34" charset="0"/>
+                <a:cs typeface="DejaVu Sans" pitchFamily="34" charset="0"/>
+              </a:rPr>
+              <a:t>ekspertyzy</a:t>
+            </a:r>
+            <a:r>
+              <a:rPr lang="en-US" altLang="en-US" sz="2400" dirty="0">
+                <a:latin typeface="DejaVu Sans" pitchFamily="34" charset="0"/>
+                <a:cs typeface="DejaVu Sans" pitchFamily="34" charset="0"/>
+              </a:rPr>
+              <a:t>, by </a:t>
+            </a:r>
+            <a:r>
+              <a:rPr lang="en-US" altLang="en-US" sz="2400" dirty="0" err="1">
+                <a:latin typeface="DejaVu Sans" pitchFamily="34" charset="0"/>
+                <a:cs typeface="DejaVu Sans" pitchFamily="34" charset="0"/>
+              </a:rPr>
+              <a:t>stworzyć</a:t>
+            </a:r>
+            <a:r>
+              <a:rPr lang="en-US" altLang="en-US" sz="2400" dirty="0">
+                <a:latin typeface="DejaVu Sans" pitchFamily="34" charset="0"/>
+                <a:cs typeface="DejaVu Sans" pitchFamily="34" charset="0"/>
+              </a:rPr>
+              <a:t> </a:t>
+            </a:r>
+            <a:r>
+              <a:rPr lang="en-US" altLang="en-US" sz="2400" dirty="0" err="1">
+                <a:latin typeface="DejaVu Sans" pitchFamily="34" charset="0"/>
+                <a:cs typeface="DejaVu Sans" pitchFamily="34" charset="0"/>
+              </a:rPr>
+              <a:t>działającego</a:t>
+            </a:r>
+            <a:r>
+              <a:rPr lang="en-US" altLang="en-US" sz="2400" dirty="0">
+                <a:latin typeface="DejaVu Sans" pitchFamily="34" charset="0"/>
+                <a:cs typeface="DejaVu Sans" pitchFamily="34" charset="0"/>
+              </a:rPr>
+              <a:t> </a:t>
+            </a:r>
+            <a:r>
+              <a:rPr lang="en-US" altLang="en-US" sz="2400" dirty="0" err="1">
+                <a:latin typeface="DejaVu Sans" pitchFamily="34" charset="0"/>
+                <a:cs typeface="DejaVu Sans" pitchFamily="34" charset="0"/>
+              </a:rPr>
+              <a:t>eksploita</a:t>
+            </a:r>
+            <a:r>
+              <a:rPr lang="en-US" altLang="en-US" sz="2400" dirty="0">
+                <a:latin typeface="DejaVu Sans" pitchFamily="34" charset="0"/>
+                <a:cs typeface="DejaVu Sans" pitchFamily="34" charset="0"/>
+              </a:rPr>
+              <a:t> </a:t>
+            </a:r>
+            <a:r>
+              <a:rPr lang="en-US" altLang="en-US" sz="2400" dirty="0" err="1">
+                <a:latin typeface="DejaVu Sans" pitchFamily="34" charset="0"/>
+                <a:cs typeface="DejaVu Sans" pitchFamily="34" charset="0"/>
+              </a:rPr>
+              <a:t>wykorzystującego</a:t>
+            </a:r>
+            <a:r>
+              <a:rPr lang="en-US" altLang="en-US" sz="2400" dirty="0">
+                <a:latin typeface="DejaVu Sans" pitchFamily="34" charset="0"/>
+                <a:cs typeface="DejaVu Sans" pitchFamily="34" charset="0"/>
+              </a:rPr>
+              <a:t> </a:t>
+            </a:r>
+            <a:r>
+              <a:rPr lang="en-US" altLang="en-US" sz="2400" dirty="0" err="1">
+                <a:latin typeface="DejaVu Sans" pitchFamily="34" charset="0"/>
+                <a:cs typeface="DejaVu Sans" pitchFamily="34" charset="0"/>
+              </a:rPr>
+              <a:t>tę</a:t>
+            </a:r>
+            <a:r>
+              <a:rPr lang="en-US" altLang="en-US" sz="2400" dirty="0">
+                <a:latin typeface="DejaVu Sans" pitchFamily="34" charset="0"/>
+                <a:cs typeface="DejaVu Sans" pitchFamily="34" charset="0"/>
+              </a:rPr>
+              <a:t> </a:t>
+            </a:r>
+            <a:r>
+              <a:rPr lang="en-US" altLang="en-US" sz="2400" dirty="0" err="1">
+                <a:latin typeface="DejaVu Sans" pitchFamily="34" charset="0"/>
+                <a:cs typeface="DejaVu Sans" pitchFamily="34" charset="0"/>
+              </a:rPr>
+              <a:t>podatność</a:t>
+            </a:r>
+            <a:r>
+              <a:rPr lang="en-US" altLang="en-US" sz="2400" dirty="0">
+                <a:latin typeface="DejaVu Sans" pitchFamily="34" charset="0"/>
+                <a:cs typeface="DejaVu Sans" pitchFamily="34" charset="0"/>
+              </a:rPr>
+              <a:t> (</a:t>
+            </a:r>
+            <a:r>
+              <a:rPr lang="en-US" altLang="en-US" sz="2400" dirty="0" err="1">
+                <a:latin typeface="DejaVu Sans" pitchFamily="34" charset="0"/>
+                <a:cs typeface="DejaVu Sans" pitchFamily="34" charset="0"/>
+              </a:rPr>
+              <a:t>dobrym</a:t>
+            </a:r>
+            <a:r>
+              <a:rPr lang="en-US" altLang="en-US" sz="2400" dirty="0">
+                <a:latin typeface="DejaVu Sans" pitchFamily="34" charset="0"/>
+                <a:cs typeface="DejaVu Sans" pitchFamily="34" charset="0"/>
+              </a:rPr>
+              <a:t> </a:t>
+            </a:r>
+            <a:r>
+              <a:rPr lang="en-US" altLang="en-US" sz="2400" dirty="0" err="1">
+                <a:latin typeface="DejaVu Sans" pitchFamily="34" charset="0"/>
+                <a:cs typeface="DejaVu Sans" pitchFamily="34" charset="0"/>
+              </a:rPr>
+              <a:t>przykładem</a:t>
+            </a:r>
+            <a:r>
+              <a:rPr lang="en-US" altLang="en-US" sz="2400" dirty="0">
+                <a:latin typeface="DejaVu Sans" pitchFamily="34" charset="0"/>
+                <a:cs typeface="DejaVu Sans" pitchFamily="34" charset="0"/>
+              </a:rPr>
+              <a:t> </a:t>
+            </a:r>
+            <a:r>
+              <a:rPr lang="en-US" altLang="en-US" sz="2400" dirty="0" err="1">
+                <a:latin typeface="DejaVu Sans" pitchFamily="34" charset="0"/>
+                <a:cs typeface="DejaVu Sans" pitchFamily="34" charset="0"/>
+              </a:rPr>
+              <a:t>są</a:t>
+            </a:r>
+            <a:r>
+              <a:rPr lang="en-US" altLang="en-US" sz="2400" dirty="0">
+                <a:latin typeface="DejaVu Sans" pitchFamily="34" charset="0"/>
+                <a:cs typeface="DejaVu Sans" pitchFamily="34" charset="0"/>
+              </a:rPr>
+              <a:t> </a:t>
+            </a:r>
+            <a:r>
+              <a:rPr lang="en-US" altLang="en-US" sz="2400" dirty="0" err="1">
+                <a:latin typeface="DejaVu Sans" pitchFamily="34" charset="0"/>
+                <a:cs typeface="DejaVu Sans" pitchFamily="34" charset="0"/>
+              </a:rPr>
+              <a:t>ostatnie</a:t>
+            </a:r>
+            <a:r>
+              <a:rPr lang="en-US" altLang="en-US" sz="2400" dirty="0">
+                <a:latin typeface="DejaVu Sans" pitchFamily="34" charset="0"/>
+                <a:cs typeface="DejaVu Sans" pitchFamily="34" charset="0"/>
+              </a:rPr>
+              <a:t> </a:t>
+            </a:r>
+            <a:r>
+              <a:rPr lang="en-US" altLang="en-US" sz="2400" dirty="0" err="1">
+                <a:latin typeface="DejaVu Sans" pitchFamily="34" charset="0"/>
+                <a:cs typeface="DejaVu Sans" pitchFamily="34" charset="0"/>
+              </a:rPr>
+              <a:t>podatności</a:t>
+            </a:r>
+            <a:r>
+              <a:rPr lang="en-US" altLang="en-US" sz="2400" dirty="0">
+                <a:latin typeface="DejaVu Sans" pitchFamily="34" charset="0"/>
+                <a:cs typeface="DejaVu Sans" pitchFamily="34" charset="0"/>
+              </a:rPr>
+              <a:t> </a:t>
+            </a:r>
+            <a:r>
+              <a:rPr lang="en-US" altLang="en-US" sz="2400" dirty="0" err="1">
+                <a:latin typeface="DejaVu Sans" pitchFamily="34" charset="0"/>
+                <a:cs typeface="DejaVu Sans" pitchFamily="34" charset="0"/>
+              </a:rPr>
+              <a:t>na</a:t>
+            </a:r>
+            <a:r>
+              <a:rPr lang="en-US" altLang="en-US" sz="2400" dirty="0">
+                <a:latin typeface="DejaVu Sans" pitchFamily="34" charset="0"/>
+                <a:cs typeface="DejaVu Sans" pitchFamily="34" charset="0"/>
+              </a:rPr>
+              <a:t> </a:t>
+            </a:r>
+            <a:r>
+              <a:rPr lang="en-US" altLang="en-US" sz="2400" dirty="0" err="1">
+                <a:latin typeface="DejaVu Sans" pitchFamily="34" charset="0"/>
+                <a:cs typeface="DejaVu Sans" pitchFamily="34" charset="0"/>
+              </a:rPr>
+              <a:t>moduły</a:t>
+            </a:r>
+            <a:r>
+              <a:rPr lang="en-US" altLang="en-US" sz="2400" dirty="0">
+                <a:latin typeface="DejaVu Sans" pitchFamily="34" charset="0"/>
+                <a:cs typeface="DejaVu Sans" pitchFamily="34" charset="0"/>
+              </a:rPr>
+              <a:t> </a:t>
+            </a:r>
+            <a:r>
+              <a:rPr lang="en-US" altLang="en-US" sz="2400" dirty="0" err="1">
+                <a:latin typeface="DejaVu Sans" pitchFamily="34" charset="0"/>
+                <a:cs typeface="DejaVu Sans" pitchFamily="34" charset="0"/>
+              </a:rPr>
+              <a:t>jądra</a:t>
+            </a:r>
+            <a:r>
+              <a:rPr lang="en-US" altLang="en-US" sz="2400" dirty="0">
+                <a:latin typeface="DejaVu Sans" pitchFamily="34" charset="0"/>
+                <a:cs typeface="DejaVu Sans" pitchFamily="34" charset="0"/>
+              </a:rPr>
+              <a:t> </a:t>
+            </a:r>
+            <a:r>
+              <a:rPr lang="en-US" altLang="en-US" sz="2400" dirty="0" err="1">
+                <a:latin typeface="DejaVu Sans" pitchFamily="34" charset="0"/>
+                <a:cs typeface="DejaVu Sans" pitchFamily="34" charset="0"/>
+              </a:rPr>
+              <a:t>Windowsa</a:t>
+            </a:r>
+            <a:r>
+              <a:rPr lang="en-US" altLang="en-US" sz="2400" dirty="0">
+                <a:latin typeface="DejaVu Sans" pitchFamily="34" charset="0"/>
+                <a:cs typeface="DejaVu Sans" pitchFamily="34" charset="0"/>
+              </a:rPr>
+              <a:t>, </a:t>
+            </a:r>
+            <a:r>
+              <a:rPr lang="en-US" altLang="en-US" sz="2400" dirty="0" err="1">
+                <a:latin typeface="DejaVu Sans" pitchFamily="34" charset="0"/>
+                <a:cs typeface="DejaVu Sans" pitchFamily="34" charset="0"/>
+              </a:rPr>
+              <a:t>takie</a:t>
+            </a:r>
+            <a:r>
+              <a:rPr lang="en-US" altLang="en-US" sz="2400" dirty="0">
+                <a:latin typeface="DejaVu Sans" pitchFamily="34" charset="0"/>
+                <a:cs typeface="DejaVu Sans" pitchFamily="34" charset="0"/>
+              </a:rPr>
+              <a:t> jak </a:t>
+            </a:r>
+            <a:r>
+              <a:rPr lang="en-US" altLang="en-US" sz="2400" dirty="0" err="1">
+                <a:latin typeface="DejaVu Sans" pitchFamily="34" charset="0"/>
+                <a:cs typeface="DejaVu Sans" pitchFamily="34" charset="0"/>
+              </a:rPr>
+              <a:t>BlueKeep</a:t>
+            </a:r>
+            <a:r>
+              <a:rPr lang="en-US" altLang="en-US" sz="2400" dirty="0">
+                <a:latin typeface="DejaVu Sans" pitchFamily="34" charset="0"/>
+                <a:cs typeface="DejaVu Sans" pitchFamily="34" charset="0"/>
+              </a:rPr>
+              <a:t> </a:t>
+            </a:r>
+            <a:r>
+              <a:rPr lang="en-US" altLang="en-US" sz="2400" dirty="0" err="1">
+                <a:latin typeface="DejaVu Sans" pitchFamily="34" charset="0"/>
+                <a:cs typeface="DejaVu Sans" pitchFamily="34" charset="0"/>
+              </a:rPr>
+              <a:t>czy</a:t>
+            </a:r>
+            <a:r>
+              <a:rPr lang="en-US" altLang="en-US" sz="2400" dirty="0">
+                <a:latin typeface="DejaVu Sans" pitchFamily="34" charset="0"/>
+                <a:cs typeface="DejaVu Sans" pitchFamily="34" charset="0"/>
+              </a:rPr>
+              <a:t> </a:t>
+            </a:r>
+            <a:r>
+              <a:rPr lang="en-US" altLang="en-US" sz="2400" dirty="0" err="1">
+                <a:latin typeface="DejaVu Sans" pitchFamily="34" charset="0"/>
+                <a:cs typeface="DejaVu Sans" pitchFamily="34" charset="0"/>
+              </a:rPr>
+              <a:t>SMBGhost</a:t>
+            </a:r>
+            <a:r>
+              <a:rPr lang="en-US" altLang="en-US" sz="2400" dirty="0">
+                <a:latin typeface="DejaVu Sans" pitchFamily="34" charset="0"/>
+                <a:cs typeface="DejaVu Sans" pitchFamily="34" charset="0"/>
+              </a:rPr>
+              <a:t>)</a:t>
             </a:r>
           </a:p>
         </p:txBody>
@@ -21597,12 +22622,23 @@
               <a:defRPr/>
             </a:pPr>
             <a:r>
-              <a:rPr lang="en-US" sz="4356" b="1" u="sng">
+              <a:rPr lang="en-US" sz="4356" b="1" u="sng" dirty="0">
                 <a:latin typeface="Consolas" panose="020B0609020204030204" pitchFamily="49" charset="0"/>
                 <a:cs typeface="Arial" panose="020B0604020202020204" pitchFamily="34" charset="0"/>
               </a:rPr>
-              <a:t>Exploit - NOday</a:t>
-            </a:r>
+              <a:t>Exploit - </a:t>
+            </a:r>
+            <a:r>
+              <a:rPr lang="en-US" sz="4356" b="1" u="sng" dirty="0" err="1">
+                <a:latin typeface="Consolas" panose="020B0609020204030204" pitchFamily="49" charset="0"/>
+                <a:cs typeface="Arial" panose="020B0604020202020204" pitchFamily="34" charset="0"/>
+              </a:rPr>
+              <a:t>NOday</a:t>
+            </a:r>
+            <a:endParaRPr lang="en-US" sz="4356" b="1" u="sng" dirty="0">
+              <a:latin typeface="Consolas" panose="020B0609020204030204" pitchFamily="49" charset="0"/>
+              <a:cs typeface="Arial" panose="020B0604020202020204" pitchFamily="34" charset="0"/>
+            </a:endParaRPr>
           </a:p>
         </p:txBody>
       </p:sp>
@@ -21705,42 +22741,441 @@
           <a:lstStyle/>
           <a:p>
             <a:r>
-              <a:rPr lang="en-US" altLang="en-US" sz="2667"/>
-              <a:t>Jakiś czas temu natknąłem się na ten termin na Twitterze</a:t>
-            </a:r>
-          </a:p>
-          <a:p>
-            <a:r>
-              <a:rPr lang="en-US" altLang="en-US" sz="2667"/>
-              <a:t>Odnosi się do podatności (oraz eskplojtów je wykorzystujących), które nie zostały i prawdopodobnie nigdy nie zostaną zaadresowane przez producenta...</a:t>
-            </a:r>
-          </a:p>
-          <a:p>
-            <a:r>
-              <a:rPr lang="en-US" altLang="en-US" sz="2667"/>
-              <a:t>... ze względu na fakt, że dane oprogramowanie nie jest już rozwijane/wspierane (tzw. legacy systems)</a:t>
+              <a:rPr lang="en-US" altLang="en-US" sz="2667" dirty="0" err="1"/>
+              <a:t>Jakiś</a:t>
+            </a:r>
+            <a:r>
+              <a:rPr lang="en-US" altLang="en-US" sz="2667" dirty="0"/>
+              <a:t> </a:t>
+            </a:r>
+            <a:r>
+              <a:rPr lang="en-US" altLang="en-US" sz="2667" dirty="0" err="1"/>
+              <a:t>czas</a:t>
+            </a:r>
+            <a:r>
+              <a:rPr lang="en-US" altLang="en-US" sz="2667" dirty="0"/>
+              <a:t> </a:t>
+            </a:r>
+            <a:r>
+              <a:rPr lang="en-US" altLang="en-US" sz="2667" dirty="0" err="1"/>
+              <a:t>temu</a:t>
+            </a:r>
+            <a:r>
+              <a:rPr lang="en-US" altLang="en-US" sz="2667" dirty="0"/>
+              <a:t> </a:t>
+            </a:r>
+            <a:r>
+              <a:rPr lang="en-US" altLang="en-US" sz="2667" dirty="0" err="1"/>
+              <a:t>natknąłem</a:t>
+            </a:r>
+            <a:r>
+              <a:rPr lang="en-US" altLang="en-US" sz="2667" dirty="0"/>
+              <a:t> </a:t>
+            </a:r>
+            <a:r>
+              <a:rPr lang="en-US" altLang="en-US" sz="2667" dirty="0" err="1"/>
+              <a:t>się</a:t>
+            </a:r>
+            <a:r>
+              <a:rPr lang="en-US" altLang="en-US" sz="2667" dirty="0"/>
+              <a:t> </a:t>
+            </a:r>
+            <a:r>
+              <a:rPr lang="en-US" altLang="en-US" sz="2667" dirty="0" err="1"/>
+              <a:t>na</a:t>
+            </a:r>
+            <a:r>
+              <a:rPr lang="en-US" altLang="en-US" sz="2667" dirty="0"/>
+              <a:t> ten </a:t>
+            </a:r>
+            <a:r>
+              <a:rPr lang="en-US" altLang="en-US" sz="2667" dirty="0" err="1"/>
+              <a:t>termin</a:t>
+            </a:r>
+            <a:r>
+              <a:rPr lang="en-US" altLang="en-US" sz="2667" dirty="0"/>
+              <a:t> </a:t>
+            </a:r>
+            <a:r>
+              <a:rPr lang="pl-PL" altLang="en-US" sz="2667" dirty="0"/>
+              <a:t>w społeczności</a:t>
+            </a:r>
+            <a:endParaRPr lang="en-US" altLang="en-US" sz="2667" dirty="0"/>
+          </a:p>
+          <a:p>
+            <a:r>
+              <a:rPr lang="en-US" altLang="en-US" sz="2667" dirty="0" err="1"/>
+              <a:t>Odnosi</a:t>
+            </a:r>
+            <a:r>
+              <a:rPr lang="en-US" altLang="en-US" sz="2667" dirty="0"/>
+              <a:t> </a:t>
+            </a:r>
+            <a:r>
+              <a:rPr lang="en-US" altLang="en-US" sz="2667" dirty="0" err="1"/>
+              <a:t>się</a:t>
+            </a:r>
+            <a:r>
+              <a:rPr lang="en-US" altLang="en-US" sz="2667" dirty="0"/>
+              <a:t> do </a:t>
+            </a:r>
+            <a:r>
+              <a:rPr lang="en-US" altLang="en-US" sz="2667" dirty="0" err="1"/>
+              <a:t>podatności</a:t>
+            </a:r>
+            <a:r>
+              <a:rPr lang="en-US" altLang="en-US" sz="2667" dirty="0"/>
+              <a:t> (</a:t>
+            </a:r>
+            <a:r>
+              <a:rPr lang="en-US" altLang="en-US" sz="2667" dirty="0" err="1"/>
+              <a:t>oraz</a:t>
+            </a:r>
+            <a:r>
+              <a:rPr lang="en-US" altLang="en-US" sz="2667" dirty="0"/>
+              <a:t> </a:t>
+            </a:r>
+            <a:r>
+              <a:rPr lang="en-US" altLang="en-US" sz="2667" dirty="0" err="1"/>
+              <a:t>eskplojtów</a:t>
+            </a:r>
+            <a:r>
+              <a:rPr lang="en-US" altLang="en-US" sz="2667" dirty="0"/>
+              <a:t> je </a:t>
+            </a:r>
+            <a:r>
+              <a:rPr lang="en-US" altLang="en-US" sz="2667" dirty="0" err="1"/>
+              <a:t>wykorzystujących</a:t>
+            </a:r>
+            <a:r>
+              <a:rPr lang="en-US" altLang="en-US" sz="2667" dirty="0"/>
+              <a:t>), </a:t>
+            </a:r>
+            <a:r>
+              <a:rPr lang="en-US" altLang="en-US" sz="2667" dirty="0" err="1"/>
+              <a:t>które</a:t>
+            </a:r>
+            <a:r>
+              <a:rPr lang="en-US" altLang="en-US" sz="2667" dirty="0"/>
+              <a:t> </a:t>
+            </a:r>
+            <a:r>
+              <a:rPr lang="en-US" altLang="en-US" sz="2667" dirty="0" err="1"/>
+              <a:t>nie</a:t>
+            </a:r>
+            <a:r>
+              <a:rPr lang="en-US" altLang="en-US" sz="2667" dirty="0"/>
+              <a:t> </a:t>
+            </a:r>
+            <a:r>
+              <a:rPr lang="en-US" altLang="en-US" sz="2667" dirty="0" err="1"/>
+              <a:t>zostały</a:t>
+            </a:r>
+            <a:r>
+              <a:rPr lang="en-US" altLang="en-US" sz="2667" dirty="0"/>
+              <a:t> </a:t>
+            </a:r>
+            <a:r>
+              <a:rPr lang="en-US" altLang="en-US" sz="2667" dirty="0" err="1"/>
+              <a:t>i</a:t>
+            </a:r>
+            <a:r>
+              <a:rPr lang="en-US" altLang="en-US" sz="2667" dirty="0"/>
+              <a:t> </a:t>
+            </a:r>
+            <a:r>
+              <a:rPr lang="en-US" altLang="en-US" sz="2667" dirty="0" err="1"/>
+              <a:t>prawdopodobnie</a:t>
+            </a:r>
+            <a:r>
+              <a:rPr lang="en-US" altLang="en-US" sz="2667" dirty="0"/>
+              <a:t> </a:t>
+            </a:r>
+            <a:r>
+              <a:rPr lang="en-US" altLang="en-US" sz="2667" dirty="0" err="1"/>
+              <a:t>nigdy</a:t>
+            </a:r>
+            <a:r>
+              <a:rPr lang="en-US" altLang="en-US" sz="2667" dirty="0"/>
+              <a:t> </a:t>
+            </a:r>
+            <a:r>
+              <a:rPr lang="en-US" altLang="en-US" sz="2667" dirty="0" err="1"/>
+              <a:t>nie</a:t>
+            </a:r>
+            <a:r>
+              <a:rPr lang="en-US" altLang="en-US" sz="2667" dirty="0"/>
+              <a:t> </a:t>
+            </a:r>
+            <a:r>
+              <a:rPr lang="en-US" altLang="en-US" sz="2667" dirty="0" err="1"/>
+              <a:t>zostaną</a:t>
+            </a:r>
+            <a:r>
+              <a:rPr lang="en-US" altLang="en-US" sz="2667" dirty="0"/>
+              <a:t> </a:t>
+            </a:r>
+            <a:r>
+              <a:rPr lang="en-US" altLang="en-US" sz="2667" dirty="0" err="1"/>
+              <a:t>zaadresowane</a:t>
+            </a:r>
+            <a:r>
+              <a:rPr lang="en-US" altLang="en-US" sz="2667" dirty="0"/>
+              <a:t> </a:t>
+            </a:r>
+            <a:r>
+              <a:rPr lang="en-US" altLang="en-US" sz="2667" dirty="0" err="1"/>
+              <a:t>przez</a:t>
+            </a:r>
+            <a:r>
+              <a:rPr lang="en-US" altLang="en-US" sz="2667" dirty="0"/>
+              <a:t> </a:t>
+            </a:r>
+            <a:r>
+              <a:rPr lang="en-US" altLang="en-US" sz="2667" dirty="0" err="1"/>
+              <a:t>producenta</a:t>
+            </a:r>
+            <a:r>
+              <a:rPr lang="en-US" altLang="en-US" sz="2667" dirty="0"/>
+              <a:t>...</a:t>
+            </a:r>
+          </a:p>
+          <a:p>
+            <a:r>
+              <a:rPr lang="en-US" altLang="en-US" sz="2667" dirty="0"/>
+              <a:t>... ze </a:t>
+            </a:r>
+            <a:r>
+              <a:rPr lang="en-US" altLang="en-US" sz="2667" dirty="0" err="1"/>
+              <a:t>względu</a:t>
+            </a:r>
+            <a:r>
+              <a:rPr lang="en-US" altLang="en-US" sz="2667" dirty="0"/>
+              <a:t> </a:t>
+            </a:r>
+            <a:r>
+              <a:rPr lang="en-US" altLang="en-US" sz="2667" dirty="0" err="1"/>
+              <a:t>na</a:t>
+            </a:r>
+            <a:r>
+              <a:rPr lang="en-US" altLang="en-US" sz="2667" dirty="0"/>
+              <a:t> </a:t>
+            </a:r>
+            <a:r>
+              <a:rPr lang="en-US" altLang="en-US" sz="2667" dirty="0" err="1"/>
+              <a:t>fakt</a:t>
+            </a:r>
+            <a:r>
+              <a:rPr lang="en-US" altLang="en-US" sz="2667" dirty="0"/>
+              <a:t>, </a:t>
+            </a:r>
+            <a:r>
+              <a:rPr lang="en-US" altLang="en-US" sz="2667" dirty="0" err="1"/>
+              <a:t>że</a:t>
+            </a:r>
+            <a:r>
+              <a:rPr lang="en-US" altLang="en-US" sz="2667" dirty="0"/>
+              <a:t> </a:t>
+            </a:r>
+            <a:r>
+              <a:rPr lang="en-US" altLang="en-US" sz="2667" dirty="0" err="1"/>
+              <a:t>dane</a:t>
+            </a:r>
+            <a:r>
+              <a:rPr lang="en-US" altLang="en-US" sz="2667" dirty="0"/>
+              <a:t> </a:t>
+            </a:r>
+            <a:r>
+              <a:rPr lang="en-US" altLang="en-US" sz="2667" dirty="0" err="1"/>
+              <a:t>oprogramowanie</a:t>
+            </a:r>
+            <a:r>
+              <a:rPr lang="en-US" altLang="en-US" sz="2667" dirty="0"/>
+              <a:t> </a:t>
+            </a:r>
+            <a:r>
+              <a:rPr lang="en-US" altLang="en-US" sz="2667" dirty="0" err="1"/>
+              <a:t>nie</a:t>
+            </a:r>
+            <a:r>
+              <a:rPr lang="en-US" altLang="en-US" sz="2667" dirty="0"/>
+              <a:t> jest </a:t>
+            </a:r>
+            <a:r>
+              <a:rPr lang="en-US" altLang="en-US" sz="2667" dirty="0" err="1"/>
+              <a:t>już</a:t>
+            </a:r>
+            <a:r>
+              <a:rPr lang="en-US" altLang="en-US" sz="2667" dirty="0"/>
+              <a:t> </a:t>
+            </a:r>
+            <a:r>
+              <a:rPr lang="en-US" altLang="en-US" sz="2667" dirty="0" err="1"/>
+              <a:t>rozwijane</a:t>
+            </a:r>
+            <a:r>
+              <a:rPr lang="en-US" altLang="en-US" sz="2667" dirty="0"/>
+              <a:t>/</a:t>
+            </a:r>
+            <a:r>
+              <a:rPr lang="en-US" altLang="en-US" sz="2667" dirty="0" err="1"/>
+              <a:t>wspierane</a:t>
+            </a:r>
+            <a:r>
+              <a:rPr lang="en-US" altLang="en-US" sz="2667" dirty="0"/>
+              <a:t> (</a:t>
+            </a:r>
+            <a:r>
+              <a:rPr lang="en-US" altLang="en-US" sz="2667" dirty="0" err="1"/>
+              <a:t>tzw</a:t>
+            </a:r>
+            <a:r>
+              <a:rPr lang="en-US" altLang="en-US" sz="2667" dirty="0"/>
+              <a:t>. legacy systems)</a:t>
             </a:r>
           </a:p>
           <a:p>
             <a:pPr lvl="1"/>
             <a:r>
-              <a:rPr lang="en-US" altLang="en-US" sz="2667"/>
-              <a:t>okres wsparcia przez producenta dobiegł końca (ang. End of Life support)</a:t>
+              <a:rPr lang="en-US" altLang="en-US" sz="2667" dirty="0" err="1"/>
+              <a:t>okres</a:t>
+            </a:r>
+            <a:r>
+              <a:rPr lang="en-US" altLang="en-US" sz="2667" dirty="0"/>
+              <a:t> </a:t>
+            </a:r>
+            <a:r>
+              <a:rPr lang="en-US" altLang="en-US" sz="2667" dirty="0" err="1"/>
+              <a:t>wsparcia</a:t>
+            </a:r>
+            <a:r>
+              <a:rPr lang="en-US" altLang="en-US" sz="2667" dirty="0"/>
+              <a:t> </a:t>
+            </a:r>
+            <a:r>
+              <a:rPr lang="en-US" altLang="en-US" sz="2667" dirty="0" err="1"/>
+              <a:t>przez</a:t>
+            </a:r>
+            <a:r>
+              <a:rPr lang="en-US" altLang="en-US" sz="2667" dirty="0"/>
+              <a:t> </a:t>
+            </a:r>
+            <a:r>
+              <a:rPr lang="en-US" altLang="en-US" sz="2667" dirty="0" err="1"/>
+              <a:t>producenta</a:t>
+            </a:r>
+            <a:r>
+              <a:rPr lang="en-US" altLang="en-US" sz="2667" dirty="0"/>
+              <a:t> </a:t>
+            </a:r>
+            <a:r>
+              <a:rPr lang="en-US" altLang="en-US" sz="2667" dirty="0" err="1"/>
+              <a:t>dobiegł</a:t>
+            </a:r>
+            <a:r>
+              <a:rPr lang="en-US" altLang="en-US" sz="2667" dirty="0"/>
+              <a:t> </a:t>
+            </a:r>
+            <a:r>
+              <a:rPr lang="en-US" altLang="en-US" sz="2667" dirty="0" err="1"/>
+              <a:t>końca</a:t>
+            </a:r>
+            <a:r>
+              <a:rPr lang="en-US" altLang="en-US" sz="2667" dirty="0"/>
+              <a:t> (ang. End of Life support)</a:t>
             </a:r>
           </a:p>
           <a:p>
             <a:pPr lvl="1"/>
             <a:r>
-              <a:rPr lang="en-US" altLang="en-US" sz="2667"/>
-              <a:t>producent już nie istnieje</a:t>
-            </a:r>
+              <a:rPr lang="en-US" altLang="en-US" sz="2667" dirty="0"/>
+              <a:t>producent </a:t>
+            </a:r>
+            <a:r>
+              <a:rPr lang="en-US" altLang="en-US" sz="2667" dirty="0" err="1"/>
+              <a:t>już</a:t>
+            </a:r>
+            <a:r>
+              <a:rPr lang="en-US" altLang="en-US" sz="2667" dirty="0"/>
+              <a:t> </a:t>
+            </a:r>
+            <a:r>
+              <a:rPr lang="en-US" altLang="en-US" sz="2667" dirty="0" err="1"/>
+              <a:t>nie</a:t>
+            </a:r>
+            <a:r>
+              <a:rPr lang="en-US" altLang="en-US" sz="2667" dirty="0"/>
+              <a:t> </a:t>
+            </a:r>
+            <a:r>
+              <a:rPr lang="en-US" altLang="en-US" sz="2667" dirty="0" err="1"/>
+              <a:t>istnieje</a:t>
+            </a:r>
+            <a:endParaRPr lang="en-US" altLang="en-US" sz="2667" dirty="0"/>
           </a:p>
           <a:p>
             <a:pPr lvl="1"/>
             <a:r>
-              <a:rPr lang="en-US" altLang="en-US" sz="2667"/>
-              <a:t>ostatni programista projektu nie żyje/siedzi w zakładzie psychiatrycznym</a:t>
-            </a:r>
+              <a:rPr lang="en-US" altLang="en-US" sz="2667" dirty="0" err="1"/>
+              <a:t>ostatni</a:t>
+            </a:r>
+            <a:r>
+              <a:rPr lang="en-US" altLang="en-US" sz="2667" dirty="0"/>
+              <a:t> </a:t>
+            </a:r>
+            <a:r>
+              <a:rPr lang="en-US" altLang="en-US" sz="2667" dirty="0" err="1"/>
+              <a:t>programista</a:t>
+            </a:r>
+            <a:r>
+              <a:rPr lang="en-US" altLang="en-US" sz="2667" dirty="0"/>
+              <a:t> </a:t>
+            </a:r>
+            <a:r>
+              <a:rPr lang="en-US" altLang="en-US" sz="2667" dirty="0" err="1"/>
+              <a:t>projektu</a:t>
+            </a:r>
+            <a:r>
+              <a:rPr lang="en-US" altLang="en-US" sz="2667" dirty="0"/>
+              <a:t> </a:t>
+            </a:r>
+            <a:r>
+              <a:rPr lang="en-US" altLang="en-US" sz="2667" dirty="0" err="1"/>
+              <a:t>nie</a:t>
+            </a:r>
+            <a:r>
+              <a:rPr lang="en-US" altLang="en-US" sz="2667" dirty="0"/>
+              <a:t> </a:t>
+            </a:r>
+            <a:r>
+              <a:rPr lang="en-US" altLang="en-US" sz="2667" dirty="0" err="1"/>
+              <a:t>żyje</a:t>
+            </a:r>
+            <a:r>
+              <a:rPr lang="en-US" altLang="en-US" sz="2667" dirty="0"/>
+              <a:t>/</a:t>
+            </a:r>
+            <a:r>
+              <a:rPr lang="en-US" altLang="en-US" sz="2667" dirty="0" err="1"/>
+              <a:t>siedzi</a:t>
+            </a:r>
+            <a:r>
+              <a:rPr lang="en-US" altLang="en-US" sz="2667" dirty="0"/>
+              <a:t> w </a:t>
+            </a:r>
+            <a:r>
+              <a:rPr lang="en-US" altLang="en-US" sz="2667" dirty="0" err="1"/>
+              <a:t>zakładzie</a:t>
+            </a:r>
+            <a:r>
+              <a:rPr lang="en-US" altLang="en-US" sz="2667" dirty="0"/>
+              <a:t> </a:t>
+            </a:r>
+            <a:r>
+              <a:rPr lang="en-US" altLang="en-US" sz="2667" dirty="0" err="1"/>
+              <a:t>psychiatrycznym</a:t>
+            </a:r>
+            <a:endParaRPr lang="en-US" altLang="en-US" sz="2667" dirty="0"/>
           </a:p>
         </p:txBody>
       </p:sp>
@@ -21840,14 +23275,211 @@
           <a:lstStyle/>
           <a:p>
             <a:r>
-              <a:rPr lang="en-US" altLang="en-US" sz="2667"/>
-              <a:t>Na ten termin również natknąłem się jakiś czas temu na Twitterze</a:t>
-            </a:r>
-          </a:p>
-          <a:p>
-            <a:r>
-              <a:rPr lang="en-US" altLang="en-US" sz="2667"/>
-              <a:t>Określenie to stosuje się w odniesieniu do exploitów, które powstały w wyniku uzyskania szczegółów technicznych na temat danej podatności w wyniku analizy aktualizacji adresującej tę podatność:</a:t>
+              <a:rPr lang="en-US" altLang="en-US" sz="2667" dirty="0"/>
+              <a:t>Na ten </a:t>
+            </a:r>
+            <a:r>
+              <a:rPr lang="en-US" altLang="en-US" sz="2667" dirty="0" err="1"/>
+              <a:t>termin</a:t>
+            </a:r>
+            <a:r>
+              <a:rPr lang="en-US" altLang="en-US" sz="2667" dirty="0"/>
+              <a:t> </a:t>
+            </a:r>
+            <a:r>
+              <a:rPr lang="en-US" altLang="en-US" sz="2667" dirty="0" err="1"/>
+              <a:t>również</a:t>
+            </a:r>
+            <a:r>
+              <a:rPr lang="en-US" altLang="en-US" sz="2667" dirty="0"/>
+              <a:t> </a:t>
+            </a:r>
+            <a:r>
+              <a:rPr lang="en-US" altLang="en-US" sz="2667" dirty="0" err="1"/>
+              <a:t>natknąłem</a:t>
+            </a:r>
+            <a:r>
+              <a:rPr lang="en-US" altLang="en-US" sz="2667" dirty="0"/>
+              <a:t> </a:t>
+            </a:r>
+            <a:r>
+              <a:rPr lang="pl-PL" altLang="en-US" sz="2667"/>
+              <a:t>niedawno w społeczności</a:t>
+            </a:r>
+            <a:endParaRPr lang="en-US" altLang="en-US" sz="2667" dirty="0"/>
+          </a:p>
+          <a:p>
+            <a:r>
+              <a:rPr lang="en-US" altLang="en-US" sz="2667" dirty="0" err="1"/>
+              <a:t>Określenie</a:t>
+            </a:r>
+            <a:r>
+              <a:rPr lang="en-US" altLang="en-US" sz="2667" dirty="0"/>
+              <a:t> to </a:t>
+            </a:r>
+            <a:r>
+              <a:rPr lang="en-US" altLang="en-US" sz="2667" dirty="0" err="1"/>
+              <a:t>stosuje</a:t>
+            </a:r>
+            <a:r>
+              <a:rPr lang="en-US" altLang="en-US" sz="2667" dirty="0"/>
+              <a:t> </a:t>
+            </a:r>
+            <a:r>
+              <a:rPr lang="en-US" altLang="en-US" sz="2667" dirty="0" err="1"/>
+              <a:t>się</a:t>
+            </a:r>
+            <a:r>
+              <a:rPr lang="en-US" altLang="en-US" sz="2667" dirty="0"/>
+              <a:t> w </a:t>
+            </a:r>
+            <a:r>
+              <a:rPr lang="en-US" altLang="en-US" sz="2667" dirty="0" err="1"/>
+              <a:t>odniesieniu</a:t>
+            </a:r>
+            <a:r>
+              <a:rPr lang="en-US" altLang="en-US" sz="2667" dirty="0"/>
+              <a:t> do </a:t>
+            </a:r>
+            <a:r>
+              <a:rPr lang="en-US" altLang="en-US" sz="2667" dirty="0" err="1"/>
+              <a:t>exploitów</a:t>
+            </a:r>
+            <a:r>
+              <a:rPr lang="en-US" altLang="en-US" sz="2667" dirty="0"/>
+              <a:t>, </a:t>
+            </a:r>
+            <a:r>
+              <a:rPr lang="en-US" altLang="en-US" sz="2667" dirty="0" err="1"/>
+              <a:t>które</a:t>
+            </a:r>
+            <a:r>
+              <a:rPr lang="en-US" altLang="en-US" sz="2667" dirty="0"/>
+              <a:t> </a:t>
+            </a:r>
+            <a:r>
+              <a:rPr lang="en-US" altLang="en-US" sz="2667" dirty="0" err="1"/>
+              <a:t>powstały</a:t>
+            </a:r>
+            <a:r>
+              <a:rPr lang="en-US" altLang="en-US" sz="2667" dirty="0"/>
+              <a:t> w </a:t>
+            </a:r>
+            <a:r>
+              <a:rPr lang="en-US" altLang="en-US" sz="2667" dirty="0" err="1"/>
+              <a:t>wyniku</a:t>
+            </a:r>
+            <a:r>
+              <a:rPr lang="en-US" altLang="en-US" sz="2667" dirty="0"/>
+              <a:t> </a:t>
+            </a:r>
+            <a:r>
+              <a:rPr lang="en-US" altLang="en-US" sz="2667" dirty="0" err="1"/>
+              <a:t>uzyskania</a:t>
+            </a:r>
+            <a:r>
+              <a:rPr lang="en-US" altLang="en-US" sz="2667" dirty="0"/>
+              <a:t> </a:t>
+            </a:r>
+            <a:r>
+              <a:rPr lang="en-US" altLang="en-US" sz="2667" dirty="0" err="1"/>
+              <a:t>szczegółów</a:t>
+            </a:r>
+            <a:r>
+              <a:rPr lang="en-US" altLang="en-US" sz="2667" dirty="0"/>
+              <a:t> </a:t>
+            </a:r>
+            <a:r>
+              <a:rPr lang="en-US" altLang="en-US" sz="2667" dirty="0" err="1"/>
+              <a:t>technicznych</a:t>
+            </a:r>
+            <a:r>
+              <a:rPr lang="en-US" altLang="en-US" sz="2667" dirty="0"/>
+              <a:t> </a:t>
+            </a:r>
+            <a:r>
+              <a:rPr lang="en-US" altLang="en-US" sz="2667" dirty="0" err="1"/>
+              <a:t>na</a:t>
+            </a:r>
+            <a:r>
+              <a:rPr lang="en-US" altLang="en-US" sz="2667" dirty="0"/>
+              <a:t> </a:t>
+            </a:r>
+            <a:r>
+              <a:rPr lang="en-US" altLang="en-US" sz="2667" dirty="0" err="1"/>
+              <a:t>temat</a:t>
+            </a:r>
+            <a:r>
+              <a:rPr lang="en-US" altLang="en-US" sz="2667" dirty="0"/>
+              <a:t> </a:t>
+            </a:r>
+            <a:r>
+              <a:rPr lang="en-US" altLang="en-US" sz="2667" dirty="0" err="1"/>
+              <a:t>danej</a:t>
+            </a:r>
+            <a:r>
+              <a:rPr lang="en-US" altLang="en-US" sz="2667" dirty="0"/>
+              <a:t> </a:t>
+            </a:r>
+            <a:r>
+              <a:rPr lang="en-US" altLang="en-US" sz="2667" dirty="0" err="1"/>
+              <a:t>podatności</a:t>
+            </a:r>
+            <a:r>
+              <a:rPr lang="en-US" altLang="en-US" sz="2667" dirty="0"/>
+              <a:t> </a:t>
+            </a:r>
+            <a:r>
+              <a:rPr lang="pl-PL" altLang="en-US" sz="2667" dirty="0"/>
+              <a:t>poprzez</a:t>
+            </a:r>
+            <a:r>
+              <a:rPr lang="en-US" altLang="en-US" sz="2667" dirty="0"/>
+              <a:t> </a:t>
+            </a:r>
+            <a:r>
+              <a:rPr lang="en-US" altLang="en-US" sz="2667" dirty="0" err="1"/>
+              <a:t>analiz</a:t>
+            </a:r>
+            <a:r>
+              <a:rPr lang="pl-PL" altLang="en-US" sz="2667" dirty="0"/>
+              <a:t>ę</a:t>
+            </a:r>
+            <a:r>
+              <a:rPr lang="en-US" altLang="en-US" sz="2667" dirty="0"/>
+              <a:t> </a:t>
+            </a:r>
+            <a:r>
+              <a:rPr lang="en-US" altLang="en-US" sz="2667" dirty="0" err="1"/>
+              <a:t>aktualizacji</a:t>
+            </a:r>
+            <a:r>
+              <a:rPr lang="en-US" altLang="en-US" sz="2667" dirty="0"/>
+              <a:t> </a:t>
+            </a:r>
+            <a:r>
+              <a:rPr lang="en-US" altLang="en-US" sz="2667" dirty="0" err="1"/>
+              <a:t>adresującej</a:t>
+            </a:r>
+            <a:r>
+              <a:rPr lang="en-US" altLang="en-US" sz="2667" dirty="0"/>
+              <a:t> </a:t>
+            </a:r>
+            <a:r>
+              <a:rPr lang="en-US" altLang="en-US" sz="2667" dirty="0" err="1"/>
+              <a:t>tę</a:t>
+            </a:r>
+            <a:r>
+              <a:rPr lang="en-US" altLang="en-US" sz="2667" dirty="0"/>
+              <a:t> </a:t>
+            </a:r>
+            <a:r>
+              <a:rPr lang="en-US" altLang="en-US" sz="2667" dirty="0" err="1"/>
+              <a:t>podatność</a:t>
+            </a:r>
+            <a:r>
+              <a:rPr lang="en-US" altLang="en-US" sz="2667" dirty="0"/>
+              <a:t>:</a:t>
             </a:r>
           </a:p>
           <a:p>
@@ -21855,17 +23487,190 @@
               <a:buNone/>
             </a:pPr>
             <a:r>
-              <a:rPr lang="en-US" altLang="en-US" sz="2667"/>
-              <a:t>1. Haker znajduje podatność w produkcie i informuje producenta</a:t>
-            </a:r>
+              <a:rPr lang="en-US" altLang="en-US" sz="2667" dirty="0"/>
+              <a:t>1. </a:t>
+            </a:r>
+            <a:r>
+              <a:rPr lang="en-US" altLang="en-US" sz="2667" dirty="0" err="1"/>
+              <a:t>Haker</a:t>
+            </a:r>
+            <a:r>
+              <a:rPr lang="en-US" altLang="en-US" sz="2667" dirty="0"/>
+              <a:t> </a:t>
+            </a:r>
+            <a:r>
+              <a:rPr lang="en-US" altLang="en-US" sz="2667" dirty="0" err="1"/>
+              <a:t>znajduje</a:t>
+            </a:r>
+            <a:r>
+              <a:rPr lang="en-US" altLang="en-US" sz="2667" dirty="0"/>
+              <a:t> </a:t>
+            </a:r>
+            <a:r>
+              <a:rPr lang="en-US" altLang="en-US" sz="2667" dirty="0" err="1"/>
+              <a:t>podatność</a:t>
+            </a:r>
+            <a:r>
+              <a:rPr lang="en-US" altLang="en-US" sz="2667" dirty="0"/>
+              <a:t> w </a:t>
+            </a:r>
+            <a:r>
+              <a:rPr lang="en-US" altLang="en-US" sz="2667" dirty="0" err="1"/>
+              <a:t>produkcie</a:t>
+            </a:r>
+            <a:r>
+              <a:rPr lang="en-US" altLang="en-US" sz="2667" dirty="0"/>
+              <a:t> </a:t>
+            </a:r>
+            <a:r>
+              <a:rPr lang="en-US" altLang="en-US" sz="2667" dirty="0" err="1"/>
+              <a:t>i</a:t>
+            </a:r>
+            <a:r>
+              <a:rPr lang="en-US" altLang="en-US" sz="2667" dirty="0"/>
+              <a:t> </a:t>
+            </a:r>
+            <a:r>
+              <a:rPr lang="en-US" altLang="en-US" sz="2667" dirty="0" err="1"/>
+              <a:t>informuje</a:t>
+            </a:r>
+            <a:r>
+              <a:rPr lang="en-US" altLang="en-US" sz="2667" dirty="0"/>
+              <a:t> </a:t>
+            </a:r>
+            <a:r>
+              <a:rPr lang="en-US" altLang="en-US" sz="2667" dirty="0" err="1"/>
+              <a:t>producenta</a:t>
+            </a:r>
+            <a:endParaRPr lang="en-US" altLang="en-US" sz="2667" dirty="0"/>
           </a:p>
           <a:p>
             <a:pPr marL="0" indent="0">
               <a:buNone/>
             </a:pPr>
             <a:r>
-              <a:rPr lang="en-US" altLang="en-US" sz="2667"/>
-              <a:t>2. Producent publikuje nową wersję produktu, w której podatność jest załatana, jednocześnie publikowana jest informacja o podatności i aktualizacji przypisana do numeru CVE</a:t>
+              <a:rPr lang="en-US" altLang="en-US" sz="2667" dirty="0"/>
+              <a:t>2. Producent </a:t>
+            </a:r>
+            <a:r>
+              <a:rPr lang="en-US" altLang="en-US" sz="2667" dirty="0" err="1"/>
+              <a:t>publikuje</a:t>
+            </a:r>
+            <a:r>
+              <a:rPr lang="en-US" altLang="en-US" sz="2667" dirty="0"/>
+              <a:t> </a:t>
+            </a:r>
+            <a:r>
+              <a:rPr lang="en-US" altLang="en-US" sz="2667" dirty="0" err="1"/>
+              <a:t>nową</a:t>
+            </a:r>
+            <a:r>
+              <a:rPr lang="en-US" altLang="en-US" sz="2667" dirty="0"/>
+              <a:t> </a:t>
+            </a:r>
+            <a:r>
+              <a:rPr lang="en-US" altLang="en-US" sz="2667" dirty="0" err="1"/>
+              <a:t>wersję</a:t>
+            </a:r>
+            <a:r>
+              <a:rPr lang="en-US" altLang="en-US" sz="2667" dirty="0"/>
+              <a:t> </a:t>
+            </a:r>
+            <a:r>
+              <a:rPr lang="en-US" altLang="en-US" sz="2667" dirty="0" err="1"/>
+              <a:t>produktu</a:t>
+            </a:r>
+            <a:r>
+              <a:rPr lang="en-US" altLang="en-US" sz="2667" dirty="0"/>
+              <a:t>, w </a:t>
+            </a:r>
+            <a:r>
+              <a:rPr lang="en-US" altLang="en-US" sz="2667" dirty="0" err="1"/>
+              <a:t>której</a:t>
+            </a:r>
+            <a:r>
+              <a:rPr lang="en-US" altLang="en-US" sz="2667" dirty="0"/>
+              <a:t> </a:t>
+            </a:r>
+            <a:r>
+              <a:rPr lang="en-US" altLang="en-US" sz="2667" dirty="0" err="1"/>
+              <a:t>podatność</a:t>
+            </a:r>
+            <a:r>
+              <a:rPr lang="en-US" altLang="en-US" sz="2667" dirty="0"/>
+              <a:t> jest </a:t>
+            </a:r>
+            <a:r>
+              <a:rPr lang="en-US" altLang="en-US" sz="2667" dirty="0" err="1"/>
+              <a:t>załatana</a:t>
+            </a:r>
+            <a:r>
+              <a:rPr lang="en-US" altLang="en-US" sz="2667" dirty="0"/>
+              <a:t>, </a:t>
+            </a:r>
+            <a:r>
+              <a:rPr lang="en-US" altLang="en-US" sz="2667" dirty="0" err="1"/>
+              <a:t>jednocześnie</a:t>
+            </a:r>
+            <a:r>
+              <a:rPr lang="en-US" altLang="en-US" sz="2667" dirty="0"/>
+              <a:t> </a:t>
+            </a:r>
+            <a:r>
+              <a:rPr lang="en-US" altLang="en-US" sz="2667" dirty="0" err="1"/>
+              <a:t>publikowana</a:t>
+            </a:r>
+            <a:r>
+              <a:rPr lang="en-US" altLang="en-US" sz="2667" dirty="0"/>
+              <a:t> jest </a:t>
+            </a:r>
+            <a:r>
+              <a:rPr lang="en-US" altLang="en-US" sz="2667" dirty="0" err="1"/>
+              <a:t>informacja</a:t>
+            </a:r>
+            <a:r>
+              <a:rPr lang="en-US" altLang="en-US" sz="2667" dirty="0"/>
+              <a:t> o </a:t>
+            </a:r>
+            <a:r>
+              <a:rPr lang="en-US" altLang="en-US" sz="2667" dirty="0" err="1"/>
+              <a:t>podatności</a:t>
+            </a:r>
+            <a:r>
+              <a:rPr lang="en-US" altLang="en-US" sz="2667" dirty="0"/>
+              <a:t> </a:t>
+            </a:r>
+            <a:r>
+              <a:rPr lang="en-US" altLang="en-US" sz="2667" dirty="0" err="1"/>
+              <a:t>i</a:t>
+            </a:r>
+            <a:r>
+              <a:rPr lang="en-US" altLang="en-US" sz="2667" dirty="0"/>
+              <a:t> </a:t>
+            </a:r>
+            <a:r>
+              <a:rPr lang="en-US" altLang="en-US" sz="2667" dirty="0" err="1"/>
+              <a:t>aktualizacji</a:t>
+            </a:r>
+            <a:r>
+              <a:rPr lang="en-US" altLang="en-US" sz="2667" dirty="0"/>
+              <a:t> </a:t>
+            </a:r>
+            <a:r>
+              <a:rPr lang="en-US" altLang="en-US" sz="2667" dirty="0" err="1"/>
+              <a:t>przypisana</a:t>
+            </a:r>
+            <a:r>
+              <a:rPr lang="en-US" altLang="en-US" sz="2667" dirty="0"/>
+              <a:t> do </a:t>
+            </a:r>
+            <a:r>
+              <a:rPr lang="en-US" altLang="en-US" sz="2667" dirty="0" err="1"/>
+              <a:t>numeru</a:t>
+            </a:r>
+            <a:r>
+              <a:rPr lang="en-US" altLang="en-US" sz="2667" dirty="0"/>
+              <a:t> CVE</a:t>
             </a:r>
           </a:p>
           <a:p>
@@ -21873,16 +23678,184 @@
               <a:buNone/>
             </a:pPr>
             <a:r>
-              <a:rPr lang="en-US" altLang="en-US" sz="2667"/>
-              <a:t>3. Inny haker porównuje starą i nową wersję produktu (analiza kodu źródłowego lub inżynieria wsteczna - ang. </a:t>
-            </a:r>
-            <a:r>
-              <a:rPr lang="en-US" altLang="en-US" sz="2667" i="1"/>
+              <a:rPr lang="en-US" altLang="en-US" sz="2667" dirty="0"/>
+              <a:t>3. </a:t>
+            </a:r>
+            <a:r>
+              <a:rPr lang="en-US" altLang="en-US" sz="2667" dirty="0" err="1"/>
+              <a:t>Inny</a:t>
+            </a:r>
+            <a:r>
+              <a:rPr lang="en-US" altLang="en-US" sz="2667" dirty="0"/>
+              <a:t> </a:t>
+            </a:r>
+            <a:r>
+              <a:rPr lang="en-US" altLang="en-US" sz="2667" dirty="0" err="1"/>
+              <a:t>haker</a:t>
+            </a:r>
+            <a:r>
+              <a:rPr lang="en-US" altLang="en-US" sz="2667" dirty="0"/>
+              <a:t> </a:t>
+            </a:r>
+            <a:r>
+              <a:rPr lang="en-US" altLang="en-US" sz="2667" dirty="0" err="1"/>
+              <a:t>porównuje</a:t>
+            </a:r>
+            <a:r>
+              <a:rPr lang="en-US" altLang="en-US" sz="2667" dirty="0"/>
+              <a:t> </a:t>
+            </a:r>
+            <a:r>
+              <a:rPr lang="en-US" altLang="en-US" sz="2667" dirty="0" err="1"/>
+              <a:t>starą</a:t>
+            </a:r>
+            <a:r>
+              <a:rPr lang="en-US" altLang="en-US" sz="2667" dirty="0"/>
+              <a:t> </a:t>
+            </a:r>
+            <a:r>
+              <a:rPr lang="en-US" altLang="en-US" sz="2667" dirty="0" err="1"/>
+              <a:t>i</a:t>
+            </a:r>
+            <a:r>
+              <a:rPr lang="en-US" altLang="en-US" sz="2667" dirty="0"/>
+              <a:t> </a:t>
+            </a:r>
+            <a:r>
+              <a:rPr lang="en-US" altLang="en-US" sz="2667" dirty="0" err="1"/>
+              <a:t>nową</a:t>
+            </a:r>
+            <a:r>
+              <a:rPr lang="en-US" altLang="en-US" sz="2667" dirty="0"/>
+              <a:t> </a:t>
+            </a:r>
+            <a:r>
+              <a:rPr lang="en-US" altLang="en-US" sz="2667" dirty="0" err="1"/>
+              <a:t>wersję</a:t>
+            </a:r>
+            <a:r>
+              <a:rPr lang="en-US" altLang="en-US" sz="2667" dirty="0"/>
+              <a:t> </a:t>
+            </a:r>
+            <a:r>
+              <a:rPr lang="en-US" altLang="en-US" sz="2667" dirty="0" err="1"/>
+              <a:t>produktu</a:t>
+            </a:r>
+            <a:r>
+              <a:rPr lang="en-US" altLang="en-US" sz="2667" dirty="0"/>
+              <a:t> (</a:t>
+            </a:r>
+            <a:r>
+              <a:rPr lang="en-US" altLang="en-US" sz="2667" dirty="0" err="1"/>
+              <a:t>analiza</a:t>
+            </a:r>
+            <a:r>
+              <a:rPr lang="en-US" altLang="en-US" sz="2667" dirty="0"/>
+              <a:t> </a:t>
+            </a:r>
+            <a:r>
+              <a:rPr lang="en-US" altLang="en-US" sz="2667" dirty="0" err="1"/>
+              <a:t>kodu</a:t>
+            </a:r>
+            <a:r>
+              <a:rPr lang="en-US" altLang="en-US" sz="2667" dirty="0"/>
+              <a:t> </a:t>
+            </a:r>
+            <a:r>
+              <a:rPr lang="en-US" altLang="en-US" sz="2667" dirty="0" err="1"/>
+              <a:t>źródłowego</a:t>
+            </a:r>
+            <a:r>
+              <a:rPr lang="en-US" altLang="en-US" sz="2667" dirty="0"/>
+              <a:t> </a:t>
+            </a:r>
+            <a:r>
+              <a:rPr lang="en-US" altLang="en-US" sz="2667" dirty="0" err="1"/>
+              <a:t>lub</a:t>
+            </a:r>
+            <a:r>
+              <a:rPr lang="en-US" altLang="en-US" sz="2667" dirty="0"/>
+              <a:t> </a:t>
+            </a:r>
+            <a:r>
+              <a:rPr lang="en-US" altLang="en-US" sz="2667" dirty="0" err="1"/>
+              <a:t>inżynieria</a:t>
+            </a:r>
+            <a:r>
+              <a:rPr lang="en-US" altLang="en-US" sz="2667" dirty="0"/>
+              <a:t> </a:t>
+            </a:r>
+            <a:r>
+              <a:rPr lang="en-US" altLang="en-US" sz="2667" dirty="0" err="1"/>
+              <a:t>wsteczna</a:t>
+            </a:r>
+            <a:r>
+              <a:rPr lang="en-US" altLang="en-US" sz="2667" dirty="0"/>
+              <a:t> - ang. </a:t>
+            </a:r>
+            <a:r>
+              <a:rPr lang="en-US" altLang="en-US" sz="2667" i="1" dirty="0"/>
               <a:t>reverse engineering</a:t>
             </a:r>
             <a:r>
-              <a:rPr lang="en-US" altLang="en-US" sz="2667"/>
-              <a:t>), by poznać szczegóły techniczne podatności a następnie napisać exploita.</a:t>
+              <a:rPr lang="en-US" altLang="en-US" sz="2667" dirty="0"/>
+              <a:t>), by </a:t>
+            </a:r>
+            <a:r>
+              <a:rPr lang="en-US" altLang="en-US" sz="2667" dirty="0" err="1"/>
+              <a:t>poznać</a:t>
+            </a:r>
+            <a:r>
+              <a:rPr lang="en-US" altLang="en-US" sz="2667" dirty="0"/>
+              <a:t> </a:t>
+            </a:r>
+            <a:r>
+              <a:rPr lang="en-US" altLang="en-US" sz="2667" dirty="0" err="1"/>
+              <a:t>szczegóły</a:t>
+            </a:r>
+            <a:r>
+              <a:rPr lang="en-US" altLang="en-US" sz="2667" dirty="0"/>
+              <a:t> </a:t>
+            </a:r>
+            <a:r>
+              <a:rPr lang="en-US" altLang="en-US" sz="2667" dirty="0" err="1"/>
+              <a:t>techniczne</a:t>
+            </a:r>
+            <a:r>
+              <a:rPr lang="en-US" altLang="en-US" sz="2667" dirty="0"/>
+              <a:t> </a:t>
+            </a:r>
+            <a:r>
+              <a:rPr lang="en-US" altLang="en-US" sz="2667" dirty="0" err="1"/>
+              <a:t>podatności</a:t>
+            </a:r>
+            <a:r>
+              <a:rPr lang="en-US" altLang="en-US" sz="2667" dirty="0"/>
+              <a:t> a </a:t>
+            </a:r>
+            <a:r>
+              <a:rPr lang="en-US" altLang="en-US" sz="2667" dirty="0" err="1"/>
+              <a:t>następnie</a:t>
+            </a:r>
+            <a:r>
+              <a:rPr lang="en-US" altLang="en-US" sz="2667" dirty="0"/>
+              <a:t> </a:t>
+            </a:r>
+            <a:r>
+              <a:rPr lang="en-US" altLang="en-US" sz="2667" dirty="0" err="1"/>
+              <a:t>napisać</a:t>
+            </a:r>
+            <a:r>
+              <a:rPr lang="en-US" altLang="en-US" sz="2667" dirty="0"/>
+              <a:t> </a:t>
+            </a:r>
+            <a:r>
+              <a:rPr lang="en-US" altLang="en-US" sz="2667" dirty="0" err="1"/>
+              <a:t>exploita</a:t>
+            </a:r>
+            <a:r>
+              <a:rPr lang="en-US" altLang="en-US" sz="2667" dirty="0"/>
+              <a:t>.</a:t>
             </a:r>
           </a:p>
         </p:txBody>
@@ -22375,7 +24348,7 @@
         </p:spPr>
         <p:txBody>
           <a:bodyPr vert="horz" lIns="91440" tIns="190407" rIns="91440" bIns="45720" rtlCol="0" anchor="ctr">
-            <a:normAutofit/>
+            <a:normAutofit fontScale="90000"/>
           </a:bodyPr>
           <a:lstStyle/>
           <a:p>
@@ -22612,7 +24585,7 @@
         </p:spPr>
         <p:txBody>
           <a:bodyPr vert="horz" lIns="91440" tIns="190407" rIns="91440" bIns="45720" rtlCol="0" anchor="ctr">
-            <a:normAutofit/>
+            <a:normAutofit fontScale="90000"/>
           </a:bodyPr>
           <a:lstStyle/>
           <a:p>

--- a/2_Wprowadzenie_do_bezpieczenstwa_IT.pptx
+++ b/2_Wprowadzenie_do_bezpieczenstwa_IT.pptx
@@ -84,6 +84,7 @@
     <p:sldId id="332" r:id="rId79"/>
     <p:sldId id="333" r:id="rId80"/>
     <p:sldId id="334" r:id="rId81"/>
+    <p:sldId id="335" r:id="rId82"/>
   </p:sldIdLst>
   <p:sldSz cx="12192000" cy="6858000"/>
   <p:notesSz cx="7772400" cy="10058400"/>
@@ -141,7 +142,7 @@
         <p:txBody>
           <a:bodyPr/>
           <a:p>
-            <a:fld id="{7E8C7055-6BC5-47FB-B4B0-4924DE6366F2}" type="slidenum">
+            <a:fld id="{4B5BA7EB-530A-4272-AE3B-DC57DFCCBE54}" type="slidenum">
               <a:t>&lt;#&gt;</a:t>
             </a:fld>
           </a:p>
@@ -329,7 +330,7 @@
         <p:txBody>
           <a:bodyPr/>
           <a:p>
-            <a:fld id="{A7D0BF5E-016E-4A9D-B7D9-13AA296F704A}" type="slidenum">
+            <a:fld id="{4C02D2D4-993E-4593-A99A-65FC4846BEE7}" type="slidenum">
               <a:t>&lt;#&gt;</a:t>
             </a:fld>
           </a:p>
@@ -585,7 +586,7 @@
         <p:txBody>
           <a:bodyPr/>
           <a:p>
-            <a:fld id="{BF0786F3-BB98-4CCA-9F00-8A88CC46E828}" type="slidenum">
+            <a:fld id="{EF1E03F5-170E-45F0-A633-D59B66285C0B}" type="slidenum">
               <a:t>&lt;#&gt;</a:t>
             </a:fld>
           </a:p>
@@ -909,7 +910,7 @@
         <p:txBody>
           <a:bodyPr/>
           <a:p>
-            <a:fld id="{8456A1DC-7CF6-416F-82CE-9E0F64E96A6A}" type="slidenum">
+            <a:fld id="{9D9F4650-8BF8-4578-820F-A669B62F4748}" type="slidenum">
               <a:t>&lt;#&gt;</a:t>
             </a:fld>
           </a:p>
@@ -1066,7 +1067,7 @@
         <p:txBody>
           <a:bodyPr/>
           <a:p>
-            <a:fld id="{EAA81BD5-61B6-4D71-99DF-7661C7F92948}" type="slidenum">
+            <a:fld id="{FBC2752C-1C86-45FF-A26A-493153A20B1C}" type="slidenum">
               <a:t>&lt;#&gt;</a:t>
             </a:fld>
           </a:p>
@@ -1220,7 +1221,7 @@
         <p:txBody>
           <a:bodyPr/>
           <a:p>
-            <a:fld id="{7C009CEC-FBE4-40D0-B1E5-CAE40F3EC893}" type="slidenum">
+            <a:fld id="{1362D2D8-890F-4815-980F-9884750C76D5}" type="slidenum">
               <a:t>&lt;#&gt;</a:t>
             </a:fld>
           </a:p>
@@ -1408,7 +1409,7 @@
         <p:txBody>
           <a:bodyPr/>
           <a:p>
-            <a:fld id="{957ACBBC-0185-4330-AF94-D0EDE260151A}" type="slidenum">
+            <a:fld id="{A51B76A3-93C4-4C96-89BC-19B156E1638B}" type="slidenum">
               <a:t>&lt;#&gt;</a:t>
             </a:fld>
           </a:p>
@@ -1528,7 +1529,7 @@
         <p:txBody>
           <a:bodyPr/>
           <a:p>
-            <a:fld id="{8E9836C7-74B1-46BD-BF4B-282984022DBD}" type="slidenum">
+            <a:fld id="{B1450E97-A5EB-446F-B94F-8622B2AF0249}" type="slidenum">
               <a:t>&lt;#&gt;</a:t>
             </a:fld>
           </a:p>
@@ -1648,7 +1649,7 @@
         <p:txBody>
           <a:bodyPr/>
           <a:p>
-            <a:fld id="{DC733C4A-B5CC-40D8-BBC4-C1547125FF84}" type="slidenum">
+            <a:fld id="{4A1E9636-A9EA-4C87-A570-038C99972A3B}" type="slidenum">
               <a:t>&lt;#&gt;</a:t>
             </a:fld>
           </a:p>
@@ -1870,7 +1871,7 @@
         <p:txBody>
           <a:bodyPr/>
           <a:p>
-            <a:fld id="{90D22456-B9E3-4813-8FE6-BB9A16AD1B29}" type="slidenum">
+            <a:fld id="{5E0308CF-E8AF-4F86-8821-D3BBC6C27E64}" type="slidenum">
               <a:t>&lt;#&gt;</a:t>
             </a:fld>
           </a:p>
@@ -2092,7 +2093,7 @@
         <p:txBody>
           <a:bodyPr/>
           <a:p>
-            <a:fld id="{9E6AD83C-BCFD-4D3B-8E78-5605B9046FCD}" type="slidenum">
+            <a:fld id="{EAA0F653-0793-4D96-BD36-1CDEFA2A61FF}" type="slidenum">
               <a:t>&lt;#&gt;</a:t>
             </a:fld>
           </a:p>
@@ -2314,7 +2315,7 @@
         <p:txBody>
           <a:bodyPr/>
           <a:p>
-            <a:fld id="{5B8CA402-E8DB-40FE-A3F0-5EA4A66F5865}" type="slidenum">
+            <a:fld id="{D77F43EB-6085-4C5A-AF4D-5FE17595A581}" type="slidenum">
               <a:t>&lt;#&gt;</a:t>
             </a:fld>
           </a:p>
@@ -2383,7 +2384,7 @@
         <p:spPr>
           <a:xfrm>
             <a:off x="4038480" y="6356520"/>
-            <a:ext cx="4113720" cy="363960"/>
+            <a:ext cx="4113000" cy="363240"/>
           </a:xfrm>
           <a:prstGeom prst="rect">
             <a:avLst/>
@@ -2419,7 +2420,7 @@
               <a:rPr b="0" lang="en-US" sz="1400" spc="-1" strike="noStrike">
                 <a:latin typeface="Times New Roman"/>
               </a:rPr>
-              <a:t> </a:t>
+              <a:t>&lt;footer&gt;</a:t>
             </a:r>
             <a:endParaRPr b="0" lang="en-US" sz="1400" spc="-1" strike="noStrike">
               <a:latin typeface="Times New Roman"/>
@@ -2440,7 +2441,7 @@
         <p:spPr>
           <a:xfrm>
             <a:off x="8610480" y="6356520"/>
-            <a:ext cx="2742120" cy="363960"/>
+            <a:ext cx="2741400" cy="363240"/>
           </a:xfrm>
           <a:prstGeom prst="rect">
             <a:avLst/>
@@ -2475,14 +2476,14 @@
               </a:lnSpc>
               <a:buNone/>
             </a:pPr>
-            <a:fld id="{0A37525A-42BB-4B54-8C3E-B2A28DE7A2CB}" type="slidenum">
+            <a:fld id="{43CDC140-33A0-46BB-B857-495521E927B6}" type="slidenum">
               <a:rPr b="0" lang="en-US" sz="1200" spc="-1" strike="noStrike">
                 <a:solidFill>
                   <a:srgbClr val="8b8b8b"/>
                 </a:solidFill>
                 <a:latin typeface="Calibri"/>
               </a:rPr>
-              <a:t>76</a:t>
+              <a:t>&lt;number&gt;</a:t>
             </a:fld>
             <a:endParaRPr b="0" lang="en-US" sz="1200" spc="-1" strike="noStrike">
               <a:latin typeface="Times New Roman"/>
@@ -2503,7 +2504,7 @@
         <p:spPr>
           <a:xfrm>
             <a:off x="838080" y="6356520"/>
-            <a:ext cx="2742120" cy="363960"/>
+            <a:ext cx="2741400" cy="363240"/>
           </a:xfrm>
           <a:prstGeom prst="rect">
             <a:avLst/>
@@ -2529,7 +2530,7 @@
               <a:rPr b="0" lang="en-US" sz="1400" spc="-1" strike="noStrike">
                 <a:latin typeface="Times New Roman"/>
               </a:rPr>
-              <a:t> </a:t>
+              <a:t>&lt;date/time&gt;</a:t>
             </a:r>
             <a:endParaRPr b="0" lang="en-US" sz="1400" spc="-1" strike="noStrike">
               <a:latin typeface="Times New Roman"/>
@@ -2821,7 +2822,7 @@
         <p:spPr>
           <a:xfrm>
             <a:off x="1491480" y="0"/>
-            <a:ext cx="9199440" cy="897840"/>
+            <a:ext cx="9198720" cy="897120"/>
           </a:xfrm>
           <a:prstGeom prst="rect">
             <a:avLst/>
@@ -2873,7 +2874,7 @@
         <p:spPr>
           <a:xfrm>
             <a:off x="1540440" y="4651200"/>
-            <a:ext cx="9150480" cy="1093320"/>
+            <a:ext cx="9149760" cy="1093320"/>
           </a:xfrm>
           <a:prstGeom prst="rect">
             <a:avLst/>
@@ -2929,7 +2930,7 @@
         <p:spPr>
           <a:xfrm>
             <a:off x="7395480" y="3561480"/>
-            <a:ext cx="26280" cy="62280"/>
+            <a:ext cx="25560" cy="62280"/>
           </a:xfrm>
           <a:prstGeom prst="rect">
             <a:avLst/>
@@ -3015,7 +3016,7 @@
         <p:spPr>
           <a:xfrm>
             <a:off x="552600" y="162000"/>
-            <a:ext cx="11914560" cy="930960"/>
+            <a:ext cx="11913840" cy="930240"/>
           </a:xfrm>
           <a:prstGeom prst="rect">
             <a:avLst/>
@@ -3037,7 +3038,7 @@
               <a:buNone/>
             </a:pPr>
             <a:r>
-              <a:rPr b="1" lang="en-US" sz="3000" spc="279" strike="noStrike" u="sng">
+              <a:rPr b="1" lang="en-US" sz="3000" spc="273" strike="noStrike" u="sng">
                 <a:solidFill>
                   <a:srgbClr val="000000"/>
                 </a:solidFill>
@@ -3065,7 +3066,7 @@
         <p:spPr>
           <a:xfrm>
             <a:off x="0" y="939240"/>
-            <a:ext cx="5756040" cy="5756040"/>
+            <a:ext cx="5755320" cy="5755320"/>
           </a:xfrm>
           <a:prstGeom prst="rect">
             <a:avLst/>
@@ -3084,7 +3085,7 @@
         <p:spPr>
           <a:xfrm>
             <a:off x="5591160" y="2843640"/>
-            <a:ext cx="6523200" cy="516240"/>
+            <a:ext cx="6522480" cy="516240"/>
           </a:xfrm>
           <a:prstGeom prst="rect">
             <a:avLst/>
@@ -3170,7 +3171,7 @@
         <p:spPr>
           <a:xfrm>
             <a:off x="1861560" y="399240"/>
-            <a:ext cx="8467560" cy="668880"/>
+            <a:ext cx="8466840" cy="668160"/>
           </a:xfrm>
           <a:prstGeom prst="rect">
             <a:avLst/>
@@ -3182,7 +3183,7 @@
         </p:spPr>
         <p:txBody>
           <a:bodyPr lIns="90000" rIns="90000" tIns="45000" bIns="45000" anchor="ctr">
-            <a:normAutofit fontScale="97000"/>
+            <a:normAutofit fontScale="96000"/>
           </a:bodyPr>
           <a:p>
             <a:pPr>
@@ -3220,7 +3221,7 @@
         <p:spPr>
           <a:xfrm>
             <a:off x="888840" y="1911240"/>
-            <a:ext cx="10725480" cy="3244320"/>
+            <a:ext cx="10724760" cy="3243600"/>
           </a:xfrm>
           <a:prstGeom prst="rect">
             <a:avLst/>
@@ -3323,7 +3324,7 @@
         <p:spPr>
           <a:xfrm>
             <a:off x="193320" y="2501280"/>
-            <a:ext cx="11804040" cy="1854000"/>
+            <a:ext cx="11803320" cy="1853280"/>
           </a:xfrm>
           <a:prstGeom prst="rect">
             <a:avLst/>
@@ -3402,7 +3403,7 @@
         <p:spPr>
           <a:xfrm>
             <a:off x="193320" y="70200"/>
-            <a:ext cx="11804040" cy="915120"/>
+            <a:ext cx="11803320" cy="914400"/>
           </a:xfrm>
           <a:prstGeom prst="rect">
             <a:avLst/>
@@ -3452,7 +3453,7 @@
         <p:spPr>
           <a:xfrm>
             <a:off x="704520" y="1632240"/>
-            <a:ext cx="1440000" cy="930240"/>
+            <a:ext cx="1439280" cy="929520"/>
           </a:xfrm>
           <a:prstGeom prst="rect">
             <a:avLst/>
@@ -3475,7 +3476,7 @@
         <p:spPr>
           <a:xfrm>
             <a:off x="11165040" y="1392840"/>
-            <a:ext cx="643320" cy="1167120"/>
+            <a:ext cx="642600" cy="1166400"/>
           </a:xfrm>
           <a:prstGeom prst="rect">
             <a:avLst/>
@@ -3494,7 +3495,7 @@
         <p:spPr>
           <a:xfrm>
             <a:off x="586440" y="1018080"/>
-            <a:ext cx="3199320" cy="638280"/>
+            <a:ext cx="3198600" cy="638280"/>
           </a:xfrm>
           <a:prstGeom prst="rect">
             <a:avLst/>
@@ -3546,7 +3547,7 @@
         <p:spPr>
           <a:xfrm>
             <a:off x="8919360" y="985680"/>
-            <a:ext cx="3018240" cy="638280"/>
+            <a:ext cx="3017520" cy="638280"/>
           </a:xfrm>
           <a:prstGeom prst="rect">
             <a:avLst/>
@@ -3623,7 +3624,7 @@
         <p:spPr>
           <a:xfrm>
             <a:off x="2486160" y="1483200"/>
-            <a:ext cx="747360" cy="747360"/>
+            <a:ext cx="746640" cy="746640"/>
           </a:xfrm>
           <a:prstGeom prst="rect">
             <a:avLst/>
@@ -3642,7 +3643,7 @@
         <p:spPr>
           <a:xfrm>
             <a:off x="3918240" y="1780920"/>
-            <a:ext cx="4667040" cy="308160"/>
+            <a:ext cx="4666320" cy="307440"/>
           </a:xfrm>
           <a:prstGeom prst="rightArrow">
             <a:avLst>
@@ -3683,7 +3684,7 @@
         <p:spPr>
           <a:xfrm>
             <a:off x="3876120" y="1027080"/>
-            <a:ext cx="4439160" cy="638280"/>
+            <a:ext cx="4438440" cy="638280"/>
           </a:xfrm>
           <a:prstGeom prst="rect">
             <a:avLst/>
@@ -3736,7 +3737,7 @@
         <p:spPr>
           <a:xfrm>
             <a:off x="8406000" y="3355200"/>
-            <a:ext cx="3531600" cy="1369440"/>
+            <a:ext cx="3530880" cy="1369440"/>
           </a:xfrm>
           <a:prstGeom prst="rect">
             <a:avLst/>
@@ -3803,7 +3804,7 @@
         <p:spPr>
           <a:xfrm>
             <a:off x="424800" y="2795400"/>
-            <a:ext cx="7205760" cy="3943800"/>
+            <a:ext cx="7205040" cy="3943080"/>
           </a:xfrm>
           <a:prstGeom prst="rect">
             <a:avLst/>
@@ -3821,8 +3822,8 @@
         </p:nvSpPr>
         <p:spPr>
           <a:xfrm flipH="1">
-            <a:off x="7733520" y="3833640"/>
-            <a:ext cx="579960" cy="427680"/>
+            <a:off x="7732800" y="3833640"/>
+            <a:ext cx="579240" cy="426960"/>
           </a:xfrm>
           <a:prstGeom prst="rightArrow">
             <a:avLst>
@@ -3900,7 +3901,7 @@
         <p:spPr>
           <a:xfrm>
             <a:off x="193320" y="70200"/>
-            <a:ext cx="11804040" cy="915120"/>
+            <a:ext cx="11803320" cy="914400"/>
           </a:xfrm>
           <a:prstGeom prst="rect">
             <a:avLst/>
@@ -3950,7 +3951,7 @@
         <p:spPr>
           <a:xfrm>
             <a:off x="704520" y="1632240"/>
-            <a:ext cx="1440000" cy="930240"/>
+            <a:ext cx="1439280" cy="929520"/>
           </a:xfrm>
           <a:prstGeom prst="rect">
             <a:avLst/>
@@ -3973,7 +3974,7 @@
         <p:spPr>
           <a:xfrm>
             <a:off x="11165040" y="1392840"/>
-            <a:ext cx="643320" cy="1167120"/>
+            <a:ext cx="642600" cy="1166400"/>
           </a:xfrm>
           <a:prstGeom prst="rect">
             <a:avLst/>
@@ -3992,7 +3993,7 @@
         <p:spPr>
           <a:xfrm>
             <a:off x="586440" y="1018080"/>
-            <a:ext cx="3199320" cy="638280"/>
+            <a:ext cx="3198600" cy="638280"/>
           </a:xfrm>
           <a:prstGeom prst="rect">
             <a:avLst/>
@@ -4044,7 +4045,7 @@
         <p:spPr>
           <a:xfrm>
             <a:off x="8919360" y="985680"/>
-            <a:ext cx="3018240" cy="638280"/>
+            <a:ext cx="3017520" cy="638280"/>
           </a:xfrm>
           <a:prstGeom prst="rect">
             <a:avLst/>
@@ -4121,7 +4122,7 @@
         <p:spPr>
           <a:xfrm>
             <a:off x="2486160" y="1483200"/>
-            <a:ext cx="747360" cy="747360"/>
+            <a:ext cx="746640" cy="746640"/>
           </a:xfrm>
           <a:prstGeom prst="rect">
             <a:avLst/>
@@ -4140,7 +4141,7 @@
         <p:spPr>
           <a:xfrm>
             <a:off x="3918240" y="1780920"/>
-            <a:ext cx="4667040" cy="308160"/>
+            <a:ext cx="4666320" cy="307440"/>
           </a:xfrm>
           <a:prstGeom prst="rightArrow">
             <a:avLst>
@@ -4181,7 +4182,7 @@
         <p:spPr>
           <a:xfrm>
             <a:off x="3876120" y="1027080"/>
-            <a:ext cx="4439160" cy="638280"/>
+            <a:ext cx="4438440" cy="638280"/>
           </a:xfrm>
           <a:prstGeom prst="rect">
             <a:avLst/>
@@ -4234,7 +4235,7 @@
         <p:spPr>
           <a:xfrm>
             <a:off x="897840" y="5395320"/>
-            <a:ext cx="10438560" cy="942840"/>
+            <a:ext cx="10437840" cy="942840"/>
           </a:xfrm>
           <a:prstGeom prst="rect">
             <a:avLst/>
@@ -4290,7 +4291,7 @@
         <p:spPr>
           <a:xfrm>
             <a:off x="704520" y="3013200"/>
-            <a:ext cx="10438560" cy="2211480"/>
+            <a:ext cx="10437840" cy="2210760"/>
           </a:xfrm>
           <a:prstGeom prst="rect">
             <a:avLst/>
@@ -4343,7 +4344,7 @@
         <p:spPr>
           <a:xfrm>
             <a:off x="193320" y="70200"/>
-            <a:ext cx="11804040" cy="915120"/>
+            <a:ext cx="11803320" cy="914400"/>
           </a:xfrm>
           <a:prstGeom prst="rect">
             <a:avLst/>
@@ -4393,7 +4394,7 @@
         <p:spPr>
           <a:xfrm>
             <a:off x="704520" y="1632240"/>
-            <a:ext cx="1440000" cy="930240"/>
+            <a:ext cx="1439280" cy="929520"/>
           </a:xfrm>
           <a:prstGeom prst="rect">
             <a:avLst/>
@@ -4416,7 +4417,7 @@
         <p:spPr>
           <a:xfrm>
             <a:off x="11165040" y="1392840"/>
-            <a:ext cx="643320" cy="1167120"/>
+            <a:ext cx="642600" cy="1166400"/>
           </a:xfrm>
           <a:prstGeom prst="rect">
             <a:avLst/>
@@ -4435,7 +4436,7 @@
         <p:spPr>
           <a:xfrm>
             <a:off x="586440" y="1018080"/>
-            <a:ext cx="3199320" cy="638280"/>
+            <a:ext cx="3198600" cy="638280"/>
           </a:xfrm>
           <a:prstGeom prst="rect">
             <a:avLst/>
@@ -4487,7 +4488,7 @@
         <p:spPr>
           <a:xfrm>
             <a:off x="8919360" y="985680"/>
-            <a:ext cx="3018240" cy="638280"/>
+            <a:ext cx="3017520" cy="638280"/>
           </a:xfrm>
           <a:prstGeom prst="rect">
             <a:avLst/>
@@ -4564,7 +4565,7 @@
         <p:spPr>
           <a:xfrm>
             <a:off x="2486160" y="1483200"/>
-            <a:ext cx="747360" cy="747360"/>
+            <a:ext cx="746640" cy="746640"/>
           </a:xfrm>
           <a:prstGeom prst="rect">
             <a:avLst/>
@@ -4583,7 +4584,7 @@
         <p:spPr>
           <a:xfrm>
             <a:off x="3949560" y="1632240"/>
-            <a:ext cx="4667040" cy="308160"/>
+            <a:ext cx="4666320" cy="307440"/>
           </a:xfrm>
           <a:prstGeom prst="rightArrow">
             <a:avLst>
@@ -4626,7 +4627,7 @@
         <p:spPr>
           <a:xfrm>
             <a:off x="3876120" y="1027080"/>
-            <a:ext cx="4439160" cy="638280"/>
+            <a:ext cx="4438440" cy="638280"/>
           </a:xfrm>
           <a:prstGeom prst="rect">
             <a:avLst/>
@@ -4678,7 +4679,7 @@
         <p:spPr>
           <a:xfrm>
             <a:off x="8524440" y="3168720"/>
-            <a:ext cx="3413160" cy="3502440"/>
+            <a:ext cx="3412440" cy="3502440"/>
           </a:xfrm>
           <a:prstGeom prst="rect">
             <a:avLst/>
@@ -4734,7 +4735,7 @@
         <p:spPr>
           <a:xfrm>
             <a:off x="365040" y="3177360"/>
-            <a:ext cx="7878600" cy="3557880"/>
+            <a:ext cx="7877880" cy="3557160"/>
           </a:xfrm>
           <a:prstGeom prst="rect">
             <a:avLst/>
@@ -4754,8 +4755,8 @@
         </p:nvSpPr>
         <p:spPr>
           <a:xfrm flipH="1">
-            <a:off x="3875400" y="2657880"/>
-            <a:ext cx="4647600" cy="308160"/>
+            <a:off x="3874680" y="2657880"/>
+            <a:ext cx="4646880" cy="307440"/>
           </a:xfrm>
           <a:prstGeom prst="rightArrow">
             <a:avLst>
@@ -4796,7 +4797,7 @@
         <p:spPr>
           <a:xfrm>
             <a:off x="3863520" y="2026800"/>
-            <a:ext cx="5841360" cy="638280"/>
+            <a:ext cx="5840640" cy="638280"/>
           </a:xfrm>
           <a:prstGeom prst="rect">
             <a:avLst/>
@@ -4883,7 +4884,7 @@
         <p:spPr>
           <a:xfrm>
             <a:off x="193320" y="70200"/>
-            <a:ext cx="11804040" cy="915120"/>
+            <a:ext cx="11803320" cy="914400"/>
           </a:xfrm>
           <a:prstGeom prst="rect">
             <a:avLst/>
@@ -4933,7 +4934,7 @@
         <p:spPr>
           <a:xfrm>
             <a:off x="704520" y="1632240"/>
-            <a:ext cx="1440000" cy="930240"/>
+            <a:ext cx="1439280" cy="929520"/>
           </a:xfrm>
           <a:prstGeom prst="rect">
             <a:avLst/>
@@ -4956,7 +4957,7 @@
         <p:spPr>
           <a:xfrm>
             <a:off x="11165040" y="1392840"/>
-            <a:ext cx="643320" cy="1167120"/>
+            <a:ext cx="642600" cy="1166400"/>
           </a:xfrm>
           <a:prstGeom prst="rect">
             <a:avLst/>
@@ -4975,7 +4976,7 @@
         <p:spPr>
           <a:xfrm>
             <a:off x="586440" y="1018080"/>
-            <a:ext cx="3199320" cy="638280"/>
+            <a:ext cx="3198600" cy="638280"/>
           </a:xfrm>
           <a:prstGeom prst="rect">
             <a:avLst/>
@@ -5027,7 +5028,7 @@
         <p:spPr>
           <a:xfrm>
             <a:off x="8919360" y="985680"/>
-            <a:ext cx="3018240" cy="638280"/>
+            <a:ext cx="3017520" cy="638280"/>
           </a:xfrm>
           <a:prstGeom prst="rect">
             <a:avLst/>
@@ -5104,7 +5105,7 @@
         <p:spPr>
           <a:xfrm>
             <a:off x="2486160" y="1483200"/>
-            <a:ext cx="747360" cy="747360"/>
+            <a:ext cx="746640" cy="746640"/>
           </a:xfrm>
           <a:prstGeom prst="rect">
             <a:avLst/>
@@ -5123,7 +5124,7 @@
         <p:spPr>
           <a:xfrm>
             <a:off x="3949560" y="1632240"/>
-            <a:ext cx="4667040" cy="308160"/>
+            <a:ext cx="4666320" cy="307440"/>
           </a:xfrm>
           <a:prstGeom prst="rightArrow">
             <a:avLst>
@@ -5166,7 +5167,7 @@
         <p:spPr>
           <a:xfrm>
             <a:off x="3876120" y="1027080"/>
-            <a:ext cx="4439160" cy="638280"/>
+            <a:ext cx="4438440" cy="638280"/>
           </a:xfrm>
           <a:prstGeom prst="rect">
             <a:avLst/>
@@ -5218,7 +5219,7 @@
         <p:spPr>
           <a:xfrm>
             <a:off x="8524440" y="3168720"/>
-            <a:ext cx="3413160" cy="2649240"/>
+            <a:ext cx="3412440" cy="2649240"/>
           </a:xfrm>
           <a:prstGeom prst="rect">
             <a:avLst/>
@@ -5269,8 +5270,8 @@
         </p:nvSpPr>
         <p:spPr>
           <a:xfrm flipH="1">
-            <a:off x="3875400" y="2657880"/>
-            <a:ext cx="4647600" cy="308160"/>
+            <a:off x="3874680" y="2657880"/>
+            <a:ext cx="4646880" cy="307440"/>
           </a:xfrm>
           <a:prstGeom prst="rightArrow">
             <a:avLst>
@@ -5311,7 +5312,7 @@
         <p:spPr>
           <a:xfrm>
             <a:off x="3863520" y="2026800"/>
-            <a:ext cx="6355800" cy="638280"/>
+            <a:ext cx="6355080" cy="638280"/>
           </a:xfrm>
           <a:prstGeom prst="rect">
             <a:avLst/>
@@ -5368,7 +5369,7 @@
         <p:spPr>
           <a:xfrm>
             <a:off x="196200" y="3078000"/>
-            <a:ext cx="7358760" cy="3678120"/>
+            <a:ext cx="7358040" cy="3677400"/>
           </a:xfrm>
           <a:prstGeom prst="rect">
             <a:avLst/>
@@ -5421,7 +5422,7 @@
         <p:spPr>
           <a:xfrm>
             <a:off x="193320" y="70200"/>
-            <a:ext cx="11804040" cy="915120"/>
+            <a:ext cx="11803320" cy="914400"/>
           </a:xfrm>
           <a:prstGeom prst="rect">
             <a:avLst/>
@@ -5471,7 +5472,7 @@
         <p:spPr>
           <a:xfrm>
             <a:off x="704520" y="1632240"/>
-            <a:ext cx="1440000" cy="930240"/>
+            <a:ext cx="1439280" cy="929520"/>
           </a:xfrm>
           <a:prstGeom prst="rect">
             <a:avLst/>
@@ -5494,7 +5495,7 @@
         <p:spPr>
           <a:xfrm>
             <a:off x="11165040" y="1392840"/>
-            <a:ext cx="643320" cy="1167120"/>
+            <a:ext cx="642600" cy="1166400"/>
           </a:xfrm>
           <a:prstGeom prst="rect">
             <a:avLst/>
@@ -5513,7 +5514,7 @@
         <p:spPr>
           <a:xfrm>
             <a:off x="586440" y="1018080"/>
-            <a:ext cx="3199320" cy="638280"/>
+            <a:ext cx="3198600" cy="638280"/>
           </a:xfrm>
           <a:prstGeom prst="rect">
             <a:avLst/>
@@ -5565,7 +5566,7 @@
         <p:spPr>
           <a:xfrm>
             <a:off x="8919360" y="985680"/>
-            <a:ext cx="3018240" cy="638280"/>
+            <a:ext cx="3017520" cy="638280"/>
           </a:xfrm>
           <a:prstGeom prst="rect">
             <a:avLst/>
@@ -5642,7 +5643,7 @@
         <p:spPr>
           <a:xfrm>
             <a:off x="2486160" y="1483200"/>
-            <a:ext cx="747360" cy="747360"/>
+            <a:ext cx="746640" cy="746640"/>
           </a:xfrm>
           <a:prstGeom prst="rect">
             <a:avLst/>
@@ -5661,7 +5662,7 @@
         <p:spPr>
           <a:xfrm>
             <a:off x="3949560" y="1632240"/>
-            <a:ext cx="4667040" cy="308160"/>
+            <a:ext cx="4666320" cy="307440"/>
           </a:xfrm>
           <a:prstGeom prst="rightArrow">
             <a:avLst>
@@ -5704,7 +5705,7 @@
         <p:spPr>
           <a:xfrm>
             <a:off x="3876120" y="1027080"/>
-            <a:ext cx="4439160" cy="363960"/>
+            <a:ext cx="4438440" cy="363960"/>
           </a:xfrm>
           <a:prstGeom prst="rect">
             <a:avLst/>
@@ -5756,7 +5757,7 @@
         <p:spPr>
           <a:xfrm>
             <a:off x="586440" y="3620880"/>
-            <a:ext cx="11080800" cy="2222640"/>
+            <a:ext cx="11080080" cy="2222640"/>
           </a:xfrm>
           <a:prstGeom prst="rect">
             <a:avLst/>
@@ -5836,8 +5837,8 @@
         </p:nvSpPr>
         <p:spPr>
           <a:xfrm flipH="1">
-            <a:off x="3875400" y="2657880"/>
-            <a:ext cx="4647600" cy="308160"/>
+            <a:off x="3874680" y="2657880"/>
+            <a:ext cx="4646880" cy="307440"/>
           </a:xfrm>
           <a:prstGeom prst="rightArrow">
             <a:avLst>
@@ -5880,7 +5881,7 @@
         <p:spPr>
           <a:xfrm>
             <a:off x="3863520" y="2026800"/>
-            <a:ext cx="6355800" cy="363960"/>
+            <a:ext cx="6355080" cy="363960"/>
           </a:xfrm>
           <a:prstGeom prst="rect">
             <a:avLst/>
@@ -5966,7 +5967,7 @@
         <p:spPr>
           <a:xfrm>
             <a:off x="193320" y="70200"/>
-            <a:ext cx="11804040" cy="915120"/>
+            <a:ext cx="11803320" cy="914400"/>
           </a:xfrm>
           <a:prstGeom prst="rect">
             <a:avLst/>
@@ -6016,7 +6017,7 @@
         <p:spPr>
           <a:xfrm>
             <a:off x="704520" y="1632240"/>
-            <a:ext cx="1440000" cy="930240"/>
+            <a:ext cx="1439280" cy="929520"/>
           </a:xfrm>
           <a:prstGeom prst="rect">
             <a:avLst/>
@@ -6039,7 +6040,7 @@
         <p:spPr>
           <a:xfrm>
             <a:off x="11165040" y="1392840"/>
-            <a:ext cx="643320" cy="1167120"/>
+            <a:ext cx="642600" cy="1166400"/>
           </a:xfrm>
           <a:prstGeom prst="rect">
             <a:avLst/>
@@ -6058,7 +6059,7 @@
         <p:spPr>
           <a:xfrm>
             <a:off x="586440" y="1018080"/>
-            <a:ext cx="3199320" cy="638280"/>
+            <a:ext cx="3198600" cy="638280"/>
           </a:xfrm>
           <a:prstGeom prst="rect">
             <a:avLst/>
@@ -6110,7 +6111,7 @@
         <p:spPr>
           <a:xfrm>
             <a:off x="8919360" y="985680"/>
-            <a:ext cx="3018240" cy="638280"/>
+            <a:ext cx="3017520" cy="638280"/>
           </a:xfrm>
           <a:prstGeom prst="rect">
             <a:avLst/>
@@ -6187,7 +6188,7 @@
         <p:spPr>
           <a:xfrm>
             <a:off x="2486160" y="1483200"/>
-            <a:ext cx="747360" cy="747360"/>
+            <a:ext cx="746640" cy="746640"/>
           </a:xfrm>
           <a:prstGeom prst="rect">
             <a:avLst/>
@@ -6206,7 +6207,7 @@
         <p:spPr>
           <a:xfrm>
             <a:off x="3786840" y="1632240"/>
-            <a:ext cx="4829760" cy="308160"/>
+            <a:ext cx="4829040" cy="307440"/>
           </a:xfrm>
           <a:prstGeom prst="rightArrow">
             <a:avLst>
@@ -6247,7 +6248,7 @@
         <p:spPr>
           <a:xfrm>
             <a:off x="3648240" y="1027080"/>
-            <a:ext cx="5140800" cy="638280"/>
+            <a:ext cx="5140080" cy="638280"/>
           </a:xfrm>
           <a:prstGeom prst="rect">
             <a:avLst/>
@@ -6299,7 +6300,7 @@
         <p:spPr>
           <a:xfrm>
             <a:off x="7134120" y="2785320"/>
-            <a:ext cx="4989960" cy="638280"/>
+            <a:ext cx="4989240" cy="638280"/>
           </a:xfrm>
           <a:prstGeom prst="rect">
             <a:avLst/>
@@ -6350,8 +6351,8 @@
         </p:nvSpPr>
         <p:spPr>
           <a:xfrm flipH="1">
-            <a:off x="3786120" y="5788800"/>
-            <a:ext cx="4829760" cy="308160"/>
+            <a:off x="3785400" y="5788800"/>
+            <a:ext cx="4829040" cy="307440"/>
           </a:xfrm>
           <a:prstGeom prst="rightArrow">
             <a:avLst>
@@ -6396,7 +6397,7 @@
         <p:spPr>
           <a:xfrm>
             <a:off x="11324520" y="2717280"/>
-            <a:ext cx="799920" cy="781560"/>
+            <a:ext cx="799200" cy="780840"/>
           </a:xfrm>
           <a:prstGeom prst="rect">
             <a:avLst/>
@@ -6415,7 +6416,7 @@
         <p:spPr>
           <a:xfrm>
             <a:off x="7134120" y="3891240"/>
-            <a:ext cx="5131440" cy="638280"/>
+            <a:ext cx="5130720" cy="638280"/>
           </a:xfrm>
           <a:prstGeom prst="rect">
             <a:avLst/>
@@ -6467,7 +6468,7 @@
         <p:spPr>
           <a:xfrm>
             <a:off x="3786840" y="4827240"/>
-            <a:ext cx="5140800" cy="912600"/>
+            <a:ext cx="5140080" cy="912600"/>
           </a:xfrm>
           <a:prstGeom prst="rect">
             <a:avLst/>
@@ -6553,7 +6554,7 @@
         <p:spPr>
           <a:xfrm>
             <a:off x="193320" y="70200"/>
-            <a:ext cx="11804040" cy="915120"/>
+            <a:ext cx="11803320" cy="914400"/>
           </a:xfrm>
           <a:prstGeom prst="rect">
             <a:avLst/>
@@ -6599,7 +6600,7 @@
         <p:spPr>
           <a:xfrm>
             <a:off x="1300680" y="807480"/>
-            <a:ext cx="8112600" cy="516240"/>
+            <a:ext cx="8111880" cy="516240"/>
           </a:xfrm>
           <a:prstGeom prst="rect">
             <a:avLst/>
@@ -6655,7 +6656,7 @@
         <p:spPr>
           <a:xfrm>
             <a:off x="1040400" y="1527120"/>
-            <a:ext cx="9667440" cy="5259240"/>
+            <a:ext cx="9666720" cy="5258520"/>
           </a:xfrm>
           <a:prstGeom prst="rect">
             <a:avLst/>
@@ -6710,7 +6711,7 @@
         <p:spPr>
           <a:xfrm>
             <a:off x="965880" y="2292120"/>
-            <a:ext cx="10164240" cy="2753640"/>
+            <a:ext cx="10163520" cy="2752920"/>
           </a:xfrm>
           <a:prstGeom prst="rect">
             <a:avLst/>
@@ -6847,7 +6848,7 @@
         <p:spPr>
           <a:xfrm>
             <a:off x="1847160" y="388800"/>
-            <a:ext cx="8963280" cy="930960"/>
+            <a:ext cx="8962560" cy="930240"/>
           </a:xfrm>
           <a:prstGeom prst="rect">
             <a:avLst/>
@@ -6869,7 +6870,7 @@
               <a:buNone/>
             </a:pPr>
             <a:r>
-              <a:rPr b="1" lang="en-US" sz="4810" spc="279" strike="noStrike" u="sng">
+              <a:rPr b="1" lang="en-US" sz="4810" spc="273" strike="noStrike" u="sng">
                 <a:solidFill>
                   <a:srgbClr val="000000"/>
                 </a:solidFill>
@@ -6927,7 +6928,7 @@
         <p:spPr>
           <a:xfrm>
             <a:off x="193320" y="70200"/>
-            <a:ext cx="11804040" cy="915120"/>
+            <a:ext cx="11803320" cy="914400"/>
           </a:xfrm>
           <a:prstGeom prst="rect">
             <a:avLst/>
@@ -6977,7 +6978,7 @@
         <p:spPr>
           <a:xfrm>
             <a:off x="704520" y="1632240"/>
-            <a:ext cx="1440000" cy="930240"/>
+            <a:ext cx="1439280" cy="929520"/>
           </a:xfrm>
           <a:prstGeom prst="rect">
             <a:avLst/>
@@ -7000,7 +7001,7 @@
         <p:spPr>
           <a:xfrm>
             <a:off x="11165040" y="1392840"/>
-            <a:ext cx="643320" cy="1167120"/>
+            <a:ext cx="642600" cy="1166400"/>
           </a:xfrm>
           <a:prstGeom prst="rect">
             <a:avLst/>
@@ -7019,7 +7020,7 @@
         <p:spPr>
           <a:xfrm>
             <a:off x="586440" y="1018080"/>
-            <a:ext cx="3199320" cy="638280"/>
+            <a:ext cx="3198600" cy="638280"/>
           </a:xfrm>
           <a:prstGeom prst="rect">
             <a:avLst/>
@@ -7071,7 +7072,7 @@
         <p:spPr>
           <a:xfrm>
             <a:off x="8919360" y="985680"/>
-            <a:ext cx="3018240" cy="638280"/>
+            <a:ext cx="3017520" cy="638280"/>
           </a:xfrm>
           <a:prstGeom prst="rect">
             <a:avLst/>
@@ -7148,7 +7149,7 @@
         <p:spPr>
           <a:xfrm>
             <a:off x="2486160" y="1483200"/>
-            <a:ext cx="747360" cy="747360"/>
+            <a:ext cx="746640" cy="746640"/>
           </a:xfrm>
           <a:prstGeom prst="rect">
             <a:avLst/>
@@ -7167,7 +7168,7 @@
         <p:spPr>
           <a:xfrm>
             <a:off x="3786840" y="1632240"/>
-            <a:ext cx="4829760" cy="308160"/>
+            <a:ext cx="4829040" cy="307440"/>
           </a:xfrm>
           <a:prstGeom prst="rightArrow">
             <a:avLst>
@@ -7208,7 +7209,7 @@
         <p:spPr>
           <a:xfrm>
             <a:off x="3648240" y="1027080"/>
-            <a:ext cx="5140800" cy="638280"/>
+            <a:ext cx="5140080" cy="638280"/>
           </a:xfrm>
           <a:prstGeom prst="rect">
             <a:avLst/>
@@ -7265,7 +7266,7 @@
         <p:spPr>
           <a:xfrm>
             <a:off x="284040" y="3599640"/>
-            <a:ext cx="11524320" cy="2633040"/>
+            <a:ext cx="11523600" cy="2632320"/>
           </a:xfrm>
           <a:prstGeom prst="rect">
             <a:avLst/>
@@ -7286,7 +7287,7 @@
         <p:spPr>
           <a:xfrm>
             <a:off x="438840" y="2592720"/>
-            <a:ext cx="10904400" cy="516240"/>
+            <a:ext cx="10903680" cy="516240"/>
           </a:xfrm>
           <a:prstGeom prst="rect">
             <a:avLst/>
@@ -7372,7 +7373,7 @@
         <p:spPr>
           <a:xfrm>
             <a:off x="193320" y="70200"/>
-            <a:ext cx="11804040" cy="915120"/>
+            <a:ext cx="11803320" cy="914400"/>
           </a:xfrm>
           <a:prstGeom prst="rect">
             <a:avLst/>
@@ -7422,7 +7423,7 @@
         <p:spPr>
           <a:xfrm>
             <a:off x="704520" y="1632240"/>
-            <a:ext cx="1440000" cy="930240"/>
+            <a:ext cx="1439280" cy="929520"/>
           </a:xfrm>
           <a:prstGeom prst="rect">
             <a:avLst/>
@@ -7445,7 +7446,7 @@
         <p:spPr>
           <a:xfrm>
             <a:off x="11165040" y="1392840"/>
-            <a:ext cx="643320" cy="1167120"/>
+            <a:ext cx="642600" cy="1166400"/>
           </a:xfrm>
           <a:prstGeom prst="rect">
             <a:avLst/>
@@ -7464,7 +7465,7 @@
         <p:spPr>
           <a:xfrm>
             <a:off x="586440" y="1018080"/>
-            <a:ext cx="3199320" cy="638280"/>
+            <a:ext cx="3198600" cy="638280"/>
           </a:xfrm>
           <a:prstGeom prst="rect">
             <a:avLst/>
@@ -7516,7 +7517,7 @@
         <p:spPr>
           <a:xfrm>
             <a:off x="8919360" y="985680"/>
-            <a:ext cx="3018240" cy="638280"/>
+            <a:ext cx="3017520" cy="638280"/>
           </a:xfrm>
           <a:prstGeom prst="rect">
             <a:avLst/>
@@ -7593,7 +7594,7 @@
         <p:spPr>
           <a:xfrm>
             <a:off x="2486160" y="1483200"/>
-            <a:ext cx="747360" cy="747360"/>
+            <a:ext cx="746640" cy="746640"/>
           </a:xfrm>
           <a:prstGeom prst="rect">
             <a:avLst/>
@@ -7612,7 +7613,7 @@
         <p:spPr>
           <a:xfrm>
             <a:off x="3786840" y="1632240"/>
-            <a:ext cx="4829760" cy="308160"/>
+            <a:ext cx="4829040" cy="307440"/>
           </a:xfrm>
           <a:prstGeom prst="rightArrow">
             <a:avLst>
@@ -7655,7 +7656,7 @@
         <p:spPr>
           <a:xfrm>
             <a:off x="3648240" y="1027080"/>
-            <a:ext cx="5140800" cy="638280"/>
+            <a:ext cx="5140080" cy="638280"/>
           </a:xfrm>
           <a:prstGeom prst="rect">
             <a:avLst/>
@@ -7707,7 +7708,7 @@
         <p:spPr>
           <a:xfrm>
             <a:off x="438840" y="3165840"/>
-            <a:ext cx="10904400" cy="516240"/>
+            <a:ext cx="10903680" cy="516240"/>
           </a:xfrm>
           <a:prstGeom prst="rect">
             <a:avLst/>
@@ -7759,7 +7760,7 @@
         <p:spPr>
           <a:xfrm>
             <a:off x="3648240" y="2146320"/>
-            <a:ext cx="5140800" cy="638280"/>
+            <a:ext cx="5140080" cy="638280"/>
           </a:xfrm>
           <a:prstGeom prst="rect">
             <a:avLst/>
@@ -7811,8 +7812,8 @@
         </p:nvSpPr>
         <p:spPr>
           <a:xfrm flipH="1">
-            <a:off x="3688560" y="2756520"/>
-            <a:ext cx="4926600" cy="308160"/>
+            <a:off x="3687840" y="2756520"/>
+            <a:ext cx="4925880" cy="307440"/>
           </a:xfrm>
           <a:prstGeom prst="rightArrow">
             <a:avLst>
@@ -7857,7 +7858,7 @@
         <p:spPr>
           <a:xfrm>
             <a:off x="586440" y="4069800"/>
-            <a:ext cx="4144680" cy="1332360"/>
+            <a:ext cx="4143960" cy="1331640"/>
           </a:xfrm>
           <a:prstGeom prst="rect">
             <a:avLst/>
@@ -7882,7 +7883,7 @@
         <p:spPr>
           <a:xfrm>
             <a:off x="5153040" y="4024440"/>
-            <a:ext cx="5694840" cy="1894320"/>
+            <a:ext cx="5694120" cy="1893600"/>
           </a:xfrm>
           <a:prstGeom prst="rect">
             <a:avLst/>
@@ -7937,7 +7938,7 @@
         <p:spPr>
           <a:xfrm>
             <a:off x="193320" y="518040"/>
-            <a:ext cx="11804040" cy="2067120"/>
+            <a:ext cx="11803320" cy="2066400"/>
           </a:xfrm>
           <a:prstGeom prst="rect">
             <a:avLst/>
@@ -7983,7 +7984,7 @@
         <p:spPr>
           <a:xfrm>
             <a:off x="893160" y="2765160"/>
-            <a:ext cx="10678680" cy="3441240"/>
+            <a:ext cx="10677960" cy="3441240"/>
           </a:xfrm>
           <a:prstGeom prst="rect">
             <a:avLst/>
@@ -8159,7 +8160,7 @@
         <p:spPr>
           <a:xfrm>
             <a:off x="181080" y="284760"/>
-            <a:ext cx="11828880" cy="668880"/>
+            <a:ext cx="11828160" cy="668160"/>
           </a:xfrm>
           <a:prstGeom prst="rect">
             <a:avLst/>
@@ -8171,7 +8172,7 @@
         </p:spPr>
         <p:txBody>
           <a:bodyPr lIns="90000" rIns="90000" tIns="45000" bIns="45000" anchor="ctr">
-            <a:normAutofit fontScale="97000"/>
+            <a:normAutofit fontScale="96000"/>
           </a:bodyPr>
           <a:p>
             <a:pPr>
@@ -8209,7 +8210,7 @@
         <p:spPr>
           <a:xfrm>
             <a:off x="324000" y="1311120"/>
-            <a:ext cx="11261880" cy="2383560"/>
+            <a:ext cx="11261160" cy="2382840"/>
           </a:xfrm>
           <a:prstGeom prst="rect">
             <a:avLst/>
@@ -8260,7 +8261,7 @@
         <p:spPr>
           <a:xfrm>
             <a:off x="324000" y="2099880"/>
-            <a:ext cx="11261880" cy="1309320"/>
+            <a:ext cx="11261160" cy="1309320"/>
           </a:xfrm>
           <a:prstGeom prst="rect">
             <a:avLst/>
@@ -8369,7 +8370,7 @@
         <p:spPr>
           <a:xfrm>
             <a:off x="1743120" y="3548160"/>
-            <a:ext cx="1884240" cy="1217160"/>
+            <a:ext cx="1883520" cy="1216440"/>
           </a:xfrm>
           <a:prstGeom prst="rect">
             <a:avLst/>
@@ -8388,7 +8389,7 @@
         <p:spPr>
           <a:xfrm>
             <a:off x="609480" y="3695760"/>
-            <a:ext cx="1437120" cy="455400"/>
+            <a:ext cx="1436400" cy="455400"/>
           </a:xfrm>
           <a:prstGeom prst="rect">
             <a:avLst/>
@@ -8439,8 +8440,8 @@
         </p:nvSpPr>
         <p:spPr>
           <a:xfrm flipV="1">
-            <a:off x="4667400" y="3695040"/>
-            <a:ext cx="3713760" cy="229680"/>
+            <a:off x="4667400" y="3694320"/>
+            <a:ext cx="3713040" cy="228960"/>
           </a:xfrm>
           <a:custGeom>
             <a:avLst/>
@@ -8487,8 +8488,8 @@
         </p:nvSpPr>
         <p:spPr>
           <a:xfrm flipV="1">
-            <a:off x="4667400" y="4075200"/>
-            <a:ext cx="3713760" cy="79560"/>
+            <a:off x="4667400" y="4074480"/>
+            <a:ext cx="3713040" cy="78840"/>
           </a:xfrm>
           <a:custGeom>
             <a:avLst/>
@@ -8536,7 +8537,7 @@
         <p:spPr>
           <a:xfrm>
             <a:off x="4667400" y="4371840"/>
-            <a:ext cx="3713760" cy="360"/>
+            <a:ext cx="3713040" cy="360"/>
           </a:xfrm>
           <a:custGeom>
             <a:avLst/>
@@ -8584,7 +8585,7 @@
         <p:spPr>
           <a:xfrm>
             <a:off x="8677440" y="3419640"/>
-            <a:ext cx="3008880" cy="1186920"/>
+            <a:ext cx="3008160" cy="1186920"/>
           </a:xfrm>
           <a:prstGeom prst="rect">
             <a:avLst/>
@@ -8715,7 +8716,7 @@
         <p:spPr>
           <a:xfrm>
             <a:off x="1743120" y="5119920"/>
-            <a:ext cx="1884240" cy="1217160"/>
+            <a:ext cx="1883520" cy="1216440"/>
           </a:xfrm>
           <a:prstGeom prst="rect">
             <a:avLst/>
@@ -8734,7 +8735,7 @@
         <p:spPr>
           <a:xfrm>
             <a:off x="609480" y="5267160"/>
-            <a:ext cx="1437120" cy="455400"/>
+            <a:ext cx="1436400" cy="455400"/>
           </a:xfrm>
           <a:prstGeom prst="rect">
             <a:avLst/>
@@ -8785,8 +8786,8 @@
         </p:nvSpPr>
         <p:spPr>
           <a:xfrm flipV="1">
-            <a:off x="4667400" y="5266440"/>
-            <a:ext cx="3713760" cy="229680"/>
+            <a:off x="4667400" y="5265720"/>
+            <a:ext cx="3713040" cy="228960"/>
           </a:xfrm>
           <a:custGeom>
             <a:avLst/>
@@ -8833,8 +8834,8 @@
         </p:nvSpPr>
         <p:spPr>
           <a:xfrm flipV="1">
-            <a:off x="4667400" y="5646960"/>
-            <a:ext cx="3713760" cy="79560"/>
+            <a:off x="4667400" y="5646240"/>
+            <a:ext cx="3713040" cy="78840"/>
           </a:xfrm>
           <a:custGeom>
             <a:avLst/>
@@ -8882,7 +8883,7 @@
         <p:spPr>
           <a:xfrm>
             <a:off x="4667400" y="5943600"/>
-            <a:ext cx="3713760" cy="360"/>
+            <a:ext cx="3713040" cy="360"/>
           </a:xfrm>
           <a:custGeom>
             <a:avLst/>
@@ -8930,7 +8931,7 @@
         <p:spPr>
           <a:xfrm>
             <a:off x="8677440" y="5048280"/>
-            <a:ext cx="3008880" cy="1186920"/>
+            <a:ext cx="3008160" cy="1186920"/>
           </a:xfrm>
           <a:prstGeom prst="rect">
             <a:avLst/>
@@ -9091,7 +9092,7 @@
         <p:spPr>
           <a:xfrm>
             <a:off x="181080" y="284760"/>
-            <a:ext cx="11828880" cy="668880"/>
+            <a:ext cx="11828160" cy="668160"/>
           </a:xfrm>
           <a:prstGeom prst="rect">
             <a:avLst/>
@@ -9103,7 +9104,7 @@
         </p:spPr>
         <p:txBody>
           <a:bodyPr lIns="90000" rIns="90000" tIns="45000" bIns="45000" anchor="ctr">
-            <a:normAutofit fontScale="97000"/>
+            <a:normAutofit fontScale="96000"/>
           </a:bodyPr>
           <a:p>
             <a:pPr>
@@ -9141,7 +9142,7 @@
         <p:spPr>
           <a:xfrm>
             <a:off x="324000" y="1311120"/>
-            <a:ext cx="11261880" cy="2383560"/>
+            <a:ext cx="11261160" cy="2382840"/>
           </a:xfrm>
           <a:prstGeom prst="rect">
             <a:avLst/>
@@ -9192,7 +9193,7 @@
         <p:spPr>
           <a:xfrm>
             <a:off x="324000" y="2099880"/>
-            <a:ext cx="11261880" cy="394560"/>
+            <a:ext cx="11261160" cy="394560"/>
           </a:xfrm>
           <a:prstGeom prst="rect">
             <a:avLst/>
@@ -9244,7 +9245,7 @@
         <p:spPr>
           <a:xfrm>
             <a:off x="495360" y="2875320"/>
-            <a:ext cx="3599280" cy="455400"/>
+            <a:ext cx="3598560" cy="455400"/>
           </a:xfrm>
           <a:prstGeom prst="rect">
             <a:avLst/>
@@ -9296,7 +9297,7 @@
         <p:spPr>
           <a:xfrm>
             <a:off x="495360" y="3520800"/>
-            <a:ext cx="5694840" cy="1735560"/>
+            <a:ext cx="5694120" cy="1735560"/>
           </a:xfrm>
           <a:prstGeom prst="rect">
             <a:avLst/>
@@ -9593,7 +9594,7 @@
         <p:spPr>
           <a:xfrm>
             <a:off x="7636320" y="2808000"/>
-            <a:ext cx="2665800" cy="455400"/>
+            <a:ext cx="2665080" cy="455400"/>
           </a:xfrm>
           <a:prstGeom prst="rect">
             <a:avLst/>
@@ -9645,7 +9646,7 @@
         <p:spPr>
           <a:xfrm>
             <a:off x="6496200" y="3412440"/>
-            <a:ext cx="5694840" cy="2009880"/>
+            <a:ext cx="5694120" cy="2009880"/>
           </a:xfrm>
           <a:prstGeom prst="rect">
             <a:avLst/>
@@ -9976,7 +9977,7 @@
         <p:spPr>
           <a:xfrm>
             <a:off x="181080" y="284760"/>
-            <a:ext cx="11828880" cy="668880"/>
+            <a:ext cx="11828160" cy="668160"/>
           </a:xfrm>
           <a:prstGeom prst="rect">
             <a:avLst/>
@@ -9988,7 +9989,7 @@
         </p:spPr>
         <p:txBody>
           <a:bodyPr lIns="90000" rIns="90000" tIns="45000" bIns="45000" anchor="ctr">
-            <a:normAutofit fontScale="97000"/>
+            <a:normAutofit fontScale="96000"/>
           </a:bodyPr>
           <a:p>
             <a:pPr>
@@ -10026,7 +10027,7 @@
         <p:spPr>
           <a:xfrm>
             <a:off x="324000" y="1311120"/>
-            <a:ext cx="11261880" cy="1694880"/>
+            <a:ext cx="11261160" cy="1694160"/>
           </a:xfrm>
           <a:prstGeom prst="rect">
             <a:avLst/>
@@ -10077,7 +10078,7 @@
         <p:spPr>
           <a:xfrm>
             <a:off x="324000" y="2099880"/>
-            <a:ext cx="11261880" cy="1004400"/>
+            <a:ext cx="11261160" cy="1004400"/>
           </a:xfrm>
           <a:prstGeom prst="rect">
             <a:avLst/>
@@ -10160,7 +10161,7 @@
         <p:spPr>
           <a:xfrm>
             <a:off x="3247920" y="3007080"/>
-            <a:ext cx="4475520" cy="3381480"/>
+            <a:ext cx="4474800" cy="3381480"/>
           </a:xfrm>
           <a:prstGeom prst="rect">
             <a:avLst/>
@@ -10510,7 +10511,7 @@
         <p:spPr>
           <a:xfrm>
             <a:off x="324000" y="3186360"/>
-            <a:ext cx="1884240" cy="1217160"/>
+            <a:ext cx="1883520" cy="1216440"/>
           </a:xfrm>
           <a:prstGeom prst="rect">
             <a:avLst/>
@@ -10529,7 +10530,7 @@
         <p:spPr>
           <a:xfrm>
             <a:off x="571320" y="4538520"/>
-            <a:ext cx="1437120" cy="455400"/>
+            <a:ext cx="1436400" cy="455400"/>
           </a:xfrm>
           <a:prstGeom prst="rect">
             <a:avLst/>
@@ -10580,8 +10581,8 @@
         </p:nvSpPr>
         <p:spPr>
           <a:xfrm flipH="1" flipV="1">
-            <a:off x="7138080" y="4600080"/>
-            <a:ext cx="2205720" cy="167760"/>
+            <a:off x="7137360" y="4599360"/>
+            <a:ext cx="2205000" cy="167040"/>
           </a:xfrm>
           <a:custGeom>
             <a:avLst/>
@@ -10628,8 +10629,8 @@
         </p:nvSpPr>
         <p:spPr>
           <a:xfrm flipH="1">
-            <a:off x="7138080" y="4923720"/>
-            <a:ext cx="2205720" cy="190440"/>
+            <a:off x="7137360" y="4923720"/>
+            <a:ext cx="2205000" cy="189720"/>
           </a:xfrm>
           <a:custGeom>
             <a:avLst/>
@@ -10676,8 +10677,8 @@
         </p:nvSpPr>
         <p:spPr>
           <a:xfrm flipH="1">
-            <a:off x="7225920" y="5019480"/>
-            <a:ext cx="2117880" cy="526320"/>
+            <a:off x="7225200" y="5019480"/>
+            <a:ext cx="2117160" cy="525600"/>
           </a:xfrm>
           <a:custGeom>
             <a:avLst/>
@@ -10725,7 +10726,7 @@
         <p:spPr>
           <a:xfrm>
             <a:off x="9574920" y="4273200"/>
-            <a:ext cx="2205720" cy="912600"/>
+            <a:ext cx="2205000" cy="912600"/>
           </a:xfrm>
           <a:prstGeom prst="rect">
             <a:avLst/>
@@ -10811,7 +10812,7 @@
         <p:spPr>
           <a:xfrm>
             <a:off x="181080" y="284760"/>
-            <a:ext cx="11828880" cy="668880"/>
+            <a:ext cx="11828160" cy="668160"/>
           </a:xfrm>
           <a:prstGeom prst="rect">
             <a:avLst/>
@@ -10823,7 +10824,7 @@
         </p:spPr>
         <p:txBody>
           <a:bodyPr lIns="90000" rIns="90000" tIns="45000" bIns="45000" anchor="ctr">
-            <a:normAutofit fontScale="97000"/>
+            <a:normAutofit fontScale="96000"/>
           </a:bodyPr>
           <a:p>
             <a:pPr>
@@ -10861,7 +10862,7 @@
         <p:spPr>
           <a:xfrm>
             <a:off x="324000" y="1311120"/>
-            <a:ext cx="11261880" cy="1694880"/>
+            <a:ext cx="11261160" cy="1694160"/>
           </a:xfrm>
           <a:prstGeom prst="rect">
             <a:avLst/>
@@ -10912,7 +10913,7 @@
         <p:spPr>
           <a:xfrm>
             <a:off x="324000" y="1991160"/>
-            <a:ext cx="11261880" cy="1004400"/>
+            <a:ext cx="11261160" cy="1004400"/>
           </a:xfrm>
           <a:prstGeom prst="rect">
             <a:avLst/>
@@ -11059,7 +11060,7 @@
         <p:spPr>
           <a:xfrm>
             <a:off x="3247920" y="3007080"/>
-            <a:ext cx="4475520" cy="2832840"/>
+            <a:ext cx="4474800" cy="2832840"/>
           </a:xfrm>
           <a:prstGeom prst="rect">
             <a:avLst/>
@@ -11365,7 +11366,7 @@
         <p:spPr>
           <a:xfrm>
             <a:off x="324000" y="3186360"/>
-            <a:ext cx="1884240" cy="1217160"/>
+            <a:ext cx="1883520" cy="1216440"/>
           </a:xfrm>
           <a:prstGeom prst="rect">
             <a:avLst/>
@@ -11384,7 +11385,7 @@
         <p:spPr>
           <a:xfrm>
             <a:off x="571320" y="4538520"/>
-            <a:ext cx="1437120" cy="455400"/>
+            <a:ext cx="1436400" cy="455400"/>
           </a:xfrm>
           <a:prstGeom prst="rect">
             <a:avLst/>
@@ -11435,8 +11436,8 @@
         </p:nvSpPr>
         <p:spPr>
           <a:xfrm flipH="1" flipV="1">
-            <a:off x="7138080" y="4600080"/>
-            <a:ext cx="2205720" cy="167760"/>
+            <a:off x="7137360" y="4599360"/>
+            <a:ext cx="2205000" cy="167040"/>
           </a:xfrm>
           <a:custGeom>
             <a:avLst/>
@@ -11483,8 +11484,8 @@
         </p:nvSpPr>
         <p:spPr>
           <a:xfrm flipH="1">
-            <a:off x="7138080" y="4923720"/>
-            <a:ext cx="2205720" cy="190440"/>
+            <a:off x="7137360" y="4923720"/>
+            <a:ext cx="2205000" cy="189720"/>
           </a:xfrm>
           <a:custGeom>
             <a:avLst/>
@@ -11531,8 +11532,8 @@
         </p:nvSpPr>
         <p:spPr>
           <a:xfrm flipH="1">
-            <a:off x="7225920" y="5019480"/>
-            <a:ext cx="2117880" cy="526320"/>
+            <a:off x="7225200" y="5019480"/>
+            <a:ext cx="2117160" cy="525600"/>
           </a:xfrm>
           <a:custGeom>
             <a:avLst/>
@@ -11580,7 +11581,7 @@
         <p:spPr>
           <a:xfrm>
             <a:off x="9574920" y="4273200"/>
-            <a:ext cx="2205720" cy="912600"/>
+            <a:ext cx="2205000" cy="912600"/>
           </a:xfrm>
           <a:prstGeom prst="rect">
             <a:avLst/>
@@ -11632,7 +11633,7 @@
         <p:spPr>
           <a:xfrm>
             <a:off x="641880" y="5978880"/>
-            <a:ext cx="9784800" cy="638280"/>
+            <a:ext cx="9784080" cy="638280"/>
           </a:xfrm>
           <a:prstGeom prst="rect">
             <a:avLst/>
@@ -11741,7 +11742,7 @@
         <p:spPr>
           <a:xfrm>
             <a:off x="1861560" y="399240"/>
-            <a:ext cx="8467560" cy="668880"/>
+            <a:ext cx="8466840" cy="668160"/>
           </a:xfrm>
           <a:prstGeom prst="rect">
             <a:avLst/>
@@ -11753,7 +11754,7 @@
         </p:spPr>
         <p:txBody>
           <a:bodyPr lIns="90000" rIns="90000" tIns="45000" bIns="45000" anchor="ctr">
-            <a:normAutofit fontScale="97000"/>
+            <a:normAutofit fontScale="96000"/>
           </a:bodyPr>
           <a:p>
             <a:pPr>
@@ -11791,7 +11792,7 @@
         <p:spPr>
           <a:xfrm>
             <a:off x="586080" y="1580040"/>
-            <a:ext cx="10725480" cy="1399320"/>
+            <a:ext cx="10724760" cy="1398600"/>
           </a:xfrm>
           <a:prstGeom prst="rect">
             <a:avLst/>
@@ -11842,7 +11843,7 @@
         <p:spPr>
           <a:xfrm>
             <a:off x="586080" y="2882520"/>
-            <a:ext cx="11261880" cy="3138840"/>
+            <a:ext cx="11261160" cy="3138840"/>
           </a:xfrm>
           <a:prstGeom prst="rect">
             <a:avLst/>
@@ -12109,7 +12110,7 @@
         <p:spPr>
           <a:xfrm>
             <a:off x="1861560" y="399240"/>
-            <a:ext cx="8467560" cy="668880"/>
+            <a:ext cx="8466840" cy="668160"/>
           </a:xfrm>
           <a:prstGeom prst="rect">
             <a:avLst/>
@@ -12121,7 +12122,7 @@
         </p:spPr>
         <p:txBody>
           <a:bodyPr lIns="90000" rIns="90000" tIns="45000" bIns="45000" anchor="ctr">
-            <a:normAutofit fontScale="97000"/>
+            <a:normAutofit fontScale="96000"/>
           </a:bodyPr>
           <a:p>
             <a:pPr>
@@ -12159,7 +12160,7 @@
         <p:spPr>
           <a:xfrm>
             <a:off x="586080" y="1580040"/>
-            <a:ext cx="10725480" cy="1399320"/>
+            <a:ext cx="10724760" cy="1398600"/>
           </a:xfrm>
           <a:prstGeom prst="rect">
             <a:avLst/>
@@ -12210,7 +12211,7 @@
         <p:spPr>
           <a:xfrm>
             <a:off x="586080" y="2882520"/>
-            <a:ext cx="11261880" cy="2529000"/>
+            <a:ext cx="11261160" cy="2529000"/>
           </a:xfrm>
           <a:prstGeom prst="rect">
             <a:avLst/>
@@ -12367,7 +12368,7 @@
         <p:spPr>
           <a:xfrm>
             <a:off x="641880" y="5978880"/>
-            <a:ext cx="9784800" cy="363960"/>
+            <a:ext cx="9784080" cy="363960"/>
           </a:xfrm>
           <a:prstGeom prst="rect">
             <a:avLst/>
@@ -12466,7 +12467,7 @@
         <p:spPr>
           <a:xfrm>
             <a:off x="1861560" y="399240"/>
-            <a:ext cx="8467560" cy="668880"/>
+            <a:ext cx="8466840" cy="668160"/>
           </a:xfrm>
           <a:prstGeom prst="rect">
             <a:avLst/>
@@ -12478,7 +12479,7 @@
         </p:spPr>
         <p:txBody>
           <a:bodyPr lIns="90000" rIns="90000" tIns="45000" bIns="45000" anchor="ctr">
-            <a:normAutofit fontScale="97000"/>
+            <a:normAutofit fontScale="96000"/>
           </a:bodyPr>
           <a:p>
             <a:pPr>
@@ -12516,7 +12517,7 @@
         <p:spPr>
           <a:xfrm>
             <a:off x="732600" y="1345320"/>
-            <a:ext cx="10725480" cy="1221480"/>
+            <a:ext cx="10724760" cy="1220760"/>
           </a:xfrm>
           <a:prstGeom prst="rect">
             <a:avLst/>
@@ -12571,7 +12572,7 @@
         <p:spPr>
           <a:xfrm>
             <a:off x="1463400" y="2567520"/>
-            <a:ext cx="9264240" cy="4014000"/>
+            <a:ext cx="9263520" cy="4013280"/>
           </a:xfrm>
           <a:prstGeom prst="rect">
             <a:avLst/>
@@ -12626,7 +12627,7 @@
         <p:spPr>
           <a:xfrm>
             <a:off x="965880" y="2292120"/>
-            <a:ext cx="10164240" cy="1680840"/>
+            <a:ext cx="10163520" cy="1680120"/>
           </a:xfrm>
           <a:prstGeom prst="rect">
             <a:avLst/>
@@ -12750,7 +12751,7 @@
                 <a:uFillTx/>
                 <a:latin typeface="DejaVu Sans"/>
               </a:rPr>
-              <a:t>zazwyczaj</a:t>
+              <a:t>zawsze</a:t>
             </a:r>
             <a:r>
               <a:rPr b="0" lang="en-US" sz="3000" spc="-1" strike="noStrike">
@@ -12814,7 +12815,7 @@
         <p:spPr>
           <a:xfrm>
             <a:off x="518760" y="388800"/>
-            <a:ext cx="11420280" cy="1300320"/>
+            <a:ext cx="11419560" cy="1299600"/>
           </a:xfrm>
           <a:prstGeom prst="rect">
             <a:avLst/>
@@ -12836,7 +12837,7 @@
               <a:buNone/>
             </a:pPr>
             <a:r>
-              <a:rPr b="1" lang="en-US" sz="4810" spc="279" strike="noStrike" u="sng">
+              <a:rPr b="1" lang="en-US" sz="4810" spc="273" strike="noStrike" u="sng">
                 <a:solidFill>
                   <a:srgbClr val="000000"/>
                 </a:solidFill>
@@ -12847,7 +12848,7 @@
             </a:r>
             <a:br/>
             <a:r>
-              <a:rPr b="1" lang="en-US" sz="4810" spc="279" strike="noStrike" u="sng">
+              <a:rPr b="1" lang="en-US" sz="4810" spc="273" strike="noStrike" u="sng">
                 <a:solidFill>
                   <a:srgbClr val="000000"/>
                 </a:solidFill>
@@ -12905,7 +12906,7 @@
         <p:spPr>
           <a:xfrm>
             <a:off x="1861560" y="399240"/>
-            <a:ext cx="8467560" cy="668880"/>
+            <a:ext cx="8466840" cy="668160"/>
           </a:xfrm>
           <a:prstGeom prst="rect">
             <a:avLst/>
@@ -12917,7 +12918,7 @@
         </p:spPr>
         <p:txBody>
           <a:bodyPr lIns="90000" rIns="90000" tIns="45000" bIns="45000" anchor="ctr">
-            <a:normAutofit fontScale="97000"/>
+            <a:normAutofit fontScale="96000"/>
           </a:bodyPr>
           <a:p>
             <a:pPr>
@@ -12955,7 +12956,7 @@
         <p:spPr>
           <a:xfrm>
             <a:off x="879120" y="1606320"/>
-            <a:ext cx="10725480" cy="583200"/>
+            <a:ext cx="10724760" cy="582480"/>
           </a:xfrm>
           <a:prstGeom prst="rect">
             <a:avLst/>
@@ -12967,7 +12968,7 @@
         </p:spPr>
         <p:txBody>
           <a:bodyPr lIns="90000" rIns="90000" tIns="45000" bIns="45000" anchor="t">
-            <a:normAutofit fontScale="44000"/>
+            <a:normAutofit fontScale="43000"/>
           </a:bodyPr>
           <a:p>
             <a:pPr>
@@ -13036,7 +13037,7 @@
         <p:spPr>
           <a:xfrm>
             <a:off x="0" y="2850480"/>
-            <a:ext cx="12191040" cy="4006440"/>
+            <a:ext cx="12190320" cy="4005720"/>
           </a:xfrm>
           <a:prstGeom prst="rect">
             <a:avLst/>
@@ -13089,7 +13090,7 @@
         <p:spPr>
           <a:xfrm>
             <a:off x="1861560" y="399240"/>
-            <a:ext cx="8467560" cy="668880"/>
+            <a:ext cx="8466840" cy="668160"/>
           </a:xfrm>
           <a:prstGeom prst="rect">
             <a:avLst/>
@@ -13101,7 +13102,7 @@
         </p:spPr>
         <p:txBody>
           <a:bodyPr lIns="90000" rIns="90000" tIns="45000" bIns="45000" anchor="ctr">
-            <a:normAutofit fontScale="97000"/>
+            <a:normAutofit fontScale="96000"/>
           </a:bodyPr>
           <a:p>
             <a:pPr>
@@ -13139,7 +13140,7 @@
         <p:spPr>
           <a:xfrm>
             <a:off x="869760" y="1187280"/>
-            <a:ext cx="10725480" cy="583200"/>
+            <a:ext cx="10724760" cy="582480"/>
           </a:xfrm>
           <a:prstGeom prst="rect">
             <a:avLst/>
@@ -13151,7 +13152,7 @@
         </p:spPr>
         <p:txBody>
           <a:bodyPr lIns="90000" rIns="90000" tIns="45000" bIns="45000" anchor="t">
-            <a:normAutofit fontScale="99000"/>
+            <a:normAutofit fontScale="98000"/>
           </a:bodyPr>
           <a:p>
             <a:pPr>
@@ -13194,7 +13195,7 @@
         <p:spPr>
           <a:xfrm>
             <a:off x="1019160" y="2375640"/>
-            <a:ext cx="10195560" cy="3294000"/>
+            <a:ext cx="10194840" cy="3293280"/>
           </a:xfrm>
           <a:prstGeom prst="rect">
             <a:avLst/>
@@ -13249,7 +13250,7 @@
         <p:spPr>
           <a:xfrm>
             <a:off x="1861560" y="399240"/>
-            <a:ext cx="8467560" cy="668880"/>
+            <a:ext cx="8466840" cy="668160"/>
           </a:xfrm>
           <a:prstGeom prst="rect">
             <a:avLst/>
@@ -13261,7 +13262,7 @@
         </p:spPr>
         <p:txBody>
           <a:bodyPr lIns="90000" rIns="90000" tIns="45000" bIns="45000" anchor="ctr">
-            <a:normAutofit fontScale="97000"/>
+            <a:normAutofit fontScale="96000"/>
           </a:bodyPr>
           <a:p>
             <a:pPr>
@@ -13299,7 +13300,7 @@
         <p:spPr>
           <a:xfrm>
             <a:off x="869760" y="1187280"/>
-            <a:ext cx="10725480" cy="583200"/>
+            <a:ext cx="10724760" cy="582480"/>
           </a:xfrm>
           <a:prstGeom prst="rect">
             <a:avLst/>
@@ -13311,7 +13312,7 @@
         </p:spPr>
         <p:txBody>
           <a:bodyPr lIns="90000" rIns="90000" tIns="45000" bIns="45000" anchor="t">
-            <a:normAutofit fontScale="99000"/>
+            <a:normAutofit fontScale="98000"/>
           </a:bodyPr>
           <a:p>
             <a:pPr>
@@ -13354,7 +13355,7 @@
         <p:spPr>
           <a:xfrm>
             <a:off x="1861560" y="2079720"/>
-            <a:ext cx="7901640" cy="4313880"/>
+            <a:ext cx="7900920" cy="4313160"/>
           </a:xfrm>
           <a:prstGeom prst="rect">
             <a:avLst/>
@@ -13409,7 +13410,7 @@
         <p:spPr>
           <a:xfrm>
             <a:off x="1861560" y="399240"/>
-            <a:ext cx="8467560" cy="668880"/>
+            <a:ext cx="8466840" cy="668160"/>
           </a:xfrm>
           <a:prstGeom prst="rect">
             <a:avLst/>
@@ -13421,7 +13422,7 @@
         </p:spPr>
         <p:txBody>
           <a:bodyPr lIns="90000" rIns="90000" tIns="45000" bIns="45000" anchor="ctr">
-            <a:normAutofit fontScale="97000"/>
+            <a:normAutofit fontScale="96000"/>
           </a:bodyPr>
           <a:p>
             <a:pPr>
@@ -13459,7 +13460,7 @@
         <p:spPr>
           <a:xfrm>
             <a:off x="869760" y="1187280"/>
-            <a:ext cx="10725480" cy="583200"/>
+            <a:ext cx="10724760" cy="582480"/>
           </a:xfrm>
           <a:prstGeom prst="rect">
             <a:avLst/>
@@ -13471,7 +13472,7 @@
         </p:spPr>
         <p:txBody>
           <a:bodyPr lIns="90000" rIns="90000" tIns="45000" bIns="45000" anchor="t">
-            <a:normAutofit fontScale="99000"/>
+            <a:normAutofit fontScale="98000"/>
           </a:bodyPr>
           <a:p>
             <a:pPr>
@@ -13514,7 +13515,7 @@
         <p:spPr>
           <a:xfrm>
             <a:off x="1023840" y="2133720"/>
-            <a:ext cx="10695240" cy="3326760"/>
+            <a:ext cx="10694520" cy="3326040"/>
           </a:xfrm>
           <a:prstGeom prst="rect">
             <a:avLst/>
@@ -13569,7 +13570,7 @@
         <p:spPr>
           <a:xfrm>
             <a:off x="1861560" y="399240"/>
-            <a:ext cx="8467560" cy="668880"/>
+            <a:ext cx="8466840" cy="668160"/>
           </a:xfrm>
           <a:prstGeom prst="rect">
             <a:avLst/>
@@ -13581,7 +13582,7 @@
         </p:spPr>
         <p:txBody>
           <a:bodyPr lIns="90000" rIns="90000" tIns="45000" bIns="45000" anchor="ctr">
-            <a:normAutofit fontScale="97000"/>
+            <a:normAutofit fontScale="96000"/>
           </a:bodyPr>
           <a:p>
             <a:pPr>
@@ -13619,7 +13620,7 @@
         <p:spPr>
           <a:xfrm>
             <a:off x="869760" y="1187280"/>
-            <a:ext cx="10725480" cy="583200"/>
+            <a:ext cx="10724760" cy="582480"/>
           </a:xfrm>
           <a:prstGeom prst="rect">
             <a:avLst/>
@@ -13631,7 +13632,7 @@
         </p:spPr>
         <p:txBody>
           <a:bodyPr lIns="90000" rIns="90000" tIns="45000" bIns="45000" anchor="t">
-            <a:normAutofit fontScale="99000"/>
+            <a:normAutofit fontScale="98000"/>
           </a:bodyPr>
           <a:p>
             <a:pPr>
@@ -13674,7 +13675,7 @@
         <p:spPr>
           <a:xfrm>
             <a:off x="1861560" y="1890000"/>
-            <a:ext cx="8152920" cy="4799880"/>
+            <a:ext cx="8152200" cy="4799160"/>
           </a:xfrm>
           <a:prstGeom prst="rect">
             <a:avLst/>
@@ -13729,7 +13730,7 @@
         <p:spPr>
           <a:xfrm>
             <a:off x="1861560" y="399240"/>
-            <a:ext cx="8467560" cy="668880"/>
+            <a:ext cx="8466840" cy="668160"/>
           </a:xfrm>
           <a:prstGeom prst="rect">
             <a:avLst/>
@@ -13741,7 +13742,7 @@
         </p:spPr>
         <p:txBody>
           <a:bodyPr lIns="90000" rIns="90000" tIns="45000" bIns="45000" anchor="ctr">
-            <a:normAutofit fontScale="97000"/>
+            <a:normAutofit fontScale="96000"/>
           </a:bodyPr>
           <a:p>
             <a:pPr>
@@ -13779,7 +13780,7 @@
         <p:spPr>
           <a:xfrm>
             <a:off x="869760" y="1187280"/>
-            <a:ext cx="10725480" cy="583200"/>
+            <a:ext cx="10724760" cy="582480"/>
           </a:xfrm>
           <a:prstGeom prst="rect">
             <a:avLst/>
@@ -13791,7 +13792,7 @@
         </p:spPr>
         <p:txBody>
           <a:bodyPr lIns="90000" rIns="90000" tIns="45000" bIns="45000" anchor="t">
-            <a:normAutofit fontScale="99000"/>
+            <a:normAutofit fontScale="98000"/>
           </a:bodyPr>
           <a:p>
             <a:pPr>
@@ -13834,7 +13835,7 @@
         <p:spPr>
           <a:xfrm>
             <a:off x="869760" y="2069280"/>
-            <a:ext cx="9123840" cy="1980000"/>
+            <a:ext cx="9123120" cy="1979280"/>
           </a:xfrm>
           <a:prstGeom prst="rect">
             <a:avLst/>
@@ -13855,7 +13856,7 @@
         <p:spPr>
           <a:xfrm>
             <a:off x="869760" y="4404960"/>
-            <a:ext cx="3463920" cy="516240"/>
+            <a:ext cx="3463200" cy="516240"/>
           </a:xfrm>
           <a:prstGeom prst="rect">
             <a:avLst/>
@@ -13926,8 +13927,8 @@
         </p:nvSpPr>
         <p:spPr>
           <a:xfrm flipH="1">
-            <a:off x="1335600" y="3429000"/>
-            <a:ext cx="6048000" cy="1054080"/>
+            <a:off x="1334880" y="3429000"/>
+            <a:ext cx="6047280" cy="1053360"/>
           </a:xfrm>
           <a:custGeom>
             <a:avLst/>
@@ -13975,7 +13976,7 @@
         <p:spPr>
           <a:xfrm>
             <a:off x="4334760" y="4666680"/>
-            <a:ext cx="1897200" cy="360"/>
+            <a:ext cx="1896480" cy="360"/>
           </a:xfrm>
           <a:custGeom>
             <a:avLst/>
@@ -14023,7 +14024,7 @@
         <p:spPr>
           <a:xfrm>
             <a:off x="6402960" y="4444560"/>
-            <a:ext cx="3463920" cy="942840"/>
+            <a:ext cx="3463200" cy="942840"/>
           </a:xfrm>
           <a:prstGeom prst="rect">
             <a:avLst/>
@@ -14106,7 +14107,7 @@
         <p:spPr>
           <a:xfrm>
             <a:off x="869760" y="5443200"/>
-            <a:ext cx="9538560" cy="1309320"/>
+            <a:ext cx="9537840" cy="1309320"/>
           </a:xfrm>
           <a:prstGeom prst="rect">
             <a:avLst/>
@@ -14235,7 +14236,7 @@
         <p:spPr>
           <a:xfrm>
             <a:off x="1861560" y="399240"/>
-            <a:ext cx="8467560" cy="668880"/>
+            <a:ext cx="8466840" cy="668160"/>
           </a:xfrm>
           <a:prstGeom prst="rect">
             <a:avLst/>
@@ -14247,7 +14248,7 @@
         </p:spPr>
         <p:txBody>
           <a:bodyPr lIns="90000" rIns="90000" tIns="45000" bIns="45000" anchor="ctr">
-            <a:normAutofit fontScale="97000"/>
+            <a:normAutofit fontScale="96000"/>
           </a:bodyPr>
           <a:p>
             <a:pPr>
@@ -14285,7 +14286,7 @@
         <p:spPr>
           <a:xfrm>
             <a:off x="879120" y="1373400"/>
-            <a:ext cx="10725480" cy="583200"/>
+            <a:ext cx="10724760" cy="582480"/>
           </a:xfrm>
           <a:prstGeom prst="rect">
             <a:avLst/>
@@ -14297,7 +14298,7 @@
         </p:spPr>
         <p:txBody>
           <a:bodyPr lIns="90000" rIns="90000" tIns="45000" bIns="45000" anchor="t">
-            <a:normAutofit fontScale="99000"/>
+            <a:normAutofit fontScale="98000"/>
           </a:bodyPr>
           <a:p>
             <a:pPr>
@@ -14336,7 +14337,7 @@
         <p:spPr>
           <a:xfrm>
             <a:off x="752400" y="5501520"/>
-            <a:ext cx="9784800" cy="1186920"/>
+            <a:ext cx="9784080" cy="1186920"/>
           </a:xfrm>
           <a:prstGeom prst="rect">
             <a:avLst/>
@@ -14468,7 +14469,7 @@
         <p:spPr>
           <a:xfrm>
             <a:off x="752400" y="2190600"/>
-            <a:ext cx="10505160" cy="3138840"/>
+            <a:ext cx="10504440" cy="3138840"/>
           </a:xfrm>
           <a:prstGeom prst="rect">
             <a:avLst/>
@@ -14743,7 +14744,7 @@
         <p:spPr>
           <a:xfrm>
             <a:off x="738720" y="399240"/>
-            <a:ext cx="11376000" cy="1050480"/>
+            <a:ext cx="11375280" cy="1049760"/>
           </a:xfrm>
           <a:prstGeom prst="rect">
             <a:avLst/>
@@ -14772,7 +14773,7 @@
                 <a:uFillTx/>
                 <a:latin typeface="Consolas"/>
               </a:rPr>
-              <a:t>Impact =&gt; CIA</a:t>
+              <a:t>Wniosek - impact vs CIA</a:t>
             </a:r>
             <a:endParaRPr b="0" lang="en-US" sz="4350" spc="-1" strike="noStrike">
               <a:latin typeface="Arial"/>
@@ -14793,7 +14794,7 @@
         <p:spPr>
           <a:xfrm>
             <a:off x="800280" y="2037240"/>
-            <a:ext cx="10725480" cy="3474360"/>
+            <a:ext cx="10724760" cy="3473640"/>
           </a:xfrm>
           <a:prstGeom prst="rect">
             <a:avLst/>
@@ -14995,7 +14996,7 @@
         <p:spPr>
           <a:xfrm>
             <a:off x="738720" y="399240"/>
-            <a:ext cx="11376000" cy="1050480"/>
+            <a:ext cx="11375280" cy="1049760"/>
           </a:xfrm>
           <a:prstGeom prst="rect">
             <a:avLst/>
@@ -15045,7 +15046,7 @@
         <p:spPr>
           <a:xfrm>
             <a:off x="821880" y="1777680"/>
-            <a:ext cx="10725480" cy="625680"/>
+            <a:ext cx="10724760" cy="624960"/>
           </a:xfrm>
           <a:prstGeom prst="rect">
             <a:avLst/>
@@ -15096,7 +15097,7 @@
         <p:spPr>
           <a:xfrm>
             <a:off x="821880" y="2731320"/>
-            <a:ext cx="10910160" cy="3929040"/>
+            <a:ext cx="10909440" cy="3929040"/>
           </a:xfrm>
           <a:prstGeom prst="rect">
             <a:avLst/>
@@ -15135,7 +15136,7 @@
                 <a:latin typeface="DejaVu Sans"/>
                 <a:ea typeface="DejaVu Sans"/>
               </a:rPr>
-              <a:t>IDOR (odczyt) (ang. information disclosure): </a:t>
+              <a:t>IDOR (odczyt) (ang. information disclosure): *</a:t>
             </a:r>
             <a:r>
               <a:rPr b="1" lang="en-US" sz="2800" spc="-1" strike="noStrike">
@@ -15145,7 +15146,7 @@
                 <a:latin typeface="DejaVu Sans"/>
                 <a:ea typeface="DejaVu Sans"/>
               </a:rPr>
-              <a:t>100% Confidentiality</a:t>
+              <a:t>25% Confidentiality</a:t>
             </a:r>
             <a:r>
               <a:rPr b="0" lang="en-US" sz="2800" spc="-1" strike="noStrike">
@@ -15329,7 +15330,7 @@
         <p:spPr>
           <a:xfrm>
             <a:off x="738720" y="399240"/>
-            <a:ext cx="11376000" cy="1050480"/>
+            <a:ext cx="11375280" cy="1049760"/>
           </a:xfrm>
           <a:prstGeom prst="rect">
             <a:avLst/>
@@ -15358,7 +15359,7 @@
                 <a:uFillTx/>
                 <a:latin typeface="Consolas"/>
               </a:rPr>
-              <a:t>Waga podatności - prawdopodobieństwo wykorzystania</a:t>
+              <a:t>Ryzyko podatności - prawdopodobieństwo wykorzystania</a:t>
             </a:r>
             <a:endParaRPr b="0" lang="en-US" sz="4350" spc="-1" strike="noStrike">
               <a:latin typeface="Arial"/>
@@ -15379,7 +15380,7 @@
         <p:spPr>
           <a:xfrm>
             <a:off x="800280" y="1747080"/>
-            <a:ext cx="10725480" cy="4525920"/>
+            <a:ext cx="10724760" cy="4525200"/>
           </a:xfrm>
           <a:prstGeom prst="rect">
             <a:avLst/>
@@ -15735,7 +15736,7 @@
         <p:spPr>
           <a:xfrm>
             <a:off x="907560" y="1735200"/>
-            <a:ext cx="10687680" cy="4065840"/>
+            <a:ext cx="10686960" cy="4065120"/>
           </a:xfrm>
           <a:prstGeom prst="rect">
             <a:avLst/>
@@ -15747,7 +15748,7 @@
         </p:spPr>
         <p:txBody>
           <a:bodyPr lIns="90000" rIns="90000" tIns="45000" bIns="45000" anchor="t">
-            <a:normAutofit/>
+            <a:normAutofit fontScale="96000"/>
           </a:bodyPr>
           <a:p>
             <a:pPr>
@@ -15859,7 +15860,7 @@
                 </a:solidFill>
                 <a:latin typeface="DejaVu Sans"/>
               </a:rPr>
-              <a:t>system monitorujący parametry pracy reaktora jądrowego (A - dostępność)</a:t>
+              <a:t>system monitorujący parametry pracy reaktora jądrowego, aparatura podtrzymująca życie (A - dostępność)</a:t>
             </a:r>
             <a:endParaRPr b="0" lang="en-US" sz="3000" spc="-1" strike="noStrike">
               <a:latin typeface="Arial"/>
@@ -15880,7 +15881,7 @@
         <p:spPr>
           <a:xfrm>
             <a:off x="1847160" y="388800"/>
-            <a:ext cx="8963280" cy="930960"/>
+            <a:ext cx="8962560" cy="930240"/>
           </a:xfrm>
           <a:prstGeom prst="rect">
             <a:avLst/>
@@ -15902,7 +15903,7 @@
               <a:buNone/>
             </a:pPr>
             <a:r>
-              <a:rPr b="1" lang="en-US" sz="4810" spc="279" strike="noStrike" u="sng">
+              <a:rPr b="1" lang="en-US" sz="4810" spc="273" strike="noStrike" u="sng">
                 <a:solidFill>
                   <a:srgbClr val="000000"/>
                 </a:solidFill>
@@ -15960,7 +15961,7 @@
         <p:spPr>
           <a:xfrm>
             <a:off x="738720" y="399240"/>
-            <a:ext cx="11376000" cy="1050480"/>
+            <a:ext cx="11375280" cy="1049760"/>
           </a:xfrm>
           <a:prstGeom prst="rect">
             <a:avLst/>
@@ -16010,7 +16011,7 @@
         <p:spPr>
           <a:xfrm>
             <a:off x="793080" y="1610280"/>
-            <a:ext cx="10725480" cy="2050200"/>
+            <a:ext cx="10724760" cy="2049480"/>
           </a:xfrm>
           <a:prstGeom prst="rect">
             <a:avLst/>
@@ -16165,7 +16166,7 @@
         <p:spPr>
           <a:xfrm>
             <a:off x="1584720" y="3661560"/>
-            <a:ext cx="8695080" cy="3123000"/>
+            <a:ext cx="8694360" cy="3122280"/>
           </a:xfrm>
           <a:prstGeom prst="rect">
             <a:avLst/>
@@ -16218,7 +16219,7 @@
         <p:spPr>
           <a:xfrm>
             <a:off x="643320" y="0"/>
-            <a:ext cx="5651640" cy="1050480"/>
+            <a:ext cx="5650920" cy="1049760"/>
           </a:xfrm>
           <a:prstGeom prst="rect">
             <a:avLst/>
@@ -16264,7 +16265,7 @@
         <p:spPr>
           <a:xfrm>
             <a:off x="6613920" y="341280"/>
-            <a:ext cx="5577120" cy="363960"/>
+            <a:ext cx="5576400" cy="363960"/>
           </a:xfrm>
           <a:prstGeom prst="rect">
             <a:avLst/>
@@ -16322,7 +16323,7 @@
         <p:spPr>
           <a:xfrm>
             <a:off x="31680" y="948240"/>
-            <a:ext cx="12159000" cy="5661000"/>
+            <a:ext cx="12158280" cy="5660280"/>
           </a:xfrm>
           <a:prstGeom prst="rect">
             <a:avLst/>
@@ -16375,7 +16376,7 @@
         <p:spPr>
           <a:xfrm>
             <a:off x="643320" y="0"/>
-            <a:ext cx="5651640" cy="1050480"/>
+            <a:ext cx="5650920" cy="1049760"/>
           </a:xfrm>
           <a:prstGeom prst="rect">
             <a:avLst/>
@@ -16425,7 +16426,7 @@
         <p:spPr>
           <a:xfrm>
             <a:off x="0" y="1034280"/>
-            <a:ext cx="12191040" cy="5822640"/>
+            <a:ext cx="12190320" cy="5821920"/>
           </a:xfrm>
           <a:prstGeom prst="rect">
             <a:avLst/>
@@ -16444,7 +16445,7 @@
         <p:spPr>
           <a:xfrm>
             <a:off x="6613920" y="341280"/>
-            <a:ext cx="5577120" cy="363960"/>
+            <a:ext cx="5576400" cy="363960"/>
           </a:xfrm>
           <a:prstGeom prst="rect">
             <a:avLst/>
@@ -16532,7 +16533,7 @@
         <p:spPr>
           <a:xfrm>
             <a:off x="643320" y="0"/>
-            <a:ext cx="5651640" cy="1050480"/>
+            <a:ext cx="5650920" cy="1049760"/>
           </a:xfrm>
           <a:prstGeom prst="rect">
             <a:avLst/>
@@ -16582,7 +16583,7 @@
         <p:spPr>
           <a:xfrm>
             <a:off x="0" y="1051560"/>
-            <a:ext cx="12191040" cy="5801760"/>
+            <a:ext cx="12190320" cy="5801040"/>
           </a:xfrm>
           <a:prstGeom prst="rect">
             <a:avLst/>
@@ -16601,7 +16602,7 @@
         <p:spPr>
           <a:xfrm>
             <a:off x="6613920" y="341280"/>
-            <a:ext cx="5577120" cy="363960"/>
+            <a:ext cx="5576400" cy="363960"/>
           </a:xfrm>
           <a:prstGeom prst="rect">
             <a:avLst/>
@@ -16689,7 +16690,7 @@
         <p:spPr>
           <a:xfrm>
             <a:off x="738720" y="399240"/>
-            <a:ext cx="11376000" cy="1050480"/>
+            <a:ext cx="11375280" cy="1049760"/>
           </a:xfrm>
           <a:prstGeom prst="rect">
             <a:avLst/>
@@ -16739,7 +16740,7 @@
         <p:spPr>
           <a:xfrm>
             <a:off x="800280" y="2037240"/>
-            <a:ext cx="10725480" cy="3742560"/>
+            <a:ext cx="10724760" cy="3741840"/>
           </a:xfrm>
           <a:prstGeom prst="rect">
             <a:avLst/>
@@ -16987,7 +16988,7 @@
         <p:spPr>
           <a:xfrm>
             <a:off x="738720" y="399240"/>
-            <a:ext cx="11376000" cy="1050480"/>
+            <a:ext cx="11375280" cy="1049760"/>
           </a:xfrm>
           <a:prstGeom prst="rect">
             <a:avLst/>
@@ -17037,7 +17038,7 @@
         <p:spPr>
           <a:xfrm>
             <a:off x="800280" y="2037240"/>
-            <a:ext cx="10725480" cy="4129200"/>
+            <a:ext cx="10724760" cy="4128480"/>
           </a:xfrm>
           <a:prstGeom prst="rect">
             <a:avLst/>
@@ -17151,7 +17152,7 @@
         <p:spPr>
           <a:xfrm>
             <a:off x="738720" y="399240"/>
-            <a:ext cx="11376000" cy="1050480"/>
+            <a:ext cx="11375280" cy="1049760"/>
           </a:xfrm>
           <a:prstGeom prst="rect">
             <a:avLst/>
@@ -17201,7 +17202,7 @@
         <p:spPr>
           <a:xfrm>
             <a:off x="426600" y="2037240"/>
-            <a:ext cx="11581200" cy="4189680"/>
+            <a:ext cx="11580480" cy="4188960"/>
           </a:xfrm>
           <a:prstGeom prst="rect">
             <a:avLst/>
@@ -17390,7 +17391,7 @@
         <p:spPr>
           <a:xfrm>
             <a:off x="738720" y="399240"/>
-            <a:ext cx="11376000" cy="1050480"/>
+            <a:ext cx="11375280" cy="1049760"/>
           </a:xfrm>
           <a:prstGeom prst="rect">
             <a:avLst/>
@@ -17440,7 +17441,7 @@
         <p:spPr>
           <a:xfrm>
             <a:off x="426600" y="2037240"/>
-            <a:ext cx="11581200" cy="4951800"/>
+            <a:ext cx="11580480" cy="4951080"/>
           </a:xfrm>
           <a:prstGeom prst="rect">
             <a:avLst/>
@@ -17730,7 +17731,7 @@
         <p:spPr>
           <a:xfrm>
             <a:off x="738720" y="399240"/>
-            <a:ext cx="11376000" cy="1050480"/>
+            <a:ext cx="11375280" cy="1049760"/>
           </a:xfrm>
           <a:prstGeom prst="rect">
             <a:avLst/>
@@ -17780,7 +17781,7 @@
         <p:spPr>
           <a:xfrm>
             <a:off x="426600" y="2037240"/>
-            <a:ext cx="11688120" cy="4951800"/>
+            <a:ext cx="11687400" cy="4951080"/>
           </a:xfrm>
           <a:prstGeom prst="rect">
             <a:avLst/>
@@ -17971,7 +17972,7 @@
         <p:spPr>
           <a:xfrm>
             <a:off x="738720" y="399240"/>
-            <a:ext cx="11376000" cy="1050480"/>
+            <a:ext cx="11375280" cy="1049760"/>
           </a:xfrm>
           <a:prstGeom prst="rect">
             <a:avLst/>
@@ -18021,7 +18022,7 @@
         <p:spPr>
           <a:xfrm>
             <a:off x="426600" y="2037240"/>
-            <a:ext cx="11581200" cy="4951800"/>
+            <a:ext cx="11580480" cy="4951080"/>
           </a:xfrm>
           <a:prstGeom prst="rect">
             <a:avLst/>
@@ -18283,7 +18284,7 @@
         <p:spPr>
           <a:xfrm>
             <a:off x="1820520" y="344880"/>
-            <a:ext cx="8963280" cy="930960"/>
+            <a:ext cx="8962560" cy="930240"/>
           </a:xfrm>
           <a:prstGeom prst="rect">
             <a:avLst/>
@@ -18305,7 +18306,7 @@
               <a:buNone/>
             </a:pPr>
             <a:r>
-              <a:rPr b="1" lang="en-US" sz="4810" spc="279" strike="noStrike" u="sng">
+              <a:rPr b="1" lang="en-US" sz="4810" spc="273" strike="noStrike" u="sng">
                 <a:solidFill>
                   <a:srgbClr val="000000"/>
                 </a:solidFill>
@@ -18329,7 +18330,7 @@
         <p:spPr>
           <a:xfrm>
             <a:off x="1055160" y="1802520"/>
-            <a:ext cx="10180440" cy="3565080"/>
+            <a:ext cx="10179720" cy="3565080"/>
           </a:xfrm>
           <a:prstGeom prst="rect">
             <a:avLst/>
@@ -18532,7 +18533,7 @@
         <p:spPr>
           <a:xfrm>
             <a:off x="738720" y="399240"/>
-            <a:ext cx="11376000" cy="1050480"/>
+            <a:ext cx="11375280" cy="1049760"/>
           </a:xfrm>
           <a:prstGeom prst="rect">
             <a:avLst/>
@@ -18582,7 +18583,7 @@
         <p:spPr>
           <a:xfrm>
             <a:off x="350640" y="1874880"/>
-            <a:ext cx="11764080" cy="4583160"/>
+            <a:ext cx="11763360" cy="4582440"/>
           </a:xfrm>
           <a:prstGeom prst="rect">
             <a:avLst/>
@@ -18872,7 +18873,7 @@
         <p:spPr>
           <a:xfrm>
             <a:off x="2134440" y="109800"/>
-            <a:ext cx="8467560" cy="1550880"/>
+            <a:ext cx="8466840" cy="1550160"/>
           </a:xfrm>
           <a:prstGeom prst="rect">
             <a:avLst/>
@@ -18918,7 +18919,7 @@
         <p:spPr>
           <a:xfrm>
             <a:off x="1172520" y="1661760"/>
-            <a:ext cx="10391400" cy="4113000"/>
+            <a:ext cx="10390680" cy="4113000"/>
           </a:xfrm>
           <a:prstGeom prst="rect">
             <a:avLst/>
@@ -19108,7 +19109,7 @@
         <p:spPr>
           <a:xfrm>
             <a:off x="2134440" y="109800"/>
-            <a:ext cx="8467560" cy="1550880"/>
+            <a:ext cx="8466840" cy="1550160"/>
           </a:xfrm>
           <a:prstGeom prst="rect">
             <a:avLst/>
@@ -19154,7 +19155,7 @@
         <p:spPr>
           <a:xfrm>
             <a:off x="1172520" y="1720800"/>
-            <a:ext cx="10391400" cy="3015720"/>
+            <a:ext cx="10390680" cy="3015720"/>
           </a:xfrm>
           <a:prstGeom prst="rect">
             <a:avLst/>
@@ -19370,7 +19371,7 @@
         <p:spPr>
           <a:xfrm>
             <a:off x="2134440" y="109800"/>
-            <a:ext cx="8467560" cy="1550880"/>
+            <a:ext cx="8466840" cy="1550160"/>
           </a:xfrm>
           <a:prstGeom prst="rect">
             <a:avLst/>
@@ -19416,7 +19417,7 @@
         <p:spPr>
           <a:xfrm>
             <a:off x="862560" y="1595160"/>
-            <a:ext cx="11011320" cy="5210280"/>
+            <a:ext cx="11010600" cy="5210280"/>
           </a:xfrm>
           <a:prstGeom prst="rect">
             <a:avLst/>
@@ -19706,7 +19707,7 @@
         <p:spPr>
           <a:xfrm>
             <a:off x="2134440" y="109800"/>
-            <a:ext cx="8467560" cy="1550880"/>
+            <a:ext cx="8466840" cy="1550160"/>
           </a:xfrm>
           <a:prstGeom prst="rect">
             <a:avLst/>
@@ -19752,7 +19753,7 @@
         <p:spPr>
           <a:xfrm>
             <a:off x="899640" y="1720800"/>
-            <a:ext cx="11011320" cy="1918440"/>
+            <a:ext cx="11010600" cy="1918440"/>
           </a:xfrm>
           <a:prstGeom prst="rect">
             <a:avLst/>
@@ -19942,7 +19943,7 @@
         <p:spPr>
           <a:xfrm>
             <a:off x="351720" y="109800"/>
-            <a:ext cx="11666160" cy="645120"/>
+            <a:ext cx="11665440" cy="644400"/>
           </a:xfrm>
           <a:prstGeom prst="rect">
             <a:avLst/>
@@ -19954,7 +19955,7 @@
         </p:spPr>
         <p:txBody>
           <a:bodyPr lIns="90000" rIns="90000" tIns="45000" bIns="45000" anchor="ctr">
-            <a:normAutofit fontScale="93000"/>
+            <a:normAutofit fontScale="92000"/>
           </a:bodyPr>
           <a:p>
             <a:pPr algn="ctr">
@@ -19988,7 +19989,7 @@
         <p:spPr>
           <a:xfrm>
             <a:off x="1295280" y="910440"/>
-            <a:ext cx="10400400" cy="638280"/>
+            <a:ext cx="10399680" cy="638280"/>
           </a:xfrm>
           <a:prstGeom prst="rect">
             <a:avLst/>
@@ -20064,7 +20065,7 @@
         <p:spPr>
           <a:xfrm>
             <a:off x="1501920" y="1828080"/>
-            <a:ext cx="8723880" cy="4118400"/>
+            <a:ext cx="8723160" cy="4117680"/>
           </a:xfrm>
           <a:prstGeom prst="rect">
             <a:avLst/>
@@ -20119,7 +20120,7 @@
         <p:spPr>
           <a:xfrm>
             <a:off x="351720" y="109800"/>
-            <a:ext cx="11666160" cy="645120"/>
+            <a:ext cx="11665440" cy="644400"/>
           </a:xfrm>
           <a:prstGeom prst="rect">
             <a:avLst/>
@@ -20131,7 +20132,7 @@
         </p:spPr>
         <p:txBody>
           <a:bodyPr lIns="90000" rIns="90000" tIns="45000" bIns="45000" anchor="ctr">
-            <a:normAutofit fontScale="93000"/>
+            <a:normAutofit fontScale="92000"/>
           </a:bodyPr>
           <a:p>
             <a:pPr algn="ctr">
@@ -20165,7 +20166,7 @@
         <p:spPr>
           <a:xfrm>
             <a:off x="1295280" y="910440"/>
-            <a:ext cx="10400400" cy="638280"/>
+            <a:ext cx="10399680" cy="638280"/>
           </a:xfrm>
           <a:prstGeom prst="rect">
             <a:avLst/>
@@ -20241,7 +20242,7 @@
         <p:spPr>
           <a:xfrm>
             <a:off x="1196640" y="1711080"/>
-            <a:ext cx="10251720" cy="4964760"/>
+            <a:ext cx="10251000" cy="4964040"/>
           </a:xfrm>
           <a:prstGeom prst="rect">
             <a:avLst/>
@@ -20296,7 +20297,7 @@
         <p:spPr>
           <a:xfrm>
             <a:off x="351720" y="109800"/>
-            <a:ext cx="11666160" cy="645120"/>
+            <a:ext cx="11665440" cy="644400"/>
           </a:xfrm>
           <a:prstGeom prst="rect">
             <a:avLst/>
@@ -20308,7 +20309,7 @@
         </p:spPr>
         <p:txBody>
           <a:bodyPr lIns="90000" rIns="90000" tIns="45000" bIns="45000" anchor="ctr">
-            <a:normAutofit fontScale="93000"/>
+            <a:normAutofit fontScale="92000"/>
           </a:bodyPr>
           <a:p>
             <a:pPr algn="ctr">
@@ -20342,7 +20343,7 @@
         <p:spPr>
           <a:xfrm>
             <a:off x="1257480" y="811080"/>
-            <a:ext cx="10400400" cy="912600"/>
+            <a:ext cx="10399680" cy="912600"/>
           </a:xfrm>
           <a:prstGeom prst="rect">
             <a:avLst/>
@@ -20459,7 +20460,7 @@
         <p:spPr>
           <a:xfrm>
             <a:off x="351720" y="1911600"/>
-            <a:ext cx="6179760" cy="4718160"/>
+            <a:ext cx="6179040" cy="4717440"/>
           </a:xfrm>
           <a:prstGeom prst="rect">
             <a:avLst/>
@@ -20484,7 +20485,7 @@
         <p:spPr>
           <a:xfrm>
             <a:off x="4970520" y="2053800"/>
-            <a:ext cx="7047360" cy="2951640"/>
+            <a:ext cx="7046640" cy="2950920"/>
           </a:xfrm>
           <a:prstGeom prst="rect">
             <a:avLst/>
@@ -20539,7 +20540,7 @@
         <p:spPr>
           <a:xfrm>
             <a:off x="351720" y="109800"/>
-            <a:ext cx="11666160" cy="645120"/>
+            <a:ext cx="11665440" cy="644400"/>
           </a:xfrm>
           <a:prstGeom prst="rect">
             <a:avLst/>
@@ -20551,7 +20552,7 @@
         </p:spPr>
         <p:txBody>
           <a:bodyPr lIns="90000" rIns="90000" tIns="45000" bIns="45000" anchor="ctr">
-            <a:normAutofit fontScale="93000"/>
+            <a:normAutofit fontScale="92000"/>
           </a:bodyPr>
           <a:p>
             <a:pPr algn="ctr">
@@ -20585,7 +20586,7 @@
         <p:spPr>
           <a:xfrm>
             <a:off x="1257480" y="811080"/>
-            <a:ext cx="10400400" cy="638280"/>
+            <a:ext cx="10399680" cy="638280"/>
           </a:xfrm>
           <a:prstGeom prst="rect">
             <a:avLst/>
@@ -20661,7 +20662,7 @@
         <p:spPr>
           <a:xfrm>
             <a:off x="1257480" y="1819440"/>
-            <a:ext cx="10162080" cy="4532760"/>
+            <a:ext cx="10161360" cy="4532040"/>
           </a:xfrm>
           <a:prstGeom prst="rect">
             <a:avLst/>
@@ -20716,7 +20717,7 @@
         <p:spPr>
           <a:xfrm>
             <a:off x="351720" y="109800"/>
-            <a:ext cx="11666160" cy="645120"/>
+            <a:ext cx="11665440" cy="644400"/>
           </a:xfrm>
           <a:prstGeom prst="rect">
             <a:avLst/>
@@ -20728,7 +20729,7 @@
         </p:spPr>
         <p:txBody>
           <a:bodyPr lIns="90000" rIns="90000" tIns="45000" bIns="45000" anchor="ctr">
-            <a:normAutofit fontScale="93000"/>
+            <a:normAutofit fontScale="92000"/>
           </a:bodyPr>
           <a:p>
             <a:pPr algn="ctr">
@@ -20762,7 +20763,7 @@
         <p:spPr>
           <a:xfrm>
             <a:off x="1257480" y="811080"/>
-            <a:ext cx="10400400" cy="638280"/>
+            <a:ext cx="10399680" cy="638280"/>
           </a:xfrm>
           <a:prstGeom prst="rect">
             <a:avLst/>
@@ -20858,7 +20859,7 @@
         <p:spPr>
           <a:xfrm>
             <a:off x="1057320" y="1562040"/>
-            <a:ext cx="9905760" cy="5205240"/>
+            <a:ext cx="9905040" cy="5204520"/>
           </a:xfrm>
           <a:prstGeom prst="rect">
             <a:avLst/>
@@ -20913,7 +20914,7 @@
         <p:spPr>
           <a:xfrm>
             <a:off x="1758960" y="344880"/>
-            <a:ext cx="8963280" cy="1291680"/>
+            <a:ext cx="8962560" cy="1290960"/>
           </a:xfrm>
           <a:prstGeom prst="rect">
             <a:avLst/>
@@ -20935,7 +20936,7 @@
               <a:buNone/>
             </a:pPr>
             <a:r>
-              <a:rPr b="1" lang="en-US" sz="4810" spc="279" strike="noStrike" u="sng">
+              <a:rPr b="1" lang="en-US" sz="4810" spc="273" strike="noStrike" u="sng">
                 <a:solidFill>
                   <a:srgbClr val="000000"/>
                 </a:solidFill>
@@ -20959,7 +20960,7 @@
         <p:spPr>
           <a:xfrm>
             <a:off x="1150560" y="2093400"/>
-            <a:ext cx="10180440" cy="3565080"/>
+            <a:ext cx="10179720" cy="3565080"/>
           </a:xfrm>
           <a:prstGeom prst="rect">
             <a:avLst/>
@@ -21105,7 +21106,7 @@
         <p:spPr>
           <a:xfrm>
             <a:off x="492480" y="109800"/>
-            <a:ext cx="11698560" cy="1550880"/>
+            <a:ext cx="11697840" cy="1550160"/>
           </a:xfrm>
           <a:prstGeom prst="rect">
             <a:avLst/>
@@ -21151,7 +21152,7 @@
         <p:spPr>
           <a:xfrm>
             <a:off x="968040" y="1661760"/>
-            <a:ext cx="10391400" cy="5210280"/>
+            <a:ext cx="10390680" cy="5210280"/>
           </a:xfrm>
           <a:prstGeom prst="rect">
             <a:avLst/>
@@ -21486,7 +21487,7 @@
         <p:spPr>
           <a:xfrm>
             <a:off x="2134440" y="109800"/>
-            <a:ext cx="8467560" cy="1550880"/>
+            <a:ext cx="8466840" cy="1550160"/>
           </a:xfrm>
           <a:prstGeom prst="rect">
             <a:avLst/>
@@ -21532,7 +21533,7 @@
         <p:spPr>
           <a:xfrm>
             <a:off x="765000" y="1509840"/>
-            <a:ext cx="10655280" cy="4658040"/>
+            <a:ext cx="10654560" cy="4658040"/>
           </a:xfrm>
           <a:prstGeom prst="rect">
             <a:avLst/>
@@ -21736,7 +21737,7 @@
         <p:spPr>
           <a:xfrm>
             <a:off x="2134440" y="109800"/>
-            <a:ext cx="8467560" cy="584280"/>
+            <a:ext cx="8466840" cy="583560"/>
           </a:xfrm>
           <a:prstGeom prst="rect">
             <a:avLst/>
@@ -21786,7 +21787,7 @@
         <p:spPr>
           <a:xfrm>
             <a:off x="579600" y="895320"/>
-            <a:ext cx="7325280" cy="2937240"/>
+            <a:ext cx="7324560" cy="2936520"/>
           </a:xfrm>
           <a:prstGeom prst="rect">
             <a:avLst/>
@@ -21807,7 +21808,7 @@
         <p:spPr>
           <a:xfrm>
             <a:off x="579600" y="3975840"/>
-            <a:ext cx="4185360" cy="272160"/>
+            <a:ext cx="4184640" cy="272160"/>
           </a:xfrm>
           <a:prstGeom prst="rect">
             <a:avLst/>
@@ -21871,7 +21872,7 @@
         <p:spPr>
           <a:xfrm>
             <a:off x="579600" y="4253040"/>
-            <a:ext cx="10544760" cy="2558520"/>
+            <a:ext cx="10544040" cy="2558520"/>
           </a:xfrm>
           <a:prstGeom prst="rect">
             <a:avLst/>
@@ -22171,7 +22172,7 @@
         <p:spPr>
           <a:xfrm>
             <a:off x="2134440" y="109800"/>
-            <a:ext cx="8467560" cy="1550880"/>
+            <a:ext cx="8466840" cy="1550160"/>
           </a:xfrm>
           <a:prstGeom prst="rect">
             <a:avLst/>
@@ -22217,7 +22218,7 @@
         <p:spPr>
           <a:xfrm>
             <a:off x="765000" y="1509840"/>
-            <a:ext cx="10655280" cy="4201200"/>
+            <a:ext cx="10654560" cy="4201200"/>
           </a:xfrm>
           <a:prstGeom prst="rect">
             <a:avLst/>
@@ -22399,7 +22400,7 @@
         <p:spPr>
           <a:xfrm>
             <a:off x="595800" y="177480"/>
-            <a:ext cx="11376000" cy="1050480"/>
+            <a:ext cx="11375280" cy="1049760"/>
           </a:xfrm>
           <a:prstGeom prst="rect">
             <a:avLst/>
@@ -22449,7 +22450,7 @@
         <p:spPr>
           <a:xfrm>
             <a:off x="10573560" y="1589400"/>
-            <a:ext cx="1684080" cy="336240"/>
+            <a:ext cx="1683360" cy="335520"/>
           </a:xfrm>
           <a:prstGeom prst="rect">
             <a:avLst/>
@@ -22461,7 +22462,7 @@
         </p:spPr>
         <p:txBody>
           <a:bodyPr lIns="90000" rIns="90000" tIns="45000" bIns="45000" anchor="t">
-            <a:normAutofit/>
+            <a:normAutofit fontScale="99000"/>
           </a:bodyPr>
           <a:p>
             <a:pPr>
@@ -22521,7 +22522,7 @@
         <p:spPr>
           <a:xfrm>
             <a:off x="0" y="2233440"/>
-            <a:ext cx="12191040" cy="4623480"/>
+            <a:ext cx="12190320" cy="4622760"/>
           </a:xfrm>
           <a:prstGeom prst="rect">
             <a:avLst/>
@@ -22540,7 +22541,7 @@
         <p:spPr>
           <a:xfrm>
             <a:off x="101520" y="1227600"/>
-            <a:ext cx="9793080" cy="638280"/>
+            <a:ext cx="9792360" cy="638280"/>
           </a:xfrm>
           <a:prstGeom prst="rect">
             <a:avLst/>
@@ -22651,7 +22652,7 @@
         <p:spPr>
           <a:xfrm>
             <a:off x="407520" y="1535760"/>
-            <a:ext cx="11376000" cy="4140000"/>
+            <a:ext cx="11375280" cy="4139640"/>
           </a:xfrm>
           <a:prstGeom prst="rect">
             <a:avLst/>
@@ -22797,7 +22798,7 @@
         <p:spPr>
           <a:xfrm>
             <a:off x="595800" y="177480"/>
-            <a:ext cx="11376000" cy="1050480"/>
+            <a:ext cx="11375280" cy="1049760"/>
           </a:xfrm>
           <a:prstGeom prst="rect">
             <a:avLst/>
@@ -22877,7 +22878,7 @@
         <p:spPr>
           <a:xfrm>
             <a:off x="595800" y="177480"/>
-            <a:ext cx="11376000" cy="1050480"/>
+            <a:ext cx="11375280" cy="1049760"/>
           </a:xfrm>
           <a:prstGeom prst="rect">
             <a:avLst/>
@@ -22923,7 +22924,7 @@
         <p:spPr>
           <a:xfrm>
             <a:off x="473760" y="1397880"/>
-            <a:ext cx="11376000" cy="4643280"/>
+            <a:ext cx="11375280" cy="3592440"/>
           </a:xfrm>
           <a:prstGeom prst="rect">
             <a:avLst/>
@@ -22979,22 +22980,12 @@
               <a:buFont typeface="Arial"/>
               <a:buChar char="•"/>
             </a:pPr>
-            <a:r>
-              <a:rPr b="0" lang="en-US" sz="2300" spc="-1" strike="noStrike">
-                <a:solidFill>
-                  <a:srgbClr val="000000"/>
-                </a:solidFill>
-                <a:latin typeface="Calibri"/>
-                <a:ea typeface="DejaVu Sans"/>
-              </a:rPr>
-              <a:t>Numerów CVE nie otrzymują:</a:t>
-            </a:r>
             <a:endParaRPr b="0" lang="en-US" sz="2300" spc="-1" strike="noStrike">
               <a:latin typeface="Arial"/>
             </a:endParaRPr>
           </a:p>
           <a:p>
-            <a:pPr lvl="1" marL="743040" indent="-285840">
+            <a:pPr marL="285840" indent="-285840">
               <a:lnSpc>
                 <a:spcPct val="100000"/>
               </a:lnSpc>
@@ -23004,22 +22995,12 @@
               <a:buFont typeface="Arial"/>
               <a:buChar char="•"/>
             </a:pPr>
-            <a:r>
-              <a:rPr b="0" lang="en-US" sz="2300" spc="-1" strike="noStrike">
-                <a:solidFill>
-                  <a:srgbClr val="000000"/>
-                </a:solidFill>
-                <a:latin typeface="Calibri"/>
-                <a:ea typeface="DejaVu Sans"/>
-              </a:rPr>
-              <a:t>podatności w mało popularnym oprogramowaniu</a:t>
-            </a:r>
             <a:endParaRPr b="0" lang="en-US" sz="2300" spc="-1" strike="noStrike">
               <a:latin typeface="Arial"/>
             </a:endParaRPr>
           </a:p>
           <a:p>
-            <a:pPr lvl="1" marL="743040" indent="-285840">
+            <a:pPr marL="285840" indent="-285840">
               <a:lnSpc>
                 <a:spcPct val="100000"/>
               </a:lnSpc>
@@ -23029,22 +23010,12 @@
               <a:buFont typeface="Arial"/>
               <a:buChar char="•"/>
             </a:pPr>
-            <a:r>
-              <a:rPr b="0" lang="en-US" sz="2300" spc="-1" strike="noStrike">
-                <a:solidFill>
-                  <a:srgbClr val="000000"/>
-                </a:solidFill>
-                <a:latin typeface="Calibri"/>
-                <a:ea typeface="DejaVu Sans"/>
-              </a:rPr>
-              <a:t>podatności, których odkrycie nigdy nie zostaje zgłoszone</a:t>
-            </a:r>
             <a:endParaRPr b="0" lang="en-US" sz="2300" spc="-1" strike="noStrike">
               <a:latin typeface="Arial"/>
             </a:endParaRPr>
           </a:p>
           <a:p>
-            <a:pPr lvl="2" marL="1200240" indent="-285840">
+            <a:pPr marL="285840" indent="-285840">
               <a:lnSpc>
                 <a:spcPct val="100000"/>
               </a:lnSpc>
@@ -23062,22 +23033,44 @@
                 <a:latin typeface="Calibri"/>
                 <a:ea typeface="DejaVu Sans"/>
               </a:rPr>
-              <a:t>odkryte/stworzone przez podmioty o wrogich zamiarach</a:t>
+              <a:t>Numer CVE </a:t>
+            </a:r>
+            <a:r>
+              <a:rPr b="0" lang="en-US" sz="2300" spc="-1" strike="noStrike" u="sng">
+                <a:solidFill>
+                  <a:srgbClr val="000000"/>
+                </a:solidFill>
+                <a:uFillTx/>
+                <a:latin typeface="Calibri"/>
+                <a:ea typeface="DejaVu Sans"/>
+              </a:rPr>
+              <a:t>nie zawsze</a:t>
+            </a:r>
+            <a:r>
+              <a:rPr b="0" lang="en-US" sz="2300" spc="-1" strike="noStrike">
+                <a:solidFill>
+                  <a:srgbClr val="000000"/>
+                </a:solidFill>
+                <a:latin typeface="Calibri"/>
+                <a:ea typeface="DejaVu Sans"/>
+              </a:rPr>
+              <a:t> otrzymują podatności:</a:t>
             </a:r>
             <a:endParaRPr b="0" lang="en-US" sz="2300" spc="-1" strike="noStrike">
               <a:latin typeface="Arial"/>
             </a:endParaRPr>
           </a:p>
           <a:p>
-            <a:pPr lvl="2" marL="1200240" indent="-285840">
+            <a:pPr lvl="1" marL="432000" indent="-216000">
               <a:lnSpc>
                 <a:spcPct val="100000"/>
               </a:lnSpc>
               <a:buClr>
                 <a:srgbClr val="000000"/>
               </a:buClr>
-              <a:buFont typeface="Arial"/>
-              <a:buChar char="•"/>
+              <a:buSzPct val="45000"/>
+              <a:buFont typeface="Wingdings" charset="2"/>
+              <a:buChar char=""/>
             </a:pPr>
             <a:r>
               <a:rPr b="0" lang="en-US" sz="2300" spc="-1" strike="noStrike">
@@ -23087,22 +23080,23 @@
                 <a:latin typeface="Calibri"/>
                 <a:ea typeface="DejaVu Sans"/>
               </a:rPr>
-              <a:t>odkryte wewnętrznie przez samego producenta/jego zleceniobiorcę i załatane bez jakiejkolwiek publicznej wzmianki (ochrona wizerunku)</a:t>
+              <a:t>opublikowane wcześniej na full disclosure,</a:t>
             </a:r>
             <a:endParaRPr b="0" lang="en-US" sz="2300" spc="-1" strike="noStrike">
               <a:latin typeface="Arial"/>
             </a:endParaRPr>
           </a:p>
           <a:p>
-            <a:pPr lvl="2" marL="1200240" indent="-285840">
+            <a:pPr lvl="1" marL="432000" indent="-216000">
               <a:lnSpc>
                 <a:spcPct val="100000"/>
               </a:lnSpc>
               <a:buClr>
                 <a:srgbClr val="000000"/>
               </a:buClr>
-              <a:buFont typeface="Arial"/>
-              <a:buChar char="•"/>
+              <a:buSzPct val="45000"/>
+              <a:buFont typeface="Wingdings" charset="2"/>
+              <a:buChar char=""/>
             </a:pPr>
             <a:r>
               <a:rPr b="0" lang="en-US" sz="2300" spc="-1" strike="noStrike">
@@ -23112,22 +23106,23 @@
                 <a:latin typeface="Calibri"/>
                 <a:ea typeface="DejaVu Sans"/>
               </a:rPr>
-              <a:t>podatności, których zgłoszenie nie było możliwe ze względów prawnych - umowy NDA (Non-Disclosure Agreement), szantaże prawne i inne (ochrona wizerunku)</a:t>
+              <a:t>dotykające produktów EOL (zależnie od producenta, np. Intel),</a:t>
             </a:r>
             <a:endParaRPr b="0" lang="en-US" sz="2300" spc="-1" strike="noStrike">
               <a:latin typeface="Arial"/>
             </a:endParaRPr>
           </a:p>
           <a:p>
-            <a:pPr lvl="1" marL="743040" indent="-285840">
+            <a:pPr lvl="1" marL="432000" indent="-216000">
               <a:lnSpc>
                 <a:spcPct val="100000"/>
               </a:lnSpc>
               <a:buClr>
                 <a:srgbClr val="000000"/>
               </a:buClr>
-              <a:buFont typeface="Arial"/>
-              <a:buChar char="•"/>
+              <a:buSzPct val="45000"/>
+              <a:buFont typeface="Wingdings" charset="2"/>
+              <a:buChar char=""/>
             </a:pPr>
             <a:r>
               <a:rPr b="0" lang="en-US" sz="2300" spc="-1" strike="noStrike">
@@ -23137,22 +23132,23 @@
                 <a:latin typeface="Calibri"/>
                 <a:ea typeface="DejaVu Sans"/>
               </a:rPr>
-              <a:t>podatności opublikowane wcześniej na full disclosure (mój własny przykład):</a:t>
+              <a:t>sporne (nieuznawane przez producenta),</a:t>
             </a:r>
             <a:endParaRPr b="0" lang="en-US" sz="2300" spc="-1" strike="noStrike">
               <a:latin typeface="Arial"/>
             </a:endParaRPr>
           </a:p>
           <a:p>
-            <a:pPr lvl="2" marL="1200240" indent="-285840">
+            <a:pPr lvl="1" marL="432000" indent="-216000">
               <a:lnSpc>
                 <a:spcPct val="100000"/>
               </a:lnSpc>
               <a:buClr>
                 <a:srgbClr val="000000"/>
               </a:buClr>
-              <a:buFont typeface="Arial"/>
-              <a:buChar char="•"/>
+              <a:buSzPct val="45000"/>
+              <a:buFont typeface="Wingdings" charset="2"/>
+              <a:buChar char=""/>
             </a:pPr>
             <a:r>
               <a:rPr b="0" lang="en-US" sz="2300" spc="-1" strike="noStrike">
@@ -23162,32 +23158,7 @@
                 <a:latin typeface="Calibri"/>
                 <a:ea typeface="DejaVu Sans"/>
               </a:rPr>
-              <a:t>https://seclists.org/fulldisclosure/2015/May/57</a:t>
-            </a:r>
-            <a:endParaRPr b="0" lang="en-US" sz="2300" spc="-1" strike="noStrike">
-              <a:latin typeface="Arial"/>
-            </a:endParaRPr>
-          </a:p>
-          <a:p>
-            <a:pPr lvl="2" marL="1200240" indent="-285840">
-              <a:lnSpc>
-                <a:spcPct val="100000"/>
-              </a:lnSpc>
-              <a:buClr>
-                <a:srgbClr val="000000"/>
-              </a:buClr>
-              <a:buFont typeface="Arial"/>
-              <a:buChar char="•"/>
-            </a:pPr>
-            <a:r>
-              <a:rPr b="0" lang="en-US" sz="2300" spc="-1" strike="noStrike">
-                <a:solidFill>
-                  <a:srgbClr val="000000"/>
-                </a:solidFill>
-                <a:latin typeface="Calibri"/>
-                <a:ea typeface="DejaVu Sans"/>
-              </a:rPr>
-              <a:t>https://seclists.org/fulldisclosure/2015/May/56</a:t>
+              <a:t>w zewnętrznych komponentach (np. bibliotekach) mających już własny numer CVE.</a:t>
             </a:r>
             <a:endParaRPr b="0" lang="en-US" sz="2300" spc="-1" strike="noStrike">
               <a:latin typeface="Arial"/>
@@ -23237,8 +23208,8 @@
         </p:nvSpPr>
         <p:spPr>
           <a:xfrm>
-            <a:off x="587520" y="108360"/>
-            <a:ext cx="11376000" cy="1050480"/>
+            <a:off x="595800" y="177480"/>
+            <a:ext cx="11375280" cy="1049760"/>
           </a:xfrm>
           <a:prstGeom prst="rect">
             <a:avLst/>
@@ -23250,10 +23221,10 @@
         </p:spPr>
         <p:txBody>
           <a:bodyPr lIns="90000" rIns="90000" tIns="45000" bIns="45000" anchor="ctr">
-            <a:noAutofit/>
+            <a:normAutofit fontScale="80000"/>
           </a:bodyPr>
           <a:p>
-            <a:pPr>
+            <a:pPr algn="ctr">
               <a:lnSpc>
                 <a:spcPct val="90000"/>
               </a:lnSpc>
@@ -23267,7 +23238,7 @@
                 <a:uFillTx/>
                 <a:latin typeface="Consolas"/>
               </a:rPr>
-              <a:t>CWE - Common Weakness Enumeration</a:t>
+              <a:t>Nie wszystkie podatności trafiają na listę CVE!</a:t>
             </a:r>
             <a:endParaRPr b="0" lang="en-US" sz="4350" spc="-1" strike="noStrike">
               <a:latin typeface="Arial"/>
@@ -23277,109 +23248,14 @@
       </p:sp>
       <p:sp>
         <p:nvSpPr>
-          <p:cNvPr id="320" name="PlaceHolder 2"/>
-          <p:cNvSpPr>
-            <a:spLocks noGrp="1"/>
-          </p:cNvSpPr>
-          <p:nvPr>
-            <p:ph/>
-          </p:nvPr>
-        </p:nvSpPr>
-        <p:spPr>
-          <a:xfrm>
-            <a:off x="10431720" y="902880"/>
-            <a:ext cx="1684080" cy="336240"/>
-          </a:xfrm>
-          <a:prstGeom prst="rect">
-            <a:avLst/>
-          </a:prstGeom>
-          <a:noFill/>
-          <a:ln w="0">
-            <a:noFill/>
-          </a:ln>
-        </p:spPr>
-        <p:txBody>
-          <a:bodyPr lIns="90000" rIns="90000" tIns="45000" bIns="45000" anchor="t">
-            <a:normAutofit/>
-          </a:bodyPr>
-          <a:p>
-            <a:pPr>
-              <a:lnSpc>
-                <a:spcPct val="90000"/>
-              </a:lnSpc>
-              <a:spcBef>
-                <a:spcPts val="1001"/>
-              </a:spcBef>
-              <a:buNone/>
-              <a:tabLst>
-                <a:tab algn="l" pos="0"/>
-              </a:tabLst>
-            </a:pPr>
-            <a:r>
-              <a:rPr b="0" lang="en-US" sz="1800" spc="-1" strike="noStrike">
-                <a:solidFill>
-                  <a:srgbClr val="000000"/>
-                </a:solidFill>
-                <a:latin typeface="Calibri"/>
-              </a:rPr>
-              <a:t>[MITRE_CWE]</a:t>
-            </a:r>
-            <a:endParaRPr b="0" lang="en-US" sz="1800" spc="-1" strike="noStrike">
-              <a:latin typeface="Arial"/>
-            </a:endParaRPr>
-          </a:p>
-          <a:p>
-            <a:pPr>
-              <a:lnSpc>
-                <a:spcPct val="90000"/>
-              </a:lnSpc>
-              <a:spcBef>
-                <a:spcPts val="1001"/>
-              </a:spcBef>
-              <a:buNone/>
-              <a:tabLst>
-                <a:tab algn="l" pos="0"/>
-              </a:tabLst>
-            </a:pPr>
-            <a:endParaRPr b="0" lang="en-US" sz="1800" spc="-1" strike="noStrike">
-              <a:latin typeface="Arial"/>
-            </a:endParaRPr>
-          </a:p>
-        </p:txBody>
-      </p:sp>
-      <p:pic>
-        <p:nvPicPr>
-          <p:cNvPr id="321" name="Picture 6" descr=""/>
-          <p:cNvPicPr/>
-          <p:nvPr/>
-        </p:nvPicPr>
-        <p:blipFill>
-          <a:blip r:embed="rId1"/>
-          <a:stretch/>
-        </p:blipFill>
-        <p:spPr>
-          <a:xfrm>
-            <a:off x="1219320" y="1605240"/>
-            <a:ext cx="9752400" cy="5251680"/>
-          </a:xfrm>
-          <a:prstGeom prst="rect">
-            <a:avLst/>
-          </a:prstGeom>
-          <a:ln w="0">
-            <a:noFill/>
-          </a:ln>
-        </p:spPr>
-      </p:pic>
-      <p:sp>
-        <p:nvSpPr>
-          <p:cNvPr id="322" name="TextBox 7"/>
+          <p:cNvPr id="320" name="TextBox 1"/>
           <p:cNvSpPr/>
           <p:nvPr/>
         </p:nvSpPr>
         <p:spPr>
           <a:xfrm>
-            <a:off x="74880" y="930240"/>
-            <a:ext cx="9793080" cy="638280"/>
+            <a:off x="473760" y="1397880"/>
+            <a:ext cx="11375280" cy="3592440"/>
           </a:xfrm>
           <a:prstGeom prst="rect">
             <a:avLst/>
@@ -23400,6 +23276,17 @@
             <a:spAutoFit/>
           </a:bodyPr>
           <a:p>
+            <a:pPr>
+              <a:lnSpc>
+                <a:spcPct val="100000"/>
+              </a:lnSpc>
+              <a:buNone/>
+            </a:pPr>
+            <a:endParaRPr b="0" lang="en-US" sz="1800" spc="-1" strike="noStrike">
+              <a:latin typeface="Arial"/>
+            </a:endParaRPr>
+          </a:p>
+          <a:p>
             <a:pPr marL="285840" indent="-285840">
               <a:lnSpc>
                 <a:spcPct val="100000"/>
@@ -23411,21 +23298,21 @@
               <a:buChar char="•"/>
             </a:pPr>
             <a:r>
-              <a:rPr b="0" lang="en-US" sz="1800" spc="-1" strike="noStrike">
-                <a:solidFill>
-                  <a:srgbClr val="000000"/>
-                </a:solidFill>
-                <a:latin typeface="Calibri"/>
-                <a:ea typeface="DejaVu Sans"/>
-              </a:rPr>
-              <a:t>Utrzymywana i rozwijana przez MITRE metodologia klasyfikowania podatności</a:t>
-            </a:r>
-            <a:endParaRPr b="0" lang="en-US" sz="1800" spc="-1" strike="noStrike">
-              <a:latin typeface="Arial"/>
-            </a:endParaRPr>
-          </a:p>
-          <a:p>
-            <a:pPr marL="285840" indent="-285840">
+              <a:rPr b="0" lang="en-US" sz="2300" spc="-1" strike="noStrike">
+                <a:solidFill>
+                  <a:srgbClr val="000000"/>
+                </a:solidFill>
+                <a:latin typeface="Calibri"/>
+                <a:ea typeface="DejaVu Sans"/>
+              </a:rPr>
+              <a:t>Numerów CVE nie otrzymują:</a:t>
+            </a:r>
+            <a:endParaRPr b="0" lang="en-US" sz="2300" spc="-1" strike="noStrike">
+              <a:latin typeface="Arial"/>
+            </a:endParaRPr>
+          </a:p>
+          <a:p>
+            <a:pPr lvl="1" marL="743040" indent="-285840">
               <a:lnSpc>
                 <a:spcPct val="100000"/>
               </a:lnSpc>
@@ -23436,16 +23323,141 @@
               <a:buChar char="•"/>
             </a:pPr>
             <a:r>
-              <a:rPr b="0" lang="en-US" sz="1800" spc="-1" strike="noStrike">
-                <a:solidFill>
-                  <a:srgbClr val="000000"/>
-                </a:solidFill>
-                <a:latin typeface="Calibri"/>
-                <a:ea typeface="DejaVu Sans"/>
-              </a:rPr>
-              <a:t>Standardyzuje opisywanie podatności i tworzenie adresujących je rekomendacji</a:t>
-            </a:r>
-            <a:endParaRPr b="0" lang="en-US" sz="1800" spc="-1" strike="noStrike">
+              <a:rPr b="0" lang="en-US" sz="2300" spc="-1" strike="noStrike">
+                <a:solidFill>
+                  <a:srgbClr val="000000"/>
+                </a:solidFill>
+                <a:latin typeface="Calibri"/>
+                <a:ea typeface="DejaVu Sans"/>
+              </a:rPr>
+              <a:t>podatności w mało popularnym oprogramowaniu</a:t>
+            </a:r>
+            <a:endParaRPr b="0" lang="en-US" sz="2300" spc="-1" strike="noStrike">
+              <a:latin typeface="Arial"/>
+            </a:endParaRPr>
+          </a:p>
+          <a:p>
+            <a:pPr lvl="1" marL="743040" indent="-285840">
+              <a:lnSpc>
+                <a:spcPct val="100000"/>
+              </a:lnSpc>
+              <a:buClr>
+                <a:srgbClr val="000000"/>
+              </a:buClr>
+              <a:buFont typeface="Arial"/>
+              <a:buChar char="•"/>
+            </a:pPr>
+            <a:r>
+              <a:rPr b="0" lang="en-US" sz="2300" spc="-1" strike="noStrike">
+                <a:solidFill>
+                  <a:srgbClr val="000000"/>
+                </a:solidFill>
+                <a:latin typeface="Calibri"/>
+                <a:ea typeface="DejaVu Sans"/>
+              </a:rPr>
+              <a:t>podatności w publicznych usługach chmurowych</a:t>
+            </a:r>
+            <a:endParaRPr b="0" lang="en-US" sz="2300" spc="-1" strike="noStrike">
+              <a:latin typeface="Arial"/>
+            </a:endParaRPr>
+          </a:p>
+          <a:p>
+            <a:pPr lvl="1" marL="743040" indent="-285840">
+              <a:lnSpc>
+                <a:spcPct val="100000"/>
+              </a:lnSpc>
+              <a:buClr>
+                <a:srgbClr val="000000"/>
+              </a:buClr>
+              <a:buFont typeface="Arial"/>
+              <a:buChar char="•"/>
+            </a:pPr>
+            <a:r>
+              <a:rPr b="0" lang="en-US" sz="2300" spc="-1" strike="noStrike">
+                <a:solidFill>
+                  <a:srgbClr val="000000"/>
+                </a:solidFill>
+                <a:latin typeface="Calibri"/>
+                <a:ea typeface="DejaVu Sans"/>
+              </a:rPr>
+              <a:t>podatności, których odkrycie nigdy nie zostaje zgłoszone</a:t>
+            </a:r>
+            <a:endParaRPr b="0" lang="en-US" sz="2300" spc="-1" strike="noStrike">
+              <a:latin typeface="Arial"/>
+            </a:endParaRPr>
+          </a:p>
+          <a:p>
+            <a:pPr lvl="2" marL="1200240" indent="-285840">
+              <a:lnSpc>
+                <a:spcPct val="100000"/>
+              </a:lnSpc>
+              <a:buClr>
+                <a:srgbClr val="000000"/>
+              </a:buClr>
+              <a:buFont typeface="Arial"/>
+              <a:buChar char="•"/>
+            </a:pPr>
+            <a:r>
+              <a:rPr b="0" lang="en-US" sz="2300" spc="-1" strike="noStrike">
+                <a:solidFill>
+                  <a:srgbClr val="000000"/>
+                </a:solidFill>
+                <a:latin typeface="Calibri"/>
+                <a:ea typeface="DejaVu Sans"/>
+              </a:rPr>
+              <a:t>odkryte/stworzone przez podmioty o wrogich zamiarach</a:t>
+            </a:r>
+            <a:endParaRPr b="0" lang="en-US" sz="2300" spc="-1" strike="noStrike">
+              <a:latin typeface="Arial"/>
+            </a:endParaRPr>
+          </a:p>
+          <a:p>
+            <a:pPr lvl="2" marL="1200240" indent="-285840">
+              <a:lnSpc>
+                <a:spcPct val="100000"/>
+              </a:lnSpc>
+              <a:buClr>
+                <a:srgbClr val="000000"/>
+              </a:buClr>
+              <a:buFont typeface="Arial"/>
+              <a:buChar char="•"/>
+            </a:pPr>
+            <a:r>
+              <a:rPr b="0" lang="en-US" sz="2300" spc="-1" strike="noStrike">
+                <a:solidFill>
+                  <a:srgbClr val="000000"/>
+                </a:solidFill>
+                <a:latin typeface="Calibri"/>
+                <a:ea typeface="DejaVu Sans"/>
+              </a:rPr>
+              <a:t>odkryte wewnętrznie przez samego producenta/jego zleceniobiorcę i załatane bez jakiejkolwiek publicznej wzmianki (fałszywa ochrona wizerunku)</a:t>
+            </a:r>
+            <a:endParaRPr b="0" lang="en-US" sz="2300" spc="-1" strike="noStrike">
+              <a:latin typeface="Arial"/>
+            </a:endParaRPr>
+          </a:p>
+          <a:p>
+            <a:pPr lvl="1" marL="743040" indent="-285840">
+              <a:lnSpc>
+                <a:spcPct val="100000"/>
+              </a:lnSpc>
+              <a:buClr>
+                <a:srgbClr val="000000"/>
+              </a:buClr>
+              <a:buFont typeface="Arial"/>
+              <a:buChar char="•"/>
+            </a:pPr>
+            <a:r>
+              <a:rPr b="0" lang="en-US" sz="2300" spc="-1" strike="noStrike">
+                <a:solidFill>
+                  <a:srgbClr val="000000"/>
+                </a:solidFill>
+                <a:latin typeface="Calibri"/>
+                <a:ea typeface="DejaVu Sans"/>
+              </a:rPr>
+              <a:t>podatności zgłoszone, ale utrzymane w tajemnicy przez producenta (NDA, bug bounty) - fałszywa ochrona wizerunku.</a:t>
+            </a:r>
+            <a:endParaRPr b="0" lang="en-US" sz="2300" spc="-1" strike="noStrike">
               <a:latin typeface="Arial"/>
             </a:endParaRPr>
           </a:p>
@@ -23483,7 +23495,7 @@
       </p:grpSpPr>
       <p:sp>
         <p:nvSpPr>
-          <p:cNvPr id="323" name="PlaceHolder 1"/>
+          <p:cNvPr id="321" name="PlaceHolder 1"/>
           <p:cNvSpPr>
             <a:spLocks noGrp="1"/>
           </p:cNvSpPr>
@@ -23493,8 +23505,8 @@
         </p:nvSpPr>
         <p:spPr>
           <a:xfrm>
-            <a:off x="495360" y="108360"/>
-            <a:ext cx="11695680" cy="577440"/>
+            <a:off x="587520" y="108360"/>
+            <a:ext cx="11375280" cy="1049760"/>
           </a:xfrm>
           <a:prstGeom prst="rect">
             <a:avLst/>
@@ -23523,17 +23535,7 @@
                 <a:uFillTx/>
                 <a:latin typeface="Consolas"/>
               </a:rPr>
-              <a:t>25 najgroźniejszych podatności w 202</a:t>
-            </a:r>
-            <a:r>
-              <a:rPr b="1" lang="pl-PL" sz="4350" spc="-1" strike="noStrike" u="sng">
-                <a:solidFill>
-                  <a:srgbClr val="000000"/>
-                </a:solidFill>
-                <a:uFillTx/>
-                <a:latin typeface="Consolas"/>
-              </a:rPr>
-              <a:t>2</a:t>
+              <a:t>CWE - Common Weakness Enumeration</a:t>
             </a:r>
             <a:endParaRPr b="0" lang="en-US" sz="4350" spc="-1" strike="noStrike">
               <a:latin typeface="Arial"/>
@@ -23543,14 +23545,18 @@
       </p:sp>
       <p:sp>
         <p:nvSpPr>
-          <p:cNvPr id="324" name="TextBox 7"/>
-          <p:cNvSpPr/>
-          <p:nvPr/>
-        </p:nvSpPr>
-        <p:spPr>
-          <a:xfrm>
-            <a:off x="457200" y="779040"/>
-            <a:ext cx="8661600" cy="363960"/>
+          <p:cNvPr id="322" name="PlaceHolder 2"/>
+          <p:cNvSpPr>
+            <a:spLocks noGrp="1"/>
+          </p:cNvSpPr>
+          <p:nvPr>
+            <p:ph/>
+          </p:nvPr>
+        </p:nvSpPr>
+        <p:spPr>
+          <a:xfrm>
+            <a:off x="10431720" y="902880"/>
+            <a:ext cx="1683360" cy="335520"/>
           </a:xfrm>
           <a:prstGeom prst="rect">
             <a:avLst/>
@@ -23560,22 +23566,22 @@
             <a:noFill/>
           </a:ln>
         </p:spPr>
-        <p:style>
-          <a:lnRef idx="0"/>
-          <a:fillRef idx="0"/>
-          <a:effectRef idx="0"/>
-          <a:fontRef idx="minor"/>
-        </p:style>
         <p:txBody>
           <a:bodyPr lIns="90000" rIns="90000" tIns="45000" bIns="45000" anchor="t">
-            <a:spAutoFit/>
+            <a:normAutofit fontScale="99000"/>
           </a:bodyPr>
           <a:p>
             <a:pPr>
               <a:lnSpc>
-                <a:spcPct val="100000"/>
-              </a:lnSpc>
-              <a:buNone/>
+                <a:spcPct val="90000"/>
+              </a:lnSpc>
+              <a:spcBef>
+                <a:spcPts val="1001"/>
+              </a:spcBef>
+              <a:buNone/>
+              <a:tabLst>
+                <a:tab algn="l" pos="0"/>
+              </a:tabLst>
             </a:pPr>
             <a:r>
               <a:rPr b="0" lang="en-US" sz="1800" spc="-1" strike="noStrike">
@@ -23583,41 +23589,26 @@
                   <a:srgbClr val="000000"/>
                 </a:solidFill>
                 <a:latin typeface="Calibri"/>
-                <a:ea typeface="DejaVu Sans"/>
-              </a:rPr>
-              <a:t>Źródło:</a:t>
-            </a:r>
-            <a:r>
-              <a:rPr b="0" lang="pl-PL" sz="1800" spc="-1" strike="noStrike">
-                <a:solidFill>
-                  <a:srgbClr val="000000"/>
-                </a:solidFill>
-                <a:latin typeface="Calibri"/>
-                <a:ea typeface="DejaVu Sans"/>
-              </a:rPr>
-              <a:t> </a:t>
-            </a:r>
-            <a:r>
-              <a:rPr b="0" lang="pl-PL" sz="1800" spc="-1" strike="noStrike" u="sng">
-                <a:solidFill>
-                  <a:srgbClr val="0563c1"/>
-                </a:solidFill>
-                <a:uFillTx/>
-                <a:latin typeface="Calibri"/>
-                <a:ea typeface="DejaVu Sans"/>
-              </a:rPr>
-              <a:t>https://cwe.mitre.org/top25/archive/2022/2022_cwe_top25.html</a:t>
-            </a:r>
-            <a:r>
-              <a:rPr b="0" lang="pl-PL" sz="1800" spc="-1" strike="noStrike">
-                <a:solidFill>
-                  <a:srgbClr val="000000"/>
-                </a:solidFill>
-                <a:latin typeface="Calibri"/>
-                <a:ea typeface="DejaVu Sans"/>
-              </a:rPr>
-              <a:t> </a:t>
-            </a:r>
+              </a:rPr>
+              <a:t>[MITRE_CWE]</a:t>
+            </a:r>
+            <a:endParaRPr b="0" lang="en-US" sz="1800" spc="-1" strike="noStrike">
+              <a:latin typeface="Arial"/>
+            </a:endParaRPr>
+          </a:p>
+          <a:p>
+            <a:pPr>
+              <a:lnSpc>
+                <a:spcPct val="90000"/>
+              </a:lnSpc>
+              <a:spcBef>
+                <a:spcPts val="1001"/>
+              </a:spcBef>
+              <a:buNone/>
+              <a:tabLst>
+                <a:tab algn="l" pos="0"/>
+              </a:tabLst>
+            </a:pPr>
             <a:endParaRPr b="0" lang="en-US" sz="1800" spc="-1" strike="noStrike">
               <a:latin typeface="Arial"/>
             </a:endParaRPr>
@@ -23626,7 +23617,7 @@
       </p:sp>
       <p:pic>
         <p:nvPicPr>
-          <p:cNvPr id="325" name="" descr=""/>
+          <p:cNvPr id="323" name="Picture 6" descr=""/>
           <p:cNvPicPr/>
           <p:nvPr/>
         </p:nvPicPr>
@@ -23636,8 +23627,8 @@
         </p:blipFill>
         <p:spPr>
           <a:xfrm>
-            <a:off x="1599480" y="1143000"/>
-            <a:ext cx="8687520" cy="5606280"/>
+            <a:off x="1219320" y="1605240"/>
+            <a:ext cx="9751680" cy="5250960"/>
           </a:xfrm>
           <a:prstGeom prst="rect">
             <a:avLst/>
@@ -23647,6 +23638,87 @@
           </a:ln>
         </p:spPr>
       </p:pic>
+      <p:sp>
+        <p:nvSpPr>
+          <p:cNvPr id="324" name="TextBox 7"/>
+          <p:cNvSpPr/>
+          <p:nvPr/>
+        </p:nvSpPr>
+        <p:spPr>
+          <a:xfrm>
+            <a:off x="74880" y="930240"/>
+            <a:ext cx="9792360" cy="638280"/>
+          </a:xfrm>
+          <a:prstGeom prst="rect">
+            <a:avLst/>
+          </a:prstGeom>
+          <a:noFill/>
+          <a:ln w="0">
+            <a:noFill/>
+          </a:ln>
+        </p:spPr>
+        <p:style>
+          <a:lnRef idx="0"/>
+          <a:fillRef idx="0"/>
+          <a:effectRef idx="0"/>
+          <a:fontRef idx="minor"/>
+        </p:style>
+        <p:txBody>
+          <a:bodyPr lIns="90000" rIns="90000" tIns="45000" bIns="45000" anchor="t">
+            <a:spAutoFit/>
+          </a:bodyPr>
+          <a:p>
+            <a:pPr marL="285840" indent="-285840">
+              <a:lnSpc>
+                <a:spcPct val="100000"/>
+              </a:lnSpc>
+              <a:buClr>
+                <a:srgbClr val="000000"/>
+              </a:buClr>
+              <a:buFont typeface="Arial"/>
+              <a:buChar char="•"/>
+            </a:pPr>
+            <a:r>
+              <a:rPr b="0" lang="en-US" sz="1800" spc="-1" strike="noStrike">
+                <a:solidFill>
+                  <a:srgbClr val="000000"/>
+                </a:solidFill>
+                <a:latin typeface="Calibri"/>
+                <a:ea typeface="DejaVu Sans"/>
+              </a:rPr>
+              <a:t>Utrzymywana i rozwijana przez MITRE metodologia klasyfikowania podatności</a:t>
+            </a:r>
+            <a:endParaRPr b="0" lang="en-US" sz="1800" spc="-1" strike="noStrike">
+              <a:latin typeface="Arial"/>
+            </a:endParaRPr>
+          </a:p>
+          <a:p>
+            <a:pPr marL="285840" indent="-285840">
+              <a:lnSpc>
+                <a:spcPct val="100000"/>
+              </a:lnSpc>
+              <a:buClr>
+                <a:srgbClr val="000000"/>
+              </a:buClr>
+              <a:buFont typeface="Arial"/>
+              <a:buChar char="•"/>
+            </a:pPr>
+            <a:r>
+              <a:rPr b="0" lang="en-US" sz="1800" spc="-1" strike="noStrike">
+                <a:solidFill>
+                  <a:srgbClr val="000000"/>
+                </a:solidFill>
+                <a:latin typeface="Calibri"/>
+                <a:ea typeface="DejaVu Sans"/>
+              </a:rPr>
+              <a:t>Standardyzuje opisywanie podatności i tworzenie adresujących je rekomendacji</a:t>
+            </a:r>
+            <a:endParaRPr b="0" lang="en-US" sz="1800" spc="-1" strike="noStrike">
+              <a:latin typeface="Arial"/>
+            </a:endParaRPr>
+          </a:p>
+        </p:txBody>
+      </p:sp>
     </p:spTree>
   </p:cSld>
   <mc:AlternateContent>
@@ -23679,18 +23751,18 @@
       </p:grpSpPr>
       <p:sp>
         <p:nvSpPr>
-          <p:cNvPr id="326" name="PlaceHolder 1"/>
+          <p:cNvPr id="325" name="PlaceHolder 1"/>
           <p:cNvSpPr>
             <a:spLocks noGrp="1"/>
           </p:cNvSpPr>
           <p:nvPr>
-            <p:ph/>
+            <p:ph type="title"/>
           </p:nvPr>
         </p:nvSpPr>
         <p:spPr>
           <a:xfrm>
-            <a:off x="774360" y="376200"/>
-            <a:ext cx="11167200" cy="1072800"/>
+            <a:off x="495360" y="108360"/>
+            <a:ext cx="11694960" cy="576720"/>
           </a:xfrm>
           <a:prstGeom prst="rect">
             <a:avLst/>
@@ -23701,7 +23773,7 @@
           </a:ln>
         </p:spPr>
         <p:txBody>
-          <a:bodyPr lIns="90000" rIns="90000" tIns="45000" bIns="45000" anchor="t">
+          <a:bodyPr lIns="90000" rIns="90000" tIns="45000" bIns="45000" anchor="ctr">
             <a:noAutofit/>
           </a:bodyPr>
           <a:p>
@@ -23709,40 +23781,44 @@
               <a:lnSpc>
                 <a:spcPct val="90000"/>
               </a:lnSpc>
-              <a:spcBef>
-                <a:spcPts val="1001"/>
-              </a:spcBef>
-              <a:buNone/>
-              <a:tabLst>
-                <a:tab algn="l" pos="0"/>
-              </a:tabLst>
-            </a:pPr>
-            <a:r>
-              <a:rPr b="1" lang="en-US" sz="4300" spc="-1" strike="noStrike" u="sng">
+              <a:buNone/>
+            </a:pPr>
+            <a:r>
+              <a:rPr b="1" lang="en-US" sz="4350" spc="-1" strike="noStrike" u="sng">
                 <a:solidFill>
                   <a:srgbClr val="000000"/>
                 </a:solidFill>
                 <a:uFillTx/>
                 <a:latin typeface="Consolas"/>
               </a:rPr>
-              <a:t>Przyczyny powstawania podatności</a:t>
-            </a:r>
-            <a:endParaRPr b="0" lang="en-US" sz="4300" spc="-1" strike="noStrike">
-              <a:latin typeface="Arial"/>
-            </a:endParaRPr>
-          </a:p>
-        </p:txBody>
-      </p:sp>
-      <p:sp>
-        <p:nvSpPr>
-          <p:cNvPr id="327" name="TextBox 3"/>
+              <a:t>25 najgroźniejszych podatności w 202</a:t>
+            </a:r>
+            <a:r>
+              <a:rPr b="1" lang="pl-PL" sz="4350" spc="-1" strike="noStrike" u="sng">
+                <a:solidFill>
+                  <a:srgbClr val="000000"/>
+                </a:solidFill>
+                <a:uFillTx/>
+                <a:latin typeface="Consolas"/>
+              </a:rPr>
+              <a:t>3</a:t>
+            </a:r>
+            <a:endParaRPr b="0" lang="en-US" sz="4350" spc="-1" strike="noStrike">
+              <a:latin typeface="Arial"/>
+            </a:endParaRPr>
+          </a:p>
+        </p:txBody>
+      </p:sp>
+      <p:sp>
+        <p:nvSpPr>
+          <p:cNvPr id="326" name="TextBox 7"/>
           <p:cNvSpPr/>
           <p:nvPr/>
         </p:nvSpPr>
         <p:spPr>
           <a:xfrm>
-            <a:off x="774360" y="1450080"/>
-            <a:ext cx="10491840" cy="2717640"/>
+            <a:off x="457200" y="779040"/>
+            <a:ext cx="8660880" cy="363960"/>
           </a:xfrm>
           <a:prstGeom prst="rect">
             <a:avLst/>
@@ -23763,127 +23839,83 @@
             <a:spAutoFit/>
           </a:bodyPr>
           <a:p>
-            <a:pPr marL="285840" indent="-285840">
-              <a:lnSpc>
-                <a:spcPct val="100000"/>
-              </a:lnSpc>
-              <a:buClr>
-                <a:srgbClr val="000000"/>
-              </a:buClr>
-              <a:buFont typeface="Arial"/>
-              <a:buChar char="•"/>
-            </a:pPr>
-            <a:r>
-              <a:rPr b="1" lang="en-US" sz="3450" spc="-1" strike="noStrike">
-                <a:solidFill>
-                  <a:srgbClr val="000000"/>
-                </a:solidFill>
-                <a:latin typeface="Calibri"/>
-                <a:ea typeface="DejaVu Sans"/>
-              </a:rPr>
-              <a:t>Nieświadome</a:t>
-            </a:r>
-            <a:r>
-              <a:rPr b="0" lang="en-US" sz="3450" spc="-1" strike="noStrike">
-                <a:solidFill>
-                  <a:srgbClr val="000000"/>
-                </a:solidFill>
-                <a:latin typeface="Calibri"/>
-                <a:ea typeface="DejaVu Sans"/>
-              </a:rPr>
-              <a:t>, tj. błędy/niedopatrzenia</a:t>
-            </a:r>
-            <a:endParaRPr b="0" lang="en-US" sz="3450" spc="-1" strike="noStrike">
-              <a:latin typeface="Arial"/>
-            </a:endParaRPr>
-          </a:p>
-          <a:p>
-            <a:pPr lvl="1" marL="743040" indent="-285840">
-              <a:lnSpc>
-                <a:spcPct val="100000"/>
-              </a:lnSpc>
-              <a:buClr>
-                <a:srgbClr val="000000"/>
-              </a:buClr>
-              <a:buFont typeface="Arial"/>
-              <a:buChar char="•"/>
-            </a:pPr>
-            <a:r>
-              <a:rPr b="0" lang="en-US" sz="3450" spc="-1" strike="noStrike">
-                <a:solidFill>
-                  <a:srgbClr val="000000"/>
-                </a:solidFill>
-                <a:latin typeface="Calibri"/>
-                <a:ea typeface="DejaVu Sans"/>
-              </a:rPr>
-              <a:t>w stadium projektowania</a:t>
-            </a:r>
-            <a:endParaRPr b="0" lang="en-US" sz="3450" spc="-1" strike="noStrike">
-              <a:latin typeface="Arial"/>
-            </a:endParaRPr>
-          </a:p>
-          <a:p>
-            <a:pPr lvl="1" marL="743040" indent="-285840">
-              <a:lnSpc>
-                <a:spcPct val="100000"/>
-              </a:lnSpc>
-              <a:buClr>
-                <a:srgbClr val="000000"/>
-              </a:buClr>
-              <a:buFont typeface="Arial"/>
-              <a:buChar char="•"/>
-            </a:pPr>
-            <a:r>
-              <a:rPr b="0" lang="en-US" sz="3450" spc="-1" strike="noStrike">
-                <a:solidFill>
-                  <a:srgbClr val="000000"/>
-                </a:solidFill>
-                <a:latin typeface="Calibri"/>
-                <a:ea typeface="DejaVu Sans"/>
-              </a:rPr>
-              <a:t>w stadium implementacji</a:t>
-            </a:r>
-            <a:endParaRPr b="0" lang="en-US" sz="3450" spc="-1" strike="noStrike">
-              <a:latin typeface="Arial"/>
-            </a:endParaRPr>
-          </a:p>
-          <a:p>
-            <a:pPr marL="285840" indent="-285840">
-              <a:lnSpc>
-                <a:spcPct val="100000"/>
-              </a:lnSpc>
-              <a:buClr>
-                <a:srgbClr val="000000"/>
-              </a:buClr>
-              <a:buFont typeface="Arial"/>
-              <a:buChar char="•"/>
-            </a:pPr>
-            <a:r>
-              <a:rPr b="1" lang="en-US" sz="3450" spc="-1" strike="noStrike">
-                <a:solidFill>
-                  <a:srgbClr val="000000"/>
-                </a:solidFill>
-                <a:latin typeface="Calibri"/>
-                <a:ea typeface="DejaVu Sans"/>
-              </a:rPr>
-              <a:t>Świadome i celowe</a:t>
-            </a:r>
-            <a:r>
-              <a:rPr b="0" lang="en-US" sz="3450" spc="-1" strike="noStrike">
-                <a:solidFill>
-                  <a:srgbClr val="000000"/>
-                </a:solidFill>
-                <a:latin typeface="Calibri"/>
-                <a:ea typeface="DejaVu Sans"/>
-              </a:rPr>
-              <a:t> (wrogie) - tzw. tylne furtki, konie trojańskie (sabotaż z domniemaniem niewinności :) )</a:t>
-            </a:r>
-            <a:endParaRPr b="0" lang="en-US" sz="3450" spc="-1" strike="noStrike">
-              <a:latin typeface="Arial"/>
-            </a:endParaRPr>
-          </a:p>
-        </p:txBody>
-      </p:sp>
+            <a:pPr>
+              <a:lnSpc>
+                <a:spcPct val="100000"/>
+              </a:lnSpc>
+              <a:buNone/>
+            </a:pPr>
+            <a:r>
+              <a:rPr b="0" lang="en-US" sz="1800" spc="-1" strike="noStrike">
+                <a:solidFill>
+                  <a:srgbClr val="000000"/>
+                </a:solidFill>
+                <a:latin typeface="Calibri"/>
+                <a:ea typeface="DejaVu Sans"/>
+              </a:rPr>
+              <a:t>Źródło:</a:t>
+            </a:r>
+            <a:r>
+              <a:rPr b="0" lang="pl-PL" sz="1800" spc="-1" strike="noStrike">
+                <a:solidFill>
+                  <a:srgbClr val="000000"/>
+                </a:solidFill>
+                <a:latin typeface="Calibri"/>
+                <a:ea typeface="DejaVu Sans"/>
+              </a:rPr>
+              <a:t> </a:t>
+            </a:r>
+            <a:r>
+              <a:rPr b="0" lang="pl-PL" sz="1800" spc="-1" strike="noStrike" u="sng">
+                <a:solidFill>
+                  <a:srgbClr val="0563c1"/>
+                </a:solidFill>
+                <a:uFillTx/>
+                <a:latin typeface="Calibri"/>
+                <a:ea typeface="DejaVu Sans"/>
+                <a:hlinkClick r:id="rId1"/>
+              </a:rPr>
+              <a:t>https://cwe.mitre.org/top25/archive/2023/2023_top25_list.html#tableView</a:t>
+            </a:r>
+            <a:r>
+              <a:rPr b="0" lang="pl-PL" sz="1800" spc="-1" strike="noStrike">
+                <a:solidFill>
+                  <a:srgbClr val="000000"/>
+                </a:solidFill>
+                <a:latin typeface="Calibri"/>
+                <a:ea typeface="DejaVu Sans"/>
+              </a:rPr>
+              <a:t> </a:t>
+            </a:r>
+            <a:endParaRPr b="0" lang="en-US" sz="1800" spc="-1" strike="noStrike">
+              <a:latin typeface="Arial"/>
+            </a:endParaRPr>
+          </a:p>
+        </p:txBody>
+      </p:sp>
+      <p:pic>
+        <p:nvPicPr>
+          <p:cNvPr id="327" name="" descr=""/>
+          <p:cNvPicPr/>
+          <p:nvPr/>
+        </p:nvPicPr>
+        <p:blipFill>
+          <a:blip r:embed="rId2"/>
+          <a:stretch/>
+        </p:blipFill>
+        <p:spPr>
+          <a:xfrm rot="6000">
+            <a:off x="1608480" y="1267200"/>
+            <a:ext cx="7759080" cy="5354280"/>
+          </a:xfrm>
+          <a:prstGeom prst="rect">
+            <a:avLst/>
+          </a:prstGeom>
+          <a:ln w="0">
+            <a:noFill/>
+          </a:ln>
+        </p:spPr>
+      </p:pic>
     </p:spTree>
   </p:cSld>
   <mc:AlternateContent>
@@ -23927,7 +23959,7 @@
         <p:spPr>
           <a:xfrm>
             <a:off x="1758960" y="344880"/>
-            <a:ext cx="8963280" cy="1270440"/>
+            <a:ext cx="8962560" cy="1269720"/>
           </a:xfrm>
           <a:prstGeom prst="rect">
             <a:avLst/>
@@ -23949,7 +23981,7 @@
               <a:buNone/>
             </a:pPr>
             <a:r>
-              <a:rPr b="1" lang="en-US" sz="4810" spc="279" strike="noStrike" u="sng">
+              <a:rPr b="1" lang="en-US" sz="4810" spc="273" strike="noStrike" u="sng">
                 <a:solidFill>
                   <a:srgbClr val="000000"/>
                 </a:solidFill>
@@ -23973,7 +24005,7 @@
         <p:spPr>
           <a:xfrm>
             <a:off x="1055160" y="1802520"/>
-            <a:ext cx="10180440" cy="4144320"/>
+            <a:ext cx="10179720" cy="4144320"/>
           </a:xfrm>
           <a:prstGeom prst="rect">
             <a:avLst/>
@@ -24096,13 +24128,13 @@
             <a:spLocks noGrp="1"/>
           </p:cNvSpPr>
           <p:nvPr>
-            <p:ph type="title"/>
+            <p:ph/>
           </p:nvPr>
         </p:nvSpPr>
         <p:spPr>
           <a:xfrm>
-            <a:off x="771840" y="417600"/>
-            <a:ext cx="8467560" cy="668880"/>
+            <a:off x="774360" y="376200"/>
+            <a:ext cx="11166480" cy="1072080"/>
           </a:xfrm>
           <a:prstGeom prst="rect">
             <a:avLst/>
@@ -24113,27 +24145,33 @@
           </a:ln>
         </p:spPr>
         <p:txBody>
-          <a:bodyPr lIns="90000" rIns="90000" tIns="45000" bIns="45000" anchor="ctr">
-            <a:normAutofit fontScale="97000"/>
+          <a:bodyPr lIns="90000" rIns="90000" tIns="45000" bIns="45000" anchor="t">
+            <a:noAutofit/>
           </a:bodyPr>
           <a:p>
             <a:pPr>
               <a:lnSpc>
                 <a:spcPct val="90000"/>
               </a:lnSpc>
-              <a:buNone/>
-            </a:pPr>
-            <a:r>
-              <a:rPr b="1" lang="en-US" sz="4350" spc="-1" strike="noStrike" u="sng">
+              <a:spcBef>
+                <a:spcPts val="1001"/>
+              </a:spcBef>
+              <a:buNone/>
+              <a:tabLst>
+                <a:tab algn="l" pos="0"/>
+              </a:tabLst>
+            </a:pPr>
+            <a:r>
+              <a:rPr b="1" lang="en-US" sz="4300" spc="-1" strike="noStrike" u="sng">
                 <a:solidFill>
                   <a:srgbClr val="000000"/>
                 </a:solidFill>
                 <a:uFillTx/>
-                <a:latin typeface="Arial"/>
-              </a:rPr>
-              <a:t>Exploit</a:t>
-            </a:r>
-            <a:endParaRPr b="0" lang="en-US" sz="4350" spc="-1" strike="noStrike">
+                <a:latin typeface="Consolas"/>
+              </a:rPr>
+              <a:t>Przyczyny powstawania podatności</a:t>
+            </a:r>
+            <a:endParaRPr b="0" lang="en-US" sz="4300" spc="-1" strike="noStrike">
               <a:latin typeface="Arial"/>
             </a:endParaRPr>
           </a:p>
@@ -24147,8 +24185,8 @@
         </p:nvSpPr>
         <p:spPr>
           <a:xfrm>
-            <a:off x="771840" y="1645200"/>
-            <a:ext cx="9745200" cy="3243240"/>
+            <a:off x="774360" y="1450080"/>
+            <a:ext cx="10491120" cy="2717640"/>
           </a:xfrm>
           <a:prstGeom prst="rect">
             <a:avLst/>
@@ -24169,7 +24207,7 @@
             <a:spAutoFit/>
           </a:bodyPr>
           <a:p>
-            <a:pPr marL="457200" indent="-457200">
+            <a:pPr marL="285840" indent="-285840">
               <a:lnSpc>
                 <a:spcPct val="100000"/>
               </a:lnSpc>
@@ -24180,6 +24218,16 @@
               <a:buChar char="•"/>
             </a:pPr>
             <a:r>
+              <a:rPr b="1" lang="en-US" sz="3450" spc="-1" strike="noStrike">
+                <a:solidFill>
+                  <a:srgbClr val="000000"/>
+                </a:solidFill>
+                <a:latin typeface="Calibri"/>
+                <a:ea typeface="DejaVu Sans"/>
+              </a:rPr>
+              <a:t>Nieświadome</a:t>
+            </a:r>
+            <a:r>
               <a:rPr b="0" lang="en-US" sz="3450" spc="-1" strike="noStrike">
                 <a:solidFill>
                   <a:srgbClr val="000000"/>
@@ -24187,25 +24235,14 @@
                 <a:latin typeface="Calibri"/>
                 <a:ea typeface="DejaVu Sans"/>
               </a:rPr>
-              <a:t>Szczegółowy przepis (algorytm) na to, jak wykorzystać daną podatność</a:t>
+              <a:t>, tj. błędy/niedopatrzenia</a:t>
             </a:r>
             <a:endParaRPr b="0" lang="en-US" sz="3450" spc="-1" strike="noStrike">
               <a:latin typeface="Arial"/>
             </a:endParaRPr>
           </a:p>
           <a:p>
-            <a:pPr>
-              <a:lnSpc>
-                <a:spcPct val="100000"/>
-              </a:lnSpc>
-              <a:buNone/>
-            </a:pPr>
-            <a:endParaRPr b="0" lang="en-US" sz="3450" spc="-1" strike="noStrike">
-              <a:latin typeface="Arial"/>
-            </a:endParaRPr>
-          </a:p>
-          <a:p>
-            <a:pPr marL="457200" indent="-457200">
+            <a:pPr lvl="1" marL="743040" indent="-285840">
               <a:lnSpc>
                 <a:spcPct val="100000"/>
               </a:lnSpc>
@@ -24223,7 +24260,67 @@
                 <a:latin typeface="Calibri"/>
                 <a:ea typeface="DejaVu Sans"/>
               </a:rPr>
-              <a:t>W praktyce najczęściej po prostu kod (program komputerowy/skrypt  - narzędzie) pozwalający na wykorzystanie danej podatności</a:t>
+              <a:t>w stadium projektowania</a:t>
+            </a:r>
+            <a:endParaRPr b="0" lang="en-US" sz="3450" spc="-1" strike="noStrike">
+              <a:latin typeface="Arial"/>
+            </a:endParaRPr>
+          </a:p>
+          <a:p>
+            <a:pPr lvl="1" marL="743040" indent="-285840">
+              <a:lnSpc>
+                <a:spcPct val="100000"/>
+              </a:lnSpc>
+              <a:buClr>
+                <a:srgbClr val="000000"/>
+              </a:buClr>
+              <a:buFont typeface="Arial"/>
+              <a:buChar char="•"/>
+            </a:pPr>
+            <a:r>
+              <a:rPr b="0" lang="en-US" sz="3450" spc="-1" strike="noStrike">
+                <a:solidFill>
+                  <a:srgbClr val="000000"/>
+                </a:solidFill>
+                <a:latin typeface="Calibri"/>
+                <a:ea typeface="DejaVu Sans"/>
+              </a:rPr>
+              <a:t>w stadium implementacji</a:t>
+            </a:r>
+            <a:endParaRPr b="0" lang="en-US" sz="3450" spc="-1" strike="noStrike">
+              <a:latin typeface="Arial"/>
+            </a:endParaRPr>
+          </a:p>
+          <a:p>
+            <a:pPr marL="285840" indent="-285840">
+              <a:lnSpc>
+                <a:spcPct val="100000"/>
+              </a:lnSpc>
+              <a:buClr>
+                <a:srgbClr val="000000"/>
+              </a:buClr>
+              <a:buFont typeface="Arial"/>
+              <a:buChar char="•"/>
+            </a:pPr>
+            <a:r>
+              <a:rPr b="1" lang="en-US" sz="3450" spc="-1" strike="noStrike">
+                <a:solidFill>
+                  <a:srgbClr val="000000"/>
+                </a:solidFill>
+                <a:latin typeface="Calibri"/>
+                <a:ea typeface="DejaVu Sans"/>
+              </a:rPr>
+              <a:t>Świadome i celowe</a:t>
+            </a:r>
+            <a:r>
+              <a:rPr b="0" lang="en-US" sz="3450" spc="-1" strike="noStrike">
+                <a:solidFill>
+                  <a:srgbClr val="000000"/>
+                </a:solidFill>
+                <a:latin typeface="Calibri"/>
+                <a:ea typeface="DejaVu Sans"/>
+              </a:rPr>
+              <a:t> (wrogie) - tzw. tylne furtki, konie trojańskie (sabotaż z domniemaniem niewinności :) )</a:t>
             </a:r>
             <a:endParaRPr b="0" lang="en-US" sz="3450" spc="-1" strike="noStrike">
               <a:latin typeface="Arial"/>
@@ -24274,7 +24371,7 @@
         <p:spPr>
           <a:xfrm>
             <a:off x="771840" y="417600"/>
-            <a:ext cx="10458720" cy="668880"/>
+            <a:ext cx="8466840" cy="668160"/>
           </a:xfrm>
           <a:prstGeom prst="rect">
             <a:avLst/>
@@ -24286,7 +24383,7 @@
         </p:spPr>
         <p:txBody>
           <a:bodyPr lIns="90000" rIns="90000" tIns="45000" bIns="45000" anchor="ctr">
-            <a:normAutofit fontScale="97000"/>
+            <a:normAutofit fontScale="96000"/>
           </a:bodyPr>
           <a:p>
             <a:pPr>
@@ -24303,7 +24400,7 @@
                 <a:uFillTx/>
                 <a:latin typeface="Arial"/>
               </a:rPr>
-              <a:t>Exploit - przykład nieinformatyczny</a:t>
+              <a:t>Exploit</a:t>
             </a:r>
             <a:endParaRPr b="0" lang="en-US" sz="4350" spc="-1" strike="noStrike">
               <a:latin typeface="Arial"/>
@@ -24319,8 +24416,8 @@
         </p:nvSpPr>
         <p:spPr>
           <a:xfrm>
-            <a:off x="664920" y="1469520"/>
-            <a:ext cx="9745200" cy="2717640"/>
+            <a:off x="771840" y="1645200"/>
+            <a:ext cx="9744480" cy="3243240"/>
           </a:xfrm>
           <a:prstGeom prst="rect">
             <a:avLst/>
@@ -24341,12 +24438,52 @@
             <a:spAutoFit/>
           </a:bodyPr>
           <a:p>
+            <a:pPr marL="457200" indent="-457200">
+              <a:lnSpc>
+                <a:spcPct val="100000"/>
+              </a:lnSpc>
+              <a:buClr>
+                <a:srgbClr val="000000"/>
+              </a:buClr>
+              <a:buFont typeface="Arial"/>
+              <a:buChar char="•"/>
+            </a:pPr>
+            <a:r>
+              <a:rPr b="0" lang="en-US" sz="3450" spc="-1" strike="noStrike">
+                <a:solidFill>
+                  <a:srgbClr val="000000"/>
+                </a:solidFill>
+                <a:latin typeface="Calibri"/>
+                <a:ea typeface="DejaVu Sans"/>
+              </a:rPr>
+              <a:t>Szczegółowy przepis (algorytm) na to, jak wykorzystać daną podatność</a:t>
+            </a:r>
+            <a:endParaRPr b="0" lang="en-US" sz="3450" spc="-1" strike="noStrike">
+              <a:latin typeface="Arial"/>
+            </a:endParaRPr>
+          </a:p>
+          <a:p>
             <a:pPr>
               <a:lnSpc>
                 <a:spcPct val="100000"/>
               </a:lnSpc>
               <a:buNone/>
             </a:pPr>
+            <a:endParaRPr b="0" lang="en-US" sz="3450" spc="-1" strike="noStrike">
+              <a:latin typeface="Arial"/>
+            </a:endParaRPr>
+          </a:p>
+          <a:p>
+            <a:pPr marL="457200" indent="-457200">
+              <a:lnSpc>
+                <a:spcPct val="100000"/>
+              </a:lnSpc>
+              <a:buClr>
+                <a:srgbClr val="000000"/>
+              </a:buClr>
+              <a:buFont typeface="Arial"/>
+              <a:buChar char="•"/>
+            </a:pPr>
             <a:r>
               <a:rPr b="0" lang="en-US" sz="3450" spc="-1" strike="noStrike">
                 <a:solidFill>
@@ -24355,39 +24492,7 @@
                 <a:latin typeface="Calibri"/>
                 <a:ea typeface="DejaVu Sans"/>
               </a:rPr>
-              <a:t>podatność: powtarzalne wzory kluczy w zamkach producenta XXX</a:t>
-            </a:r>
-            <a:endParaRPr b="0" lang="en-US" sz="3450" spc="-1" strike="noStrike">
-              <a:latin typeface="Arial"/>
-            </a:endParaRPr>
-          </a:p>
-          <a:p>
-            <a:pPr>
-              <a:lnSpc>
-                <a:spcPct val="100000"/>
-              </a:lnSpc>
-              <a:buNone/>
-            </a:pPr>
-            <a:endParaRPr b="0" lang="en-US" sz="3450" spc="-1" strike="noStrike">
-              <a:latin typeface="Arial"/>
-            </a:endParaRPr>
-          </a:p>
-          <a:p>
-            <a:pPr>
-              <a:lnSpc>
-                <a:spcPct val="100000"/>
-              </a:lnSpc>
-              <a:buNone/>
-            </a:pPr>
-            <a:r>
-              <a:rPr b="0" lang="en-US" sz="3450" spc="-1" strike="noStrike">
-                <a:solidFill>
-                  <a:srgbClr val="000000"/>
-                </a:solidFill>
-                <a:latin typeface="Calibri"/>
-                <a:ea typeface="DejaVu Sans"/>
-              </a:rPr>
-              <a:t>exploit: kupować kolejne egzemplarze i próbować otworzyć ich kluczami, do skutku</a:t>
+              <a:t>W praktyce najczęściej po prostu kod (program komputerowy/skrypt  - narzędzie) pozwalający na wykorzystanie danej podatności</a:t>
             </a:r>
             <a:endParaRPr b="0" lang="en-US" sz="3450" spc="-1" strike="noStrike">
               <a:latin typeface="Arial"/>
@@ -24437,8 +24542,8 @@
         </p:nvSpPr>
         <p:spPr>
           <a:xfrm>
-            <a:off x="771840" y="197640"/>
-            <a:ext cx="8467560" cy="668880"/>
+            <a:off x="771840" y="417600"/>
+            <a:ext cx="10458000" cy="668160"/>
           </a:xfrm>
           <a:prstGeom prst="rect">
             <a:avLst/>
@@ -24450,7 +24555,7 @@
         </p:spPr>
         <p:txBody>
           <a:bodyPr lIns="90000" rIns="90000" tIns="45000" bIns="45000" anchor="ctr">
-            <a:normAutofit fontScale="97000"/>
+            <a:normAutofit fontScale="96000"/>
           </a:bodyPr>
           <a:p>
             <a:pPr>
@@ -24467,7 +24572,7 @@
                 <a:uFillTx/>
                 <a:latin typeface="Arial"/>
               </a:rPr>
-              <a:t>Exploit - web IDOR</a:t>
+              <a:t>Exploit - przykład nieinformatyczny</a:t>
             </a:r>
             <a:endParaRPr b="0" lang="en-US" sz="4350" spc="-1" strike="noStrike">
               <a:latin typeface="Arial"/>
@@ -24483,8 +24588,8 @@
         </p:nvSpPr>
         <p:spPr>
           <a:xfrm>
-            <a:off x="650520" y="927000"/>
-            <a:ext cx="11279520" cy="3443760"/>
+            <a:off x="664920" y="1469520"/>
+            <a:ext cx="9744480" cy="2717640"/>
           </a:xfrm>
           <a:prstGeom prst="rect">
             <a:avLst/>
@@ -24512,69 +24617,16 @@
               <a:buNone/>
             </a:pPr>
             <a:r>
-              <a:rPr b="1" lang="en-US" sz="2000" spc="-1" strike="noStrike">
-                <a:solidFill>
-                  <a:srgbClr val="000000"/>
-                </a:solidFill>
-                <a:latin typeface="Calibri"/>
-                <a:ea typeface="DejaVu Sans"/>
-              </a:rPr>
-              <a:t>podatność</a:t>
-            </a:r>
-            <a:r>
-              <a:rPr b="0" lang="en-US" sz="2000" spc="-1" strike="noStrike">
-                <a:solidFill>
-                  <a:srgbClr val="000000"/>
-                </a:solidFill>
-                <a:latin typeface="Calibri"/>
-                <a:ea typeface="DejaVu Sans"/>
-              </a:rPr>
-              <a:t>: Każdy użytkownik (w tym niezalogowany) może pobrać </a:t>
-            </a:r>
-            <a:r>
-              <a:rPr b="0" lang="en-US" sz="2000" spc="-1" strike="noStrike" u="sng">
-                <a:solidFill>
-                  <a:srgbClr val="000000"/>
-                </a:solidFill>
-                <a:uFillTx/>
-                <a:latin typeface="Calibri"/>
-                <a:ea typeface="DejaVu Sans"/>
-              </a:rPr>
-              <a:t>prywatny</a:t>
-            </a:r>
-            <a:r>
-              <a:rPr b="0" lang="en-US" sz="2000" spc="-1" strike="noStrike">
-                <a:solidFill>
-                  <a:srgbClr val="000000"/>
-                </a:solidFill>
-                <a:latin typeface="Calibri"/>
-                <a:ea typeface="DejaVu Sans"/>
-              </a:rPr>
-              <a:t> plik każdego użytkownika znając jego identyfikator (przykładowy URL </a:t>
-            </a:r>
-            <a:r>
-              <a:rPr b="0" lang="en-US" sz="2000" spc="-1" strike="noStrike" u="sng">
-                <a:solidFill>
-                  <a:srgbClr val="0563c1"/>
-                </a:solidFill>
-                <a:uFillTx/>
-                <a:latin typeface="Calibri"/>
-                <a:ea typeface="DejaVu Sans"/>
-                <a:hlinkClick r:id="rId1"/>
-              </a:rPr>
-              <a:t>https://example.org/download?file_id=1 </a:t>
-            </a:r>
-            <a:r>
-              <a:rPr b="0" lang="en-US" sz="2000" spc="-1" strike="noStrike">
-                <a:solidFill>
-                  <a:srgbClr val="000000"/>
-                </a:solidFill>
-                <a:latin typeface="Calibri"/>
-                <a:ea typeface="DejaVu Sans"/>
-              </a:rPr>
-              <a:t>), identifykatory są przewidywalne (kolejne liczby naturalne) - tzw. IDOR (Insecure Direct Object Reference)</a:t>
-            </a:r>
-            <a:endParaRPr b="0" lang="en-US" sz="2000" spc="-1" strike="noStrike">
+              <a:rPr b="0" lang="en-US" sz="3450" spc="-1" strike="noStrike">
+                <a:solidFill>
+                  <a:srgbClr val="000000"/>
+                </a:solidFill>
+                <a:latin typeface="Calibri"/>
+                <a:ea typeface="DejaVu Sans"/>
+              </a:rPr>
+              <a:t>podatność: powtarzalne wzory kluczy w zamkach producenta XXX</a:t>
+            </a:r>
+            <a:endParaRPr b="0" lang="en-US" sz="3450" spc="-1" strike="noStrike">
               <a:latin typeface="Arial"/>
             </a:endParaRPr>
           </a:p>
@@ -24585,7 +24637,7 @@
               </a:lnSpc>
               <a:buNone/>
             </a:pPr>
-            <a:endParaRPr b="0" lang="en-US" sz="2000" spc="-1" strike="noStrike">
+            <a:endParaRPr b="0" lang="en-US" sz="3450" spc="-1" strike="noStrike">
               <a:latin typeface="Arial"/>
             </a:endParaRPr>
           </a:p>
@@ -24597,160 +24649,16 @@
               <a:buNone/>
             </a:pPr>
             <a:r>
-              <a:rPr b="1" lang="en-US" sz="2000" spc="-1" strike="noStrike">
-                <a:solidFill>
-                  <a:srgbClr val="000000"/>
-                </a:solidFill>
-                <a:latin typeface="Calibri"/>
-                <a:ea typeface="DejaVu Sans"/>
-              </a:rPr>
-              <a:t>exploit</a:t>
-            </a:r>
-            <a:r>
-              <a:rPr b="0" lang="en-US" sz="2000" spc="-1" strike="noStrike">
-                <a:solidFill>
-                  <a:srgbClr val="000000"/>
-                </a:solidFill>
-                <a:latin typeface="Calibri"/>
-                <a:ea typeface="DejaVu Sans"/>
-              </a:rPr>
-              <a:t>: wywoływać kolejne identyfikatory za pomocą przeglądarki:</a:t>
-            </a:r>
-            <a:endParaRPr b="0" lang="en-US" sz="2000" spc="-1" strike="noStrike">
-              <a:latin typeface="Arial"/>
-            </a:endParaRPr>
-          </a:p>
-          <a:p>
-            <a:pPr>
-              <a:lnSpc>
-                <a:spcPct val="100000"/>
-              </a:lnSpc>
-              <a:buNone/>
-            </a:pPr>
-            <a:r>
-              <a:rPr b="0" lang="en-US" sz="2000" spc="-1" strike="noStrike" u="sng">
-                <a:solidFill>
-                  <a:srgbClr val="0563c1"/>
-                </a:solidFill>
-                <a:uFillTx/>
-                <a:latin typeface="Calibri"/>
-                <a:ea typeface="DejaVu Sans"/>
-                <a:hlinkClick r:id="rId2"/>
-              </a:rPr>
-              <a:t>https://example.org/download?file_id=2</a:t>
-            </a:r>
-            <a:endParaRPr b="0" lang="en-US" sz="2000" spc="-1" strike="noStrike">
-              <a:latin typeface="Arial"/>
-            </a:endParaRPr>
-          </a:p>
-          <a:p>
-            <a:pPr>
-              <a:lnSpc>
-                <a:spcPct val="100000"/>
-              </a:lnSpc>
-              <a:buNone/>
-            </a:pPr>
-            <a:r>
-              <a:rPr b="0" lang="en-US" sz="2000" spc="-1" strike="noStrike" u="sng">
-                <a:solidFill>
-                  <a:srgbClr val="0563c1"/>
-                </a:solidFill>
-                <a:uFillTx/>
-                <a:latin typeface="Calibri"/>
-                <a:ea typeface="DejaVu Sans"/>
-                <a:hlinkClick r:id="rId3"/>
-              </a:rPr>
-              <a:t>https://example.org/download?file_id=3</a:t>
-            </a:r>
-            <a:endParaRPr b="0" lang="en-US" sz="2000" spc="-1" strike="noStrike">
-              <a:latin typeface="Arial"/>
-            </a:endParaRPr>
-          </a:p>
-          <a:p>
-            <a:pPr>
-              <a:lnSpc>
-                <a:spcPct val="100000"/>
-              </a:lnSpc>
-              <a:buNone/>
-            </a:pPr>
-            <a:r>
-              <a:rPr b="0" lang="en-US" sz="2000" spc="-1" strike="noStrike" u="sng">
-                <a:solidFill>
-                  <a:srgbClr val="0563c1"/>
-                </a:solidFill>
-                <a:uFillTx/>
-                <a:latin typeface="Calibri"/>
-                <a:ea typeface="DejaVu Sans"/>
-                <a:hlinkClick r:id="rId4"/>
-              </a:rPr>
-              <a:t>https://example.org/download?file_id=4</a:t>
-            </a:r>
-            <a:endParaRPr b="0" lang="en-US" sz="2000" spc="-1" strike="noStrike">
-              <a:latin typeface="Arial"/>
-            </a:endParaRPr>
-          </a:p>
-          <a:p>
-            <a:pPr>
-              <a:lnSpc>
-                <a:spcPct val="100000"/>
-              </a:lnSpc>
-              <a:buNone/>
-            </a:pPr>
-            <a:r>
-              <a:rPr b="0" lang="en-US" sz="2000" spc="-1" strike="noStrike">
-                <a:solidFill>
-                  <a:srgbClr val="000000"/>
-                </a:solidFill>
-                <a:latin typeface="Calibri"/>
-                <a:ea typeface="DejaVu Sans"/>
-              </a:rPr>
-              <a:t>...</a:t>
-            </a:r>
-            <a:endParaRPr b="0" lang="en-US" sz="2000" spc="-1" strike="noStrike">
-              <a:latin typeface="Arial"/>
-            </a:endParaRPr>
-          </a:p>
-          <a:p>
-            <a:pPr>
-              <a:lnSpc>
-                <a:spcPct val="100000"/>
-              </a:lnSpc>
-              <a:buNone/>
-            </a:pPr>
-            <a:r>
-              <a:rPr b="0" lang="en-US" sz="2000" spc="-1" strike="noStrike" u="sng">
-                <a:solidFill>
-                  <a:srgbClr val="0563c1"/>
-                </a:solidFill>
-                <a:uFillTx/>
-                <a:latin typeface="Calibri"/>
-                <a:ea typeface="DejaVu Sans"/>
-                <a:hlinkClick r:id="rId5"/>
-              </a:rPr>
-              <a:t>https://example.org/download?file_id=1337 </a:t>
-            </a:r>
-            <a:endParaRPr b="0" lang="en-US" sz="2000" spc="-1" strike="noStrike">
-              <a:latin typeface="Arial"/>
-            </a:endParaRPr>
-          </a:p>
-          <a:p>
-            <a:pPr>
-              <a:lnSpc>
-                <a:spcPct val="100000"/>
-              </a:lnSpc>
-              <a:buNone/>
-            </a:pPr>
-            <a:r>
-              <a:rPr b="0" lang="en-US" sz="2000" spc="-1" strike="noStrike">
-                <a:solidFill>
-                  <a:srgbClr val="000000"/>
-                </a:solidFill>
-                <a:latin typeface="Calibri"/>
-                <a:ea typeface="DejaVu Sans"/>
-              </a:rPr>
-              <a:t>...</a:t>
-            </a:r>
-            <a:endParaRPr b="0" lang="en-US" sz="2000" spc="-1" strike="noStrike">
+              <a:rPr b="0" lang="en-US" sz="3450" spc="-1" strike="noStrike">
+                <a:solidFill>
+                  <a:srgbClr val="000000"/>
+                </a:solidFill>
+                <a:latin typeface="Calibri"/>
+                <a:ea typeface="DejaVu Sans"/>
+              </a:rPr>
+              <a:t>exploit: kupować kolejne egzemplarze i próbować otworzyć ich kluczami, do skutku</a:t>
+            </a:r>
+            <a:endParaRPr b="0" lang="en-US" sz="3450" spc="-1" strike="noStrike">
               <a:latin typeface="Arial"/>
             </a:endParaRPr>
           </a:p>
@@ -24799,7 +24707,7 @@
         <p:spPr>
           <a:xfrm>
             <a:off x="771840" y="197640"/>
-            <a:ext cx="8467560" cy="668880"/>
+            <a:ext cx="8466840" cy="668160"/>
           </a:xfrm>
           <a:prstGeom prst="rect">
             <a:avLst/>
@@ -24811,7 +24719,7 @@
         </p:spPr>
         <p:txBody>
           <a:bodyPr lIns="90000" rIns="90000" tIns="45000" bIns="45000" anchor="ctr">
-            <a:normAutofit fontScale="97000"/>
+            <a:normAutofit fontScale="96000"/>
           </a:bodyPr>
           <a:p>
             <a:pPr>
@@ -24838,14 +24746,14 @@
       </p:sp>
       <p:sp>
         <p:nvSpPr>
-          <p:cNvPr id="335" name="TextBox 2"/>
+          <p:cNvPr id="335" name="TextBox 3"/>
           <p:cNvSpPr/>
           <p:nvPr/>
         </p:nvSpPr>
         <p:spPr>
           <a:xfrm>
-            <a:off x="678960" y="1169640"/>
-            <a:ext cx="10833120" cy="4113000"/>
+            <a:off x="650520" y="927000"/>
+            <a:ext cx="11278800" cy="3443760"/>
           </a:xfrm>
           <a:prstGeom prst="rect">
             <a:avLst/>
@@ -24866,202 +24774,252 @@
             <a:spAutoFit/>
           </a:bodyPr>
           <a:p>
-            <a:pPr marL="285840" indent="-285840">
-              <a:lnSpc>
-                <a:spcPct val="100000"/>
-              </a:lnSpc>
-              <a:buClr>
-                <a:srgbClr val="000000"/>
-              </a:buClr>
-              <a:buFont typeface="Arial"/>
-              <a:buChar char="•"/>
-            </a:pPr>
-            <a:r>
-              <a:rPr b="0" lang="en-US" sz="2400" spc="-1" strike="noStrike">
-                <a:solidFill>
-                  <a:srgbClr val="000000"/>
-                </a:solidFill>
-                <a:latin typeface="Calibri"/>
-                <a:ea typeface="DejaVu Sans"/>
-              </a:rPr>
-              <a:t>nie każdy exploit musi być skomplikowany</a:t>
-            </a:r>
-            <a:endParaRPr b="0" lang="en-US" sz="2400" spc="-1" strike="noStrike">
-              <a:latin typeface="Arial"/>
-            </a:endParaRPr>
-          </a:p>
-          <a:p>
-            <a:pPr marL="285840" indent="-285840">
-              <a:lnSpc>
-                <a:spcPct val="100000"/>
-              </a:lnSpc>
-              <a:buClr>
-                <a:srgbClr val="000000"/>
-              </a:buClr>
-              <a:buFont typeface="Arial"/>
-              <a:buChar char="•"/>
-            </a:pPr>
-            <a:r>
-              <a:rPr b="0" lang="en-US" sz="2400" spc="-1" strike="noStrike">
-                <a:solidFill>
-                  <a:srgbClr val="000000"/>
-                </a:solidFill>
-                <a:latin typeface="Calibri"/>
-                <a:ea typeface="DejaVu Sans"/>
-              </a:rPr>
-              <a:t>może być bardzo prosty, bez szelkodu / jakiegokolwiek specjalistycznego kodu</a:t>
-            </a:r>
-            <a:endParaRPr b="0" lang="en-US" sz="2400" spc="-1" strike="noStrike">
-              <a:latin typeface="Arial"/>
-            </a:endParaRPr>
-          </a:p>
-          <a:p>
-            <a:pPr marL="285840" indent="-285840">
-              <a:lnSpc>
-                <a:spcPct val="100000"/>
-              </a:lnSpc>
-              <a:buClr>
-                <a:srgbClr val="000000"/>
-              </a:buClr>
-              <a:buFont typeface="Arial"/>
-              <a:buChar char="•"/>
-            </a:pPr>
-            <a:r>
-              <a:rPr b="0" lang="en-US" sz="2400" spc="-1" strike="noStrike">
-                <a:solidFill>
-                  <a:srgbClr val="000000"/>
-                </a:solidFill>
-                <a:latin typeface="Calibri"/>
-                <a:ea typeface="DejaVu Sans"/>
-              </a:rPr>
-              <a:t>zależy to od:</a:t>
-            </a:r>
-            <a:endParaRPr b="0" lang="en-US" sz="2400" spc="-1" strike="noStrike">
-              <a:latin typeface="Arial"/>
-            </a:endParaRPr>
-          </a:p>
-          <a:p>
-            <a:pPr lvl="1" marL="743040" indent="-285840">
-              <a:lnSpc>
-                <a:spcPct val="100000"/>
-              </a:lnSpc>
-              <a:buClr>
-                <a:srgbClr val="000000"/>
-              </a:buClr>
-              <a:buFont typeface="Arial"/>
-              <a:buChar char="•"/>
-            </a:pPr>
-            <a:r>
-              <a:rPr b="0" lang="en-US" sz="2400" spc="-1" strike="noStrike">
-                <a:solidFill>
-                  <a:srgbClr val="000000"/>
-                </a:solidFill>
-                <a:latin typeface="Calibri"/>
-                <a:ea typeface="DejaVu Sans"/>
-              </a:rPr>
-              <a:t>podatności</a:t>
-            </a:r>
-            <a:endParaRPr b="0" lang="en-US" sz="2400" spc="-1" strike="noStrike">
-              <a:latin typeface="Arial"/>
-            </a:endParaRPr>
-          </a:p>
-          <a:p>
-            <a:pPr lvl="1" marL="743040" indent="-285840">
-              <a:lnSpc>
-                <a:spcPct val="100000"/>
-              </a:lnSpc>
-              <a:buClr>
-                <a:srgbClr val="000000"/>
-              </a:buClr>
-              <a:buFont typeface="Arial"/>
-              <a:buChar char="•"/>
-            </a:pPr>
-            <a:r>
-              <a:rPr b="0" lang="en-US" sz="2400" spc="-1" strike="noStrike">
-                <a:solidFill>
-                  <a:srgbClr val="000000"/>
-                </a:solidFill>
-                <a:latin typeface="Calibri"/>
-                <a:ea typeface="DejaVu Sans"/>
-              </a:rPr>
-              <a:t>technologii</a:t>
-            </a:r>
-            <a:endParaRPr b="0" lang="en-US" sz="2400" spc="-1" strike="noStrike">
-              <a:latin typeface="Arial"/>
-            </a:endParaRPr>
-          </a:p>
-          <a:p>
-            <a:pPr lvl="1" marL="743040" indent="-285840">
-              <a:lnSpc>
-                <a:spcPct val="100000"/>
-              </a:lnSpc>
-              <a:buClr>
-                <a:srgbClr val="000000"/>
-              </a:buClr>
-              <a:buFont typeface="Arial"/>
-              <a:buChar char="•"/>
-            </a:pPr>
-            <a:r>
-              <a:rPr b="0" lang="en-US" sz="2400" spc="-1" strike="noStrike">
-                <a:solidFill>
-                  <a:srgbClr val="000000"/>
-                </a:solidFill>
-                <a:latin typeface="Calibri"/>
-                <a:ea typeface="DejaVu Sans"/>
-              </a:rPr>
-              <a:t>mitygacji w obecnym docelowym systemie</a:t>
-            </a:r>
-            <a:endParaRPr b="0" lang="en-US" sz="2400" spc="-1" strike="noStrike">
-              <a:latin typeface="Arial"/>
-            </a:endParaRPr>
-          </a:p>
-          <a:p>
-            <a:pPr marL="285840" indent="-285840">
-              <a:lnSpc>
-                <a:spcPct val="100000"/>
-              </a:lnSpc>
-              <a:buClr>
-                <a:srgbClr val="000000"/>
-              </a:buClr>
-              <a:buFont typeface="Arial"/>
-              <a:buChar char="•"/>
-            </a:pPr>
-            <a:r>
-              <a:rPr b="0" lang="en-US" sz="2400" spc="-1" strike="noStrike">
-                <a:solidFill>
-                  <a:srgbClr val="000000"/>
-                </a:solidFill>
-                <a:latin typeface="Calibri"/>
-                <a:ea typeface="DejaVu Sans"/>
-              </a:rPr>
-              <a:t>niektóre podatności można łatwo wyeksplojtować zwykłym narzędziem użytkowym (jak wyżej)</a:t>
-            </a:r>
-            <a:endParaRPr b="0" lang="en-US" sz="2400" spc="-1" strike="noStrike">
-              <a:latin typeface="Arial"/>
-            </a:endParaRPr>
-          </a:p>
-          <a:p>
-            <a:pPr marL="285840" indent="-285840">
-              <a:lnSpc>
-                <a:spcPct val="100000"/>
-              </a:lnSpc>
-              <a:buClr>
-                <a:srgbClr val="000000"/>
-              </a:buClr>
-              <a:buFont typeface="Arial"/>
-              <a:buChar char="•"/>
-            </a:pPr>
-            <a:r>
-              <a:rPr b="0" lang="en-US" sz="2400" spc="-1" strike="noStrike">
-                <a:solidFill>
-                  <a:srgbClr val="000000"/>
-                </a:solidFill>
-                <a:latin typeface="Calibri"/>
-                <a:ea typeface="DejaVu Sans"/>
-              </a:rPr>
-              <a:t>inne wymagają pisania dedykowanych i często bardzo zaawansowanych technicznie programów (większość podatności typu Remote Code Execution/Local Privilege Escalation)</a:t>
-            </a:r>
-            <a:endParaRPr b="0" lang="en-US" sz="2400" spc="-1" strike="noStrike">
+            <a:pPr>
+              <a:lnSpc>
+                <a:spcPct val="100000"/>
+              </a:lnSpc>
+              <a:buNone/>
+            </a:pPr>
+            <a:r>
+              <a:rPr b="1" lang="en-US" sz="2000" spc="-1" strike="noStrike">
+                <a:solidFill>
+                  <a:srgbClr val="000000"/>
+                </a:solidFill>
+                <a:latin typeface="Calibri"/>
+                <a:ea typeface="DejaVu Sans"/>
+              </a:rPr>
+              <a:t>podatność</a:t>
+            </a:r>
+            <a:r>
+              <a:rPr b="0" lang="en-US" sz="2000" spc="-1" strike="noStrike">
+                <a:solidFill>
+                  <a:srgbClr val="000000"/>
+                </a:solidFill>
+                <a:latin typeface="Calibri"/>
+                <a:ea typeface="DejaVu Sans"/>
+              </a:rPr>
+              <a:t>: Każdy użytkownik (w tym niezalogowany) może pobrać </a:t>
+            </a:r>
+            <a:r>
+              <a:rPr b="0" lang="en-US" sz="2000" spc="-1" strike="noStrike" u="sng">
+                <a:solidFill>
+                  <a:srgbClr val="000000"/>
+                </a:solidFill>
+                <a:uFillTx/>
+                <a:latin typeface="Calibri"/>
+                <a:ea typeface="DejaVu Sans"/>
+              </a:rPr>
+              <a:t>prywatny</a:t>
+            </a:r>
+            <a:r>
+              <a:rPr b="0" lang="en-US" sz="2000" spc="-1" strike="noStrike">
+                <a:solidFill>
+                  <a:srgbClr val="000000"/>
+                </a:solidFill>
+                <a:latin typeface="Calibri"/>
+                <a:ea typeface="DejaVu Sans"/>
+              </a:rPr>
+              <a:t> plik każdego użytkownika znając jego identyfikator (przykładowy URL </a:t>
+            </a:r>
+            <a:r>
+              <a:rPr b="0" lang="en-US" sz="2000" spc="-1" strike="noStrike" u="sng">
+                <a:solidFill>
+                  <a:srgbClr val="0563c1"/>
+                </a:solidFill>
+                <a:uFillTx/>
+                <a:latin typeface="Calibri"/>
+                <a:ea typeface="DejaVu Sans"/>
+                <a:hlinkClick r:id="rId1"/>
+              </a:rPr>
+              <a:t>https://example.org/download?file_id=1 </a:t>
+            </a:r>
+            <a:r>
+              <a:rPr b="0" lang="en-US" sz="2000" spc="-1" strike="noStrike">
+                <a:solidFill>
+                  <a:srgbClr val="000000"/>
+                </a:solidFill>
+                <a:latin typeface="Calibri"/>
+                <a:ea typeface="DejaVu Sans"/>
+              </a:rPr>
+              <a:t>), identifykatory są przewidywalne (kolejne liczby naturalne) - tzw. IDOR (Insecure Direct Object Reference)</a:t>
+            </a:r>
+            <a:endParaRPr b="0" lang="en-US" sz="2000" spc="-1" strike="noStrike">
+              <a:latin typeface="Arial"/>
+            </a:endParaRPr>
+          </a:p>
+          <a:p>
+            <a:pPr>
+              <a:lnSpc>
+                <a:spcPct val="100000"/>
+              </a:lnSpc>
+              <a:buNone/>
+            </a:pPr>
+            <a:endParaRPr b="0" lang="en-US" sz="2000" spc="-1" strike="noStrike">
+              <a:latin typeface="Arial"/>
+            </a:endParaRPr>
+          </a:p>
+          <a:p>
+            <a:pPr>
+              <a:lnSpc>
+                <a:spcPct val="100000"/>
+              </a:lnSpc>
+              <a:buNone/>
+            </a:pPr>
+            <a:r>
+              <a:rPr b="1" lang="en-US" sz="2000" spc="-1" strike="noStrike">
+                <a:solidFill>
+                  <a:srgbClr val="000000"/>
+                </a:solidFill>
+                <a:latin typeface="Calibri"/>
+                <a:ea typeface="DejaVu Sans"/>
+              </a:rPr>
+              <a:t>exploit</a:t>
+            </a:r>
+            <a:r>
+              <a:rPr b="0" lang="en-US" sz="2000" spc="-1" strike="noStrike">
+                <a:solidFill>
+                  <a:srgbClr val="000000"/>
+                </a:solidFill>
+                <a:latin typeface="Calibri"/>
+                <a:ea typeface="DejaVu Sans"/>
+              </a:rPr>
+              <a:t>: wywoływać kolejne identyfikatory za pomocą przeglądarki:</a:t>
+            </a:r>
+            <a:endParaRPr b="0" lang="en-US" sz="2000" spc="-1" strike="noStrike">
+              <a:latin typeface="Arial"/>
+            </a:endParaRPr>
+          </a:p>
+          <a:p>
+            <a:pPr>
+              <a:lnSpc>
+                <a:spcPct val="100000"/>
+              </a:lnSpc>
+              <a:buNone/>
+            </a:pPr>
+            <a:r>
+              <a:rPr b="0" lang="en-US" sz="2000" spc="-1" strike="noStrike" u="sng">
+                <a:solidFill>
+                  <a:srgbClr val="0563c1"/>
+                </a:solidFill>
+                <a:uFillTx/>
+                <a:latin typeface="Calibri"/>
+                <a:ea typeface="DejaVu Sans"/>
+                <a:hlinkClick r:id="rId2"/>
+              </a:rPr>
+              <a:t>https://example.org/download?file_id=2</a:t>
+            </a:r>
+            <a:endParaRPr b="0" lang="en-US" sz="2000" spc="-1" strike="noStrike">
+              <a:latin typeface="Arial"/>
+            </a:endParaRPr>
+          </a:p>
+          <a:p>
+            <a:pPr>
+              <a:lnSpc>
+                <a:spcPct val="100000"/>
+              </a:lnSpc>
+              <a:buNone/>
+            </a:pPr>
+            <a:r>
+              <a:rPr b="0" lang="en-US" sz="2000" spc="-1" strike="noStrike" u="sng">
+                <a:solidFill>
+                  <a:srgbClr val="0563c1"/>
+                </a:solidFill>
+                <a:uFillTx/>
+                <a:latin typeface="Calibri"/>
+                <a:ea typeface="DejaVu Sans"/>
+                <a:hlinkClick r:id="rId3"/>
+              </a:rPr>
+              <a:t>https://example.org/download?file_id=3</a:t>
+            </a:r>
+            <a:endParaRPr b="0" lang="en-US" sz="2000" spc="-1" strike="noStrike">
+              <a:latin typeface="Arial"/>
+            </a:endParaRPr>
+          </a:p>
+          <a:p>
+            <a:pPr>
+              <a:lnSpc>
+                <a:spcPct val="100000"/>
+              </a:lnSpc>
+              <a:buNone/>
+            </a:pPr>
+            <a:r>
+              <a:rPr b="0" lang="en-US" sz="2000" spc="-1" strike="noStrike" u="sng">
+                <a:solidFill>
+                  <a:srgbClr val="0563c1"/>
+                </a:solidFill>
+                <a:uFillTx/>
+                <a:latin typeface="Calibri"/>
+                <a:ea typeface="DejaVu Sans"/>
+                <a:hlinkClick r:id="rId4"/>
+              </a:rPr>
+              <a:t>https://example.org/download?file_id=4</a:t>
+            </a:r>
+            <a:endParaRPr b="0" lang="en-US" sz="2000" spc="-1" strike="noStrike">
+              <a:latin typeface="Arial"/>
+            </a:endParaRPr>
+          </a:p>
+          <a:p>
+            <a:pPr>
+              <a:lnSpc>
+                <a:spcPct val="100000"/>
+              </a:lnSpc>
+              <a:buNone/>
+            </a:pPr>
+            <a:r>
+              <a:rPr b="0" lang="en-US" sz="2000" spc="-1" strike="noStrike">
+                <a:solidFill>
+                  <a:srgbClr val="000000"/>
+                </a:solidFill>
+                <a:latin typeface="Calibri"/>
+                <a:ea typeface="DejaVu Sans"/>
+              </a:rPr>
+              <a:t>...</a:t>
+            </a:r>
+            <a:endParaRPr b="0" lang="en-US" sz="2000" spc="-1" strike="noStrike">
+              <a:latin typeface="Arial"/>
+            </a:endParaRPr>
+          </a:p>
+          <a:p>
+            <a:pPr>
+              <a:lnSpc>
+                <a:spcPct val="100000"/>
+              </a:lnSpc>
+              <a:buNone/>
+            </a:pPr>
+            <a:r>
+              <a:rPr b="0" lang="en-US" sz="2000" spc="-1" strike="noStrike" u="sng">
+                <a:solidFill>
+                  <a:srgbClr val="0563c1"/>
+                </a:solidFill>
+                <a:uFillTx/>
+                <a:latin typeface="Calibri"/>
+                <a:ea typeface="DejaVu Sans"/>
+                <a:hlinkClick r:id="rId5"/>
+              </a:rPr>
+              <a:t>https://example.org/download?file_id=1337 </a:t>
+            </a:r>
+            <a:endParaRPr b="0" lang="en-US" sz="2000" spc="-1" strike="noStrike">
+              <a:latin typeface="Arial"/>
+            </a:endParaRPr>
+          </a:p>
+          <a:p>
+            <a:pPr>
+              <a:lnSpc>
+                <a:spcPct val="100000"/>
+              </a:lnSpc>
+              <a:buNone/>
+            </a:pPr>
+            <a:r>
+              <a:rPr b="0" lang="en-US" sz="2000" spc="-1" strike="noStrike">
+                <a:solidFill>
+                  <a:srgbClr val="000000"/>
+                </a:solidFill>
+                <a:latin typeface="Calibri"/>
+                <a:ea typeface="DejaVu Sans"/>
+              </a:rPr>
+              <a:t>...</a:t>
+            </a:r>
+            <a:endParaRPr b="0" lang="en-US" sz="2000" spc="-1" strike="noStrike">
               <a:latin typeface="Arial"/>
             </a:endParaRPr>
           </a:p>
@@ -25109,8 +25067,8 @@
         </p:nvSpPr>
         <p:spPr>
           <a:xfrm>
-            <a:off x="738720" y="399240"/>
-            <a:ext cx="11376000" cy="1050480"/>
+            <a:off x="771840" y="197640"/>
+            <a:ext cx="8466840" cy="668160"/>
           </a:xfrm>
           <a:prstGeom prst="rect">
             <a:avLst/>
@@ -25122,10 +25080,10 @@
         </p:spPr>
         <p:txBody>
           <a:bodyPr lIns="90000" rIns="90000" tIns="45000" bIns="45000" anchor="ctr">
-            <a:noAutofit/>
+            <a:normAutofit fontScale="96000"/>
           </a:bodyPr>
           <a:p>
-            <a:pPr algn="ctr">
+            <a:pPr>
               <a:lnSpc>
                 <a:spcPct val="90000"/>
               </a:lnSpc>
@@ -25137,9 +25095,9 @@
                   <a:srgbClr val="000000"/>
                 </a:solidFill>
                 <a:uFillTx/>
-                <a:latin typeface="Consolas"/>
-              </a:rPr>
-              <a:t>Exploit - 0day</a:t>
+                <a:latin typeface="Arial"/>
+              </a:rPr>
+              <a:t>Exploit - web IDOR</a:t>
             </a:r>
             <a:endParaRPr b="0" lang="en-US" sz="4350" spc="-1" strike="noStrike">
               <a:latin typeface="Arial"/>
@@ -25149,18 +25107,14 @@
       </p:sp>
       <p:sp>
         <p:nvSpPr>
-          <p:cNvPr id="337" name="PlaceHolder 2"/>
-          <p:cNvSpPr>
-            <a:spLocks noGrp="1"/>
-          </p:cNvSpPr>
-          <p:nvPr>
-            <p:ph/>
-          </p:nvPr>
-        </p:nvSpPr>
-        <p:spPr>
-          <a:xfrm>
-            <a:off x="608760" y="1450800"/>
-            <a:ext cx="11238480" cy="4504680"/>
+          <p:cNvPr id="337" name="TextBox 2"/>
+          <p:cNvSpPr/>
+          <p:nvPr/>
+        </p:nvSpPr>
+        <p:spPr>
+          <a:xfrm>
+            <a:off x="678960" y="1169640"/>
+            <a:ext cx="10832400" cy="4113000"/>
           </a:xfrm>
           <a:prstGeom prst="rect">
             <a:avLst/>
@@ -25170,18 +25124,21 @@
             <a:noFill/>
           </a:ln>
         </p:spPr>
+        <p:style>
+          <a:lnRef idx="0"/>
+          <a:fillRef idx="0"/>
+          <a:effectRef idx="0"/>
+          <a:fontRef idx="minor"/>
+        </p:style>
         <p:txBody>
           <a:bodyPr lIns="90000" rIns="90000" tIns="45000" bIns="45000" anchor="t">
-            <a:noAutofit/>
+            <a:spAutoFit/>
           </a:bodyPr>
           <a:p>
-            <a:pPr marL="228600" indent="-228600">
-              <a:lnSpc>
-                <a:spcPct val="90000"/>
-              </a:lnSpc>
-              <a:spcBef>
-                <a:spcPts val="1001"/>
-              </a:spcBef>
+            <a:pPr marL="285840" indent="-285840">
+              <a:lnSpc>
+                <a:spcPct val="100000"/>
+              </a:lnSpc>
               <a:buClr>
                 <a:srgbClr val="000000"/>
               </a:buClr>
@@ -25193,22 +25150,20 @@
                 <a:solidFill>
                   <a:srgbClr val="000000"/>
                 </a:solidFill>
-                <a:latin typeface="DejaVu Sans"/>
-              </a:rPr>
-              <a:t>Termin 0day używany jest w odniesieniu do:</a:t>
+                <a:latin typeface="Calibri"/>
+                <a:ea typeface="DejaVu Sans"/>
+              </a:rPr>
+              <a:t>nie każdy exploit musi być skomplikowany</a:t>
             </a:r>
             <a:endParaRPr b="0" lang="en-US" sz="2400" spc="-1" strike="noStrike">
               <a:latin typeface="Arial"/>
             </a:endParaRPr>
           </a:p>
           <a:p>
-            <a:pPr lvl="1" marL="685800" indent="-228600">
-              <a:lnSpc>
-                <a:spcPct val="90000"/>
-              </a:lnSpc>
-              <a:spcBef>
-                <a:spcPts val="499"/>
-              </a:spcBef>
+            <a:pPr marL="285840" indent="-285840">
+              <a:lnSpc>
+                <a:spcPct val="100000"/>
+              </a:lnSpc>
               <a:buClr>
                 <a:srgbClr val="000000"/>
               </a:buClr>
@@ -25220,22 +25175,20 @@
                 <a:solidFill>
                   <a:srgbClr val="000000"/>
                 </a:solidFill>
-                <a:latin typeface="DejaVu Sans"/>
-              </a:rPr>
-              <a:t>nowej podatności, która nie została jeszcze naprawiona przez producenta (nie ma łaty - ang. "patch" ani innej mitygacji)</a:t>
+                <a:latin typeface="Calibri"/>
+                <a:ea typeface="DejaVu Sans"/>
+              </a:rPr>
+              <a:t>może być bardzo prosty, bez szelkodu / jakiegokolwiek specjalistycznego kodu</a:t>
             </a:r>
             <a:endParaRPr b="0" lang="en-US" sz="2400" spc="-1" strike="noStrike">
               <a:latin typeface="Arial"/>
             </a:endParaRPr>
           </a:p>
           <a:p>
-            <a:pPr lvl="1" marL="685800" indent="-228600">
-              <a:lnSpc>
-                <a:spcPct val="90000"/>
-              </a:lnSpc>
-              <a:spcBef>
-                <a:spcPts val="499"/>
-              </a:spcBef>
+            <a:pPr marL="285840" indent="-285840">
+              <a:lnSpc>
+                <a:spcPct val="100000"/>
+              </a:lnSpc>
               <a:buClr>
                 <a:srgbClr val="000000"/>
               </a:buClr>
@@ -25247,22 +25200,20 @@
                 <a:solidFill>
                   <a:srgbClr val="000000"/>
                 </a:solidFill>
-                <a:latin typeface="DejaVu Sans"/>
-              </a:rPr>
-              <a:t>exploita wykorzystujący taką podatność</a:t>
+                <a:latin typeface="Calibri"/>
+                <a:ea typeface="DejaVu Sans"/>
+              </a:rPr>
+              <a:t>zależy to od:</a:t>
             </a:r>
             <a:endParaRPr b="0" lang="en-US" sz="2400" spc="-1" strike="noStrike">
               <a:latin typeface="Arial"/>
             </a:endParaRPr>
           </a:p>
           <a:p>
-            <a:pPr marL="228600" indent="-228600">
-              <a:lnSpc>
-                <a:spcPct val="90000"/>
-              </a:lnSpc>
-              <a:spcBef>
-                <a:spcPts val="1001"/>
-              </a:spcBef>
+            <a:pPr lvl="1" marL="743040" indent="-285840">
+              <a:lnSpc>
+                <a:spcPct val="100000"/>
+              </a:lnSpc>
               <a:buClr>
                 <a:srgbClr val="000000"/>
               </a:buClr>
@@ -25274,22 +25225,20 @@
                 <a:solidFill>
                   <a:srgbClr val="000000"/>
                 </a:solidFill>
-                <a:latin typeface="DejaVu Sans"/>
-              </a:rPr>
-              <a:t>Obydwa znaczenia funkcjonują równolegle</a:t>
+                <a:latin typeface="Calibri"/>
+                <a:ea typeface="DejaVu Sans"/>
+              </a:rPr>
+              <a:t>podatności</a:t>
             </a:r>
             <a:endParaRPr b="0" lang="en-US" sz="2400" spc="-1" strike="noStrike">
               <a:latin typeface="Arial"/>
             </a:endParaRPr>
           </a:p>
           <a:p>
-            <a:pPr marL="228600" indent="-228600">
-              <a:lnSpc>
-                <a:spcPct val="90000"/>
-              </a:lnSpc>
-              <a:spcBef>
-                <a:spcPts val="1001"/>
-              </a:spcBef>
+            <a:pPr lvl="1" marL="743040" indent="-285840">
+              <a:lnSpc>
+                <a:spcPct val="100000"/>
+              </a:lnSpc>
               <a:buClr>
                 <a:srgbClr val="000000"/>
               </a:buClr>
@@ -25301,22 +25250,20 @@
                 <a:solidFill>
                   <a:srgbClr val="000000"/>
                 </a:solidFill>
-                <a:latin typeface="DejaVu Sans"/>
-              </a:rPr>
-              <a:t>Należy jednak pamiętać, jaka jest różnica między exploitem a podatnością</a:t>
+                <a:latin typeface="Calibri"/>
+                <a:ea typeface="DejaVu Sans"/>
+              </a:rPr>
+              <a:t>technologii</a:t>
             </a:r>
             <a:endParaRPr b="0" lang="en-US" sz="2400" spc="-1" strike="noStrike">
               <a:latin typeface="Arial"/>
             </a:endParaRPr>
           </a:p>
           <a:p>
-            <a:pPr marL="228600" indent="-228600">
-              <a:lnSpc>
-                <a:spcPct val="90000"/>
-              </a:lnSpc>
-              <a:spcBef>
-                <a:spcPts val="1001"/>
-              </a:spcBef>
+            <a:pPr lvl="1" marL="743040" indent="-285840">
+              <a:lnSpc>
+                <a:spcPct val="100000"/>
+              </a:lnSpc>
               <a:buClr>
                 <a:srgbClr val="000000"/>
               </a:buClr>
@@ -25328,9 +25275,60 @@
                 <a:solidFill>
                   <a:srgbClr val="000000"/>
                 </a:solidFill>
-                <a:latin typeface="DejaVu Sans"/>
-              </a:rPr>
-              <a:t>Często nawet przy pełnej wiedzy technicznej na temat szczegółów podatności, wymagany jest gigantyczny nakład pracy i ekspertyzy, by stworzyć działającego eksploita wykorzystującego tę podatność (dobrym przykładem są ostatnie podatności na moduły jądra Windowsa, takie jak BlueKeep czy SMBGhost)</a:t>
+                <a:latin typeface="Calibri"/>
+                <a:ea typeface="DejaVu Sans"/>
+              </a:rPr>
+              <a:t>mitygacji w obecnym docelowym systemie</a:t>
+            </a:r>
+            <a:endParaRPr b="0" lang="en-US" sz="2400" spc="-1" strike="noStrike">
+              <a:latin typeface="Arial"/>
+            </a:endParaRPr>
+          </a:p>
+          <a:p>
+            <a:pPr marL="285840" indent="-285840">
+              <a:lnSpc>
+                <a:spcPct val="100000"/>
+              </a:lnSpc>
+              <a:buClr>
+                <a:srgbClr val="000000"/>
+              </a:buClr>
+              <a:buFont typeface="Arial"/>
+              <a:buChar char="•"/>
+            </a:pPr>
+            <a:r>
+              <a:rPr b="0" lang="en-US" sz="2400" spc="-1" strike="noStrike">
+                <a:solidFill>
+                  <a:srgbClr val="000000"/>
+                </a:solidFill>
+                <a:latin typeface="Calibri"/>
+                <a:ea typeface="DejaVu Sans"/>
+              </a:rPr>
+              <a:t>niektóre podatności można łatwo wyeksplojtować zwykłym narzędziem użytkowym (jak wyżej)</a:t>
+            </a:r>
+            <a:endParaRPr b="0" lang="en-US" sz="2400" spc="-1" strike="noStrike">
+              <a:latin typeface="Arial"/>
+            </a:endParaRPr>
+          </a:p>
+          <a:p>
+            <a:pPr marL="285840" indent="-285840">
+              <a:lnSpc>
+                <a:spcPct val="100000"/>
+              </a:lnSpc>
+              <a:buClr>
+                <a:srgbClr val="000000"/>
+              </a:buClr>
+              <a:buFont typeface="Arial"/>
+              <a:buChar char="•"/>
+            </a:pPr>
+            <a:r>
+              <a:rPr b="0" lang="en-US" sz="2400" spc="-1" strike="noStrike">
+                <a:solidFill>
+                  <a:srgbClr val="000000"/>
+                </a:solidFill>
+                <a:latin typeface="Calibri"/>
+                <a:ea typeface="DejaVu Sans"/>
+              </a:rPr>
+              <a:t>inne wymagają pisania dedykowanych i często bardzo zaawansowanych technicznie programów (większość podatności typu Remote Code Execution/Local Privilege Escalation)</a:t>
             </a:r>
             <a:endParaRPr b="0" lang="en-US" sz="2400" spc="-1" strike="noStrike">
               <a:latin typeface="Arial"/>
@@ -25381,7 +25379,7 @@
         <p:spPr>
           <a:xfrm>
             <a:off x="738720" y="399240"/>
-            <a:ext cx="11376000" cy="1050480"/>
+            <a:ext cx="11375280" cy="1049760"/>
           </a:xfrm>
           <a:prstGeom prst="rect">
             <a:avLst/>
@@ -25410,7 +25408,7 @@
                 <a:uFillTx/>
                 <a:latin typeface="Consolas"/>
               </a:rPr>
-              <a:t>Exploit - NOday</a:t>
+              <a:t>Exploit - 0day</a:t>
             </a:r>
             <a:endParaRPr b="0" lang="en-US" sz="4350" spc="-1" strike="noStrike">
               <a:latin typeface="Arial"/>
@@ -25418,55 +25416,9 @@
           </a:p>
         </p:txBody>
       </p:sp>
-      <p:pic>
-        <p:nvPicPr>
-          <p:cNvPr id="339" name="Picture 8" descr="A drawing of a face&#10;&#10;Description automatically generated"/>
-          <p:cNvPicPr/>
-          <p:nvPr/>
-        </p:nvPicPr>
-        <p:blipFill>
-          <a:blip r:embed="rId1"/>
-          <a:stretch/>
-        </p:blipFill>
-        <p:spPr>
-          <a:xfrm>
-            <a:off x="8735040" y="213840"/>
-            <a:ext cx="947160" cy="710280"/>
-          </a:xfrm>
-          <a:prstGeom prst="rect">
-            <a:avLst/>
-          </a:prstGeom>
-          <a:ln w="0">
-            <a:noFill/>
-          </a:ln>
-        </p:spPr>
-      </p:pic>
-      <p:pic>
-        <p:nvPicPr>
-          <p:cNvPr id="340" name="Picture 9" descr="A drawing of a face&#10;&#10;Description automatically generated"/>
-          <p:cNvPicPr/>
-          <p:nvPr/>
-        </p:nvPicPr>
-        <p:blipFill>
-          <a:blip r:embed="rId2"/>
-          <a:stretch/>
-        </p:blipFill>
-        <p:spPr>
-          <a:xfrm>
-            <a:off x="10621440" y="5407200"/>
-            <a:ext cx="947160" cy="710280"/>
-          </a:xfrm>
-          <a:prstGeom prst="rect">
-            <a:avLst/>
-          </a:prstGeom>
-          <a:ln w="0">
-            <a:noFill/>
-          </a:ln>
-        </p:spPr>
-      </p:pic>
-      <p:sp>
-        <p:nvSpPr>
-          <p:cNvPr id="341" name="PlaceHolder 2"/>
+      <p:sp>
+        <p:nvSpPr>
+          <p:cNvPr id="339" name="PlaceHolder 2"/>
           <p:cNvSpPr>
             <a:spLocks noGrp="1"/>
           </p:cNvSpPr>
@@ -25476,8 +25428,8 @@
         </p:nvSpPr>
         <p:spPr>
           <a:xfrm>
-            <a:off x="738720" y="1450800"/>
-            <a:ext cx="11131920" cy="3879360"/>
+            <a:off x="608760" y="1450800"/>
+            <a:ext cx="11237760" cy="4503960"/>
           </a:xfrm>
           <a:prstGeom prst="rect">
             <a:avLst/>
@@ -25506,24 +25458,69 @@
               <a:buChar char="•"/>
             </a:pPr>
             <a:r>
-              <a:rPr b="0" lang="en-US" sz="2660" spc="-1" strike="noStrike">
-                <a:solidFill>
-                  <a:srgbClr val="000000"/>
-                </a:solidFill>
-                <a:latin typeface="Calibri"/>
-              </a:rPr>
-              <a:t>Jakiś czas temu natknąłem się na ten termin </a:t>
-            </a:r>
-            <a:r>
-              <a:rPr b="0" lang="pl-PL" sz="2660" spc="-1" strike="noStrike">
-                <a:solidFill>
-                  <a:srgbClr val="000000"/>
-                </a:solidFill>
-                <a:latin typeface="Calibri"/>
-              </a:rPr>
-              <a:t>w społeczności</a:t>
-            </a:r>
-            <a:endParaRPr b="0" lang="en-US" sz="2660" spc="-1" strike="noStrike">
+              <a:rPr b="0" lang="en-US" sz="2400" spc="-1" strike="noStrike">
+                <a:solidFill>
+                  <a:srgbClr val="000000"/>
+                </a:solidFill>
+                <a:latin typeface="DejaVu Sans"/>
+              </a:rPr>
+              <a:t>Termin 0day używany jest w odniesieniu do:</a:t>
+            </a:r>
+            <a:endParaRPr b="0" lang="en-US" sz="2400" spc="-1" strike="noStrike">
+              <a:latin typeface="Arial"/>
+            </a:endParaRPr>
+          </a:p>
+          <a:p>
+            <a:pPr lvl="1" marL="685800" indent="-228600">
+              <a:lnSpc>
+                <a:spcPct val="90000"/>
+              </a:lnSpc>
+              <a:spcBef>
+                <a:spcPts val="499"/>
+              </a:spcBef>
+              <a:buClr>
+                <a:srgbClr val="000000"/>
+              </a:buClr>
+              <a:buFont typeface="Arial"/>
+              <a:buChar char="•"/>
+            </a:pPr>
+            <a:r>
+              <a:rPr b="0" lang="en-US" sz="2400" spc="-1" strike="noStrike">
+                <a:solidFill>
+                  <a:srgbClr val="000000"/>
+                </a:solidFill>
+                <a:latin typeface="DejaVu Sans"/>
+              </a:rPr>
+              <a:t>nowej podatności, która nie została jeszcze naprawiona przez producenta (nie ma łaty - ang. "patch" ani innej mitygacji)</a:t>
+            </a:r>
+            <a:endParaRPr b="0" lang="en-US" sz="2400" spc="-1" strike="noStrike">
+              <a:latin typeface="Arial"/>
+            </a:endParaRPr>
+          </a:p>
+          <a:p>
+            <a:pPr lvl="1" marL="685800" indent="-228600">
+              <a:lnSpc>
+                <a:spcPct val="90000"/>
+              </a:lnSpc>
+              <a:spcBef>
+                <a:spcPts val="499"/>
+              </a:spcBef>
+              <a:buClr>
+                <a:srgbClr val="000000"/>
+              </a:buClr>
+              <a:buFont typeface="Arial"/>
+              <a:buChar char="•"/>
+            </a:pPr>
+            <a:r>
+              <a:rPr b="0" lang="en-US" sz="2400" spc="-1" strike="noStrike">
+                <a:solidFill>
+                  <a:srgbClr val="000000"/>
+                </a:solidFill>
+                <a:latin typeface="DejaVu Sans"/>
+              </a:rPr>
+              <a:t>exploita wykorzystujący taką podatność</a:t>
+            </a:r>
+            <a:endParaRPr b="0" lang="en-US" sz="2400" spc="-1" strike="noStrike">
               <a:latin typeface="Arial"/>
             </a:endParaRPr>
           </a:p>
@@ -25542,15 +25539,15 @@
               <a:buChar char="•"/>
             </a:pPr>
             <a:r>
-              <a:rPr b="0" lang="en-US" sz="2660" spc="-1" strike="noStrike">
-                <a:solidFill>
-                  <a:srgbClr val="000000"/>
-                </a:solidFill>
-                <a:latin typeface="Calibri"/>
-              </a:rPr>
-              <a:t>Odnosi się do podatności (oraz eskplojtów je wykorzystujących), które nie zostały i prawdopodobnie nigdy nie zostaną zaadresowane przez producenta...</a:t>
-            </a:r>
-            <a:endParaRPr b="0" lang="en-US" sz="2660" spc="-1" strike="noStrike">
+              <a:rPr b="0" lang="en-US" sz="2400" spc="-1" strike="noStrike">
+                <a:solidFill>
+                  <a:srgbClr val="000000"/>
+                </a:solidFill>
+                <a:latin typeface="DejaVu Sans"/>
+              </a:rPr>
+              <a:t>Obydwa znaczenia funkcjonują równolegle</a:t>
+            </a:r>
+            <a:endParaRPr b="0" lang="en-US" sz="2400" spc="-1" strike="noStrike">
               <a:latin typeface="Arial"/>
             </a:endParaRPr>
           </a:p>
@@ -25569,25 +25566,25 @@
               <a:buChar char="•"/>
             </a:pPr>
             <a:r>
-              <a:rPr b="0" lang="en-US" sz="2660" spc="-1" strike="noStrike">
-                <a:solidFill>
-                  <a:srgbClr val="000000"/>
-                </a:solidFill>
-                <a:latin typeface="Calibri"/>
-              </a:rPr>
-              <a:t>... ze względu na fakt, że dane oprogramowanie nie jest już rozwijane/wspierane (tzw. legacy systems)</a:t>
-            </a:r>
-            <a:endParaRPr b="0" lang="en-US" sz="2660" spc="-1" strike="noStrike">
-              <a:latin typeface="Arial"/>
-            </a:endParaRPr>
-          </a:p>
-          <a:p>
-            <a:pPr lvl="1" marL="685800" indent="-228600">
+              <a:rPr b="0" lang="en-US" sz="2400" spc="-1" strike="noStrike">
+                <a:solidFill>
+                  <a:srgbClr val="000000"/>
+                </a:solidFill>
+                <a:latin typeface="DejaVu Sans"/>
+              </a:rPr>
+              <a:t>Należy jednak pamiętać, jaka jest różnica między exploitem a podatnością</a:t>
+            </a:r>
+            <a:endParaRPr b="0" lang="en-US" sz="2400" spc="-1" strike="noStrike">
+              <a:latin typeface="Arial"/>
+            </a:endParaRPr>
+          </a:p>
+          <a:p>
+            <a:pPr marL="228600" indent="-228600">
               <a:lnSpc>
                 <a:spcPct val="90000"/>
               </a:lnSpc>
               <a:spcBef>
-                <a:spcPts val="499"/>
+                <a:spcPts val="1001"/>
               </a:spcBef>
               <a:buClr>
                 <a:srgbClr val="000000"/>
@@ -25596,69 +25593,15 @@
               <a:buChar char="•"/>
             </a:pPr>
             <a:r>
-              <a:rPr b="0" lang="en-US" sz="2660" spc="-1" strike="noStrike">
-                <a:solidFill>
-                  <a:srgbClr val="000000"/>
-                </a:solidFill>
-                <a:latin typeface="Calibri"/>
-              </a:rPr>
-              <a:t>okres wsparcia przez producenta dobiegł końca (ang. End of Life support)</a:t>
-            </a:r>
-            <a:endParaRPr b="0" lang="en-US" sz="2660" spc="-1" strike="noStrike">
-              <a:latin typeface="Arial"/>
-            </a:endParaRPr>
-          </a:p>
-          <a:p>
-            <a:pPr lvl="1" marL="685800" indent="-228600">
-              <a:lnSpc>
-                <a:spcPct val="90000"/>
-              </a:lnSpc>
-              <a:spcBef>
-                <a:spcPts val="499"/>
-              </a:spcBef>
-              <a:buClr>
-                <a:srgbClr val="000000"/>
-              </a:buClr>
-              <a:buFont typeface="Arial"/>
-              <a:buChar char="•"/>
-            </a:pPr>
-            <a:r>
-              <a:rPr b="0" lang="en-US" sz="2660" spc="-1" strike="noStrike">
-                <a:solidFill>
-                  <a:srgbClr val="000000"/>
-                </a:solidFill>
-                <a:latin typeface="Calibri"/>
-              </a:rPr>
-              <a:t>producent już nie istnieje</a:t>
-            </a:r>
-            <a:endParaRPr b="0" lang="en-US" sz="2660" spc="-1" strike="noStrike">
-              <a:latin typeface="Arial"/>
-            </a:endParaRPr>
-          </a:p>
-          <a:p>
-            <a:pPr lvl="1" marL="685800" indent="-228600">
-              <a:lnSpc>
-                <a:spcPct val="90000"/>
-              </a:lnSpc>
-              <a:spcBef>
-                <a:spcPts val="499"/>
-              </a:spcBef>
-              <a:buClr>
-                <a:srgbClr val="000000"/>
-              </a:buClr>
-              <a:buFont typeface="Arial"/>
-              <a:buChar char="•"/>
-            </a:pPr>
-            <a:r>
-              <a:rPr b="0" lang="en-US" sz="2660" spc="-1" strike="noStrike">
-                <a:solidFill>
-                  <a:srgbClr val="000000"/>
-                </a:solidFill>
-                <a:latin typeface="Calibri"/>
-              </a:rPr>
-              <a:t>programiści zajmujący się projektem nie są już zdolni do dalszego zaangażowania</a:t>
-            </a:r>
-            <a:endParaRPr b="0" lang="en-US" sz="2660" spc="-1" strike="noStrike">
+              <a:rPr b="0" lang="en-US" sz="2400" spc="-1" strike="noStrike">
+                <a:solidFill>
+                  <a:srgbClr val="000000"/>
+                </a:solidFill>
+                <a:latin typeface="DejaVu Sans"/>
+              </a:rPr>
+              <a:t>Często nawet przy pełnej wiedzy technicznej na temat szczegółów podatności, wymagany jest gigantyczny nakład pracy i ekspertyzy, by stworzyć działającego eksploita wykorzystującego tę podatność (dobrym przykładem są podatności na moduły jądra Windowsa, takie jak BlueKeep czy SMBGhost)</a:t>
+            </a:r>
+            <a:endParaRPr b="0" lang="en-US" sz="2400" spc="-1" strike="noStrike">
               <a:latin typeface="Arial"/>
             </a:endParaRPr>
           </a:p>
@@ -25696,7 +25639,7 @@
       </p:grpSpPr>
       <p:sp>
         <p:nvSpPr>
-          <p:cNvPr id="342" name="PlaceHolder 1"/>
+          <p:cNvPr id="340" name="PlaceHolder 1"/>
           <p:cNvSpPr>
             <a:spLocks noGrp="1"/>
           </p:cNvSpPr>
@@ -25707,7 +25650,7 @@
         <p:spPr>
           <a:xfrm>
             <a:off x="738720" y="399240"/>
-            <a:ext cx="11376000" cy="1050480"/>
+            <a:ext cx="11375280" cy="1049760"/>
           </a:xfrm>
           <a:prstGeom prst="rect">
             <a:avLst/>
@@ -25736,7 +25679,7 @@
                 <a:uFillTx/>
                 <a:latin typeface="Consolas"/>
               </a:rPr>
-              <a:t>Exploit - 1day</a:t>
+              <a:t>Exploit - NOday</a:t>
             </a:r>
             <a:endParaRPr b="0" lang="en-US" sz="4350" spc="-1" strike="noStrike">
               <a:latin typeface="Arial"/>
@@ -25744,6 +25687,52 @@
           </a:p>
         </p:txBody>
       </p:sp>
+      <p:pic>
+        <p:nvPicPr>
+          <p:cNvPr id="341" name="Picture 8" descr="A drawing of a face&#10;&#10;Description automatically generated"/>
+          <p:cNvPicPr/>
+          <p:nvPr/>
+        </p:nvPicPr>
+        <p:blipFill>
+          <a:blip r:embed="rId1"/>
+          <a:stretch/>
+        </p:blipFill>
+        <p:spPr>
+          <a:xfrm>
+            <a:off x="8735040" y="213840"/>
+            <a:ext cx="946440" cy="709560"/>
+          </a:xfrm>
+          <a:prstGeom prst="rect">
+            <a:avLst/>
+          </a:prstGeom>
+          <a:ln w="0">
+            <a:noFill/>
+          </a:ln>
+        </p:spPr>
+      </p:pic>
+      <p:pic>
+        <p:nvPicPr>
+          <p:cNvPr id="342" name="Picture 9" descr="A drawing of a face&#10;&#10;Description automatically generated"/>
+          <p:cNvPicPr/>
+          <p:nvPr/>
+        </p:nvPicPr>
+        <p:blipFill>
+          <a:blip r:embed="rId2"/>
+          <a:stretch/>
+        </p:blipFill>
+        <p:spPr>
+          <a:xfrm>
+            <a:off x="10621440" y="5407200"/>
+            <a:ext cx="946440" cy="709560"/>
+          </a:xfrm>
+          <a:prstGeom prst="rect">
+            <a:avLst/>
+          </a:prstGeom>
+          <a:ln w="0">
+            <a:noFill/>
+          </a:ln>
+        </p:spPr>
+      </p:pic>
       <p:sp>
         <p:nvSpPr>
           <p:cNvPr id="343" name="PlaceHolder 2"/>
@@ -25757,7 +25746,7 @@
         <p:spPr>
           <a:xfrm>
             <a:off x="738720" y="1450800"/>
-            <a:ext cx="11131920" cy="4902840"/>
+            <a:ext cx="11131200" cy="3878640"/>
           </a:xfrm>
           <a:prstGeom prst="rect">
             <a:avLst/>
@@ -25792,7 +25781,7 @@
                 </a:solidFill>
                 <a:latin typeface="Calibri"/>
               </a:rPr>
-              <a:t>Na ten termin również natknąłem </a:t>
+              <a:t>Jakiś czas temu natknąłem się na ten termin </a:t>
             </a:r>
             <a:r>
               <a:rPr b="0" lang="pl-PL" sz="2660" spc="-1" strike="noStrike">
@@ -25801,7 +25790,7 @@
                 </a:solidFill>
                 <a:latin typeface="Calibri"/>
               </a:rPr>
-              <a:t>niedawno w społeczności</a:t>
+              <a:t>w społeczności</a:t>
             </a:r>
             <a:endParaRPr b="0" lang="en-US" sz="2660" spc="-1" strike="noStrike">
               <a:latin typeface="Arial"/>
@@ -25828,60 +25817,25 @@
                 </a:solidFill>
                 <a:latin typeface="Calibri"/>
               </a:rPr>
-              <a:t>Określenie to stosuje się w odniesieniu do exploitów, które powstały w wyniku uzyskania szczegółów technicznych na temat danej podatności </a:t>
-            </a:r>
-            <a:r>
-              <a:rPr b="0" lang="pl-PL" sz="2660" spc="-1" strike="noStrike">
-                <a:solidFill>
-                  <a:srgbClr val="000000"/>
-                </a:solidFill>
-                <a:latin typeface="Calibri"/>
-              </a:rPr>
-              <a:t>poprzez</a:t>
-            </a:r>
-            <a:r>
-              <a:rPr b="0" lang="en-US" sz="2660" spc="-1" strike="noStrike">
-                <a:solidFill>
-                  <a:srgbClr val="000000"/>
-                </a:solidFill>
-                <a:latin typeface="Calibri"/>
-              </a:rPr>
-              <a:t> analiz</a:t>
-            </a:r>
-            <a:r>
-              <a:rPr b="0" lang="pl-PL" sz="2660" spc="-1" strike="noStrike">
-                <a:solidFill>
-                  <a:srgbClr val="000000"/>
-                </a:solidFill>
-                <a:latin typeface="Calibri"/>
-              </a:rPr>
-              <a:t>ę</a:t>
-            </a:r>
-            <a:r>
-              <a:rPr b="0" lang="en-US" sz="2660" spc="-1" strike="noStrike">
-                <a:solidFill>
-                  <a:srgbClr val="000000"/>
-                </a:solidFill>
-                <a:latin typeface="Calibri"/>
-              </a:rPr>
-              <a:t> aktualizacji adresującej tę podatność:</a:t>
+              <a:t>Odnosi się do podatności (oraz eskplojtów je wykorzystujących), które nie zostały i prawdopodobnie nigdy nie zostaną zaadresowane przez producenta...</a:t>
             </a:r>
             <a:endParaRPr b="0" lang="en-US" sz="2660" spc="-1" strike="noStrike">
               <a:latin typeface="Arial"/>
             </a:endParaRPr>
           </a:p>
           <a:p>
-            <a:pPr>
+            <a:pPr marL="228600" indent="-228600">
               <a:lnSpc>
                 <a:spcPct val="90000"/>
               </a:lnSpc>
               <a:spcBef>
                 <a:spcPts val="1001"/>
               </a:spcBef>
-              <a:buNone/>
-              <a:tabLst>
-                <a:tab algn="l" pos="0"/>
-              </a:tabLst>
+              <a:buClr>
+                <a:srgbClr val="000000"/>
+              </a:buClr>
+              <a:buFont typeface="Arial"/>
+              <a:buChar char="•"/>
             </a:pPr>
             <a:r>
               <a:rPr b="0" lang="en-US" sz="2660" spc="-1" strike="noStrike">
@@ -25890,24 +25844,25 @@
                 </a:solidFill>
                 <a:latin typeface="Calibri"/>
               </a:rPr>
-              <a:t>1. Haker znajduje podatność w produkcie i informuje producenta</a:t>
+              <a:t>... ze względu na fakt, że dane oprogramowanie nie jest już rozwijane/wspierane (tzw. legacy systems)</a:t>
             </a:r>
             <a:endParaRPr b="0" lang="en-US" sz="2660" spc="-1" strike="noStrike">
               <a:latin typeface="Arial"/>
             </a:endParaRPr>
           </a:p>
           <a:p>
-            <a:pPr>
+            <a:pPr lvl="1" marL="685800" indent="-228600">
               <a:lnSpc>
                 <a:spcPct val="90000"/>
               </a:lnSpc>
               <a:spcBef>
-                <a:spcPts val="1001"/>
+                <a:spcPts val="499"/>
               </a:spcBef>
-              <a:buNone/>
-              <a:tabLst>
-                <a:tab algn="l" pos="0"/>
-              </a:tabLst>
+              <a:buClr>
+                <a:srgbClr val="000000"/>
+              </a:buClr>
+              <a:buFont typeface="Arial"/>
+              <a:buChar char="•"/>
             </a:pPr>
             <a:r>
               <a:rPr b="0" lang="en-US" sz="2660" spc="-1" strike="noStrike">
@@ -25916,24 +25871,25 @@
                 </a:solidFill>
                 <a:latin typeface="Calibri"/>
               </a:rPr>
-              <a:t>2. Producent publikuje nową wersję produktu, w której podatność jest załatana, jednocześnie publikowana jest informacja o podatności i aktualizacji, przypisana do numeru CVE</a:t>
+              <a:t>okres wsparcia przez producenta dobiegł końca (ang. End of Life support)</a:t>
             </a:r>
             <a:endParaRPr b="0" lang="en-US" sz="2660" spc="-1" strike="noStrike">
               <a:latin typeface="Arial"/>
             </a:endParaRPr>
           </a:p>
           <a:p>
-            <a:pPr>
+            <a:pPr lvl="1" marL="685800" indent="-228600">
               <a:lnSpc>
                 <a:spcPct val="90000"/>
               </a:lnSpc>
               <a:spcBef>
-                <a:spcPts val="1001"/>
+                <a:spcPts val="499"/>
               </a:spcBef>
-              <a:buNone/>
-              <a:tabLst>
-                <a:tab algn="l" pos="0"/>
-              </a:tabLst>
+              <a:buClr>
+                <a:srgbClr val="000000"/>
+              </a:buClr>
+              <a:buFont typeface="Arial"/>
+              <a:buChar char="•"/>
             </a:pPr>
             <a:r>
               <a:rPr b="0" lang="en-US" sz="2660" spc="-1" strike="noStrike">
@@ -25942,17 +25898,26 @@
                 </a:solidFill>
                 <a:latin typeface="Calibri"/>
               </a:rPr>
-              <a:t>3. Inny haker porównuje starą i nową wersję produktu (analiza kodu źródłowego lub inżynieria wsteczna - ang. </a:t>
-            </a:r>
-            <a:r>
-              <a:rPr b="0" i="1" lang="en-US" sz="2660" spc="-1" strike="noStrike">
-                <a:solidFill>
-                  <a:srgbClr val="000000"/>
-                </a:solidFill>
-                <a:latin typeface="Calibri"/>
-              </a:rPr>
-              <a:t>reverse engineering</a:t>
-            </a:r>
+              <a:t>producent już nie istnieje</a:t>
+            </a:r>
+            <a:endParaRPr b="0" lang="en-US" sz="2660" spc="-1" strike="noStrike">
+              <a:latin typeface="Arial"/>
+            </a:endParaRPr>
+          </a:p>
+          <a:p>
+            <a:pPr lvl="1" marL="685800" indent="-228600">
+              <a:lnSpc>
+                <a:spcPct val="90000"/>
+              </a:lnSpc>
+              <a:spcBef>
+                <a:spcPts val="499"/>
+              </a:spcBef>
+              <a:buClr>
+                <a:srgbClr val="000000"/>
+              </a:buClr>
+              <a:buFont typeface="Arial"/>
+              <a:buChar char="•"/>
+            </a:pPr>
             <a:r>
               <a:rPr b="0" lang="en-US" sz="2660" spc="-1" strike="noStrike">
                 <a:solidFill>
@@ -25960,7 +25925,7 @@
                 </a:solidFill>
                 <a:latin typeface="Calibri"/>
               </a:rPr>
-              <a:t>), by poznać szczegóły techniczne podatności a następnie napisać exploita.</a:t>
+              <a:t>programiści zajmujący się projektem nie są już zdolni do dalszego zaangażowania</a:t>
             </a:r>
             <a:endParaRPr b="0" lang="en-US" sz="2660" spc="-1" strike="noStrike">
               <a:latin typeface="Arial"/>
@@ -26010,8 +25975,8 @@
         </p:nvSpPr>
         <p:spPr>
           <a:xfrm>
-            <a:off x="2134440" y="109800"/>
-            <a:ext cx="8467560" cy="1550880"/>
+            <a:off x="738720" y="399240"/>
+            <a:ext cx="11375280" cy="1049760"/>
           </a:xfrm>
           <a:prstGeom prst="rect">
             <a:avLst/>
@@ -26040,7 +26005,7 @@
                 <a:uFillTx/>
                 <a:latin typeface="Consolas"/>
               </a:rPr>
-              <a:t>Sposoby mitygacji ryzyka wynikającego z podatności</a:t>
+              <a:t>Exploit - 1day</a:t>
             </a:r>
             <a:endParaRPr b="0" lang="en-US" sz="4350" spc="-1" strike="noStrike">
               <a:latin typeface="Arial"/>
@@ -26050,14 +26015,18 @@
       </p:sp>
       <p:sp>
         <p:nvSpPr>
-          <p:cNvPr id="345" name="TextBox 3"/>
-          <p:cNvSpPr/>
-          <p:nvPr/>
-        </p:nvSpPr>
-        <p:spPr>
-          <a:xfrm>
-            <a:off x="984600" y="1782360"/>
-            <a:ext cx="10391400" cy="4841640"/>
+          <p:cNvPr id="345" name="PlaceHolder 2"/>
+          <p:cNvSpPr>
+            <a:spLocks noGrp="1"/>
+          </p:cNvSpPr>
+          <p:nvPr>
+            <p:ph/>
+          </p:nvPr>
+        </p:nvSpPr>
+        <p:spPr>
+          <a:xfrm>
+            <a:off x="738720" y="1450800"/>
+            <a:ext cx="11131200" cy="4902120"/>
           </a:xfrm>
           <a:prstGeom prst="rect">
             <a:avLst/>
@@ -26067,21 +26036,18 @@
             <a:noFill/>
           </a:ln>
         </p:spPr>
-        <p:style>
-          <a:lnRef idx="0"/>
-          <a:fillRef idx="0"/>
-          <a:effectRef idx="0"/>
-          <a:fontRef idx="minor"/>
-        </p:style>
         <p:txBody>
           <a:bodyPr lIns="90000" rIns="90000" tIns="45000" bIns="45000" anchor="t">
-            <a:spAutoFit/>
+            <a:noAutofit/>
           </a:bodyPr>
           <a:p>
-            <a:pPr marL="457200" indent="-457200">
-              <a:lnSpc>
-                <a:spcPct val="100000"/>
-              </a:lnSpc>
+            <a:pPr marL="228600" indent="-228600">
+              <a:lnSpc>
+                <a:spcPct val="90000"/>
+              </a:lnSpc>
+              <a:spcBef>
+                <a:spcPts val="1001"/>
+              </a:spcBef>
               <a:buClr>
                 <a:srgbClr val="000000"/>
               </a:buClr>
@@ -26089,24 +26055,35 @@
               <a:buChar char="•"/>
             </a:pPr>
             <a:r>
-              <a:rPr b="0" lang="en-US" sz="2600" spc="-1" strike="noStrike">
-                <a:solidFill>
-                  <a:srgbClr val="000000"/>
-                </a:solidFill>
-                <a:latin typeface="Calibri"/>
-                <a:ea typeface="DejaVu Sans"/>
-              </a:rPr>
-              <a:t>Załatanie podatności (na poziomie implementacyjnym, tj. wydanie nowej wersji oprogramowania/łatki)</a:t>
-            </a:r>
-            <a:endParaRPr b="0" lang="en-US" sz="2600" spc="-1" strike="noStrike">
-              <a:latin typeface="Arial"/>
-            </a:endParaRPr>
-          </a:p>
-          <a:p>
-            <a:pPr marL="457200" indent="-457200">
-              <a:lnSpc>
-                <a:spcPct val="100000"/>
-              </a:lnSpc>
+              <a:rPr b="0" lang="en-US" sz="2660" spc="-1" strike="noStrike">
+                <a:solidFill>
+                  <a:srgbClr val="000000"/>
+                </a:solidFill>
+                <a:latin typeface="Calibri"/>
+              </a:rPr>
+              <a:t>Na ten termin również natknąłem </a:t>
+            </a:r>
+            <a:r>
+              <a:rPr b="0" lang="pl-PL" sz="2660" spc="-1" strike="noStrike">
+                <a:solidFill>
+                  <a:srgbClr val="000000"/>
+                </a:solidFill>
+                <a:latin typeface="Calibri"/>
+              </a:rPr>
+              <a:t>niedawno w społeczności</a:t>
+            </a:r>
+            <a:endParaRPr b="0" lang="en-US" sz="2660" spc="-1" strike="noStrike">
+              <a:latin typeface="Arial"/>
+            </a:endParaRPr>
+          </a:p>
+          <a:p>
+            <a:pPr marL="228600" indent="-228600">
+              <a:lnSpc>
+                <a:spcPct val="90000"/>
+              </a:lnSpc>
+              <a:spcBef>
+                <a:spcPts val="1001"/>
+              </a:spcBef>
               <a:buClr>
                 <a:srgbClr val="000000"/>
               </a:buClr>
@@ -26114,182 +26091,147 @@
               <a:buChar char="•"/>
             </a:pPr>
             <a:r>
-              <a:rPr b="0" lang="en-US" sz="2600" spc="-1" strike="noStrike">
-                <a:solidFill>
-                  <a:srgbClr val="000000"/>
-                </a:solidFill>
-                <a:latin typeface="Calibri"/>
-                <a:ea typeface="DejaVu Sans"/>
-              </a:rPr>
-              <a:t>Ograniczenie możliwości interakcji z danym systemem</a:t>
-            </a:r>
-            <a:endParaRPr b="0" lang="en-US" sz="2600" spc="-1" strike="noStrike">
-              <a:latin typeface="Arial"/>
-            </a:endParaRPr>
-          </a:p>
-          <a:p>
-            <a:pPr lvl="1" marL="914400" indent="-457200">
-              <a:lnSpc>
-                <a:spcPct val="100000"/>
-              </a:lnSpc>
-              <a:buClr>
-                <a:srgbClr val="000000"/>
-              </a:buClr>
-              <a:buFont typeface="Arial"/>
-              <a:buChar char="•"/>
-            </a:pPr>
-            <a:r>
-              <a:rPr b="0" lang="en-US" sz="2600" spc="-1" strike="noStrike">
-                <a:solidFill>
-                  <a:srgbClr val="000000"/>
-                </a:solidFill>
-                <a:latin typeface="Calibri"/>
-                <a:ea typeface="DejaVu Sans"/>
-              </a:rPr>
-              <a:t>fizycznie</a:t>
-            </a:r>
-            <a:endParaRPr b="0" lang="en-US" sz="2600" spc="-1" strike="noStrike">
-              <a:latin typeface="Arial"/>
-            </a:endParaRPr>
-          </a:p>
-          <a:p>
-            <a:pPr lvl="1" marL="914400" indent="-457200">
-              <a:lnSpc>
-                <a:spcPct val="100000"/>
-              </a:lnSpc>
-              <a:buClr>
-                <a:srgbClr val="000000"/>
-              </a:buClr>
-              <a:buFont typeface="Arial"/>
-              <a:buChar char="•"/>
-            </a:pPr>
-            <a:r>
-              <a:rPr b="0" lang="en-US" sz="2600" spc="-1" strike="noStrike">
-                <a:solidFill>
-                  <a:srgbClr val="000000"/>
-                </a:solidFill>
-                <a:latin typeface="Calibri"/>
-                <a:ea typeface="DejaVu Sans"/>
-              </a:rPr>
-              <a:t>sieciowo (segmentacja, routing, firewall)</a:t>
-            </a:r>
-            <a:endParaRPr b="0" lang="en-US" sz="2600" spc="-1" strike="noStrike">
-              <a:latin typeface="Arial"/>
-            </a:endParaRPr>
-          </a:p>
-          <a:p>
-            <a:pPr marL="457200" indent="-457200">
-              <a:lnSpc>
-                <a:spcPct val="100000"/>
-              </a:lnSpc>
-              <a:buClr>
-                <a:srgbClr val="000000"/>
-              </a:buClr>
-              <a:buFont typeface="Arial"/>
-              <a:buChar char="•"/>
-            </a:pPr>
-            <a:r>
-              <a:rPr b="0" lang="en-US" sz="2600" spc="-1" strike="noStrike">
-                <a:solidFill>
-                  <a:srgbClr val="000000"/>
-                </a:solidFill>
-                <a:latin typeface="Calibri"/>
-                <a:ea typeface="DejaVu Sans"/>
-              </a:rPr>
-              <a:t>Zmodyfikowanie systemu i środowiska tak, by atak był bardziej skomplikowany, czasochłonny i ogólnie kosztowny w wykonaniu (ang. </a:t>
-            </a:r>
-            <a:r>
-              <a:rPr b="0" i="1" lang="en-US" sz="2600" spc="-1" strike="noStrike">
-                <a:solidFill>
-                  <a:srgbClr val="000000"/>
-                </a:solidFill>
-                <a:latin typeface="Calibri"/>
-                <a:ea typeface="DejaVu Sans"/>
-              </a:rPr>
-              <a:t>raise the attacker cost</a:t>
-            </a:r>
-            <a:r>
-              <a:rPr b="0" lang="en-US" sz="2600" spc="-1" strike="noStrike">
-                <a:solidFill>
-                  <a:srgbClr val="000000"/>
-                </a:solidFill>
-                <a:latin typeface="Calibri"/>
-                <a:ea typeface="DejaVu Sans"/>
-              </a:rPr>
-              <a:t>)</a:t>
-            </a:r>
-            <a:endParaRPr b="0" lang="en-US" sz="2600" spc="-1" strike="noStrike">
-              <a:latin typeface="Arial"/>
-            </a:endParaRPr>
-          </a:p>
-          <a:p>
-            <a:pPr marL="457200" indent="-457200">
-              <a:lnSpc>
-                <a:spcPct val="100000"/>
-              </a:lnSpc>
-              <a:buClr>
-                <a:srgbClr val="000000"/>
-              </a:buClr>
-              <a:buFont typeface="Arial"/>
-              <a:buChar char="•"/>
-            </a:pPr>
-            <a:r>
-              <a:rPr b="0" lang="en-US" sz="2600" spc="-1" strike="noStrike">
-                <a:solidFill>
-                  <a:srgbClr val="000000"/>
-                </a:solidFill>
-                <a:latin typeface="Calibri"/>
-                <a:ea typeface="DejaVu Sans"/>
-              </a:rPr>
-              <a:t>Wykrywanie i reagowanie (nie wszystkim atakom da się zapobiec)</a:t>
-            </a:r>
-            <a:endParaRPr b="0" lang="en-US" sz="2600" spc="-1" strike="noStrike">
-              <a:latin typeface="Arial"/>
-            </a:endParaRPr>
-          </a:p>
-          <a:p>
-            <a:pPr marL="457200" indent="-457200">
-              <a:lnSpc>
-                <a:spcPct val="100000"/>
-              </a:lnSpc>
-              <a:buClr>
-                <a:srgbClr val="000000"/>
-              </a:buClr>
-              <a:buFont typeface="Arial"/>
-              <a:buChar char="•"/>
-            </a:pPr>
-            <a:r>
-              <a:rPr b="0" lang="en-US" sz="2600" spc="-1" strike="noStrike">
-                <a:solidFill>
-                  <a:srgbClr val="000000"/>
-                </a:solidFill>
-                <a:latin typeface="Calibri"/>
-                <a:ea typeface="DejaVu Sans"/>
-              </a:rPr>
-              <a:t>Różne kombinacje wszystkich powyższych (warstwy) - w zależności od wielu czynników różni się zakres możliwości zabezpieczenia systemu</a:t>
-            </a:r>
-            <a:endParaRPr b="0" lang="en-US" sz="2600" spc="-1" strike="noStrike">
+              <a:rPr b="0" lang="en-US" sz="2660" spc="-1" strike="noStrike">
+                <a:solidFill>
+                  <a:srgbClr val="000000"/>
+                </a:solidFill>
+                <a:latin typeface="Calibri"/>
+              </a:rPr>
+              <a:t>Określenie to stosuje się w odniesieniu do exploitów, które powstały w wyniku uzyskania szczegółów technicznych na temat danej podatności </a:t>
+            </a:r>
+            <a:r>
+              <a:rPr b="0" lang="pl-PL" sz="2660" spc="-1" strike="noStrike">
+                <a:solidFill>
+                  <a:srgbClr val="000000"/>
+                </a:solidFill>
+                <a:latin typeface="Calibri"/>
+              </a:rPr>
+              <a:t>poprzez</a:t>
+            </a:r>
+            <a:r>
+              <a:rPr b="0" lang="en-US" sz="2660" spc="-1" strike="noStrike">
+                <a:solidFill>
+                  <a:srgbClr val="000000"/>
+                </a:solidFill>
+                <a:latin typeface="Calibri"/>
+              </a:rPr>
+              <a:t> analiz</a:t>
+            </a:r>
+            <a:r>
+              <a:rPr b="0" lang="pl-PL" sz="2660" spc="-1" strike="noStrike">
+                <a:solidFill>
+                  <a:srgbClr val="000000"/>
+                </a:solidFill>
+                <a:latin typeface="Calibri"/>
+              </a:rPr>
+              <a:t>ę</a:t>
+            </a:r>
+            <a:r>
+              <a:rPr b="0" lang="en-US" sz="2660" spc="-1" strike="noStrike">
+                <a:solidFill>
+                  <a:srgbClr val="000000"/>
+                </a:solidFill>
+                <a:latin typeface="Calibri"/>
+              </a:rPr>
+              <a:t> aktualizacji adresującej tę podatność:</a:t>
+            </a:r>
+            <a:endParaRPr b="0" lang="en-US" sz="2660" spc="-1" strike="noStrike">
               <a:latin typeface="Arial"/>
             </a:endParaRPr>
           </a:p>
           <a:p>
             <a:pPr>
               <a:lnSpc>
-                <a:spcPct val="100000"/>
-              </a:lnSpc>
-              <a:buNone/>
-            </a:pPr>
-            <a:r>
-              <a:rPr b="0" lang="en-US" sz="2600" spc="-1" strike="noStrike">
-                <a:solidFill>
-                  <a:srgbClr val="000000"/>
-                </a:solidFill>
-                <a:latin typeface="Calibri"/>
-                <a:ea typeface="DejaVu Sans"/>
-              </a:rPr>
-              <a:t>	</a:t>
-            </a:r>
-            <a:endParaRPr b="0" lang="en-US" sz="2600" spc="-1" strike="noStrike">
+                <a:spcPct val="90000"/>
+              </a:lnSpc>
+              <a:spcBef>
+                <a:spcPts val="1001"/>
+              </a:spcBef>
+              <a:buNone/>
+              <a:tabLst>
+                <a:tab algn="l" pos="0"/>
+              </a:tabLst>
+            </a:pPr>
+            <a:r>
+              <a:rPr b="0" lang="en-US" sz="2660" spc="-1" strike="noStrike">
+                <a:solidFill>
+                  <a:srgbClr val="000000"/>
+                </a:solidFill>
+                <a:latin typeface="Calibri"/>
+              </a:rPr>
+              <a:t>1. Haker znajduje podatność w produkcie i informuje producenta</a:t>
+            </a:r>
+            <a:endParaRPr b="0" lang="en-US" sz="2660" spc="-1" strike="noStrike">
+              <a:latin typeface="Arial"/>
+            </a:endParaRPr>
+          </a:p>
+          <a:p>
+            <a:pPr>
+              <a:lnSpc>
+                <a:spcPct val="90000"/>
+              </a:lnSpc>
+              <a:spcBef>
+                <a:spcPts val="1001"/>
+              </a:spcBef>
+              <a:buNone/>
+              <a:tabLst>
+                <a:tab algn="l" pos="0"/>
+              </a:tabLst>
+            </a:pPr>
+            <a:r>
+              <a:rPr b="0" lang="en-US" sz="2660" spc="-1" strike="noStrike">
+                <a:solidFill>
+                  <a:srgbClr val="000000"/>
+                </a:solidFill>
+                <a:latin typeface="Calibri"/>
+              </a:rPr>
+              <a:t>2. Producent publikuje nową wersję produktu, w której podatność jest załatana, jednocześnie publikowana jest informacja o podatności i aktualizacji, przypisana do numeru CVE</a:t>
+            </a:r>
+            <a:endParaRPr b="0" lang="en-US" sz="2660" spc="-1" strike="noStrike">
+              <a:latin typeface="Arial"/>
+            </a:endParaRPr>
+          </a:p>
+          <a:p>
+            <a:pPr>
+              <a:lnSpc>
+                <a:spcPct val="90000"/>
+              </a:lnSpc>
+              <a:spcBef>
+                <a:spcPts val="1001"/>
+              </a:spcBef>
+              <a:buNone/>
+              <a:tabLst>
+                <a:tab algn="l" pos="0"/>
+              </a:tabLst>
+            </a:pPr>
+            <a:r>
+              <a:rPr b="0" lang="en-US" sz="2660" spc="-1" strike="noStrike">
+                <a:solidFill>
+                  <a:srgbClr val="000000"/>
+                </a:solidFill>
+                <a:latin typeface="Calibri"/>
+              </a:rPr>
+              <a:t>3. Inny haker porównuje starą i nową wersję produktu (analiza kodu źródłowego lub inżynieria wsteczna - ang. </a:t>
+            </a:r>
+            <a:r>
+              <a:rPr b="0" i="1" lang="en-US" sz="2660" spc="-1" strike="noStrike">
+                <a:solidFill>
+                  <a:srgbClr val="000000"/>
+                </a:solidFill>
+                <a:latin typeface="Calibri"/>
+              </a:rPr>
+              <a:t>reverse engineering</a:t>
+            </a:r>
+            <a:r>
+              <a:rPr b="0" lang="en-US" sz="2660" spc="-1" strike="noStrike">
+                <a:solidFill>
+                  <a:srgbClr val="000000"/>
+                </a:solidFill>
+                <a:latin typeface="Calibri"/>
+              </a:rPr>
+              <a:t>), by poznać szczegóły techniczne podatności a następnie napisać exploita.</a:t>
+            </a:r>
+            <a:endParaRPr b="0" lang="en-US" sz="2660" spc="-1" strike="noStrike">
               <a:latin typeface="Arial"/>
             </a:endParaRPr>
           </a:p>
@@ -26309,6 +26251,411 @@
 </file>
 
 <file path=ppt/slides/slide78.xml><?xml version="1.0" encoding="utf-8"?>
+<p:sld xmlns:a="http://schemas.openxmlformats.org/drawingml/2006/main" xmlns:p="http://schemas.openxmlformats.org/presentationml/2006/main" xmlns:r="http://schemas.openxmlformats.org/officeDocument/2006/relationships" xmlns:p14="http://schemas.microsoft.com/office/powerpoint/2010/main" xmlns:p15="http://schemas.microsoft.com/office/powerpoint/2012/main" xmlns:mc="http://schemas.openxmlformats.org/markup-compatibility/2006">
+  <p:cSld>
+    <p:spTree>
+      <p:nvGrpSpPr>
+        <p:cNvPr id="1" name=""/>
+        <p:cNvGrpSpPr/>
+        <p:nvPr/>
+      </p:nvGrpSpPr>
+      <p:grpSpPr>
+        <a:xfrm>
+          <a:off x="0" y="0"/>
+          <a:ext cx="0" cy="0"/>
+          <a:chOff x="0" y="0"/>
+          <a:chExt cx="0" cy="0"/>
+        </a:xfrm>
+      </p:grpSpPr>
+      <p:sp>
+        <p:nvSpPr>
+          <p:cNvPr id="346" name="TextBox 3"/>
+          <p:cNvSpPr/>
+          <p:nvPr/>
+        </p:nvSpPr>
+        <p:spPr>
+          <a:xfrm>
+            <a:off x="984600" y="1782360"/>
+            <a:ext cx="10390680" cy="5210280"/>
+          </a:xfrm>
+          <a:prstGeom prst="rect">
+            <a:avLst/>
+          </a:prstGeom>
+          <a:noFill/>
+          <a:ln w="0">
+            <a:noFill/>
+          </a:ln>
+        </p:spPr>
+        <p:style>
+          <a:lnRef idx="0"/>
+          <a:fillRef idx="0"/>
+          <a:effectRef idx="0"/>
+          <a:fontRef idx="minor"/>
+        </p:style>
+        <p:txBody>
+          <a:bodyPr lIns="90000" rIns="90000" tIns="45000" bIns="45000" anchor="t">
+            <a:spAutoFit/>
+          </a:bodyPr>
+          <a:p>
+            <a:pPr marL="457200" indent="-457200">
+              <a:lnSpc>
+                <a:spcPct val="100000"/>
+              </a:lnSpc>
+              <a:buClr>
+                <a:srgbClr val="000000"/>
+              </a:buClr>
+              <a:buFont typeface="Arial"/>
+              <a:buChar char="•"/>
+            </a:pPr>
+            <a:r>
+              <a:rPr b="0" lang="en-US" sz="2400" spc="-1" strike="noStrike">
+                <a:solidFill>
+                  <a:srgbClr val="000000"/>
+                </a:solidFill>
+                <a:latin typeface="Calibri"/>
+                <a:ea typeface="DejaVu Sans"/>
+              </a:rPr>
+              <a:t>Akceptacja ryzyka (nie robimy nic)</a:t>
+            </a:r>
+            <a:endParaRPr b="0" lang="en-US" sz="2400" spc="-1" strike="noStrike">
+              <a:latin typeface="Arial"/>
+            </a:endParaRPr>
+          </a:p>
+          <a:p>
+            <a:pPr marL="457200" indent="-457200">
+              <a:lnSpc>
+                <a:spcPct val="100000"/>
+              </a:lnSpc>
+              <a:buClr>
+                <a:srgbClr val="000000"/>
+              </a:buClr>
+              <a:buFont typeface="Arial"/>
+              <a:buChar char="•"/>
+            </a:pPr>
+            <a:r>
+              <a:rPr b="0" lang="en-US" sz="2400" spc="-1" strike="noStrike">
+                <a:solidFill>
+                  <a:srgbClr val="000000"/>
+                </a:solidFill>
+                <a:latin typeface="Calibri"/>
+                <a:ea typeface="DejaVu Sans"/>
+              </a:rPr>
+              <a:t>Transfer ryzyka (ubezpieczenie)</a:t>
+            </a:r>
+            <a:endParaRPr b="0" lang="en-US" sz="2400" spc="-1" strike="noStrike">
+              <a:latin typeface="Arial"/>
+            </a:endParaRPr>
+          </a:p>
+          <a:p>
+            <a:pPr marL="457200" indent="-457200">
+              <a:lnSpc>
+                <a:spcPct val="100000"/>
+              </a:lnSpc>
+              <a:buClr>
+                <a:srgbClr val="000000"/>
+              </a:buClr>
+              <a:buFont typeface="Arial"/>
+              <a:buChar char="•"/>
+            </a:pPr>
+            <a:r>
+              <a:rPr b="0" lang="en-US" sz="2400" spc="-1" strike="noStrike">
+                <a:solidFill>
+                  <a:srgbClr val="000000"/>
+                </a:solidFill>
+                <a:latin typeface="Calibri"/>
+                <a:ea typeface="DejaVu Sans"/>
+              </a:rPr>
+              <a:t>Załatanie podatności (na poziomie implementacyjnym, tj. wydanie nowej wersji oprogramowania/łatki)</a:t>
+            </a:r>
+            <a:endParaRPr b="0" lang="en-US" sz="2400" spc="-1" strike="noStrike">
+              <a:latin typeface="Arial"/>
+            </a:endParaRPr>
+          </a:p>
+          <a:p>
+            <a:pPr marL="457200" indent="-457200">
+              <a:lnSpc>
+                <a:spcPct val="100000"/>
+              </a:lnSpc>
+              <a:buClr>
+                <a:srgbClr val="000000"/>
+              </a:buClr>
+              <a:buFont typeface="Arial"/>
+              <a:buChar char="•"/>
+            </a:pPr>
+            <a:r>
+              <a:rPr b="0" lang="en-US" sz="2400" spc="-1" strike="noStrike">
+                <a:solidFill>
+                  <a:srgbClr val="000000"/>
+                </a:solidFill>
+                <a:latin typeface="Calibri"/>
+                <a:ea typeface="DejaVu Sans"/>
+              </a:rPr>
+              <a:t>Ograniczenie możliwości interakcji z danym systemem</a:t>
+            </a:r>
+            <a:endParaRPr b="0" lang="en-US" sz="2400" spc="-1" strike="noStrike">
+              <a:latin typeface="Arial"/>
+            </a:endParaRPr>
+          </a:p>
+          <a:p>
+            <a:pPr lvl="1" marL="914400" indent="-457200">
+              <a:lnSpc>
+                <a:spcPct val="100000"/>
+              </a:lnSpc>
+              <a:buClr>
+                <a:srgbClr val="000000"/>
+              </a:buClr>
+              <a:buFont typeface="Arial"/>
+              <a:buChar char="•"/>
+            </a:pPr>
+            <a:r>
+              <a:rPr b="0" lang="en-US" sz="2400" spc="-1" strike="noStrike">
+                <a:solidFill>
+                  <a:srgbClr val="000000"/>
+                </a:solidFill>
+                <a:latin typeface="Calibri"/>
+                <a:ea typeface="DejaVu Sans"/>
+              </a:rPr>
+              <a:t>fizycznie</a:t>
+            </a:r>
+            <a:endParaRPr b="0" lang="en-US" sz="2400" spc="-1" strike="noStrike">
+              <a:latin typeface="Arial"/>
+            </a:endParaRPr>
+          </a:p>
+          <a:p>
+            <a:pPr lvl="1" marL="914400" indent="-457200">
+              <a:lnSpc>
+                <a:spcPct val="100000"/>
+              </a:lnSpc>
+              <a:buClr>
+                <a:srgbClr val="000000"/>
+              </a:buClr>
+              <a:buFont typeface="Arial"/>
+              <a:buChar char="•"/>
+            </a:pPr>
+            <a:r>
+              <a:rPr b="0" lang="en-US" sz="2400" spc="-1" strike="noStrike">
+                <a:solidFill>
+                  <a:srgbClr val="000000"/>
+                </a:solidFill>
+                <a:latin typeface="Calibri"/>
+                <a:ea typeface="DejaVu Sans"/>
+              </a:rPr>
+              <a:t>sieciowo (segmentacja, routing, firewall)</a:t>
+            </a:r>
+            <a:endParaRPr b="0" lang="en-US" sz="2400" spc="-1" strike="noStrike">
+              <a:latin typeface="Arial"/>
+            </a:endParaRPr>
+          </a:p>
+          <a:p>
+            <a:pPr marL="457200" indent="-457200">
+              <a:lnSpc>
+                <a:spcPct val="100000"/>
+              </a:lnSpc>
+              <a:buClr>
+                <a:srgbClr val="000000"/>
+              </a:buClr>
+              <a:buFont typeface="Arial"/>
+              <a:buChar char="•"/>
+            </a:pPr>
+            <a:r>
+              <a:rPr b="0" lang="en-US" sz="2400" spc="-1" strike="noStrike">
+                <a:solidFill>
+                  <a:srgbClr val="000000"/>
+                </a:solidFill>
+                <a:latin typeface="Calibri"/>
+                <a:ea typeface="DejaVu Sans"/>
+              </a:rPr>
+              <a:t>Zmodyfikowanie systemu i środowiska tak, by atak był bardziej skomplikowany, czasochłonny i ogólnie kosztowny w wykonaniu (ang. </a:t>
+            </a:r>
+            <a:r>
+              <a:rPr b="0" i="1" lang="en-US" sz="2400" spc="-1" strike="noStrike">
+                <a:solidFill>
+                  <a:srgbClr val="000000"/>
+                </a:solidFill>
+                <a:latin typeface="Calibri"/>
+                <a:ea typeface="DejaVu Sans"/>
+              </a:rPr>
+              <a:t>raise the attacker cost</a:t>
+            </a:r>
+            <a:r>
+              <a:rPr b="0" lang="en-US" sz="2400" spc="-1" strike="noStrike">
+                <a:solidFill>
+                  <a:srgbClr val="000000"/>
+                </a:solidFill>
+                <a:latin typeface="Calibri"/>
+                <a:ea typeface="DejaVu Sans"/>
+              </a:rPr>
+              <a:t>)</a:t>
+            </a:r>
+            <a:endParaRPr b="0" lang="en-US" sz="2400" spc="-1" strike="noStrike">
+              <a:latin typeface="Arial"/>
+            </a:endParaRPr>
+          </a:p>
+          <a:p>
+            <a:pPr marL="457200" indent="-457200">
+              <a:lnSpc>
+                <a:spcPct val="100000"/>
+              </a:lnSpc>
+              <a:buClr>
+                <a:srgbClr val="000000"/>
+              </a:buClr>
+              <a:buFont typeface="Arial"/>
+              <a:buChar char="•"/>
+            </a:pPr>
+            <a:r>
+              <a:rPr b="0" lang="en-US" sz="2400" spc="-1" strike="noStrike">
+                <a:solidFill>
+                  <a:srgbClr val="000000"/>
+                </a:solidFill>
+                <a:latin typeface="Calibri"/>
+                <a:ea typeface="DejaVu Sans"/>
+              </a:rPr>
+              <a:t>Odinstalowanie aplikacji</a:t>
+            </a:r>
+            <a:endParaRPr b="0" lang="en-US" sz="2400" spc="-1" strike="noStrike">
+              <a:latin typeface="Arial"/>
+            </a:endParaRPr>
+          </a:p>
+          <a:p>
+            <a:pPr marL="457200" indent="-457200">
+              <a:lnSpc>
+                <a:spcPct val="100000"/>
+              </a:lnSpc>
+              <a:buClr>
+                <a:srgbClr val="000000"/>
+              </a:buClr>
+              <a:buFont typeface="Arial"/>
+              <a:buChar char="•"/>
+            </a:pPr>
+            <a:r>
+              <a:rPr b="0" lang="en-US" sz="2400" spc="-1" strike="noStrike">
+                <a:solidFill>
+                  <a:srgbClr val="000000"/>
+                </a:solidFill>
+                <a:latin typeface="Calibri"/>
+                <a:ea typeface="DejaVu Sans"/>
+              </a:rPr>
+              <a:t>Wykrywanie i reagowanie (nie wszystkim atakom da się zapobiec)</a:t>
+            </a:r>
+            <a:endParaRPr b="0" lang="en-US" sz="2400" spc="-1" strike="noStrike">
+              <a:latin typeface="Arial"/>
+            </a:endParaRPr>
+          </a:p>
+          <a:p>
+            <a:pPr marL="457200" indent="-457200">
+              <a:lnSpc>
+                <a:spcPct val="100000"/>
+              </a:lnSpc>
+              <a:buClr>
+                <a:srgbClr val="000000"/>
+              </a:buClr>
+              <a:buFont typeface="Arial"/>
+              <a:buChar char="•"/>
+            </a:pPr>
+            <a:r>
+              <a:rPr b="0" lang="en-US" sz="2400" spc="-1" strike="noStrike">
+                <a:solidFill>
+                  <a:srgbClr val="000000"/>
+                </a:solidFill>
+                <a:latin typeface="Calibri"/>
+                <a:ea typeface="DejaVu Sans"/>
+              </a:rPr>
+              <a:t>Różne kombinacje powyższych (warstwy) - w zależności od wielu czynników różni się zakres możliwości zabezpieczenia systemu</a:t>
+            </a:r>
+            <a:endParaRPr b="0" lang="en-US" sz="2400" spc="-1" strike="noStrike">
+              <a:latin typeface="Arial"/>
+            </a:endParaRPr>
+          </a:p>
+          <a:p>
+            <a:pPr marL="457200" indent="-457200">
+              <a:lnSpc>
+                <a:spcPct val="100000"/>
+              </a:lnSpc>
+              <a:buNone/>
+              <a:tabLst>
+                <a:tab algn="l" pos="0"/>
+              </a:tabLst>
+            </a:pPr>
+            <a:r>
+              <a:rPr b="0" lang="en-US" sz="2400" spc="-1" strike="noStrike">
+                <a:solidFill>
+                  <a:srgbClr val="000000"/>
+                </a:solidFill>
+                <a:latin typeface="Calibri"/>
+                <a:ea typeface="DejaVu Sans"/>
+              </a:rPr>
+              <a:t>	</a:t>
+            </a:r>
+            <a:endParaRPr b="0" lang="en-US" sz="2400" spc="-1" strike="noStrike">
+              <a:latin typeface="Arial"/>
+            </a:endParaRPr>
+          </a:p>
+        </p:txBody>
+      </p:sp>
+      <p:sp>
+        <p:nvSpPr>
+          <p:cNvPr id="347" name="PlaceHolder 1"/>
+          <p:cNvSpPr>
+            <a:spLocks noGrp="1"/>
+          </p:cNvSpPr>
+          <p:nvPr>
+            <p:ph type="title"/>
+          </p:nvPr>
+        </p:nvSpPr>
+        <p:spPr>
+          <a:xfrm>
+            <a:off x="2134440" y="109800"/>
+            <a:ext cx="8466840" cy="1550160"/>
+          </a:xfrm>
+          <a:prstGeom prst="rect">
+            <a:avLst/>
+          </a:prstGeom>
+          <a:noFill/>
+          <a:ln w="0">
+            <a:noFill/>
+          </a:ln>
+        </p:spPr>
+        <p:txBody>
+          <a:bodyPr lIns="90000" rIns="90000" tIns="45000" bIns="45000" anchor="ctr">
+            <a:noAutofit/>
+          </a:bodyPr>
+          <a:p>
+            <a:pPr algn="ctr">
+              <a:lnSpc>
+                <a:spcPct val="90000"/>
+              </a:lnSpc>
+              <a:buNone/>
+            </a:pPr>
+            <a:r>
+              <a:rPr b="1" lang="en-US" sz="4350" spc="-1" strike="noStrike" u="sng">
+                <a:solidFill>
+                  <a:srgbClr val="000000"/>
+                </a:solidFill>
+                <a:uFillTx/>
+                <a:latin typeface="Consolas"/>
+              </a:rPr>
+              <a:t>Sposoby podejścia do ryzyka wynikającego z podatności</a:t>
+            </a:r>
+            <a:endParaRPr b="0" lang="en-US" sz="4350" spc="-1" strike="noStrike">
+              <a:latin typeface="Arial"/>
+            </a:endParaRPr>
+          </a:p>
+        </p:txBody>
+      </p:sp>
+    </p:spTree>
+  </p:cSld>
+  <mc:AlternateContent>
+    <mc:Choice Requires="p14">
+      <p:transition spd="slow" p14:dur="2000"/>
+    </mc:Choice>
+    <mc:Fallback>
+      <p:transition spd="slow"/>
+    </mc:Fallback>
+  </mc:AlternateContent>
+</p:sld>
+</file>
+
+<file path=ppt/slides/slide79.xml><?xml version="1.0" encoding="utf-8"?>
 <p:sld xmlns:a="http://schemas.openxmlformats.org/drawingml/2006/main" xmlns:p="http://schemas.openxmlformats.org/presentationml/2006/main" xmlns:r="http://schemas.openxmlformats.org/officeDocument/2006/relationships" xmlns:p14="http://schemas.microsoft.com/office/powerpoint/2010/main" xmlns:p15="http://schemas.microsoft.com/office/powerpoint/2012/main" xmlns:mc="http://schemas.openxmlformats.org/markup-compatibility/2006">
   <p:cSld>
     <p:bg>
@@ -26335,14 +26682,14 @@
       </p:grpSpPr>
       <p:sp>
         <p:nvSpPr>
-          <p:cNvPr id="346" name="object 6"/>
+          <p:cNvPr id="348" name="object 6"/>
           <p:cNvSpPr/>
           <p:nvPr/>
         </p:nvSpPr>
         <p:spPr>
           <a:xfrm>
             <a:off x="1540440" y="3153240"/>
-            <a:ext cx="9150480" cy="546480"/>
+            <a:ext cx="9149760" cy="546480"/>
           </a:xfrm>
           <a:prstGeom prst="rect">
             <a:avLst/>
@@ -26391,14 +26738,14 @@
       </p:sp>
       <p:sp>
         <p:nvSpPr>
-          <p:cNvPr id="347" name="object 10"/>
+          <p:cNvPr id="349" name="object 10"/>
           <p:cNvSpPr/>
           <p:nvPr/>
         </p:nvSpPr>
         <p:spPr>
           <a:xfrm>
             <a:off x="7395480" y="3561480"/>
-            <a:ext cx="26280" cy="62280"/>
+            <a:ext cx="25560" cy="62280"/>
           </a:xfrm>
           <a:prstGeom prst="rect">
             <a:avLst/>
@@ -26436,175 +26783,6 @@
               <a:t>'</a:t>
             </a:r>
             <a:endParaRPr b="0" lang="en-US" sz="410" spc="-1" strike="noStrike">
-              <a:latin typeface="Arial"/>
-            </a:endParaRPr>
-          </a:p>
-        </p:txBody>
-      </p:sp>
-    </p:spTree>
-  </p:cSld>
-  <mc:AlternateContent>
-    <mc:Choice Requires="p14">
-      <p:transition spd="slow" p14:dur="2000"/>
-    </mc:Choice>
-    <mc:Fallback>
-      <p:transition spd="slow"/>
-    </mc:Fallback>
-  </mc:AlternateContent>
-</p:sld>
-</file>
-
-<file path=ppt/slides/slide79.xml><?xml version="1.0" encoding="utf-8"?>
-<p:sld xmlns:a="http://schemas.openxmlformats.org/drawingml/2006/main" xmlns:p="http://schemas.openxmlformats.org/presentationml/2006/main" xmlns:r="http://schemas.openxmlformats.org/officeDocument/2006/relationships" xmlns:p14="http://schemas.microsoft.com/office/powerpoint/2010/main" xmlns:p15="http://schemas.microsoft.com/office/powerpoint/2012/main" xmlns:mc="http://schemas.openxmlformats.org/markup-compatibility/2006">
-  <p:cSld>
-    <p:spTree>
-      <p:nvGrpSpPr>
-        <p:cNvPr id="1" name=""/>
-        <p:cNvGrpSpPr/>
-        <p:nvPr/>
-      </p:nvGrpSpPr>
-      <p:grpSpPr>
-        <a:xfrm>
-          <a:off x="0" y="0"/>
-          <a:ext cx="0" cy="0"/>
-          <a:chOff x="0" y="0"/>
-          <a:chExt cx="0" cy="0"/>
-        </a:xfrm>
-      </p:grpSpPr>
-      <p:sp>
-        <p:nvSpPr>
-          <p:cNvPr id="348" name="PlaceHolder 1"/>
-          <p:cNvSpPr>
-            <a:spLocks noGrp="1"/>
-          </p:cNvSpPr>
-          <p:nvPr>
-            <p:ph type="title"/>
-          </p:nvPr>
-        </p:nvSpPr>
-        <p:spPr>
-          <a:xfrm>
-            <a:off x="838080" y="365040"/>
-            <a:ext cx="10514520" cy="1324440"/>
-          </a:xfrm>
-          <a:prstGeom prst="rect">
-            <a:avLst/>
-          </a:prstGeom>
-          <a:noFill/>
-          <a:ln w="0">
-            <a:noFill/>
-          </a:ln>
-        </p:spPr>
-        <p:txBody>
-          <a:bodyPr lIns="90000" rIns="90000" tIns="45000" bIns="45000" anchor="ctr">
-            <a:normAutofit/>
-          </a:bodyPr>
-          <a:p>
-            <a:pPr>
-              <a:lnSpc>
-                <a:spcPct val="90000"/>
-              </a:lnSpc>
-              <a:buNone/>
-            </a:pPr>
-            <a:r>
-              <a:rPr b="0" lang="en-US" sz="2000" spc="-1" strike="noStrike" u="sng">
-                <a:solidFill>
-                  <a:srgbClr val="000000"/>
-                </a:solidFill>
-                <a:uFillTx/>
-                <a:latin typeface="Calibri Light"/>
-              </a:rPr>
-              <a:t>Źródła użytych grafik</a:t>
-            </a:r>
-            <a:endParaRPr b="0" lang="en-US" sz="2000" spc="-1" strike="noStrike">
-              <a:latin typeface="Arial"/>
-            </a:endParaRPr>
-          </a:p>
-        </p:txBody>
-      </p:sp>
-      <p:sp>
-        <p:nvSpPr>
-          <p:cNvPr id="349" name="PlaceHolder 2"/>
-          <p:cNvSpPr>
-            <a:spLocks noGrp="1"/>
-          </p:cNvSpPr>
-          <p:nvPr>
-            <p:ph/>
-          </p:nvPr>
-        </p:nvSpPr>
-        <p:spPr>
-          <a:xfrm>
-            <a:off x="838080" y="1345320"/>
-            <a:ext cx="10514520" cy="4350240"/>
-          </a:xfrm>
-          <a:prstGeom prst="rect">
-            <a:avLst/>
-          </a:prstGeom>
-          <a:noFill/>
-          <a:ln w="0">
-            <a:noFill/>
-          </a:ln>
-        </p:spPr>
-        <p:txBody>
-          <a:bodyPr lIns="90000" rIns="90000" tIns="45000" bIns="45000" anchor="t">
-            <a:noAutofit/>
-          </a:bodyPr>
-          <a:p>
-            <a:pPr>
-              <a:lnSpc>
-                <a:spcPct val="90000"/>
-              </a:lnSpc>
-              <a:spcBef>
-                <a:spcPts val="1001"/>
-              </a:spcBef>
-              <a:buNone/>
-              <a:tabLst>
-                <a:tab algn="l" pos="0"/>
-              </a:tabLst>
-            </a:pPr>
-            <a:r>
-              <a:rPr b="0" lang="pl-PL" sz="1100" spc="-1" strike="noStrike">
-                <a:solidFill>
-                  <a:srgbClr val="000000"/>
-                </a:solidFill>
-                <a:latin typeface="Calibri"/>
-              </a:rPr>
-              <a:t>https://3.bp.blogspot.com/-qD9N6-n9j1I/WA_fEoAxoWI/AAAAAAAAKxk/Dk74eoz0K8MtR1iv32cjgT9zvi1HZKgJQCLcB/w1200-h630-p-k-no-nu/cyberwar_system_failure.png</a:t>
-            </a:r>
-            <a:endParaRPr b="0" lang="en-US" sz="1100" spc="-1" strike="noStrike">
-              <a:latin typeface="Arial"/>
-            </a:endParaRPr>
-          </a:p>
-          <a:p>
-            <a:pPr>
-              <a:lnSpc>
-                <a:spcPct val="90000"/>
-              </a:lnSpc>
-              <a:spcBef>
-                <a:spcPts val="1001"/>
-              </a:spcBef>
-              <a:buNone/>
-              <a:tabLst>
-                <a:tab algn="l" pos="0"/>
-              </a:tabLst>
-            </a:pPr>
-            <a:endParaRPr b="0" lang="en-US" sz="1100" spc="-1" strike="noStrike">
-              <a:latin typeface="Arial"/>
-            </a:endParaRPr>
-          </a:p>
-          <a:p>
-            <a:pPr>
-              <a:lnSpc>
-                <a:spcPct val="90000"/>
-              </a:lnSpc>
-              <a:spcBef>
-                <a:spcPts val="1001"/>
-              </a:spcBef>
-              <a:buNone/>
-              <a:tabLst>
-                <a:tab algn="l" pos="0"/>
-              </a:tabLst>
-            </a:pPr>
-            <a:endParaRPr b="0" lang="en-US" sz="1100" spc="-1" strike="noStrike">
               <a:latin typeface="Arial"/>
             </a:endParaRPr>
           </a:p>
@@ -26653,7 +26831,7 @@
         <p:spPr>
           <a:xfrm>
             <a:off x="306360" y="154080"/>
-            <a:ext cx="11578680" cy="1260720"/>
+            <a:ext cx="11577960" cy="1260000"/>
           </a:xfrm>
           <a:prstGeom prst="rect">
             <a:avLst/>
@@ -26675,7 +26853,7 @@
               <a:buNone/>
             </a:pPr>
             <a:r>
-              <a:rPr b="1" lang="en-US" sz="4810" spc="279" strike="noStrike" u="sng">
+              <a:rPr b="1" lang="en-US" sz="4810" spc="273" strike="noStrike" u="sng">
                 <a:solidFill>
                   <a:srgbClr val="000000"/>
                 </a:solidFill>
@@ -26699,7 +26877,7 @@
         <p:spPr>
           <a:xfrm>
             <a:off x="1055160" y="1802520"/>
-            <a:ext cx="10180440" cy="1248120"/>
+            <a:ext cx="10179720" cy="1248120"/>
           </a:xfrm>
           <a:prstGeom prst="rect">
             <a:avLst/>
@@ -26751,7 +26929,7 @@
         <p:spPr>
           <a:xfrm>
             <a:off x="967320" y="3244320"/>
-            <a:ext cx="10080720" cy="2649240"/>
+            <a:ext cx="10080000" cy="2649240"/>
           </a:xfrm>
           <a:prstGeom prst="rect">
             <a:avLst/>
@@ -26969,6 +27147,175 @@
               <a:t>)</a:t>
             </a:r>
             <a:endParaRPr b="0" lang="en-US" sz="2800" spc="-1" strike="noStrike">
+              <a:latin typeface="Arial"/>
+            </a:endParaRPr>
+          </a:p>
+        </p:txBody>
+      </p:sp>
+    </p:spTree>
+  </p:cSld>
+  <mc:AlternateContent>
+    <mc:Choice Requires="p14">
+      <p:transition spd="slow" p14:dur="2000"/>
+    </mc:Choice>
+    <mc:Fallback>
+      <p:transition spd="slow"/>
+    </mc:Fallback>
+  </mc:AlternateContent>
+</p:sld>
+</file>
+
+<file path=ppt/slides/slide80.xml><?xml version="1.0" encoding="utf-8"?>
+<p:sld xmlns:a="http://schemas.openxmlformats.org/drawingml/2006/main" xmlns:p="http://schemas.openxmlformats.org/presentationml/2006/main" xmlns:r="http://schemas.openxmlformats.org/officeDocument/2006/relationships" xmlns:p14="http://schemas.microsoft.com/office/powerpoint/2010/main" xmlns:p15="http://schemas.microsoft.com/office/powerpoint/2012/main" xmlns:mc="http://schemas.openxmlformats.org/markup-compatibility/2006">
+  <p:cSld>
+    <p:spTree>
+      <p:nvGrpSpPr>
+        <p:cNvPr id="1" name=""/>
+        <p:cNvGrpSpPr/>
+        <p:nvPr/>
+      </p:nvGrpSpPr>
+      <p:grpSpPr>
+        <a:xfrm>
+          <a:off x="0" y="0"/>
+          <a:ext cx="0" cy="0"/>
+          <a:chOff x="0" y="0"/>
+          <a:chExt cx="0" cy="0"/>
+        </a:xfrm>
+      </p:grpSpPr>
+      <p:sp>
+        <p:nvSpPr>
+          <p:cNvPr id="350" name="PlaceHolder 1"/>
+          <p:cNvSpPr>
+            <a:spLocks noGrp="1"/>
+          </p:cNvSpPr>
+          <p:nvPr>
+            <p:ph type="title"/>
+          </p:nvPr>
+        </p:nvSpPr>
+        <p:spPr>
+          <a:xfrm>
+            <a:off x="838080" y="365040"/>
+            <a:ext cx="10513800" cy="1323720"/>
+          </a:xfrm>
+          <a:prstGeom prst="rect">
+            <a:avLst/>
+          </a:prstGeom>
+          <a:noFill/>
+          <a:ln w="0">
+            <a:noFill/>
+          </a:ln>
+        </p:spPr>
+        <p:txBody>
+          <a:bodyPr lIns="90000" rIns="90000" tIns="45000" bIns="45000" anchor="ctr">
+            <a:normAutofit/>
+          </a:bodyPr>
+          <a:p>
+            <a:pPr>
+              <a:lnSpc>
+                <a:spcPct val="90000"/>
+              </a:lnSpc>
+              <a:buNone/>
+            </a:pPr>
+            <a:r>
+              <a:rPr b="0" lang="en-US" sz="2000" spc="-1" strike="noStrike" u="sng">
+                <a:solidFill>
+                  <a:srgbClr val="000000"/>
+                </a:solidFill>
+                <a:uFillTx/>
+                <a:latin typeface="Calibri Light"/>
+              </a:rPr>
+              <a:t>Źródła użytych grafik</a:t>
+            </a:r>
+            <a:endParaRPr b="0" lang="en-US" sz="2000" spc="-1" strike="noStrike">
+              <a:latin typeface="Arial"/>
+            </a:endParaRPr>
+          </a:p>
+        </p:txBody>
+      </p:sp>
+      <p:sp>
+        <p:nvSpPr>
+          <p:cNvPr id="351" name="PlaceHolder 2"/>
+          <p:cNvSpPr>
+            <a:spLocks noGrp="1"/>
+          </p:cNvSpPr>
+          <p:nvPr>
+            <p:ph/>
+          </p:nvPr>
+        </p:nvSpPr>
+        <p:spPr>
+          <a:xfrm>
+            <a:off x="838080" y="1345320"/>
+            <a:ext cx="10513800" cy="4349520"/>
+          </a:xfrm>
+          <a:prstGeom prst="rect">
+            <a:avLst/>
+          </a:prstGeom>
+          <a:noFill/>
+          <a:ln w="0">
+            <a:noFill/>
+          </a:ln>
+        </p:spPr>
+        <p:txBody>
+          <a:bodyPr lIns="90000" rIns="90000" tIns="45000" bIns="45000" anchor="t">
+            <a:noAutofit/>
+          </a:bodyPr>
+          <a:p>
+            <a:pPr>
+              <a:lnSpc>
+                <a:spcPct val="90000"/>
+              </a:lnSpc>
+              <a:spcBef>
+                <a:spcPts val="1001"/>
+              </a:spcBef>
+              <a:buNone/>
+              <a:tabLst>
+                <a:tab algn="l" pos="0"/>
+              </a:tabLst>
+            </a:pPr>
+            <a:r>
+              <a:rPr b="0" lang="pl-PL" sz="1100" spc="-1" strike="noStrike">
+                <a:solidFill>
+                  <a:srgbClr val="000000"/>
+                </a:solidFill>
+                <a:latin typeface="Calibri"/>
+              </a:rPr>
+              <a:t>https://3.bp.blogspot.com/-qD9N6-n9j1I/WA_fEoAxoWI/AAAAAAAAKxk/Dk74eoz0K8MtR1iv32cjgT9zvi1HZKgJQCLcB/w1200-h630-p-k-no-nu/cyberwar_system_failure.png</a:t>
+            </a:r>
+            <a:endParaRPr b="0" lang="en-US" sz="1100" spc="-1" strike="noStrike">
+              <a:latin typeface="Arial"/>
+            </a:endParaRPr>
+          </a:p>
+          <a:p>
+            <a:pPr>
+              <a:lnSpc>
+                <a:spcPct val="90000"/>
+              </a:lnSpc>
+              <a:spcBef>
+                <a:spcPts val="1001"/>
+              </a:spcBef>
+              <a:buNone/>
+              <a:tabLst>
+                <a:tab algn="l" pos="0"/>
+              </a:tabLst>
+            </a:pPr>
+            <a:endParaRPr b="0" lang="en-US" sz="1100" spc="-1" strike="noStrike">
+              <a:latin typeface="Arial"/>
+            </a:endParaRPr>
+          </a:p>
+          <a:p>
+            <a:pPr>
+              <a:lnSpc>
+                <a:spcPct val="90000"/>
+              </a:lnSpc>
+              <a:spcBef>
+                <a:spcPts val="1001"/>
+              </a:spcBef>
+              <a:buNone/>
+              <a:tabLst>
+                <a:tab algn="l" pos="0"/>
+              </a:tabLst>
+            </a:pPr>
+            <a:endParaRPr b="0" lang="en-US" sz="1100" spc="-1" strike="noStrike">
               <a:latin typeface="Arial"/>
             </a:endParaRPr>
           </a:p>
@@ -27017,7 +27364,7 @@
         <p:spPr>
           <a:xfrm>
             <a:off x="1776600" y="388800"/>
-            <a:ext cx="8963280" cy="1300320"/>
+            <a:ext cx="8962560" cy="1299600"/>
           </a:xfrm>
           <a:prstGeom prst="rect">
             <a:avLst/>
@@ -27039,7 +27386,7 @@
               <a:buNone/>
             </a:pPr>
             <a:r>
-              <a:rPr b="1" lang="en-US" sz="4810" spc="279" strike="noStrike" u="sng">
+              <a:rPr b="1" lang="en-US" sz="4810" spc="273" strike="noStrike" u="sng">
                 <a:solidFill>
                   <a:srgbClr val="000000"/>
                 </a:solidFill>
@@ -27063,7 +27410,7 @@
         <p:spPr>
           <a:xfrm>
             <a:off x="1005120" y="2392920"/>
-            <a:ext cx="10180440" cy="1827360"/>
+            <a:ext cx="10179720" cy="1827360"/>
           </a:xfrm>
           <a:prstGeom prst="rect">
             <a:avLst/>
